--- a/Workflow/GAIA knockoff Logic WorkFlow.pptx
+++ b/Workflow/GAIA knockoff Logic WorkFlow.pptx
@@ -11,8 +11,9 @@
     <p:sldId id="269" r:id="rId8"/>
     <p:sldId id="268" r:id="rId9"/>
     <p:sldId id="271" r:id="rId10"/>
-    <p:sldId id="265" r:id="rId11"/>
-    <p:sldId id="266" r:id="rId12"/>
+    <p:sldId id="272" r:id="rId11"/>
+    <p:sldId id="265" r:id="rId12"/>
+    <p:sldId id="266" r:id="rId13"/>
   </p:sldIdLst>
   <p:sldSz cx="12192000" cy="6858000"/>
   <p:notesSz cx="6858000" cy="9144000"/>
@@ -120,6 +121,753 @@
 </file>
 
 <file path=ppt/diagrams/colors1.xml><?xml version="1.0" encoding="utf-8"?>
+<dgm:colorsDef xmlns:dgm="http://schemas.openxmlformats.org/drawingml/2006/diagram" xmlns:a="http://schemas.openxmlformats.org/drawingml/2006/main" uniqueId="urn:microsoft.com/office/officeart/2005/8/colors/accent1_2">
+  <dgm:title val=""/>
+  <dgm:desc val=""/>
+  <dgm:catLst>
+    <dgm:cat type="accent1" pri="11200"/>
+  </dgm:catLst>
+  <dgm:styleLbl name="node0">
+    <dgm:fillClrLst meth="repeat">
+      <a:schemeClr val="accent1"/>
+    </dgm:fillClrLst>
+    <dgm:linClrLst meth="repeat">
+      <a:schemeClr val="lt1"/>
+    </dgm:linClrLst>
+    <dgm:effectClrLst/>
+    <dgm:txLinClrLst/>
+    <dgm:txFillClrLst/>
+    <dgm:txEffectClrLst/>
+  </dgm:styleLbl>
+  <dgm:styleLbl name="alignNode1">
+    <dgm:fillClrLst meth="repeat">
+      <a:schemeClr val="accent1"/>
+    </dgm:fillClrLst>
+    <dgm:linClrLst meth="repeat">
+      <a:schemeClr val="accent1"/>
+    </dgm:linClrLst>
+    <dgm:effectClrLst/>
+    <dgm:txLinClrLst/>
+    <dgm:txFillClrLst/>
+    <dgm:txEffectClrLst/>
+  </dgm:styleLbl>
+  <dgm:styleLbl name="node1">
+    <dgm:fillClrLst meth="repeat">
+      <a:schemeClr val="accent1"/>
+    </dgm:fillClrLst>
+    <dgm:linClrLst meth="repeat">
+      <a:schemeClr val="lt1"/>
+    </dgm:linClrLst>
+    <dgm:effectClrLst/>
+    <dgm:txLinClrLst/>
+    <dgm:txFillClrLst/>
+    <dgm:txEffectClrLst/>
+  </dgm:styleLbl>
+  <dgm:styleLbl name="lnNode1">
+    <dgm:fillClrLst meth="repeat">
+      <a:schemeClr val="accent1"/>
+    </dgm:fillClrLst>
+    <dgm:linClrLst meth="repeat">
+      <a:schemeClr val="lt1"/>
+    </dgm:linClrLst>
+    <dgm:effectClrLst/>
+    <dgm:txLinClrLst/>
+    <dgm:txFillClrLst/>
+    <dgm:txEffectClrLst/>
+  </dgm:styleLbl>
+  <dgm:styleLbl name="vennNode1">
+    <dgm:fillClrLst meth="repeat">
+      <a:schemeClr val="accent1">
+        <a:alpha val="50000"/>
+      </a:schemeClr>
+    </dgm:fillClrLst>
+    <dgm:linClrLst meth="repeat">
+      <a:schemeClr val="lt1"/>
+    </dgm:linClrLst>
+    <dgm:effectClrLst/>
+    <dgm:txLinClrLst/>
+    <dgm:txFillClrLst/>
+    <dgm:txEffectClrLst/>
+  </dgm:styleLbl>
+  <dgm:styleLbl name="node2">
+    <dgm:fillClrLst meth="repeat">
+      <a:schemeClr val="accent1"/>
+    </dgm:fillClrLst>
+    <dgm:linClrLst meth="repeat">
+      <a:schemeClr val="lt1"/>
+    </dgm:linClrLst>
+    <dgm:effectClrLst/>
+    <dgm:txLinClrLst/>
+    <dgm:txFillClrLst/>
+    <dgm:txEffectClrLst/>
+  </dgm:styleLbl>
+  <dgm:styleLbl name="node3">
+    <dgm:fillClrLst meth="repeat">
+      <a:schemeClr val="accent1"/>
+    </dgm:fillClrLst>
+    <dgm:linClrLst meth="repeat">
+      <a:schemeClr val="lt1"/>
+    </dgm:linClrLst>
+    <dgm:effectClrLst/>
+    <dgm:txLinClrLst/>
+    <dgm:txFillClrLst/>
+    <dgm:txEffectClrLst/>
+  </dgm:styleLbl>
+  <dgm:styleLbl name="node4">
+    <dgm:fillClrLst meth="repeat">
+      <a:schemeClr val="accent1"/>
+    </dgm:fillClrLst>
+    <dgm:linClrLst meth="repeat">
+      <a:schemeClr val="lt1"/>
+    </dgm:linClrLst>
+    <dgm:effectClrLst/>
+    <dgm:txLinClrLst/>
+    <dgm:txFillClrLst/>
+    <dgm:txEffectClrLst/>
+  </dgm:styleLbl>
+  <dgm:styleLbl name="fgImgPlace1">
+    <dgm:fillClrLst meth="repeat">
+      <a:schemeClr val="accent1">
+        <a:tint val="50000"/>
+      </a:schemeClr>
+    </dgm:fillClrLst>
+    <dgm:linClrLst meth="repeat">
+      <a:schemeClr val="lt1"/>
+    </dgm:linClrLst>
+    <dgm:effectClrLst/>
+    <dgm:txLinClrLst/>
+    <dgm:txFillClrLst meth="repeat">
+      <a:schemeClr val="lt1"/>
+    </dgm:txFillClrLst>
+    <dgm:txEffectClrLst/>
+  </dgm:styleLbl>
+  <dgm:styleLbl name="alignImgPlace1">
+    <dgm:fillClrLst meth="repeat">
+      <a:schemeClr val="accent1">
+        <a:tint val="50000"/>
+      </a:schemeClr>
+    </dgm:fillClrLst>
+    <dgm:linClrLst meth="repeat">
+      <a:schemeClr val="lt1"/>
+    </dgm:linClrLst>
+    <dgm:effectClrLst/>
+    <dgm:txLinClrLst/>
+    <dgm:txFillClrLst meth="repeat">
+      <a:schemeClr val="lt1"/>
+    </dgm:txFillClrLst>
+    <dgm:txEffectClrLst/>
+  </dgm:styleLbl>
+  <dgm:styleLbl name="bgImgPlace1">
+    <dgm:fillClrLst meth="repeat">
+      <a:schemeClr val="accent1">
+        <a:tint val="50000"/>
+      </a:schemeClr>
+    </dgm:fillClrLst>
+    <dgm:linClrLst meth="repeat">
+      <a:schemeClr val="lt1"/>
+    </dgm:linClrLst>
+    <dgm:effectClrLst/>
+    <dgm:txLinClrLst/>
+    <dgm:txFillClrLst meth="repeat">
+      <a:schemeClr val="lt1"/>
+    </dgm:txFillClrLst>
+    <dgm:txEffectClrLst/>
+  </dgm:styleLbl>
+  <dgm:styleLbl name="sibTrans2D1">
+    <dgm:fillClrLst meth="repeat">
+      <a:schemeClr val="accent1">
+        <a:tint val="60000"/>
+      </a:schemeClr>
+    </dgm:fillClrLst>
+    <dgm:linClrLst meth="repeat">
+      <a:schemeClr val="accent1">
+        <a:tint val="60000"/>
+      </a:schemeClr>
+    </dgm:linClrLst>
+    <dgm:effectClrLst/>
+    <dgm:txLinClrLst/>
+    <dgm:txFillClrLst/>
+    <dgm:txEffectClrLst/>
+  </dgm:styleLbl>
+  <dgm:styleLbl name="fgSibTrans2D1">
+    <dgm:fillClrLst meth="repeat">
+      <a:schemeClr val="accent1">
+        <a:tint val="60000"/>
+      </a:schemeClr>
+    </dgm:fillClrLst>
+    <dgm:linClrLst meth="repeat">
+      <a:schemeClr val="accent1">
+        <a:tint val="60000"/>
+      </a:schemeClr>
+    </dgm:linClrLst>
+    <dgm:effectClrLst/>
+    <dgm:txLinClrLst/>
+    <dgm:txFillClrLst/>
+    <dgm:txEffectClrLst/>
+  </dgm:styleLbl>
+  <dgm:styleLbl name="bgSibTrans2D1">
+    <dgm:fillClrLst meth="repeat">
+      <a:schemeClr val="accent1">
+        <a:tint val="60000"/>
+      </a:schemeClr>
+    </dgm:fillClrLst>
+    <dgm:linClrLst meth="repeat">
+      <a:schemeClr val="accent1">
+        <a:tint val="60000"/>
+      </a:schemeClr>
+    </dgm:linClrLst>
+    <dgm:effectClrLst/>
+    <dgm:txLinClrLst/>
+    <dgm:txFillClrLst/>
+    <dgm:txEffectClrLst/>
+  </dgm:styleLbl>
+  <dgm:styleLbl name="sibTrans1D1">
+    <dgm:fillClrLst meth="repeat">
+      <a:schemeClr val="accent1"/>
+    </dgm:fillClrLst>
+    <dgm:linClrLst meth="repeat">
+      <a:schemeClr val="accent1"/>
+    </dgm:linClrLst>
+    <dgm:effectClrLst/>
+    <dgm:txLinClrLst/>
+    <dgm:txFillClrLst meth="repeat">
+      <a:schemeClr val="tx1"/>
+    </dgm:txFillClrLst>
+    <dgm:txEffectClrLst/>
+  </dgm:styleLbl>
+  <dgm:styleLbl name="callout">
+    <dgm:fillClrLst meth="repeat">
+      <a:schemeClr val="accent1"/>
+    </dgm:fillClrLst>
+    <dgm:linClrLst meth="repeat">
+      <a:schemeClr val="accent1">
+        <a:tint val="50000"/>
+      </a:schemeClr>
+    </dgm:linClrLst>
+    <dgm:effectClrLst/>
+    <dgm:txLinClrLst/>
+    <dgm:txFillClrLst meth="repeat">
+      <a:schemeClr val="tx1"/>
+    </dgm:txFillClrLst>
+    <dgm:txEffectClrLst/>
+  </dgm:styleLbl>
+  <dgm:styleLbl name="asst0">
+    <dgm:fillClrLst meth="repeat">
+      <a:schemeClr val="accent1"/>
+    </dgm:fillClrLst>
+    <dgm:linClrLst meth="repeat">
+      <a:schemeClr val="lt1"/>
+    </dgm:linClrLst>
+    <dgm:effectClrLst/>
+    <dgm:txLinClrLst/>
+    <dgm:txFillClrLst/>
+    <dgm:txEffectClrLst/>
+  </dgm:styleLbl>
+  <dgm:styleLbl name="asst1">
+    <dgm:fillClrLst meth="repeat">
+      <a:schemeClr val="accent1"/>
+    </dgm:fillClrLst>
+    <dgm:linClrLst meth="repeat">
+      <a:schemeClr val="lt1"/>
+    </dgm:linClrLst>
+    <dgm:effectClrLst/>
+    <dgm:txLinClrLst/>
+    <dgm:txFillClrLst/>
+    <dgm:txEffectClrLst/>
+  </dgm:styleLbl>
+  <dgm:styleLbl name="asst2">
+    <dgm:fillClrLst meth="repeat">
+      <a:schemeClr val="accent1"/>
+    </dgm:fillClrLst>
+    <dgm:linClrLst meth="repeat">
+      <a:schemeClr val="lt1"/>
+    </dgm:linClrLst>
+    <dgm:effectClrLst/>
+    <dgm:txLinClrLst/>
+    <dgm:txFillClrLst/>
+    <dgm:txEffectClrLst/>
+  </dgm:styleLbl>
+  <dgm:styleLbl name="asst3">
+    <dgm:fillClrLst meth="repeat">
+      <a:schemeClr val="accent1"/>
+    </dgm:fillClrLst>
+    <dgm:linClrLst meth="repeat">
+      <a:schemeClr val="lt1"/>
+    </dgm:linClrLst>
+    <dgm:effectClrLst/>
+    <dgm:txLinClrLst/>
+    <dgm:txFillClrLst/>
+    <dgm:txEffectClrLst/>
+  </dgm:styleLbl>
+  <dgm:styleLbl name="asst4">
+    <dgm:fillClrLst meth="repeat">
+      <a:schemeClr val="accent1"/>
+    </dgm:fillClrLst>
+    <dgm:linClrLst meth="repeat">
+      <a:schemeClr val="lt1"/>
+    </dgm:linClrLst>
+    <dgm:effectClrLst/>
+    <dgm:txLinClrLst/>
+    <dgm:txFillClrLst/>
+    <dgm:txEffectClrLst/>
+  </dgm:styleLbl>
+  <dgm:styleLbl name="parChTrans2D1">
+    <dgm:fillClrLst meth="repeat">
+      <a:schemeClr val="accent1">
+        <a:tint val="60000"/>
+      </a:schemeClr>
+    </dgm:fillClrLst>
+    <dgm:linClrLst meth="repeat">
+      <a:schemeClr val="accent1">
+        <a:tint val="60000"/>
+      </a:schemeClr>
+    </dgm:linClrLst>
+    <dgm:effectClrLst/>
+    <dgm:txLinClrLst/>
+    <dgm:txFillClrLst meth="repeat">
+      <a:schemeClr val="lt1"/>
+    </dgm:txFillClrLst>
+    <dgm:txEffectClrLst/>
+  </dgm:styleLbl>
+  <dgm:styleLbl name="parChTrans2D2">
+    <dgm:fillClrLst meth="repeat">
+      <a:schemeClr val="accent1"/>
+    </dgm:fillClrLst>
+    <dgm:linClrLst meth="repeat">
+      <a:schemeClr val="accent1"/>
+    </dgm:linClrLst>
+    <dgm:effectClrLst/>
+    <dgm:txLinClrLst/>
+    <dgm:txFillClrLst meth="repeat">
+      <a:schemeClr val="lt1"/>
+    </dgm:txFillClrLst>
+    <dgm:txEffectClrLst/>
+  </dgm:styleLbl>
+  <dgm:styleLbl name="parChTrans2D3">
+    <dgm:fillClrLst meth="repeat">
+      <a:schemeClr val="accent1"/>
+    </dgm:fillClrLst>
+    <dgm:linClrLst meth="repeat">
+      <a:schemeClr val="accent1"/>
+    </dgm:linClrLst>
+    <dgm:effectClrLst/>
+    <dgm:txLinClrLst/>
+    <dgm:txFillClrLst meth="repeat">
+      <a:schemeClr val="lt1"/>
+    </dgm:txFillClrLst>
+    <dgm:txEffectClrLst/>
+  </dgm:styleLbl>
+  <dgm:styleLbl name="parChTrans2D4">
+    <dgm:fillClrLst meth="repeat">
+      <a:schemeClr val="accent1"/>
+    </dgm:fillClrLst>
+    <dgm:linClrLst meth="repeat">
+      <a:schemeClr val="accent1"/>
+    </dgm:linClrLst>
+    <dgm:effectClrLst/>
+    <dgm:txLinClrLst/>
+    <dgm:txFillClrLst meth="repeat">
+      <a:schemeClr val="lt1"/>
+    </dgm:txFillClrLst>
+    <dgm:txEffectClrLst/>
+  </dgm:styleLbl>
+  <dgm:styleLbl name="parChTrans1D1">
+    <dgm:fillClrLst meth="repeat">
+      <a:schemeClr val="accent1"/>
+    </dgm:fillClrLst>
+    <dgm:linClrLst meth="repeat">
+      <a:schemeClr val="accent1">
+        <a:shade val="60000"/>
+      </a:schemeClr>
+    </dgm:linClrLst>
+    <dgm:effectClrLst/>
+    <dgm:txLinClrLst/>
+    <dgm:txFillClrLst meth="repeat">
+      <a:schemeClr val="tx1"/>
+    </dgm:txFillClrLst>
+    <dgm:txEffectClrLst/>
+  </dgm:styleLbl>
+  <dgm:styleLbl name="parChTrans1D2">
+    <dgm:fillClrLst meth="repeat">
+      <a:schemeClr val="accent1"/>
+    </dgm:fillClrLst>
+    <dgm:linClrLst meth="repeat">
+      <a:schemeClr val="accent1">
+        <a:shade val="60000"/>
+      </a:schemeClr>
+    </dgm:linClrLst>
+    <dgm:effectClrLst/>
+    <dgm:txLinClrLst/>
+    <dgm:txFillClrLst meth="repeat">
+      <a:schemeClr val="tx1"/>
+    </dgm:txFillClrLst>
+    <dgm:txEffectClrLst/>
+  </dgm:styleLbl>
+  <dgm:styleLbl name="parChTrans1D3">
+    <dgm:fillClrLst meth="repeat">
+      <a:schemeClr val="accent1"/>
+    </dgm:fillClrLst>
+    <dgm:linClrLst meth="repeat">
+      <a:schemeClr val="accent1">
+        <a:shade val="80000"/>
+      </a:schemeClr>
+    </dgm:linClrLst>
+    <dgm:effectClrLst/>
+    <dgm:txLinClrLst/>
+    <dgm:txFillClrLst meth="repeat">
+      <a:schemeClr val="tx1"/>
+    </dgm:txFillClrLst>
+    <dgm:txEffectClrLst/>
+  </dgm:styleLbl>
+  <dgm:styleLbl name="parChTrans1D4">
+    <dgm:fillClrLst meth="repeat">
+      <a:schemeClr val="accent1"/>
+    </dgm:fillClrLst>
+    <dgm:linClrLst meth="repeat">
+      <a:schemeClr val="accent1">
+        <a:shade val="80000"/>
+      </a:schemeClr>
+    </dgm:linClrLst>
+    <dgm:effectClrLst/>
+    <dgm:txLinClrLst/>
+    <dgm:txFillClrLst meth="repeat">
+      <a:schemeClr val="tx1"/>
+    </dgm:txFillClrLst>
+    <dgm:txEffectClrLst/>
+  </dgm:styleLbl>
+  <dgm:styleLbl name="fgAcc1">
+    <dgm:fillClrLst meth="repeat">
+      <a:schemeClr val="lt1">
+        <a:alpha val="90000"/>
+      </a:schemeClr>
+    </dgm:fillClrLst>
+    <dgm:linClrLst meth="repeat">
+      <a:schemeClr val="accent1"/>
+    </dgm:linClrLst>
+    <dgm:effectClrLst/>
+    <dgm:txLinClrLst/>
+    <dgm:txFillClrLst meth="repeat">
+      <a:schemeClr val="dk1"/>
+    </dgm:txFillClrLst>
+    <dgm:txEffectClrLst/>
+  </dgm:styleLbl>
+  <dgm:styleLbl name="conFgAcc1">
+    <dgm:fillClrLst meth="repeat">
+      <a:schemeClr val="lt1">
+        <a:alpha val="90000"/>
+      </a:schemeClr>
+    </dgm:fillClrLst>
+    <dgm:linClrLst meth="repeat">
+      <a:schemeClr val="accent1"/>
+    </dgm:linClrLst>
+    <dgm:effectClrLst/>
+    <dgm:txLinClrLst/>
+    <dgm:txFillClrLst meth="repeat">
+      <a:schemeClr val="dk1"/>
+    </dgm:txFillClrLst>
+    <dgm:txEffectClrLst/>
+  </dgm:styleLbl>
+  <dgm:styleLbl name="alignAcc1">
+    <dgm:fillClrLst meth="repeat">
+      <a:schemeClr val="lt1">
+        <a:alpha val="90000"/>
+      </a:schemeClr>
+    </dgm:fillClrLst>
+    <dgm:linClrLst meth="repeat">
+      <a:schemeClr val="accent1"/>
+    </dgm:linClrLst>
+    <dgm:effectClrLst/>
+    <dgm:txLinClrLst/>
+    <dgm:txFillClrLst meth="repeat">
+      <a:schemeClr val="dk1"/>
+    </dgm:txFillClrLst>
+    <dgm:txEffectClrLst/>
+  </dgm:styleLbl>
+  <dgm:styleLbl name="trAlignAcc1">
+    <dgm:fillClrLst meth="repeat">
+      <a:schemeClr val="lt1">
+        <a:alpha val="40000"/>
+      </a:schemeClr>
+    </dgm:fillClrLst>
+    <dgm:linClrLst meth="repeat">
+      <a:schemeClr val="accent1"/>
+    </dgm:linClrLst>
+    <dgm:effectClrLst/>
+    <dgm:txLinClrLst/>
+    <dgm:txFillClrLst meth="repeat">
+      <a:schemeClr val="dk1"/>
+    </dgm:txFillClrLst>
+    <dgm:txEffectClrLst/>
+  </dgm:styleLbl>
+  <dgm:styleLbl name="bgAcc1">
+    <dgm:fillClrLst meth="repeat">
+      <a:schemeClr val="lt1">
+        <a:alpha val="90000"/>
+      </a:schemeClr>
+    </dgm:fillClrLst>
+    <dgm:linClrLst meth="repeat">
+      <a:schemeClr val="accent1"/>
+    </dgm:linClrLst>
+    <dgm:effectClrLst/>
+    <dgm:txLinClrLst/>
+    <dgm:txFillClrLst meth="repeat">
+      <a:schemeClr val="dk1"/>
+    </dgm:txFillClrLst>
+    <dgm:txEffectClrLst/>
+  </dgm:styleLbl>
+  <dgm:styleLbl name="solidFgAcc1">
+    <dgm:fillClrLst meth="repeat">
+      <a:schemeClr val="lt1"/>
+    </dgm:fillClrLst>
+    <dgm:linClrLst meth="repeat">
+      <a:schemeClr val="accent1"/>
+    </dgm:linClrLst>
+    <dgm:effectClrLst/>
+    <dgm:txLinClrLst/>
+    <dgm:txFillClrLst meth="repeat">
+      <a:schemeClr val="dk1"/>
+    </dgm:txFillClrLst>
+    <dgm:txEffectClrLst/>
+  </dgm:styleLbl>
+  <dgm:styleLbl name="solidAlignAcc1">
+    <dgm:fillClrLst meth="repeat">
+      <a:schemeClr val="lt1"/>
+    </dgm:fillClrLst>
+    <dgm:linClrLst meth="repeat">
+      <a:schemeClr val="accent1"/>
+    </dgm:linClrLst>
+    <dgm:effectClrLst/>
+    <dgm:txLinClrLst/>
+    <dgm:txFillClrLst meth="repeat">
+      <a:schemeClr val="dk1"/>
+    </dgm:txFillClrLst>
+    <dgm:txEffectClrLst/>
+  </dgm:styleLbl>
+  <dgm:styleLbl name="solidBgAcc1">
+    <dgm:fillClrLst meth="repeat">
+      <a:schemeClr val="lt1"/>
+    </dgm:fillClrLst>
+    <dgm:linClrLst meth="repeat">
+      <a:schemeClr val="accent1"/>
+    </dgm:linClrLst>
+    <dgm:effectClrLst/>
+    <dgm:txLinClrLst/>
+    <dgm:txFillClrLst meth="repeat">
+      <a:schemeClr val="dk1"/>
+    </dgm:txFillClrLst>
+    <dgm:txEffectClrLst/>
+  </dgm:styleLbl>
+  <dgm:styleLbl name="fgAccFollowNode1">
+    <dgm:fillClrLst meth="repeat">
+      <a:schemeClr val="accent1">
+        <a:alpha val="90000"/>
+        <a:tint val="40000"/>
+      </a:schemeClr>
+    </dgm:fillClrLst>
+    <dgm:linClrLst meth="repeat">
+      <a:schemeClr val="accent1">
+        <a:alpha val="90000"/>
+        <a:tint val="40000"/>
+      </a:schemeClr>
+    </dgm:linClrLst>
+    <dgm:effectClrLst/>
+    <dgm:txLinClrLst/>
+    <dgm:txFillClrLst meth="repeat">
+      <a:schemeClr val="dk1"/>
+    </dgm:txFillClrLst>
+    <dgm:txEffectClrLst/>
+  </dgm:styleLbl>
+  <dgm:styleLbl name="alignAccFollowNode1">
+    <dgm:fillClrLst meth="repeat">
+      <a:schemeClr val="accent1">
+        <a:alpha val="90000"/>
+        <a:tint val="40000"/>
+      </a:schemeClr>
+    </dgm:fillClrLst>
+    <dgm:linClrLst meth="repeat">
+      <a:schemeClr val="accent1">
+        <a:alpha val="90000"/>
+        <a:tint val="40000"/>
+      </a:schemeClr>
+    </dgm:linClrLst>
+    <dgm:effectClrLst/>
+    <dgm:txLinClrLst/>
+    <dgm:txFillClrLst meth="repeat">
+      <a:schemeClr val="dk1"/>
+    </dgm:txFillClrLst>
+    <dgm:txEffectClrLst/>
+  </dgm:styleLbl>
+  <dgm:styleLbl name="bgAccFollowNode1">
+    <dgm:fillClrLst meth="repeat">
+      <a:schemeClr val="accent1">
+        <a:alpha val="90000"/>
+        <a:tint val="40000"/>
+      </a:schemeClr>
+    </dgm:fillClrLst>
+    <dgm:linClrLst meth="repeat">
+      <a:schemeClr val="accent1">
+        <a:alpha val="90000"/>
+        <a:tint val="40000"/>
+      </a:schemeClr>
+    </dgm:linClrLst>
+    <dgm:effectClrLst/>
+    <dgm:txLinClrLst/>
+    <dgm:txFillClrLst meth="repeat">
+      <a:schemeClr val="dk1"/>
+    </dgm:txFillClrLst>
+    <dgm:txEffectClrLst/>
+  </dgm:styleLbl>
+  <dgm:styleLbl name="fgAcc0">
+    <dgm:fillClrLst meth="repeat">
+      <a:schemeClr val="lt1">
+        <a:alpha val="90000"/>
+      </a:schemeClr>
+    </dgm:fillClrLst>
+    <dgm:linClrLst meth="repeat">
+      <a:schemeClr val="accent1"/>
+    </dgm:linClrLst>
+    <dgm:effectClrLst/>
+    <dgm:txLinClrLst/>
+    <dgm:txFillClrLst meth="repeat">
+      <a:schemeClr val="dk1"/>
+    </dgm:txFillClrLst>
+    <dgm:txEffectClrLst/>
+  </dgm:styleLbl>
+  <dgm:styleLbl name="fgAcc2">
+    <dgm:fillClrLst meth="repeat">
+      <a:schemeClr val="lt1">
+        <a:alpha val="90000"/>
+      </a:schemeClr>
+    </dgm:fillClrLst>
+    <dgm:linClrLst meth="repeat">
+      <a:schemeClr val="accent1"/>
+    </dgm:linClrLst>
+    <dgm:effectClrLst/>
+    <dgm:txLinClrLst/>
+    <dgm:txFillClrLst meth="repeat">
+      <a:schemeClr val="dk1"/>
+    </dgm:txFillClrLst>
+    <dgm:txEffectClrLst/>
+  </dgm:styleLbl>
+  <dgm:styleLbl name="fgAcc3">
+    <dgm:fillClrLst meth="repeat">
+      <a:schemeClr val="lt1">
+        <a:alpha val="90000"/>
+      </a:schemeClr>
+    </dgm:fillClrLst>
+    <dgm:linClrLst meth="repeat">
+      <a:schemeClr val="accent1"/>
+    </dgm:linClrLst>
+    <dgm:effectClrLst/>
+    <dgm:txLinClrLst/>
+    <dgm:txFillClrLst meth="repeat">
+      <a:schemeClr val="dk1"/>
+    </dgm:txFillClrLst>
+    <dgm:txEffectClrLst/>
+  </dgm:styleLbl>
+  <dgm:styleLbl name="fgAcc4">
+    <dgm:fillClrLst meth="repeat">
+      <a:schemeClr val="lt1">
+        <a:alpha val="90000"/>
+      </a:schemeClr>
+    </dgm:fillClrLst>
+    <dgm:linClrLst meth="repeat">
+      <a:schemeClr val="accent1"/>
+    </dgm:linClrLst>
+    <dgm:effectClrLst/>
+    <dgm:txLinClrLst/>
+    <dgm:txFillClrLst meth="repeat">
+      <a:schemeClr val="dk1"/>
+    </dgm:txFillClrLst>
+    <dgm:txEffectClrLst/>
+  </dgm:styleLbl>
+  <dgm:styleLbl name="bgShp">
+    <dgm:fillClrLst meth="repeat">
+      <a:schemeClr val="accent1">
+        <a:tint val="40000"/>
+      </a:schemeClr>
+    </dgm:fillClrLst>
+    <dgm:linClrLst meth="repeat">
+      <a:schemeClr val="accent1"/>
+    </dgm:linClrLst>
+    <dgm:effectClrLst/>
+    <dgm:txLinClrLst/>
+    <dgm:txFillClrLst meth="repeat">
+      <a:schemeClr val="dk1"/>
+    </dgm:txFillClrLst>
+    <dgm:txEffectClrLst/>
+  </dgm:styleLbl>
+  <dgm:styleLbl name="dkBgShp">
+    <dgm:fillClrLst meth="repeat">
+      <a:schemeClr val="accent1">
+        <a:shade val="80000"/>
+      </a:schemeClr>
+    </dgm:fillClrLst>
+    <dgm:linClrLst meth="repeat">
+      <a:schemeClr val="accent1"/>
+    </dgm:linClrLst>
+    <dgm:effectClrLst/>
+    <dgm:txLinClrLst/>
+    <dgm:txFillClrLst meth="repeat">
+      <a:schemeClr val="lt1"/>
+    </dgm:txFillClrLst>
+    <dgm:txEffectClrLst/>
+  </dgm:styleLbl>
+  <dgm:styleLbl name="trBgShp">
+    <dgm:fillClrLst meth="repeat">
+      <a:schemeClr val="accent1">
+        <a:tint val="50000"/>
+        <a:alpha val="40000"/>
+      </a:schemeClr>
+    </dgm:fillClrLst>
+    <dgm:linClrLst meth="repeat">
+      <a:schemeClr val="accent1"/>
+    </dgm:linClrLst>
+    <dgm:effectClrLst/>
+    <dgm:txLinClrLst/>
+    <dgm:txFillClrLst meth="repeat">
+      <a:schemeClr val="lt1"/>
+    </dgm:txFillClrLst>
+    <dgm:txEffectClrLst/>
+  </dgm:styleLbl>
+  <dgm:styleLbl name="fgShp">
+    <dgm:fillClrLst meth="repeat">
+      <a:schemeClr val="accent1">
+        <a:tint val="60000"/>
+      </a:schemeClr>
+    </dgm:fillClrLst>
+    <dgm:linClrLst meth="repeat">
+      <a:schemeClr val="lt1"/>
+    </dgm:linClrLst>
+    <dgm:effectClrLst/>
+    <dgm:txLinClrLst/>
+    <dgm:txFillClrLst meth="repeat">
+      <a:schemeClr val="dk1"/>
+    </dgm:txFillClrLst>
+    <dgm:txEffectClrLst/>
+  </dgm:styleLbl>
+  <dgm:styleLbl name="revTx">
+    <dgm:fillClrLst meth="repeat">
+      <a:schemeClr val="lt1">
+        <a:alpha val="0"/>
+      </a:schemeClr>
+    </dgm:fillClrLst>
+    <dgm:linClrLst meth="repeat">
+      <a:schemeClr val="dk1">
+        <a:alpha val="0"/>
+      </a:schemeClr>
+    </dgm:linClrLst>
+    <dgm:effectClrLst/>
+    <dgm:txLinClrLst/>
+    <dgm:txFillClrLst meth="repeat">
+      <a:schemeClr val="tx1"/>
+    </dgm:txFillClrLst>
+    <dgm:txEffectClrLst/>
+  </dgm:styleLbl>
+</dgm:colorsDef>
+</file>
+
+<file path=ppt/diagrams/colors2.xml><?xml version="1.0" encoding="utf-8"?>
 <dgm:colorsDef xmlns:dgm="http://schemas.openxmlformats.org/drawingml/2006/diagram" xmlns:a="http://schemas.openxmlformats.org/drawingml/2006/main" uniqueId="urn:microsoft.com/office/officeart/2005/8/colors/accent1_2">
   <dgm:title val=""/>
   <dgm:desc val=""/>
@@ -1183,6 +1931,664 @@
   <dgm:extLst>
     <a:ext uri="http://schemas.microsoft.com/office/drawing/2008/diagram">
       <dsp:dataModelExt xmlns:dsp="http://schemas.microsoft.com/office/drawing/2008/diagram" relId="rId6" minVer="http://schemas.openxmlformats.org/drawingml/2006/diagram"/>
+    </a:ext>
+  </dgm:extLst>
+</dgm:dataModel>
+</file>
+
+<file path=ppt/diagrams/data2.xml><?xml version="1.0" encoding="utf-8"?>
+<dgm:dataModel xmlns:dgm="http://schemas.openxmlformats.org/drawingml/2006/diagram" xmlns:a="http://schemas.openxmlformats.org/drawingml/2006/main">
+  <dgm:ptLst>
+    <dgm:pt modelId="{03A3DDBD-000F-4C0B-AF56-9C5CE5369299}" type="doc">
+      <dgm:prSet loTypeId="urn:microsoft.com/office/officeart/2018/5/layout/IconCircleLabelList" loCatId="icon" qsTypeId="urn:microsoft.com/office/officeart/2005/8/quickstyle/simple1" qsCatId="simple" csTypeId="urn:microsoft.com/office/officeart/2005/8/colors/accent1_2" csCatId="accent1" phldr="1"/>
+      <dgm:spPr/>
+      <dgm:t>
+        <a:bodyPr/>
+        <a:lstStyle/>
+        <a:p>
+          <a:endParaRPr lang="en-US"/>
+        </a:p>
+      </dgm:t>
+    </dgm:pt>
+    <dgm:pt modelId="{C2FFF97F-C8AD-4CC7-A343-E5D776F32E3B}">
+      <dgm:prSet/>
+      <dgm:spPr/>
+      <dgm:t>
+        <a:bodyPr/>
+        <a:lstStyle/>
+        <a:p>
+          <a:pPr>
+            <a:lnSpc>
+              <a:spcPct val="100000"/>
+            </a:lnSpc>
+            <a:defRPr cap="all"/>
+          </a:pPr>
+          <a:r>
+            <a:rPr lang="en-CA"/>
+            <a:t>User data entered from GUI into a Django ORM database and then passed to the offroad.py API from the Rest API.</a:t>
+          </a:r>
+          <a:endParaRPr lang="en-US"/>
+        </a:p>
+      </dgm:t>
+    </dgm:pt>
+    <dgm:pt modelId="{FA4CA3ED-FE1A-4FEB-9D43-06F4D41BD7E0}" type="parTrans" cxnId="{00B5FA5D-90F8-4DDA-B293-3AF03A94482E}">
+      <dgm:prSet/>
+      <dgm:spPr/>
+      <dgm:t>
+        <a:bodyPr/>
+        <a:lstStyle/>
+        <a:p>
+          <a:endParaRPr lang="en-US"/>
+        </a:p>
+      </dgm:t>
+    </dgm:pt>
+    <dgm:pt modelId="{7F90E138-5160-48F6-992D-1A39AE232C5C}" type="sibTrans" cxnId="{00B5FA5D-90F8-4DDA-B293-3AF03A94482E}">
+      <dgm:prSet/>
+      <dgm:spPr/>
+      <dgm:t>
+        <a:bodyPr/>
+        <a:lstStyle/>
+        <a:p>
+          <a:endParaRPr lang="en-US"/>
+        </a:p>
+      </dgm:t>
+    </dgm:pt>
+    <dgm:pt modelId="{8AD1F366-14D0-4A01-B40B-F5D4F04183E9}">
+      <dgm:prSet/>
+      <dgm:spPr/>
+      <dgm:t>
+        <a:bodyPr/>
+        <a:lstStyle/>
+        <a:p>
+          <a:pPr>
+            <a:lnSpc>
+              <a:spcPct val="100000"/>
+            </a:lnSpc>
+            <a:defRPr cap="all"/>
+          </a:pPr>
+          <a:r>
+            <a:rPr lang="en-CA"/>
+            <a:t>Rest API interacts with the Django framework and user data passed to backend pythonic off_road.py API via middleware as shown above.</a:t>
+          </a:r>
+          <a:endParaRPr lang="en-US"/>
+        </a:p>
+      </dgm:t>
+    </dgm:pt>
+    <dgm:pt modelId="{6B007B59-FD41-41BE-B02E-21A38CEE6A9A}" type="parTrans" cxnId="{7179C188-096E-4775-81E4-46D704394F24}">
+      <dgm:prSet/>
+      <dgm:spPr/>
+      <dgm:t>
+        <a:bodyPr/>
+        <a:lstStyle/>
+        <a:p>
+          <a:endParaRPr lang="en-US"/>
+        </a:p>
+      </dgm:t>
+    </dgm:pt>
+    <dgm:pt modelId="{6C20FCA6-0278-4449-8BE4-8868AF544B64}" type="sibTrans" cxnId="{7179C188-096E-4775-81E4-46D704394F24}">
+      <dgm:prSet/>
+      <dgm:spPr/>
+      <dgm:t>
+        <a:bodyPr/>
+        <a:lstStyle/>
+        <a:p>
+          <a:endParaRPr lang="en-US"/>
+        </a:p>
+      </dgm:t>
+    </dgm:pt>
+    <dgm:pt modelId="{C0FF010E-CD25-42E7-95CA-F37E79622E19}">
+      <dgm:prSet/>
+      <dgm:spPr/>
+      <dgm:t>
+        <a:bodyPr/>
+        <a:lstStyle/>
+        <a:p>
+          <a:pPr>
+            <a:lnSpc>
+              <a:spcPct val="100000"/>
+            </a:lnSpc>
+            <a:defRPr cap="all"/>
+          </a:pPr>
+          <a:r>
+            <a:rPr lang="en-CA"/>
+            <a:t>Location data generates a PBF.OSM file</a:t>
+          </a:r>
+          <a:endParaRPr lang="en-US"/>
+        </a:p>
+      </dgm:t>
+    </dgm:pt>
+    <dgm:pt modelId="{A3464367-B10B-43CF-84B3-01179EFA3040}" type="parTrans" cxnId="{D76B18D4-8566-4117-8B6F-3A1C8801FDAB}">
+      <dgm:prSet/>
+      <dgm:spPr/>
+      <dgm:t>
+        <a:bodyPr/>
+        <a:lstStyle/>
+        <a:p>
+          <a:endParaRPr lang="en-US"/>
+        </a:p>
+      </dgm:t>
+    </dgm:pt>
+    <dgm:pt modelId="{DA67B032-49D6-4906-9280-073AA25AF13E}" type="sibTrans" cxnId="{D76B18D4-8566-4117-8B6F-3A1C8801FDAB}">
+      <dgm:prSet/>
+      <dgm:spPr/>
+      <dgm:t>
+        <a:bodyPr/>
+        <a:lstStyle/>
+        <a:p>
+          <a:endParaRPr lang="en-US"/>
+        </a:p>
+      </dgm:t>
+    </dgm:pt>
+    <dgm:pt modelId="{8A3E85DC-E5B7-46E2-8CE8-1F044FF37D74}">
+      <dgm:prSet/>
+      <dgm:spPr/>
+      <dgm:t>
+        <a:bodyPr/>
+        <a:lstStyle/>
+        <a:p>
+          <a:pPr>
+            <a:lnSpc>
+              <a:spcPct val="100000"/>
+            </a:lnSpc>
+            <a:defRPr cap="all"/>
+          </a:pPr>
+          <a:r>
+            <a:rPr lang="en-CA"/>
+            <a:t>This file is then processed via methods with the API to generate an offroad route using: </a:t>
+          </a:r>
+          <a:r>
+            <a:rPr lang="en-CA">
+              <a:hlinkClick xmlns:r="http://schemas.openxmlformats.org/officeDocument/2006/relationships" r:id="rId1"/>
+            </a:rPr>
+            <a:t>https://denikozub.github.io/Offroad-routing-engine/#installation</a:t>
+          </a:r>
+          <a:r>
+            <a:rPr lang="en-CA"/>
+            <a:t> with examples shown here: </a:t>
+          </a:r>
+          <a:r>
+            <a:rPr lang="en-CA">
+              <a:hlinkClick xmlns:r="http://schemas.openxmlformats.org/officeDocument/2006/relationships" r:id="rId2"/>
+            </a:rPr>
+            <a:t>https://github.com/Denikozub/Offroad-routing-engine/blob/main/docs/usage.ipynb</a:t>
+          </a:r>
+          <a:r>
+            <a:rPr lang="en-CA"/>
+            <a:t> </a:t>
+          </a:r>
+          <a:endParaRPr lang="en-US"/>
+        </a:p>
+      </dgm:t>
+    </dgm:pt>
+    <dgm:pt modelId="{FD3EB5B4-859F-4C73-9749-8488B1AAD3F8}" type="parTrans" cxnId="{466E6264-B055-47DE-94BE-39A529CF35E3}">
+      <dgm:prSet/>
+      <dgm:spPr/>
+      <dgm:t>
+        <a:bodyPr/>
+        <a:lstStyle/>
+        <a:p>
+          <a:endParaRPr lang="en-US"/>
+        </a:p>
+      </dgm:t>
+    </dgm:pt>
+    <dgm:pt modelId="{4815E7BD-6FBA-4F47-9FB1-FF40BBFDEB5E}" type="sibTrans" cxnId="{466E6264-B055-47DE-94BE-39A529CF35E3}">
+      <dgm:prSet/>
+      <dgm:spPr/>
+      <dgm:t>
+        <a:bodyPr/>
+        <a:lstStyle/>
+        <a:p>
+          <a:endParaRPr lang="en-US"/>
+        </a:p>
+      </dgm:t>
+    </dgm:pt>
+    <dgm:pt modelId="{83FD0F42-E6A5-4F6E-AAA3-201750CA289F}">
+      <dgm:prSet/>
+      <dgm:spPr/>
+      <dgm:t>
+        <a:bodyPr/>
+        <a:lstStyle/>
+        <a:p>
+          <a:pPr>
+            <a:lnSpc>
+              <a:spcPct val="100000"/>
+            </a:lnSpc>
+            <a:defRPr cap="all"/>
+          </a:pPr>
+          <a:r>
+            <a:rPr lang="en-CA"/>
+            <a:t>This route can then be given back to the user via JSON once the pythonic API offloads data back to the Django framework once data processing has been completed</a:t>
+          </a:r>
+          <a:endParaRPr lang="en-US"/>
+        </a:p>
+      </dgm:t>
+    </dgm:pt>
+    <dgm:pt modelId="{D253E719-2EEC-4CEB-9B3F-446BFDAD4CDF}" type="parTrans" cxnId="{7BE03766-C993-4970-917C-A4F9427DCD30}">
+      <dgm:prSet/>
+      <dgm:spPr/>
+      <dgm:t>
+        <a:bodyPr/>
+        <a:lstStyle/>
+        <a:p>
+          <a:endParaRPr lang="en-US"/>
+        </a:p>
+      </dgm:t>
+    </dgm:pt>
+    <dgm:pt modelId="{06C86830-E39E-4E28-82F7-6C06F43214AD}" type="sibTrans" cxnId="{7BE03766-C993-4970-917C-A4F9427DCD30}">
+      <dgm:prSet/>
+      <dgm:spPr/>
+      <dgm:t>
+        <a:bodyPr/>
+        <a:lstStyle/>
+        <a:p>
+          <a:endParaRPr lang="en-US"/>
+        </a:p>
+      </dgm:t>
+    </dgm:pt>
+    <dgm:pt modelId="{79F91BE8-9A37-49AD-AF6D-4A48636B5FD1}">
+      <dgm:prSet/>
+      <dgm:spPr/>
+      <dgm:t>
+        <a:bodyPr/>
+        <a:lstStyle/>
+        <a:p>
+          <a:pPr>
+            <a:lnSpc>
+              <a:spcPct val="100000"/>
+            </a:lnSpc>
+            <a:defRPr cap="all"/>
+          </a:pPr>
+          <a:r>
+            <a:rPr lang="en-CA"/>
+            <a:t>JSON output served to rest API and client as specified </a:t>
+          </a:r>
+          <a:endParaRPr lang="en-US"/>
+        </a:p>
+      </dgm:t>
+    </dgm:pt>
+    <dgm:pt modelId="{8691320E-DB98-4B2C-8E18-8A0794D3CFDE}" type="parTrans" cxnId="{5262043A-39DB-4FBB-A883-1AF70EF1ED80}">
+      <dgm:prSet/>
+      <dgm:spPr/>
+      <dgm:t>
+        <a:bodyPr/>
+        <a:lstStyle/>
+        <a:p>
+          <a:endParaRPr lang="en-US"/>
+        </a:p>
+      </dgm:t>
+    </dgm:pt>
+    <dgm:pt modelId="{8C2B6529-E877-48A3-9BE9-8B75D993B2A8}" type="sibTrans" cxnId="{5262043A-39DB-4FBB-A883-1AF70EF1ED80}">
+      <dgm:prSet/>
+      <dgm:spPr/>
+      <dgm:t>
+        <a:bodyPr/>
+        <a:lstStyle/>
+        <a:p>
+          <a:endParaRPr lang="en-US"/>
+        </a:p>
+      </dgm:t>
+    </dgm:pt>
+    <dgm:pt modelId="{E48E58ED-C1DA-4298-9898-8FB767D37FA6}" type="pres">
+      <dgm:prSet presAssocID="{03A3DDBD-000F-4C0B-AF56-9C5CE5369299}" presName="root" presStyleCnt="0">
+        <dgm:presLayoutVars>
+          <dgm:dir/>
+          <dgm:resizeHandles val="exact"/>
+        </dgm:presLayoutVars>
+      </dgm:prSet>
+      <dgm:spPr/>
+    </dgm:pt>
+    <dgm:pt modelId="{643F9FEE-B9BD-4BB1-BAB0-622E421F38D6}" type="pres">
+      <dgm:prSet presAssocID="{C2FFF97F-C8AD-4CC7-A343-E5D776F32E3B}" presName="compNode" presStyleCnt="0"/>
+      <dgm:spPr/>
+    </dgm:pt>
+    <dgm:pt modelId="{C338AEAE-1615-4594-89E6-31EF31701BF7}" type="pres">
+      <dgm:prSet presAssocID="{C2FFF97F-C8AD-4CC7-A343-E5D776F32E3B}" presName="iconBgRect" presStyleLbl="bgShp" presStyleIdx="0" presStyleCnt="6"/>
+      <dgm:spPr/>
+    </dgm:pt>
+    <dgm:pt modelId="{FDB43240-D3D1-42CB-B07E-3D8A8FED7236}" type="pres">
+      <dgm:prSet presAssocID="{C2FFF97F-C8AD-4CC7-A343-E5D776F32E3B}" presName="iconRect" presStyleLbl="node1" presStyleIdx="0" presStyleCnt="6"/>
+      <dgm:spPr>
+        <a:blipFill>
+          <a:blip xmlns:r="http://schemas.openxmlformats.org/officeDocument/2006/relationships" r:embed="rId3">
+            <a:extLst>
+              <a:ext uri="{28A0092B-C50C-407E-A947-70E740481C1C}">
+                <a14:useLocalDpi xmlns:a14="http://schemas.microsoft.com/office/drawing/2010/main" val="0"/>
+              </a:ext>
+              <a:ext uri="{96DAC541-7B7A-43D3-8B79-37D633B846F1}">
+                <asvg:svgBlip xmlns:asvg="http://schemas.microsoft.com/office/drawing/2016/SVG/main" r:embed="rId4"/>
+              </a:ext>
+            </a:extLst>
+          </a:blip>
+          <a:stretch>
+            <a:fillRect/>
+          </a:stretch>
+        </a:blipFill>
+      </dgm:spPr>
+      <dgm:extLst>
+        <a:ext uri="{E40237B7-FDA0-4F09-8148-C483321AD2D9}">
+          <dgm14:cNvPr xmlns:dgm14="http://schemas.microsoft.com/office/drawing/2010/diagram" id="0" name="" descr="Disconnected"/>
+        </a:ext>
+      </dgm:extLst>
+    </dgm:pt>
+    <dgm:pt modelId="{1FD84AD4-D32C-4E62-B41D-B8BC6E0EEF27}" type="pres">
+      <dgm:prSet presAssocID="{C2FFF97F-C8AD-4CC7-A343-E5D776F32E3B}" presName="spaceRect" presStyleCnt="0"/>
+      <dgm:spPr/>
+    </dgm:pt>
+    <dgm:pt modelId="{44C50F81-C136-4B2D-BD2F-3E514B20E636}" type="pres">
+      <dgm:prSet presAssocID="{C2FFF97F-C8AD-4CC7-A343-E5D776F32E3B}" presName="textRect" presStyleLbl="revTx" presStyleIdx="0" presStyleCnt="6">
+        <dgm:presLayoutVars>
+          <dgm:chMax val="1"/>
+          <dgm:chPref val="1"/>
+        </dgm:presLayoutVars>
+      </dgm:prSet>
+      <dgm:spPr/>
+    </dgm:pt>
+    <dgm:pt modelId="{002EA6C1-2A97-48C4-A0CD-A193A0A2CE73}" type="pres">
+      <dgm:prSet presAssocID="{7F90E138-5160-48F6-992D-1A39AE232C5C}" presName="sibTrans" presStyleCnt="0"/>
+      <dgm:spPr/>
+    </dgm:pt>
+    <dgm:pt modelId="{E338724C-F806-44AF-9895-03E879D9009E}" type="pres">
+      <dgm:prSet presAssocID="{8AD1F366-14D0-4A01-B40B-F5D4F04183E9}" presName="compNode" presStyleCnt="0"/>
+      <dgm:spPr/>
+    </dgm:pt>
+    <dgm:pt modelId="{E1C34AD1-7A9B-42FA-B27E-12E2CE78C621}" type="pres">
+      <dgm:prSet presAssocID="{8AD1F366-14D0-4A01-B40B-F5D4F04183E9}" presName="iconBgRect" presStyleLbl="bgShp" presStyleIdx="1" presStyleCnt="6"/>
+      <dgm:spPr/>
+    </dgm:pt>
+    <dgm:pt modelId="{0826B0F1-761A-4B58-B48C-627E19F5E7D2}" type="pres">
+      <dgm:prSet presAssocID="{8AD1F366-14D0-4A01-B40B-F5D4F04183E9}" presName="iconRect" presStyleLbl="node1" presStyleIdx="1" presStyleCnt="6"/>
+      <dgm:spPr>
+        <a:blipFill>
+          <a:blip xmlns:r="http://schemas.openxmlformats.org/officeDocument/2006/relationships" r:embed="rId5">
+            <a:extLst>
+              <a:ext uri="{28A0092B-C50C-407E-A947-70E740481C1C}">
+                <a14:useLocalDpi xmlns:a14="http://schemas.microsoft.com/office/drawing/2010/main" val="0"/>
+              </a:ext>
+              <a:ext uri="{96DAC541-7B7A-43D3-8B79-37D633B846F1}">
+                <asvg:svgBlip xmlns:asvg="http://schemas.microsoft.com/office/drawing/2016/SVG/main" r:embed="rId6"/>
+              </a:ext>
+            </a:extLst>
+          </a:blip>
+          <a:stretch>
+            <a:fillRect/>
+          </a:stretch>
+        </a:blipFill>
+      </dgm:spPr>
+      <dgm:extLst>
+        <a:ext uri="{E40237B7-FDA0-4F09-8148-C483321AD2D9}">
+          <dgm14:cNvPr xmlns:dgm14="http://schemas.microsoft.com/office/drawing/2010/diagram" id="0" name="" descr="Database"/>
+        </a:ext>
+      </dgm:extLst>
+    </dgm:pt>
+    <dgm:pt modelId="{651632C7-A44E-4D5A-B029-434D124F0306}" type="pres">
+      <dgm:prSet presAssocID="{8AD1F366-14D0-4A01-B40B-F5D4F04183E9}" presName="spaceRect" presStyleCnt="0"/>
+      <dgm:spPr/>
+    </dgm:pt>
+    <dgm:pt modelId="{184B46FE-276F-4A69-B4FB-1AF9A6E44EF9}" type="pres">
+      <dgm:prSet presAssocID="{8AD1F366-14D0-4A01-B40B-F5D4F04183E9}" presName="textRect" presStyleLbl="revTx" presStyleIdx="1" presStyleCnt="6">
+        <dgm:presLayoutVars>
+          <dgm:chMax val="1"/>
+          <dgm:chPref val="1"/>
+        </dgm:presLayoutVars>
+      </dgm:prSet>
+      <dgm:spPr/>
+    </dgm:pt>
+    <dgm:pt modelId="{53CF79D0-6259-49C8-9950-DF17D7E1B086}" type="pres">
+      <dgm:prSet presAssocID="{6C20FCA6-0278-4449-8BE4-8868AF544B64}" presName="sibTrans" presStyleCnt="0"/>
+      <dgm:spPr/>
+    </dgm:pt>
+    <dgm:pt modelId="{FEC6432B-AB48-473B-87BD-77D8A18023C3}" type="pres">
+      <dgm:prSet presAssocID="{C0FF010E-CD25-42E7-95CA-F37E79622E19}" presName="compNode" presStyleCnt="0"/>
+      <dgm:spPr/>
+    </dgm:pt>
+    <dgm:pt modelId="{585D4098-D1AC-49BA-880D-723795E1A31A}" type="pres">
+      <dgm:prSet presAssocID="{C0FF010E-CD25-42E7-95CA-F37E79622E19}" presName="iconBgRect" presStyleLbl="bgShp" presStyleIdx="2" presStyleCnt="6"/>
+      <dgm:spPr/>
+    </dgm:pt>
+    <dgm:pt modelId="{C9A4FDF4-02E0-4EE6-B5E1-68E8560690A0}" type="pres">
+      <dgm:prSet presAssocID="{C0FF010E-CD25-42E7-95CA-F37E79622E19}" presName="iconRect" presStyleLbl="node1" presStyleIdx="2" presStyleCnt="6"/>
+      <dgm:spPr>
+        <a:blipFill>
+          <a:blip xmlns:r="http://schemas.openxmlformats.org/officeDocument/2006/relationships" r:embed="rId7">
+            <a:extLst>
+              <a:ext uri="{28A0092B-C50C-407E-A947-70E740481C1C}">
+                <a14:useLocalDpi xmlns:a14="http://schemas.microsoft.com/office/drawing/2010/main" val="0"/>
+              </a:ext>
+              <a:ext uri="{96DAC541-7B7A-43D3-8B79-37D633B846F1}">
+                <asvg:svgBlip xmlns:asvg="http://schemas.microsoft.com/office/drawing/2016/SVG/main" r:embed="rId8"/>
+              </a:ext>
+            </a:extLst>
+          </a:blip>
+          <a:stretch>
+            <a:fillRect/>
+          </a:stretch>
+        </a:blipFill>
+      </dgm:spPr>
+      <dgm:extLst>
+        <a:ext uri="{E40237B7-FDA0-4F09-8148-C483321AD2D9}">
+          <dgm14:cNvPr xmlns:dgm14="http://schemas.microsoft.com/office/drawing/2010/diagram" id="0" name="" descr="Marker"/>
+        </a:ext>
+      </dgm:extLst>
+    </dgm:pt>
+    <dgm:pt modelId="{1C65B38F-C8AB-42D3-99FC-E642648DAAD5}" type="pres">
+      <dgm:prSet presAssocID="{C0FF010E-CD25-42E7-95CA-F37E79622E19}" presName="spaceRect" presStyleCnt="0"/>
+      <dgm:spPr/>
+    </dgm:pt>
+    <dgm:pt modelId="{A376355D-C6FE-41ED-8EF1-F6B681411D4A}" type="pres">
+      <dgm:prSet presAssocID="{C0FF010E-CD25-42E7-95CA-F37E79622E19}" presName="textRect" presStyleLbl="revTx" presStyleIdx="2" presStyleCnt="6">
+        <dgm:presLayoutVars>
+          <dgm:chMax val="1"/>
+          <dgm:chPref val="1"/>
+        </dgm:presLayoutVars>
+      </dgm:prSet>
+      <dgm:spPr/>
+    </dgm:pt>
+    <dgm:pt modelId="{B4BBC83A-29CA-4EFF-96EC-849C44307FC4}" type="pres">
+      <dgm:prSet presAssocID="{DA67B032-49D6-4906-9280-073AA25AF13E}" presName="sibTrans" presStyleCnt="0"/>
+      <dgm:spPr/>
+    </dgm:pt>
+    <dgm:pt modelId="{A94579CF-B7D5-4967-9582-7E7FFC89D6CD}" type="pres">
+      <dgm:prSet presAssocID="{8A3E85DC-E5B7-46E2-8CE8-1F044FF37D74}" presName="compNode" presStyleCnt="0"/>
+      <dgm:spPr/>
+    </dgm:pt>
+    <dgm:pt modelId="{E105B35C-AF28-436D-9706-F3C142D81CDC}" type="pres">
+      <dgm:prSet presAssocID="{8A3E85DC-E5B7-46E2-8CE8-1F044FF37D74}" presName="iconBgRect" presStyleLbl="bgShp" presStyleIdx="3" presStyleCnt="6"/>
+      <dgm:spPr/>
+    </dgm:pt>
+    <dgm:pt modelId="{8DBCFE92-7F32-4B92-90BC-7F78C895281F}" type="pres">
+      <dgm:prSet presAssocID="{8A3E85DC-E5B7-46E2-8CE8-1F044FF37D74}" presName="iconRect" presStyleLbl="node1" presStyleIdx="3" presStyleCnt="6"/>
+      <dgm:spPr>
+        <a:blipFill>
+          <a:blip xmlns:r="http://schemas.openxmlformats.org/officeDocument/2006/relationships" r:embed="rId9">
+            <a:extLst>
+              <a:ext uri="{28A0092B-C50C-407E-A947-70E740481C1C}">
+                <a14:useLocalDpi xmlns:a14="http://schemas.microsoft.com/office/drawing/2010/main" val="0"/>
+              </a:ext>
+              <a:ext uri="{96DAC541-7B7A-43D3-8B79-37D633B846F1}">
+                <asvg:svgBlip xmlns:asvg="http://schemas.microsoft.com/office/drawing/2016/SVG/main" r:embed="rId10"/>
+              </a:ext>
+            </a:extLst>
+          </a:blip>
+          <a:stretch>
+            <a:fillRect/>
+          </a:stretch>
+        </a:blipFill>
+      </dgm:spPr>
+      <dgm:extLst>
+        <a:ext uri="{E40237B7-FDA0-4F09-8148-C483321AD2D9}">
+          <dgm14:cNvPr xmlns:dgm14="http://schemas.microsoft.com/office/drawing/2010/diagram" id="0" name="" descr="Flowchart"/>
+        </a:ext>
+      </dgm:extLst>
+    </dgm:pt>
+    <dgm:pt modelId="{2FC8A02D-1FC4-4083-99DC-757E882BA5B9}" type="pres">
+      <dgm:prSet presAssocID="{8A3E85DC-E5B7-46E2-8CE8-1F044FF37D74}" presName="spaceRect" presStyleCnt="0"/>
+      <dgm:spPr/>
+    </dgm:pt>
+    <dgm:pt modelId="{FCF0CB97-C825-44D2-8F44-AEE0A545A2DA}" type="pres">
+      <dgm:prSet presAssocID="{8A3E85DC-E5B7-46E2-8CE8-1F044FF37D74}" presName="textRect" presStyleLbl="revTx" presStyleIdx="3" presStyleCnt="6">
+        <dgm:presLayoutVars>
+          <dgm:chMax val="1"/>
+          <dgm:chPref val="1"/>
+        </dgm:presLayoutVars>
+      </dgm:prSet>
+      <dgm:spPr/>
+    </dgm:pt>
+    <dgm:pt modelId="{C36E5CA7-88AB-4FBF-9CFB-8B20157D6D58}" type="pres">
+      <dgm:prSet presAssocID="{4815E7BD-6FBA-4F47-9FB1-FF40BBFDEB5E}" presName="sibTrans" presStyleCnt="0"/>
+      <dgm:spPr/>
+    </dgm:pt>
+    <dgm:pt modelId="{C66D568D-328A-4BBF-AD81-F2FDC744CD29}" type="pres">
+      <dgm:prSet presAssocID="{83FD0F42-E6A5-4F6E-AAA3-201750CA289F}" presName="compNode" presStyleCnt="0"/>
+      <dgm:spPr/>
+    </dgm:pt>
+    <dgm:pt modelId="{68565916-D4D8-4736-B0F0-8091DF425F18}" type="pres">
+      <dgm:prSet presAssocID="{83FD0F42-E6A5-4F6E-AAA3-201750CA289F}" presName="iconBgRect" presStyleLbl="bgShp" presStyleIdx="4" presStyleCnt="6"/>
+      <dgm:spPr/>
+    </dgm:pt>
+    <dgm:pt modelId="{0053C116-A689-438E-A08C-6E7EF2FA3E9D}" type="pres">
+      <dgm:prSet presAssocID="{83FD0F42-E6A5-4F6E-AAA3-201750CA289F}" presName="iconRect" presStyleLbl="node1" presStyleIdx="4" presStyleCnt="6"/>
+      <dgm:spPr>
+        <a:blipFill>
+          <a:blip xmlns:r="http://schemas.openxmlformats.org/officeDocument/2006/relationships" r:embed="rId11">
+            <a:extLst>
+              <a:ext uri="{28A0092B-C50C-407E-A947-70E740481C1C}">
+                <a14:useLocalDpi xmlns:a14="http://schemas.microsoft.com/office/drawing/2010/main" val="0"/>
+              </a:ext>
+              <a:ext uri="{96DAC541-7B7A-43D3-8B79-37D633B846F1}">
+                <asvg:svgBlip xmlns:asvg="http://schemas.microsoft.com/office/drawing/2016/SVG/main" r:embed="rId12"/>
+              </a:ext>
+            </a:extLst>
+          </a:blip>
+          <a:stretch>
+            <a:fillRect/>
+          </a:stretch>
+        </a:blipFill>
+      </dgm:spPr>
+      <dgm:extLst>
+        <a:ext uri="{E40237B7-FDA0-4F09-8148-C483321AD2D9}">
+          <dgm14:cNvPr xmlns:dgm14="http://schemas.microsoft.com/office/drawing/2010/diagram" id="0" name="" descr="Processor"/>
+        </a:ext>
+      </dgm:extLst>
+    </dgm:pt>
+    <dgm:pt modelId="{14770404-1D3C-4148-92B9-82581BAB5BBF}" type="pres">
+      <dgm:prSet presAssocID="{83FD0F42-E6A5-4F6E-AAA3-201750CA289F}" presName="spaceRect" presStyleCnt="0"/>
+      <dgm:spPr/>
+    </dgm:pt>
+    <dgm:pt modelId="{13B5E07B-2657-4ACA-8C69-DF2688820421}" type="pres">
+      <dgm:prSet presAssocID="{83FD0F42-E6A5-4F6E-AAA3-201750CA289F}" presName="textRect" presStyleLbl="revTx" presStyleIdx="4" presStyleCnt="6">
+        <dgm:presLayoutVars>
+          <dgm:chMax val="1"/>
+          <dgm:chPref val="1"/>
+        </dgm:presLayoutVars>
+      </dgm:prSet>
+      <dgm:spPr/>
+    </dgm:pt>
+    <dgm:pt modelId="{2E6C22A9-0501-4981-B864-FDB9E7DA96FE}" type="pres">
+      <dgm:prSet presAssocID="{06C86830-E39E-4E28-82F7-6C06F43214AD}" presName="sibTrans" presStyleCnt="0"/>
+      <dgm:spPr/>
+    </dgm:pt>
+    <dgm:pt modelId="{BD5BBABF-AAC5-4AD8-9A56-19AE320F68E6}" type="pres">
+      <dgm:prSet presAssocID="{79F91BE8-9A37-49AD-AF6D-4A48636B5FD1}" presName="compNode" presStyleCnt="0"/>
+      <dgm:spPr/>
+    </dgm:pt>
+    <dgm:pt modelId="{C570423B-3846-4B65-9ECB-F37A212CC23D}" type="pres">
+      <dgm:prSet presAssocID="{79F91BE8-9A37-49AD-AF6D-4A48636B5FD1}" presName="iconBgRect" presStyleLbl="bgShp" presStyleIdx="5" presStyleCnt="6"/>
+      <dgm:spPr/>
+    </dgm:pt>
+    <dgm:pt modelId="{5958BE0A-6B65-46F3-B340-4F10BB5107FB}" type="pres">
+      <dgm:prSet presAssocID="{79F91BE8-9A37-49AD-AF6D-4A48636B5FD1}" presName="iconRect" presStyleLbl="node1" presStyleIdx="5" presStyleCnt="6"/>
+      <dgm:spPr>
+        <a:blipFill>
+          <a:blip xmlns:r="http://schemas.openxmlformats.org/officeDocument/2006/relationships" r:embed="rId13">
+            <a:extLst>
+              <a:ext uri="{28A0092B-C50C-407E-A947-70E740481C1C}">
+                <a14:useLocalDpi xmlns:a14="http://schemas.microsoft.com/office/drawing/2010/main" val="0"/>
+              </a:ext>
+              <a:ext uri="{96DAC541-7B7A-43D3-8B79-37D633B846F1}">
+                <asvg:svgBlip xmlns:asvg="http://schemas.microsoft.com/office/drawing/2016/SVG/main" r:embed="rId14"/>
+              </a:ext>
+            </a:extLst>
+          </a:blip>
+          <a:stretch>
+            <a:fillRect/>
+          </a:stretch>
+        </a:blipFill>
+      </dgm:spPr>
+      <dgm:extLst>
+        <a:ext uri="{E40237B7-FDA0-4F09-8148-C483321AD2D9}">
+          <dgm14:cNvPr xmlns:dgm14="http://schemas.microsoft.com/office/drawing/2010/diagram" id="0" name="" descr="User"/>
+        </a:ext>
+      </dgm:extLst>
+    </dgm:pt>
+    <dgm:pt modelId="{8DCA4E79-6BD9-44F5-B3E8-181B28BCF7FE}" type="pres">
+      <dgm:prSet presAssocID="{79F91BE8-9A37-49AD-AF6D-4A48636B5FD1}" presName="spaceRect" presStyleCnt="0"/>
+      <dgm:spPr/>
+    </dgm:pt>
+    <dgm:pt modelId="{D5248FB2-941B-4498-BBB7-E7DB0AEA3325}" type="pres">
+      <dgm:prSet presAssocID="{79F91BE8-9A37-49AD-AF6D-4A48636B5FD1}" presName="textRect" presStyleLbl="revTx" presStyleIdx="5" presStyleCnt="6">
+        <dgm:presLayoutVars>
+          <dgm:chMax val="1"/>
+          <dgm:chPref val="1"/>
+        </dgm:presLayoutVars>
+      </dgm:prSet>
+      <dgm:spPr/>
+    </dgm:pt>
+  </dgm:ptLst>
+  <dgm:cxnLst>
+    <dgm:cxn modelId="{C852BC00-8D99-408A-8621-594D42868CC7}" type="presOf" srcId="{03A3DDBD-000F-4C0B-AF56-9C5CE5369299}" destId="{E48E58ED-C1DA-4298-9898-8FB767D37FA6}" srcOrd="0" destOrd="0" presId="urn:microsoft.com/office/officeart/2018/5/layout/IconCircleLabelList"/>
+    <dgm:cxn modelId="{55393812-2CC4-4E35-BE8A-5317D92305CD}" type="presOf" srcId="{8AD1F366-14D0-4A01-B40B-F5D4F04183E9}" destId="{184B46FE-276F-4A69-B4FB-1AF9A6E44EF9}" srcOrd="0" destOrd="0" presId="urn:microsoft.com/office/officeart/2018/5/layout/IconCircleLabelList"/>
+    <dgm:cxn modelId="{ED9BC918-69E7-4E6F-BEF1-D09BE2D4D231}" type="presOf" srcId="{C2FFF97F-C8AD-4CC7-A343-E5D776F32E3B}" destId="{44C50F81-C136-4B2D-BD2F-3E514B20E636}" srcOrd="0" destOrd="0" presId="urn:microsoft.com/office/officeart/2018/5/layout/IconCircleLabelList"/>
+    <dgm:cxn modelId="{5262043A-39DB-4FBB-A883-1AF70EF1ED80}" srcId="{03A3DDBD-000F-4C0B-AF56-9C5CE5369299}" destId="{79F91BE8-9A37-49AD-AF6D-4A48636B5FD1}" srcOrd="5" destOrd="0" parTransId="{8691320E-DB98-4B2C-8E18-8A0794D3CFDE}" sibTransId="{8C2B6529-E877-48A3-9BE9-8B75D993B2A8}"/>
+    <dgm:cxn modelId="{00B5FA5D-90F8-4DDA-B293-3AF03A94482E}" srcId="{03A3DDBD-000F-4C0B-AF56-9C5CE5369299}" destId="{C2FFF97F-C8AD-4CC7-A343-E5D776F32E3B}" srcOrd="0" destOrd="0" parTransId="{FA4CA3ED-FE1A-4FEB-9D43-06F4D41BD7E0}" sibTransId="{7F90E138-5160-48F6-992D-1A39AE232C5C}"/>
+    <dgm:cxn modelId="{466E6264-B055-47DE-94BE-39A529CF35E3}" srcId="{03A3DDBD-000F-4C0B-AF56-9C5CE5369299}" destId="{8A3E85DC-E5B7-46E2-8CE8-1F044FF37D74}" srcOrd="3" destOrd="0" parTransId="{FD3EB5B4-859F-4C73-9749-8488B1AAD3F8}" sibTransId="{4815E7BD-6FBA-4F47-9FB1-FF40BBFDEB5E}"/>
+    <dgm:cxn modelId="{7BE03766-C993-4970-917C-A4F9427DCD30}" srcId="{03A3DDBD-000F-4C0B-AF56-9C5CE5369299}" destId="{83FD0F42-E6A5-4F6E-AAA3-201750CA289F}" srcOrd="4" destOrd="0" parTransId="{D253E719-2EEC-4CEB-9B3F-446BFDAD4CDF}" sibTransId="{06C86830-E39E-4E28-82F7-6C06F43214AD}"/>
+    <dgm:cxn modelId="{EB2E0C67-4368-489E-A5CC-CA091028166D}" type="presOf" srcId="{83FD0F42-E6A5-4F6E-AAA3-201750CA289F}" destId="{13B5E07B-2657-4ACA-8C69-DF2688820421}" srcOrd="0" destOrd="0" presId="urn:microsoft.com/office/officeart/2018/5/layout/IconCircleLabelList"/>
+    <dgm:cxn modelId="{05DF9E72-05CB-4282-A1FF-3FD9DF99A709}" type="presOf" srcId="{C0FF010E-CD25-42E7-95CA-F37E79622E19}" destId="{A376355D-C6FE-41ED-8EF1-F6B681411D4A}" srcOrd="0" destOrd="0" presId="urn:microsoft.com/office/officeart/2018/5/layout/IconCircleLabelList"/>
+    <dgm:cxn modelId="{7179C188-096E-4775-81E4-46D704394F24}" srcId="{03A3DDBD-000F-4C0B-AF56-9C5CE5369299}" destId="{8AD1F366-14D0-4A01-B40B-F5D4F04183E9}" srcOrd="1" destOrd="0" parTransId="{6B007B59-FD41-41BE-B02E-21A38CEE6A9A}" sibTransId="{6C20FCA6-0278-4449-8BE4-8868AF544B64}"/>
+    <dgm:cxn modelId="{B31AF6B9-153E-4F68-BD9A-F906053695E0}" type="presOf" srcId="{8A3E85DC-E5B7-46E2-8CE8-1F044FF37D74}" destId="{FCF0CB97-C825-44D2-8F44-AEE0A545A2DA}" srcOrd="0" destOrd="0" presId="urn:microsoft.com/office/officeart/2018/5/layout/IconCircleLabelList"/>
+    <dgm:cxn modelId="{D76B18D4-8566-4117-8B6F-3A1C8801FDAB}" srcId="{03A3DDBD-000F-4C0B-AF56-9C5CE5369299}" destId="{C0FF010E-CD25-42E7-95CA-F37E79622E19}" srcOrd="2" destOrd="0" parTransId="{A3464367-B10B-43CF-84B3-01179EFA3040}" sibTransId="{DA67B032-49D6-4906-9280-073AA25AF13E}"/>
+    <dgm:cxn modelId="{C645A9DA-0C06-46BE-839C-8552D6741082}" type="presOf" srcId="{79F91BE8-9A37-49AD-AF6D-4A48636B5FD1}" destId="{D5248FB2-941B-4498-BBB7-E7DB0AEA3325}" srcOrd="0" destOrd="0" presId="urn:microsoft.com/office/officeart/2018/5/layout/IconCircleLabelList"/>
+    <dgm:cxn modelId="{62498C9E-2ED6-455D-B985-3CCA7A242164}" type="presParOf" srcId="{E48E58ED-C1DA-4298-9898-8FB767D37FA6}" destId="{643F9FEE-B9BD-4BB1-BAB0-622E421F38D6}" srcOrd="0" destOrd="0" presId="urn:microsoft.com/office/officeart/2018/5/layout/IconCircleLabelList"/>
+    <dgm:cxn modelId="{FB2C1DC8-31A6-42E9-803A-19D09638AFB2}" type="presParOf" srcId="{643F9FEE-B9BD-4BB1-BAB0-622E421F38D6}" destId="{C338AEAE-1615-4594-89E6-31EF31701BF7}" srcOrd="0" destOrd="0" presId="urn:microsoft.com/office/officeart/2018/5/layout/IconCircleLabelList"/>
+    <dgm:cxn modelId="{7482BADF-74F1-4795-AD86-667999654051}" type="presParOf" srcId="{643F9FEE-B9BD-4BB1-BAB0-622E421F38D6}" destId="{FDB43240-D3D1-42CB-B07E-3D8A8FED7236}" srcOrd="1" destOrd="0" presId="urn:microsoft.com/office/officeart/2018/5/layout/IconCircleLabelList"/>
+    <dgm:cxn modelId="{E2C1C6EB-99CD-4C41-AE72-B79C4152D9A2}" type="presParOf" srcId="{643F9FEE-B9BD-4BB1-BAB0-622E421F38D6}" destId="{1FD84AD4-D32C-4E62-B41D-B8BC6E0EEF27}" srcOrd="2" destOrd="0" presId="urn:microsoft.com/office/officeart/2018/5/layout/IconCircleLabelList"/>
+    <dgm:cxn modelId="{E2DBC6D5-3CA9-4F02-8263-7B58FB1EBD34}" type="presParOf" srcId="{643F9FEE-B9BD-4BB1-BAB0-622E421F38D6}" destId="{44C50F81-C136-4B2D-BD2F-3E514B20E636}" srcOrd="3" destOrd="0" presId="urn:microsoft.com/office/officeart/2018/5/layout/IconCircleLabelList"/>
+    <dgm:cxn modelId="{FFDCAC0E-D8B2-4AF1-8806-23551BBF3854}" type="presParOf" srcId="{E48E58ED-C1DA-4298-9898-8FB767D37FA6}" destId="{002EA6C1-2A97-48C4-A0CD-A193A0A2CE73}" srcOrd="1" destOrd="0" presId="urn:microsoft.com/office/officeart/2018/5/layout/IconCircleLabelList"/>
+    <dgm:cxn modelId="{DD4AE37F-2ED8-4B2D-A22C-FEE6FF5768FF}" type="presParOf" srcId="{E48E58ED-C1DA-4298-9898-8FB767D37FA6}" destId="{E338724C-F806-44AF-9895-03E879D9009E}" srcOrd="2" destOrd="0" presId="urn:microsoft.com/office/officeart/2018/5/layout/IconCircleLabelList"/>
+    <dgm:cxn modelId="{8AC83380-3E6F-4382-8784-59355C080CC2}" type="presParOf" srcId="{E338724C-F806-44AF-9895-03E879D9009E}" destId="{E1C34AD1-7A9B-42FA-B27E-12E2CE78C621}" srcOrd="0" destOrd="0" presId="urn:microsoft.com/office/officeart/2018/5/layout/IconCircleLabelList"/>
+    <dgm:cxn modelId="{50F8D3A7-1439-49B8-939D-1D66710CC667}" type="presParOf" srcId="{E338724C-F806-44AF-9895-03E879D9009E}" destId="{0826B0F1-761A-4B58-B48C-627E19F5E7D2}" srcOrd="1" destOrd="0" presId="urn:microsoft.com/office/officeart/2018/5/layout/IconCircleLabelList"/>
+    <dgm:cxn modelId="{22019D01-F848-49EE-AFF8-974D4033EE3F}" type="presParOf" srcId="{E338724C-F806-44AF-9895-03E879D9009E}" destId="{651632C7-A44E-4D5A-B029-434D124F0306}" srcOrd="2" destOrd="0" presId="urn:microsoft.com/office/officeart/2018/5/layout/IconCircleLabelList"/>
+    <dgm:cxn modelId="{4A5E6E4E-4B27-433F-99C9-51C0DBAE3EB1}" type="presParOf" srcId="{E338724C-F806-44AF-9895-03E879D9009E}" destId="{184B46FE-276F-4A69-B4FB-1AF9A6E44EF9}" srcOrd="3" destOrd="0" presId="urn:microsoft.com/office/officeart/2018/5/layout/IconCircleLabelList"/>
+    <dgm:cxn modelId="{FB4F115F-0ACF-45C4-B53D-4479F1A077BC}" type="presParOf" srcId="{E48E58ED-C1DA-4298-9898-8FB767D37FA6}" destId="{53CF79D0-6259-49C8-9950-DF17D7E1B086}" srcOrd="3" destOrd="0" presId="urn:microsoft.com/office/officeart/2018/5/layout/IconCircleLabelList"/>
+    <dgm:cxn modelId="{C74E5FEA-D7CD-40D3-A024-0AA3D8B9B953}" type="presParOf" srcId="{E48E58ED-C1DA-4298-9898-8FB767D37FA6}" destId="{FEC6432B-AB48-473B-87BD-77D8A18023C3}" srcOrd="4" destOrd="0" presId="urn:microsoft.com/office/officeart/2018/5/layout/IconCircleLabelList"/>
+    <dgm:cxn modelId="{E993EB0D-84E9-4643-8DB4-CC6DEEFA2050}" type="presParOf" srcId="{FEC6432B-AB48-473B-87BD-77D8A18023C3}" destId="{585D4098-D1AC-49BA-880D-723795E1A31A}" srcOrd="0" destOrd="0" presId="urn:microsoft.com/office/officeart/2018/5/layout/IconCircleLabelList"/>
+    <dgm:cxn modelId="{C66C60C8-5505-42AA-957D-2A7C0384034D}" type="presParOf" srcId="{FEC6432B-AB48-473B-87BD-77D8A18023C3}" destId="{C9A4FDF4-02E0-4EE6-B5E1-68E8560690A0}" srcOrd="1" destOrd="0" presId="urn:microsoft.com/office/officeart/2018/5/layout/IconCircleLabelList"/>
+    <dgm:cxn modelId="{50B7A464-53A7-420B-8A08-CB05B1C06895}" type="presParOf" srcId="{FEC6432B-AB48-473B-87BD-77D8A18023C3}" destId="{1C65B38F-C8AB-42D3-99FC-E642648DAAD5}" srcOrd="2" destOrd="0" presId="urn:microsoft.com/office/officeart/2018/5/layout/IconCircleLabelList"/>
+    <dgm:cxn modelId="{25F7F1CF-BB9E-4D0F-A5C0-1646104E6291}" type="presParOf" srcId="{FEC6432B-AB48-473B-87BD-77D8A18023C3}" destId="{A376355D-C6FE-41ED-8EF1-F6B681411D4A}" srcOrd="3" destOrd="0" presId="urn:microsoft.com/office/officeart/2018/5/layout/IconCircleLabelList"/>
+    <dgm:cxn modelId="{D3D48825-411E-4CDF-9B0A-6849C779AFF1}" type="presParOf" srcId="{E48E58ED-C1DA-4298-9898-8FB767D37FA6}" destId="{B4BBC83A-29CA-4EFF-96EC-849C44307FC4}" srcOrd="5" destOrd="0" presId="urn:microsoft.com/office/officeart/2018/5/layout/IconCircleLabelList"/>
+    <dgm:cxn modelId="{0B82821B-A398-4E31-A4DB-B7CA0A6F0AE2}" type="presParOf" srcId="{E48E58ED-C1DA-4298-9898-8FB767D37FA6}" destId="{A94579CF-B7D5-4967-9582-7E7FFC89D6CD}" srcOrd="6" destOrd="0" presId="urn:microsoft.com/office/officeart/2018/5/layout/IconCircleLabelList"/>
+    <dgm:cxn modelId="{11D965B6-485E-4890-8F48-2F6CE688063E}" type="presParOf" srcId="{A94579CF-B7D5-4967-9582-7E7FFC89D6CD}" destId="{E105B35C-AF28-436D-9706-F3C142D81CDC}" srcOrd="0" destOrd="0" presId="urn:microsoft.com/office/officeart/2018/5/layout/IconCircleLabelList"/>
+    <dgm:cxn modelId="{5C090AD1-AD8C-46C3-A6B6-5F90C55471E6}" type="presParOf" srcId="{A94579CF-B7D5-4967-9582-7E7FFC89D6CD}" destId="{8DBCFE92-7F32-4B92-90BC-7F78C895281F}" srcOrd="1" destOrd="0" presId="urn:microsoft.com/office/officeart/2018/5/layout/IconCircleLabelList"/>
+    <dgm:cxn modelId="{CB3DEEE4-2C59-4B86-8AAF-4D8AF48A9413}" type="presParOf" srcId="{A94579CF-B7D5-4967-9582-7E7FFC89D6CD}" destId="{2FC8A02D-1FC4-4083-99DC-757E882BA5B9}" srcOrd="2" destOrd="0" presId="urn:microsoft.com/office/officeart/2018/5/layout/IconCircleLabelList"/>
+    <dgm:cxn modelId="{1D36405F-1EA8-4EC0-B36D-652A725B853B}" type="presParOf" srcId="{A94579CF-B7D5-4967-9582-7E7FFC89D6CD}" destId="{FCF0CB97-C825-44D2-8F44-AEE0A545A2DA}" srcOrd="3" destOrd="0" presId="urn:microsoft.com/office/officeart/2018/5/layout/IconCircleLabelList"/>
+    <dgm:cxn modelId="{9C893C23-2F22-4635-8792-A9ABC19C9E27}" type="presParOf" srcId="{E48E58ED-C1DA-4298-9898-8FB767D37FA6}" destId="{C36E5CA7-88AB-4FBF-9CFB-8B20157D6D58}" srcOrd="7" destOrd="0" presId="urn:microsoft.com/office/officeart/2018/5/layout/IconCircleLabelList"/>
+    <dgm:cxn modelId="{50D1D05A-0C6F-478C-9528-085D1EFBBC07}" type="presParOf" srcId="{E48E58ED-C1DA-4298-9898-8FB767D37FA6}" destId="{C66D568D-328A-4BBF-AD81-F2FDC744CD29}" srcOrd="8" destOrd="0" presId="urn:microsoft.com/office/officeart/2018/5/layout/IconCircleLabelList"/>
+    <dgm:cxn modelId="{F1D28EE2-59FB-4308-A0A6-A5A51356C967}" type="presParOf" srcId="{C66D568D-328A-4BBF-AD81-F2FDC744CD29}" destId="{68565916-D4D8-4736-B0F0-8091DF425F18}" srcOrd="0" destOrd="0" presId="urn:microsoft.com/office/officeart/2018/5/layout/IconCircleLabelList"/>
+    <dgm:cxn modelId="{C2426E9E-8F4E-4661-AA37-4A1E14FD1428}" type="presParOf" srcId="{C66D568D-328A-4BBF-AD81-F2FDC744CD29}" destId="{0053C116-A689-438E-A08C-6E7EF2FA3E9D}" srcOrd="1" destOrd="0" presId="urn:microsoft.com/office/officeart/2018/5/layout/IconCircleLabelList"/>
+    <dgm:cxn modelId="{1B7C47CE-2A00-4034-BFFA-C6608384AA89}" type="presParOf" srcId="{C66D568D-328A-4BBF-AD81-F2FDC744CD29}" destId="{14770404-1D3C-4148-92B9-82581BAB5BBF}" srcOrd="2" destOrd="0" presId="urn:microsoft.com/office/officeart/2018/5/layout/IconCircleLabelList"/>
+    <dgm:cxn modelId="{B8071697-11BE-4597-82E3-7D7D590030C4}" type="presParOf" srcId="{C66D568D-328A-4BBF-AD81-F2FDC744CD29}" destId="{13B5E07B-2657-4ACA-8C69-DF2688820421}" srcOrd="3" destOrd="0" presId="urn:microsoft.com/office/officeart/2018/5/layout/IconCircleLabelList"/>
+    <dgm:cxn modelId="{961745E4-4440-4461-989E-BDD3E0A44E71}" type="presParOf" srcId="{E48E58ED-C1DA-4298-9898-8FB767D37FA6}" destId="{2E6C22A9-0501-4981-B864-FDB9E7DA96FE}" srcOrd="9" destOrd="0" presId="urn:microsoft.com/office/officeart/2018/5/layout/IconCircleLabelList"/>
+    <dgm:cxn modelId="{69D56B76-6BEF-4374-8F47-C2B01CEC92A5}" type="presParOf" srcId="{E48E58ED-C1DA-4298-9898-8FB767D37FA6}" destId="{BD5BBABF-AAC5-4AD8-9A56-19AE320F68E6}" srcOrd="10" destOrd="0" presId="urn:microsoft.com/office/officeart/2018/5/layout/IconCircleLabelList"/>
+    <dgm:cxn modelId="{AC756121-4AB5-425D-AC2B-60D9773753DF}" type="presParOf" srcId="{BD5BBABF-AAC5-4AD8-9A56-19AE320F68E6}" destId="{C570423B-3846-4B65-9ECB-F37A212CC23D}" srcOrd="0" destOrd="0" presId="urn:microsoft.com/office/officeart/2018/5/layout/IconCircleLabelList"/>
+    <dgm:cxn modelId="{2C79D20E-64DE-44CC-9D03-9CBBADA98D15}" type="presParOf" srcId="{BD5BBABF-AAC5-4AD8-9A56-19AE320F68E6}" destId="{5958BE0A-6B65-46F3-B340-4F10BB5107FB}" srcOrd="1" destOrd="0" presId="urn:microsoft.com/office/officeart/2018/5/layout/IconCircleLabelList"/>
+    <dgm:cxn modelId="{FFA6C147-EB70-4633-8EB2-093F6B041B6F}" type="presParOf" srcId="{BD5BBABF-AAC5-4AD8-9A56-19AE320F68E6}" destId="{8DCA4E79-6BD9-44F5-B3E8-181B28BCF7FE}" srcOrd="2" destOrd="0" presId="urn:microsoft.com/office/officeart/2018/5/layout/IconCircleLabelList"/>
+    <dgm:cxn modelId="{E9F2C935-0198-4BB5-8B02-2B2C95D1979F}" type="presParOf" srcId="{BD5BBABF-AAC5-4AD8-9A56-19AE320F68E6}" destId="{D5248FB2-941B-4498-BBB7-E7DB0AEA3325}" srcOrd="3" destOrd="0" presId="urn:microsoft.com/office/officeart/2018/5/layout/IconCircleLabelList"/>
+  </dgm:cxnLst>
+  <dgm:bg/>
+  <dgm:whole/>
+  <dgm:extLst>
+    <a:ext uri="http://schemas.microsoft.com/office/drawing/2008/diagram">
+      <dsp:dataModelExt xmlns:dsp="http://schemas.microsoft.com/office/drawing/2008/diagram" relId="rId7" minVer="http://schemas.openxmlformats.org/drawingml/2006/diagram"/>
     </a:ext>
   </dgm:extLst>
 </dgm:dataModel>
@@ -1877,6 +3283,986 @@
 </dsp:drawing>
 </file>
 
+<file path=ppt/diagrams/drawing2.xml><?xml version="1.0" encoding="utf-8"?>
+<dsp:drawing xmlns:dgm="http://schemas.openxmlformats.org/drawingml/2006/diagram" xmlns:dsp="http://schemas.microsoft.com/office/drawing/2008/diagram" xmlns:a="http://schemas.openxmlformats.org/drawingml/2006/main">
+  <dsp:spTree>
+    <dsp:nvGrpSpPr>
+      <dsp:cNvPr id="0" name=""/>
+      <dsp:cNvGrpSpPr/>
+    </dsp:nvGrpSpPr>
+    <dsp:grpSpPr/>
+    <dsp:sp modelId="{C338AEAE-1615-4594-89E6-31EF31701BF7}">
+      <dsp:nvSpPr>
+        <dsp:cNvPr id="0" name=""/>
+        <dsp:cNvSpPr/>
+      </dsp:nvSpPr>
+      <dsp:spPr>
+        <a:xfrm>
+          <a:off x="296854" y="343075"/>
+          <a:ext cx="924292" cy="924292"/>
+        </a:xfrm>
+        <a:prstGeom prst="ellipse">
+          <a:avLst/>
+        </a:prstGeom>
+        <a:solidFill>
+          <a:schemeClr val="accent1">
+            <a:tint val="40000"/>
+            <a:hueOff val="0"/>
+            <a:satOff val="0"/>
+            <a:lumOff val="0"/>
+            <a:alphaOff val="0"/>
+          </a:schemeClr>
+        </a:solidFill>
+        <a:ln>
+          <a:noFill/>
+        </a:ln>
+        <a:effectLst/>
+      </dsp:spPr>
+      <dsp:style>
+        <a:lnRef idx="0">
+          <a:scrgbClr r="0" g="0" b="0"/>
+        </a:lnRef>
+        <a:fillRef idx="1">
+          <a:scrgbClr r="0" g="0" b="0"/>
+        </a:fillRef>
+        <a:effectRef idx="0">
+          <a:scrgbClr r="0" g="0" b="0"/>
+        </a:effectRef>
+        <a:fontRef idx="minor"/>
+      </dsp:style>
+    </dsp:sp>
+    <dsp:sp modelId="{FDB43240-D3D1-42CB-B07E-3D8A8FED7236}">
+      <dsp:nvSpPr>
+        <dsp:cNvPr id="0" name=""/>
+        <dsp:cNvSpPr/>
+      </dsp:nvSpPr>
+      <dsp:spPr>
+        <a:xfrm>
+          <a:off x="493835" y="540055"/>
+          <a:ext cx="530332" cy="530332"/>
+        </a:xfrm>
+        <a:prstGeom prst="rect">
+          <a:avLst/>
+        </a:prstGeom>
+        <a:blipFill>
+          <a:blip xmlns:r="http://schemas.openxmlformats.org/officeDocument/2006/relationships" r:embed="rId1">
+            <a:extLst>
+              <a:ext uri="{28A0092B-C50C-407E-A947-70E740481C1C}">
+                <a14:useLocalDpi xmlns:a14="http://schemas.microsoft.com/office/drawing/2010/main" val="0"/>
+              </a:ext>
+              <a:ext uri="{96DAC541-7B7A-43D3-8B79-37D633B846F1}">
+                <asvg:svgBlip xmlns:asvg="http://schemas.microsoft.com/office/drawing/2016/SVG/main" r:embed="rId2"/>
+              </a:ext>
+            </a:extLst>
+          </a:blip>
+          <a:stretch>
+            <a:fillRect/>
+          </a:stretch>
+        </a:blipFill>
+        <a:ln w="19050" cap="rnd" cmpd="sng" algn="ctr">
+          <a:solidFill>
+            <a:schemeClr val="lt1">
+              <a:hueOff val="0"/>
+              <a:satOff val="0"/>
+              <a:lumOff val="0"/>
+              <a:alphaOff val="0"/>
+            </a:schemeClr>
+          </a:solidFill>
+          <a:prstDash val="solid"/>
+        </a:ln>
+        <a:effectLst/>
+      </dsp:spPr>
+      <dsp:style>
+        <a:lnRef idx="2">
+          <a:scrgbClr r="0" g="0" b="0"/>
+        </a:lnRef>
+        <a:fillRef idx="1">
+          <a:scrgbClr r="0" g="0" b="0"/>
+        </a:fillRef>
+        <a:effectRef idx="0">
+          <a:scrgbClr r="0" g="0" b="0"/>
+        </a:effectRef>
+        <a:fontRef idx="minor">
+          <a:schemeClr val="lt1"/>
+        </a:fontRef>
+      </dsp:style>
+    </dsp:sp>
+    <dsp:sp modelId="{44C50F81-C136-4B2D-BD2F-3E514B20E636}">
+      <dsp:nvSpPr>
+        <dsp:cNvPr id="0" name=""/>
+        <dsp:cNvSpPr/>
+      </dsp:nvSpPr>
+      <dsp:spPr>
+        <a:xfrm>
+          <a:off x="1383" y="1555262"/>
+          <a:ext cx="1515234" cy="1739597"/>
+        </a:xfrm>
+        <a:prstGeom prst="rect">
+          <a:avLst/>
+        </a:prstGeom>
+        <a:noFill/>
+        <a:ln>
+          <a:noFill/>
+        </a:ln>
+        <a:effectLst/>
+      </dsp:spPr>
+      <dsp:style>
+        <a:lnRef idx="0">
+          <a:scrgbClr r="0" g="0" b="0"/>
+        </a:lnRef>
+        <a:fillRef idx="0">
+          <a:scrgbClr r="0" g="0" b="0"/>
+        </a:fillRef>
+        <a:effectRef idx="0">
+          <a:scrgbClr r="0" g="0" b="0"/>
+        </a:effectRef>
+        <a:fontRef idx="minor"/>
+      </dsp:style>
+      <dsp:txBody>
+        <a:bodyPr spcFirstLastPara="0" vert="horz" wrap="square" lIns="0" tIns="0" rIns="0" bIns="0" numCol="1" spcCol="1270" anchor="t" anchorCtr="0">
+          <a:noAutofit/>
+        </a:bodyPr>
+        <a:lstStyle/>
+        <a:p>
+          <a:pPr marL="0" lvl="0" indent="0" algn="ctr" defTabSz="488950">
+            <a:lnSpc>
+              <a:spcPct val="100000"/>
+            </a:lnSpc>
+            <a:spcBef>
+              <a:spcPct val="0"/>
+            </a:spcBef>
+            <a:spcAft>
+              <a:spcPct val="35000"/>
+            </a:spcAft>
+            <a:buNone/>
+            <a:defRPr cap="all"/>
+          </a:pPr>
+          <a:r>
+            <a:rPr lang="en-CA" sz="1100" kern="1200"/>
+            <a:t>User data entered from GUI into a Django ORM database and then passed to the offroad.py API from the Rest API.</a:t>
+          </a:r>
+          <a:endParaRPr lang="en-US" sz="1100" kern="1200"/>
+        </a:p>
+      </dsp:txBody>
+      <dsp:txXfrm>
+        <a:off x="1383" y="1555262"/>
+        <a:ext cx="1515234" cy="1739597"/>
+      </dsp:txXfrm>
+    </dsp:sp>
+    <dsp:sp modelId="{E1C34AD1-7A9B-42FA-B27E-12E2CE78C621}">
+      <dsp:nvSpPr>
+        <dsp:cNvPr id="0" name=""/>
+        <dsp:cNvSpPr/>
+      </dsp:nvSpPr>
+      <dsp:spPr>
+        <a:xfrm>
+          <a:off x="2077254" y="343075"/>
+          <a:ext cx="924292" cy="924292"/>
+        </a:xfrm>
+        <a:prstGeom prst="ellipse">
+          <a:avLst/>
+        </a:prstGeom>
+        <a:solidFill>
+          <a:schemeClr val="accent1">
+            <a:tint val="40000"/>
+            <a:hueOff val="0"/>
+            <a:satOff val="0"/>
+            <a:lumOff val="0"/>
+            <a:alphaOff val="0"/>
+          </a:schemeClr>
+        </a:solidFill>
+        <a:ln>
+          <a:noFill/>
+        </a:ln>
+        <a:effectLst/>
+      </dsp:spPr>
+      <dsp:style>
+        <a:lnRef idx="0">
+          <a:scrgbClr r="0" g="0" b="0"/>
+        </a:lnRef>
+        <a:fillRef idx="1">
+          <a:scrgbClr r="0" g="0" b="0"/>
+        </a:fillRef>
+        <a:effectRef idx="0">
+          <a:scrgbClr r="0" g="0" b="0"/>
+        </a:effectRef>
+        <a:fontRef idx="minor"/>
+      </dsp:style>
+    </dsp:sp>
+    <dsp:sp modelId="{0826B0F1-761A-4B58-B48C-627E19F5E7D2}">
+      <dsp:nvSpPr>
+        <dsp:cNvPr id="0" name=""/>
+        <dsp:cNvSpPr/>
+      </dsp:nvSpPr>
+      <dsp:spPr>
+        <a:xfrm>
+          <a:off x="2274235" y="540055"/>
+          <a:ext cx="530332" cy="530332"/>
+        </a:xfrm>
+        <a:prstGeom prst="rect">
+          <a:avLst/>
+        </a:prstGeom>
+        <a:blipFill>
+          <a:blip xmlns:r="http://schemas.openxmlformats.org/officeDocument/2006/relationships" r:embed="rId3">
+            <a:extLst>
+              <a:ext uri="{28A0092B-C50C-407E-A947-70E740481C1C}">
+                <a14:useLocalDpi xmlns:a14="http://schemas.microsoft.com/office/drawing/2010/main" val="0"/>
+              </a:ext>
+              <a:ext uri="{96DAC541-7B7A-43D3-8B79-37D633B846F1}">
+                <asvg:svgBlip xmlns:asvg="http://schemas.microsoft.com/office/drawing/2016/SVG/main" r:embed="rId4"/>
+              </a:ext>
+            </a:extLst>
+          </a:blip>
+          <a:stretch>
+            <a:fillRect/>
+          </a:stretch>
+        </a:blipFill>
+        <a:ln w="19050" cap="rnd" cmpd="sng" algn="ctr">
+          <a:solidFill>
+            <a:schemeClr val="lt1">
+              <a:hueOff val="0"/>
+              <a:satOff val="0"/>
+              <a:lumOff val="0"/>
+              <a:alphaOff val="0"/>
+            </a:schemeClr>
+          </a:solidFill>
+          <a:prstDash val="solid"/>
+        </a:ln>
+        <a:effectLst/>
+      </dsp:spPr>
+      <dsp:style>
+        <a:lnRef idx="2">
+          <a:scrgbClr r="0" g="0" b="0"/>
+        </a:lnRef>
+        <a:fillRef idx="1">
+          <a:scrgbClr r="0" g="0" b="0"/>
+        </a:fillRef>
+        <a:effectRef idx="0">
+          <a:scrgbClr r="0" g="0" b="0"/>
+        </a:effectRef>
+        <a:fontRef idx="minor">
+          <a:schemeClr val="lt1"/>
+        </a:fontRef>
+      </dsp:style>
+    </dsp:sp>
+    <dsp:sp modelId="{184B46FE-276F-4A69-B4FB-1AF9A6E44EF9}">
+      <dsp:nvSpPr>
+        <dsp:cNvPr id="0" name=""/>
+        <dsp:cNvSpPr/>
+      </dsp:nvSpPr>
+      <dsp:spPr>
+        <a:xfrm>
+          <a:off x="1781784" y="1555262"/>
+          <a:ext cx="1515234" cy="1739597"/>
+        </a:xfrm>
+        <a:prstGeom prst="rect">
+          <a:avLst/>
+        </a:prstGeom>
+        <a:noFill/>
+        <a:ln>
+          <a:noFill/>
+        </a:ln>
+        <a:effectLst/>
+      </dsp:spPr>
+      <dsp:style>
+        <a:lnRef idx="0">
+          <a:scrgbClr r="0" g="0" b="0"/>
+        </a:lnRef>
+        <a:fillRef idx="0">
+          <a:scrgbClr r="0" g="0" b="0"/>
+        </a:fillRef>
+        <a:effectRef idx="0">
+          <a:scrgbClr r="0" g="0" b="0"/>
+        </a:effectRef>
+        <a:fontRef idx="minor"/>
+      </dsp:style>
+      <dsp:txBody>
+        <a:bodyPr spcFirstLastPara="0" vert="horz" wrap="square" lIns="0" tIns="0" rIns="0" bIns="0" numCol="1" spcCol="1270" anchor="t" anchorCtr="0">
+          <a:noAutofit/>
+        </a:bodyPr>
+        <a:lstStyle/>
+        <a:p>
+          <a:pPr marL="0" lvl="0" indent="0" algn="ctr" defTabSz="488950">
+            <a:lnSpc>
+              <a:spcPct val="100000"/>
+            </a:lnSpc>
+            <a:spcBef>
+              <a:spcPct val="0"/>
+            </a:spcBef>
+            <a:spcAft>
+              <a:spcPct val="35000"/>
+            </a:spcAft>
+            <a:buNone/>
+            <a:defRPr cap="all"/>
+          </a:pPr>
+          <a:r>
+            <a:rPr lang="en-CA" sz="1100" kern="1200"/>
+            <a:t>Rest API interacts with the Django framework and user data passed to backend pythonic off_road.py API via middleware as shown above.</a:t>
+          </a:r>
+          <a:endParaRPr lang="en-US" sz="1100" kern="1200"/>
+        </a:p>
+      </dsp:txBody>
+      <dsp:txXfrm>
+        <a:off x="1781784" y="1555262"/>
+        <a:ext cx="1515234" cy="1739597"/>
+      </dsp:txXfrm>
+    </dsp:sp>
+    <dsp:sp modelId="{585D4098-D1AC-49BA-880D-723795E1A31A}">
+      <dsp:nvSpPr>
+        <dsp:cNvPr id="0" name=""/>
+        <dsp:cNvSpPr/>
+      </dsp:nvSpPr>
+      <dsp:spPr>
+        <a:xfrm>
+          <a:off x="3857655" y="343075"/>
+          <a:ext cx="924292" cy="924292"/>
+        </a:xfrm>
+        <a:prstGeom prst="ellipse">
+          <a:avLst/>
+        </a:prstGeom>
+        <a:solidFill>
+          <a:schemeClr val="accent1">
+            <a:tint val="40000"/>
+            <a:hueOff val="0"/>
+            <a:satOff val="0"/>
+            <a:lumOff val="0"/>
+            <a:alphaOff val="0"/>
+          </a:schemeClr>
+        </a:solidFill>
+        <a:ln>
+          <a:noFill/>
+        </a:ln>
+        <a:effectLst/>
+      </dsp:spPr>
+      <dsp:style>
+        <a:lnRef idx="0">
+          <a:scrgbClr r="0" g="0" b="0"/>
+        </a:lnRef>
+        <a:fillRef idx="1">
+          <a:scrgbClr r="0" g="0" b="0"/>
+        </a:fillRef>
+        <a:effectRef idx="0">
+          <a:scrgbClr r="0" g="0" b="0"/>
+        </a:effectRef>
+        <a:fontRef idx="minor"/>
+      </dsp:style>
+    </dsp:sp>
+    <dsp:sp modelId="{C9A4FDF4-02E0-4EE6-B5E1-68E8560690A0}">
+      <dsp:nvSpPr>
+        <dsp:cNvPr id="0" name=""/>
+        <dsp:cNvSpPr/>
+      </dsp:nvSpPr>
+      <dsp:spPr>
+        <a:xfrm>
+          <a:off x="4054635" y="540055"/>
+          <a:ext cx="530332" cy="530332"/>
+        </a:xfrm>
+        <a:prstGeom prst="rect">
+          <a:avLst/>
+        </a:prstGeom>
+        <a:blipFill>
+          <a:blip xmlns:r="http://schemas.openxmlformats.org/officeDocument/2006/relationships" r:embed="rId5">
+            <a:extLst>
+              <a:ext uri="{28A0092B-C50C-407E-A947-70E740481C1C}">
+                <a14:useLocalDpi xmlns:a14="http://schemas.microsoft.com/office/drawing/2010/main" val="0"/>
+              </a:ext>
+              <a:ext uri="{96DAC541-7B7A-43D3-8B79-37D633B846F1}">
+                <asvg:svgBlip xmlns:asvg="http://schemas.microsoft.com/office/drawing/2016/SVG/main" r:embed="rId6"/>
+              </a:ext>
+            </a:extLst>
+          </a:blip>
+          <a:stretch>
+            <a:fillRect/>
+          </a:stretch>
+        </a:blipFill>
+        <a:ln w="19050" cap="rnd" cmpd="sng" algn="ctr">
+          <a:solidFill>
+            <a:schemeClr val="lt1">
+              <a:hueOff val="0"/>
+              <a:satOff val="0"/>
+              <a:lumOff val="0"/>
+              <a:alphaOff val="0"/>
+            </a:schemeClr>
+          </a:solidFill>
+          <a:prstDash val="solid"/>
+        </a:ln>
+        <a:effectLst/>
+      </dsp:spPr>
+      <dsp:style>
+        <a:lnRef idx="2">
+          <a:scrgbClr r="0" g="0" b="0"/>
+        </a:lnRef>
+        <a:fillRef idx="1">
+          <a:scrgbClr r="0" g="0" b="0"/>
+        </a:fillRef>
+        <a:effectRef idx="0">
+          <a:scrgbClr r="0" g="0" b="0"/>
+        </a:effectRef>
+        <a:fontRef idx="minor">
+          <a:schemeClr val="lt1"/>
+        </a:fontRef>
+      </dsp:style>
+    </dsp:sp>
+    <dsp:sp modelId="{A376355D-C6FE-41ED-8EF1-F6B681411D4A}">
+      <dsp:nvSpPr>
+        <dsp:cNvPr id="0" name=""/>
+        <dsp:cNvSpPr/>
+      </dsp:nvSpPr>
+      <dsp:spPr>
+        <a:xfrm>
+          <a:off x="3562184" y="1555262"/>
+          <a:ext cx="1515234" cy="1739597"/>
+        </a:xfrm>
+        <a:prstGeom prst="rect">
+          <a:avLst/>
+        </a:prstGeom>
+        <a:noFill/>
+        <a:ln>
+          <a:noFill/>
+        </a:ln>
+        <a:effectLst/>
+      </dsp:spPr>
+      <dsp:style>
+        <a:lnRef idx="0">
+          <a:scrgbClr r="0" g="0" b="0"/>
+        </a:lnRef>
+        <a:fillRef idx="0">
+          <a:scrgbClr r="0" g="0" b="0"/>
+        </a:fillRef>
+        <a:effectRef idx="0">
+          <a:scrgbClr r="0" g="0" b="0"/>
+        </a:effectRef>
+        <a:fontRef idx="minor"/>
+      </dsp:style>
+      <dsp:txBody>
+        <a:bodyPr spcFirstLastPara="0" vert="horz" wrap="square" lIns="0" tIns="0" rIns="0" bIns="0" numCol="1" spcCol="1270" anchor="t" anchorCtr="0">
+          <a:noAutofit/>
+        </a:bodyPr>
+        <a:lstStyle/>
+        <a:p>
+          <a:pPr marL="0" lvl="0" indent="0" algn="ctr" defTabSz="488950">
+            <a:lnSpc>
+              <a:spcPct val="100000"/>
+            </a:lnSpc>
+            <a:spcBef>
+              <a:spcPct val="0"/>
+            </a:spcBef>
+            <a:spcAft>
+              <a:spcPct val="35000"/>
+            </a:spcAft>
+            <a:buNone/>
+            <a:defRPr cap="all"/>
+          </a:pPr>
+          <a:r>
+            <a:rPr lang="en-CA" sz="1100" kern="1200"/>
+            <a:t>Location data generates a PBF.OSM file</a:t>
+          </a:r>
+          <a:endParaRPr lang="en-US" sz="1100" kern="1200"/>
+        </a:p>
+      </dsp:txBody>
+      <dsp:txXfrm>
+        <a:off x="3562184" y="1555262"/>
+        <a:ext cx="1515234" cy="1739597"/>
+      </dsp:txXfrm>
+    </dsp:sp>
+    <dsp:sp modelId="{E105B35C-AF28-436D-9706-F3C142D81CDC}">
+      <dsp:nvSpPr>
+        <dsp:cNvPr id="0" name=""/>
+        <dsp:cNvSpPr/>
+      </dsp:nvSpPr>
+      <dsp:spPr>
+        <a:xfrm>
+          <a:off x="5638055" y="343075"/>
+          <a:ext cx="924292" cy="924292"/>
+        </a:xfrm>
+        <a:prstGeom prst="ellipse">
+          <a:avLst/>
+        </a:prstGeom>
+        <a:solidFill>
+          <a:schemeClr val="accent1">
+            <a:tint val="40000"/>
+            <a:hueOff val="0"/>
+            <a:satOff val="0"/>
+            <a:lumOff val="0"/>
+            <a:alphaOff val="0"/>
+          </a:schemeClr>
+        </a:solidFill>
+        <a:ln>
+          <a:noFill/>
+        </a:ln>
+        <a:effectLst/>
+      </dsp:spPr>
+      <dsp:style>
+        <a:lnRef idx="0">
+          <a:scrgbClr r="0" g="0" b="0"/>
+        </a:lnRef>
+        <a:fillRef idx="1">
+          <a:scrgbClr r="0" g="0" b="0"/>
+        </a:fillRef>
+        <a:effectRef idx="0">
+          <a:scrgbClr r="0" g="0" b="0"/>
+        </a:effectRef>
+        <a:fontRef idx="minor"/>
+      </dsp:style>
+    </dsp:sp>
+    <dsp:sp modelId="{8DBCFE92-7F32-4B92-90BC-7F78C895281F}">
+      <dsp:nvSpPr>
+        <dsp:cNvPr id="0" name=""/>
+        <dsp:cNvSpPr/>
+      </dsp:nvSpPr>
+      <dsp:spPr>
+        <a:xfrm>
+          <a:off x="5835036" y="540055"/>
+          <a:ext cx="530332" cy="530332"/>
+        </a:xfrm>
+        <a:prstGeom prst="rect">
+          <a:avLst/>
+        </a:prstGeom>
+        <a:blipFill>
+          <a:blip xmlns:r="http://schemas.openxmlformats.org/officeDocument/2006/relationships" r:embed="rId7">
+            <a:extLst>
+              <a:ext uri="{28A0092B-C50C-407E-A947-70E740481C1C}">
+                <a14:useLocalDpi xmlns:a14="http://schemas.microsoft.com/office/drawing/2010/main" val="0"/>
+              </a:ext>
+              <a:ext uri="{96DAC541-7B7A-43D3-8B79-37D633B846F1}">
+                <asvg:svgBlip xmlns:asvg="http://schemas.microsoft.com/office/drawing/2016/SVG/main" r:embed="rId8"/>
+              </a:ext>
+            </a:extLst>
+          </a:blip>
+          <a:stretch>
+            <a:fillRect/>
+          </a:stretch>
+        </a:blipFill>
+        <a:ln w="19050" cap="rnd" cmpd="sng" algn="ctr">
+          <a:solidFill>
+            <a:schemeClr val="lt1">
+              <a:hueOff val="0"/>
+              <a:satOff val="0"/>
+              <a:lumOff val="0"/>
+              <a:alphaOff val="0"/>
+            </a:schemeClr>
+          </a:solidFill>
+          <a:prstDash val="solid"/>
+        </a:ln>
+        <a:effectLst/>
+      </dsp:spPr>
+      <dsp:style>
+        <a:lnRef idx="2">
+          <a:scrgbClr r="0" g="0" b="0"/>
+        </a:lnRef>
+        <a:fillRef idx="1">
+          <a:scrgbClr r="0" g="0" b="0"/>
+        </a:fillRef>
+        <a:effectRef idx="0">
+          <a:scrgbClr r="0" g="0" b="0"/>
+        </a:effectRef>
+        <a:fontRef idx="minor">
+          <a:schemeClr val="lt1"/>
+        </a:fontRef>
+      </dsp:style>
+    </dsp:sp>
+    <dsp:sp modelId="{FCF0CB97-C825-44D2-8F44-AEE0A545A2DA}">
+      <dsp:nvSpPr>
+        <dsp:cNvPr id="0" name=""/>
+        <dsp:cNvSpPr/>
+      </dsp:nvSpPr>
+      <dsp:spPr>
+        <a:xfrm>
+          <a:off x="5342585" y="1555262"/>
+          <a:ext cx="1515234" cy="1739597"/>
+        </a:xfrm>
+        <a:prstGeom prst="rect">
+          <a:avLst/>
+        </a:prstGeom>
+        <a:noFill/>
+        <a:ln>
+          <a:noFill/>
+        </a:ln>
+        <a:effectLst/>
+      </dsp:spPr>
+      <dsp:style>
+        <a:lnRef idx="0">
+          <a:scrgbClr r="0" g="0" b="0"/>
+        </a:lnRef>
+        <a:fillRef idx="0">
+          <a:scrgbClr r="0" g="0" b="0"/>
+        </a:fillRef>
+        <a:effectRef idx="0">
+          <a:scrgbClr r="0" g="0" b="0"/>
+        </a:effectRef>
+        <a:fontRef idx="minor"/>
+      </dsp:style>
+      <dsp:txBody>
+        <a:bodyPr spcFirstLastPara="0" vert="horz" wrap="square" lIns="0" tIns="0" rIns="0" bIns="0" numCol="1" spcCol="1270" anchor="t" anchorCtr="0">
+          <a:noAutofit/>
+        </a:bodyPr>
+        <a:lstStyle/>
+        <a:p>
+          <a:pPr marL="0" lvl="0" indent="0" algn="ctr" defTabSz="488950">
+            <a:lnSpc>
+              <a:spcPct val="100000"/>
+            </a:lnSpc>
+            <a:spcBef>
+              <a:spcPct val="0"/>
+            </a:spcBef>
+            <a:spcAft>
+              <a:spcPct val="35000"/>
+            </a:spcAft>
+            <a:buNone/>
+            <a:defRPr cap="all"/>
+          </a:pPr>
+          <a:r>
+            <a:rPr lang="en-CA" sz="1100" kern="1200"/>
+            <a:t>This file is then processed via methods with the API to generate an offroad route using: </a:t>
+          </a:r>
+          <a:r>
+            <a:rPr lang="en-CA" sz="1100" kern="1200">
+              <a:hlinkClick xmlns:r="http://schemas.openxmlformats.org/officeDocument/2006/relationships" r:id="rId9"/>
+            </a:rPr>
+            <a:t>https://denikozub.github.io/Offroad-routing-engine/#installation</a:t>
+          </a:r>
+          <a:r>
+            <a:rPr lang="en-CA" sz="1100" kern="1200"/>
+            <a:t> with examples shown here: </a:t>
+          </a:r>
+          <a:r>
+            <a:rPr lang="en-CA" sz="1100" kern="1200">
+              <a:hlinkClick xmlns:r="http://schemas.openxmlformats.org/officeDocument/2006/relationships" r:id="rId10"/>
+            </a:rPr>
+            <a:t>https://github.com/Denikozub/Offroad-routing-engine/blob/main/docs/usage.ipynb</a:t>
+          </a:r>
+          <a:r>
+            <a:rPr lang="en-CA" sz="1100" kern="1200"/>
+            <a:t> </a:t>
+          </a:r>
+          <a:endParaRPr lang="en-US" sz="1100" kern="1200"/>
+        </a:p>
+      </dsp:txBody>
+      <dsp:txXfrm>
+        <a:off x="5342585" y="1555262"/>
+        <a:ext cx="1515234" cy="1739597"/>
+      </dsp:txXfrm>
+    </dsp:sp>
+    <dsp:sp modelId="{68565916-D4D8-4736-B0F0-8091DF425F18}">
+      <dsp:nvSpPr>
+        <dsp:cNvPr id="0" name=""/>
+        <dsp:cNvSpPr/>
+      </dsp:nvSpPr>
+      <dsp:spPr>
+        <a:xfrm>
+          <a:off x="7418456" y="343075"/>
+          <a:ext cx="924292" cy="924292"/>
+        </a:xfrm>
+        <a:prstGeom prst="ellipse">
+          <a:avLst/>
+        </a:prstGeom>
+        <a:solidFill>
+          <a:schemeClr val="accent1">
+            <a:tint val="40000"/>
+            <a:hueOff val="0"/>
+            <a:satOff val="0"/>
+            <a:lumOff val="0"/>
+            <a:alphaOff val="0"/>
+          </a:schemeClr>
+        </a:solidFill>
+        <a:ln>
+          <a:noFill/>
+        </a:ln>
+        <a:effectLst/>
+      </dsp:spPr>
+      <dsp:style>
+        <a:lnRef idx="0">
+          <a:scrgbClr r="0" g="0" b="0"/>
+        </a:lnRef>
+        <a:fillRef idx="1">
+          <a:scrgbClr r="0" g="0" b="0"/>
+        </a:fillRef>
+        <a:effectRef idx="0">
+          <a:scrgbClr r="0" g="0" b="0"/>
+        </a:effectRef>
+        <a:fontRef idx="minor"/>
+      </dsp:style>
+    </dsp:sp>
+    <dsp:sp modelId="{0053C116-A689-438E-A08C-6E7EF2FA3E9D}">
+      <dsp:nvSpPr>
+        <dsp:cNvPr id="0" name=""/>
+        <dsp:cNvSpPr/>
+      </dsp:nvSpPr>
+      <dsp:spPr>
+        <a:xfrm>
+          <a:off x="7615436" y="540055"/>
+          <a:ext cx="530332" cy="530332"/>
+        </a:xfrm>
+        <a:prstGeom prst="rect">
+          <a:avLst/>
+        </a:prstGeom>
+        <a:blipFill>
+          <a:blip xmlns:r="http://schemas.openxmlformats.org/officeDocument/2006/relationships" r:embed="rId11">
+            <a:extLst>
+              <a:ext uri="{28A0092B-C50C-407E-A947-70E740481C1C}">
+                <a14:useLocalDpi xmlns:a14="http://schemas.microsoft.com/office/drawing/2010/main" val="0"/>
+              </a:ext>
+              <a:ext uri="{96DAC541-7B7A-43D3-8B79-37D633B846F1}">
+                <asvg:svgBlip xmlns:asvg="http://schemas.microsoft.com/office/drawing/2016/SVG/main" r:embed="rId12"/>
+              </a:ext>
+            </a:extLst>
+          </a:blip>
+          <a:stretch>
+            <a:fillRect/>
+          </a:stretch>
+        </a:blipFill>
+        <a:ln w="19050" cap="rnd" cmpd="sng" algn="ctr">
+          <a:solidFill>
+            <a:schemeClr val="lt1">
+              <a:hueOff val="0"/>
+              <a:satOff val="0"/>
+              <a:lumOff val="0"/>
+              <a:alphaOff val="0"/>
+            </a:schemeClr>
+          </a:solidFill>
+          <a:prstDash val="solid"/>
+        </a:ln>
+        <a:effectLst/>
+      </dsp:spPr>
+      <dsp:style>
+        <a:lnRef idx="2">
+          <a:scrgbClr r="0" g="0" b="0"/>
+        </a:lnRef>
+        <a:fillRef idx="1">
+          <a:scrgbClr r="0" g="0" b="0"/>
+        </a:fillRef>
+        <a:effectRef idx="0">
+          <a:scrgbClr r="0" g="0" b="0"/>
+        </a:effectRef>
+        <a:fontRef idx="minor">
+          <a:schemeClr val="lt1"/>
+        </a:fontRef>
+      </dsp:style>
+    </dsp:sp>
+    <dsp:sp modelId="{13B5E07B-2657-4ACA-8C69-DF2688820421}">
+      <dsp:nvSpPr>
+        <dsp:cNvPr id="0" name=""/>
+        <dsp:cNvSpPr/>
+      </dsp:nvSpPr>
+      <dsp:spPr>
+        <a:xfrm>
+          <a:off x="7122985" y="1555262"/>
+          <a:ext cx="1515234" cy="1739597"/>
+        </a:xfrm>
+        <a:prstGeom prst="rect">
+          <a:avLst/>
+        </a:prstGeom>
+        <a:noFill/>
+        <a:ln>
+          <a:noFill/>
+        </a:ln>
+        <a:effectLst/>
+      </dsp:spPr>
+      <dsp:style>
+        <a:lnRef idx="0">
+          <a:scrgbClr r="0" g="0" b="0"/>
+        </a:lnRef>
+        <a:fillRef idx="0">
+          <a:scrgbClr r="0" g="0" b="0"/>
+        </a:fillRef>
+        <a:effectRef idx="0">
+          <a:scrgbClr r="0" g="0" b="0"/>
+        </a:effectRef>
+        <a:fontRef idx="minor"/>
+      </dsp:style>
+      <dsp:txBody>
+        <a:bodyPr spcFirstLastPara="0" vert="horz" wrap="square" lIns="0" tIns="0" rIns="0" bIns="0" numCol="1" spcCol="1270" anchor="t" anchorCtr="0">
+          <a:noAutofit/>
+        </a:bodyPr>
+        <a:lstStyle/>
+        <a:p>
+          <a:pPr marL="0" lvl="0" indent="0" algn="ctr" defTabSz="488950">
+            <a:lnSpc>
+              <a:spcPct val="100000"/>
+            </a:lnSpc>
+            <a:spcBef>
+              <a:spcPct val="0"/>
+            </a:spcBef>
+            <a:spcAft>
+              <a:spcPct val="35000"/>
+            </a:spcAft>
+            <a:buNone/>
+            <a:defRPr cap="all"/>
+          </a:pPr>
+          <a:r>
+            <a:rPr lang="en-CA" sz="1100" kern="1200"/>
+            <a:t>This route can then be given back to the user via JSON once the pythonic API offloads data back to the Django framework once data processing has been completed</a:t>
+          </a:r>
+          <a:endParaRPr lang="en-US" sz="1100" kern="1200"/>
+        </a:p>
+      </dsp:txBody>
+      <dsp:txXfrm>
+        <a:off x="7122985" y="1555262"/>
+        <a:ext cx="1515234" cy="1739597"/>
+      </dsp:txXfrm>
+    </dsp:sp>
+    <dsp:sp modelId="{C570423B-3846-4B65-9ECB-F37A212CC23D}">
+      <dsp:nvSpPr>
+        <dsp:cNvPr id="0" name=""/>
+        <dsp:cNvSpPr/>
+      </dsp:nvSpPr>
+      <dsp:spPr>
+        <a:xfrm>
+          <a:off x="9198856" y="343075"/>
+          <a:ext cx="924292" cy="924292"/>
+        </a:xfrm>
+        <a:prstGeom prst="ellipse">
+          <a:avLst/>
+        </a:prstGeom>
+        <a:solidFill>
+          <a:schemeClr val="accent1">
+            <a:tint val="40000"/>
+            <a:hueOff val="0"/>
+            <a:satOff val="0"/>
+            <a:lumOff val="0"/>
+            <a:alphaOff val="0"/>
+          </a:schemeClr>
+        </a:solidFill>
+        <a:ln>
+          <a:noFill/>
+        </a:ln>
+        <a:effectLst/>
+      </dsp:spPr>
+      <dsp:style>
+        <a:lnRef idx="0">
+          <a:scrgbClr r="0" g="0" b="0"/>
+        </a:lnRef>
+        <a:fillRef idx="1">
+          <a:scrgbClr r="0" g="0" b="0"/>
+        </a:fillRef>
+        <a:effectRef idx="0">
+          <a:scrgbClr r="0" g="0" b="0"/>
+        </a:effectRef>
+        <a:fontRef idx="minor"/>
+      </dsp:style>
+    </dsp:sp>
+    <dsp:sp modelId="{5958BE0A-6B65-46F3-B340-4F10BB5107FB}">
+      <dsp:nvSpPr>
+        <dsp:cNvPr id="0" name=""/>
+        <dsp:cNvSpPr/>
+      </dsp:nvSpPr>
+      <dsp:spPr>
+        <a:xfrm>
+          <a:off x="9395836" y="540055"/>
+          <a:ext cx="530332" cy="530332"/>
+        </a:xfrm>
+        <a:prstGeom prst="rect">
+          <a:avLst/>
+        </a:prstGeom>
+        <a:blipFill>
+          <a:blip xmlns:r="http://schemas.openxmlformats.org/officeDocument/2006/relationships" r:embed="rId13">
+            <a:extLst>
+              <a:ext uri="{28A0092B-C50C-407E-A947-70E740481C1C}">
+                <a14:useLocalDpi xmlns:a14="http://schemas.microsoft.com/office/drawing/2010/main" val="0"/>
+              </a:ext>
+              <a:ext uri="{96DAC541-7B7A-43D3-8B79-37D633B846F1}">
+                <asvg:svgBlip xmlns:asvg="http://schemas.microsoft.com/office/drawing/2016/SVG/main" r:embed="rId14"/>
+              </a:ext>
+            </a:extLst>
+          </a:blip>
+          <a:stretch>
+            <a:fillRect/>
+          </a:stretch>
+        </a:blipFill>
+        <a:ln w="19050" cap="rnd" cmpd="sng" algn="ctr">
+          <a:solidFill>
+            <a:schemeClr val="lt1">
+              <a:hueOff val="0"/>
+              <a:satOff val="0"/>
+              <a:lumOff val="0"/>
+              <a:alphaOff val="0"/>
+            </a:schemeClr>
+          </a:solidFill>
+          <a:prstDash val="solid"/>
+        </a:ln>
+        <a:effectLst/>
+      </dsp:spPr>
+      <dsp:style>
+        <a:lnRef idx="2">
+          <a:scrgbClr r="0" g="0" b="0"/>
+        </a:lnRef>
+        <a:fillRef idx="1">
+          <a:scrgbClr r="0" g="0" b="0"/>
+        </a:fillRef>
+        <a:effectRef idx="0">
+          <a:scrgbClr r="0" g="0" b="0"/>
+        </a:effectRef>
+        <a:fontRef idx="minor">
+          <a:schemeClr val="lt1"/>
+        </a:fontRef>
+      </dsp:style>
+    </dsp:sp>
+    <dsp:sp modelId="{D5248FB2-941B-4498-BBB7-E7DB0AEA3325}">
+      <dsp:nvSpPr>
+        <dsp:cNvPr id="0" name=""/>
+        <dsp:cNvSpPr/>
+      </dsp:nvSpPr>
+      <dsp:spPr>
+        <a:xfrm>
+          <a:off x="8903385" y="1555262"/>
+          <a:ext cx="1515234" cy="1739597"/>
+        </a:xfrm>
+        <a:prstGeom prst="rect">
+          <a:avLst/>
+        </a:prstGeom>
+        <a:noFill/>
+        <a:ln>
+          <a:noFill/>
+        </a:ln>
+        <a:effectLst/>
+      </dsp:spPr>
+      <dsp:style>
+        <a:lnRef idx="0">
+          <a:scrgbClr r="0" g="0" b="0"/>
+        </a:lnRef>
+        <a:fillRef idx="0">
+          <a:scrgbClr r="0" g="0" b="0"/>
+        </a:fillRef>
+        <a:effectRef idx="0">
+          <a:scrgbClr r="0" g="0" b="0"/>
+        </a:effectRef>
+        <a:fontRef idx="minor"/>
+      </dsp:style>
+      <dsp:txBody>
+        <a:bodyPr spcFirstLastPara="0" vert="horz" wrap="square" lIns="0" tIns="0" rIns="0" bIns="0" numCol="1" spcCol="1270" anchor="t" anchorCtr="0">
+          <a:noAutofit/>
+        </a:bodyPr>
+        <a:lstStyle/>
+        <a:p>
+          <a:pPr marL="0" lvl="0" indent="0" algn="ctr" defTabSz="488950">
+            <a:lnSpc>
+              <a:spcPct val="100000"/>
+            </a:lnSpc>
+            <a:spcBef>
+              <a:spcPct val="0"/>
+            </a:spcBef>
+            <a:spcAft>
+              <a:spcPct val="35000"/>
+            </a:spcAft>
+            <a:buNone/>
+            <a:defRPr cap="all"/>
+          </a:pPr>
+          <a:r>
+            <a:rPr lang="en-CA" sz="1100" kern="1200"/>
+            <a:t>JSON output served to rest API and client as specified </a:t>
+          </a:r>
+          <a:endParaRPr lang="en-US" sz="1100" kern="1200"/>
+        </a:p>
+      </dsp:txBody>
+      <dsp:txXfrm>
+        <a:off x="8903385" y="1555262"/>
+        <a:ext cx="1515234" cy="1739597"/>
+      </dsp:txXfrm>
+    </dsp:sp>
+  </dsp:spTree>
+</dsp:drawing>
+</file>
+
 <file path=ppt/diagrams/layout1.xml><?xml version="1.0" encoding="utf-8"?>
 <dgm:layoutDef xmlns:dgm="http://schemas.openxmlformats.org/drawingml/2006/diagram" xmlns:a="http://schemas.openxmlformats.org/drawingml/2006/main" uniqueId="urn:microsoft.com/office/officeart/2005/8/layout/process5">
   <dgm:title val=""/>
@@ -2048,7 +4434,1256 @@
 </dgm:layoutDef>
 </file>
 
+<file path=ppt/diagrams/layout2.xml><?xml version="1.0" encoding="utf-8"?>
+<dgm:layoutDef xmlns:dgm="http://schemas.openxmlformats.org/drawingml/2006/diagram" xmlns:a="http://schemas.openxmlformats.org/drawingml/2006/main" uniqueId="urn:microsoft.com/office/officeart/2018/5/layout/IconCircleLabelList">
+  <dgm:title val="Icon Circle Label List"/>
+  <dgm:desc val="Use to show non-sequential or grouped chunks of information accompanied by a related visuals. Works best with icons or small pictures with short text captions."/>
+  <dgm:catLst>
+    <dgm:cat type="icon" pri="500"/>
+  </dgm:catLst>
+  <dgm:sampData useDef="1">
+    <dgm:dataModel>
+      <dgm:ptLst/>
+      <dgm:bg/>
+      <dgm:whole/>
+    </dgm:dataModel>
+  </dgm:sampData>
+  <dgm:styleData useDef="1">
+    <dgm:dataModel>
+      <dgm:ptLst/>
+      <dgm:bg/>
+      <dgm:whole/>
+    </dgm:dataModel>
+  </dgm:styleData>
+  <dgm:clrData useDef="1">
+    <dgm:dataModel>
+      <dgm:ptLst/>
+      <dgm:bg/>
+      <dgm:whole/>
+    </dgm:dataModel>
+  </dgm:clrData>
+  <dgm:layoutNode name="root">
+    <dgm:varLst>
+      <dgm:dir/>
+      <dgm:resizeHandles val="exact"/>
+    </dgm:varLst>
+    <dgm:choose name="Name0">
+      <dgm:if name="Name1" axis="self" func="var" arg="dir" op="equ" val="norm">
+        <dgm:alg type="snake">
+          <dgm:param type="grDir" val="tL"/>
+          <dgm:param type="flowDir" val="row"/>
+          <dgm:param type="contDir" val="sameDir"/>
+          <dgm:param type="off" val="ctr"/>
+          <dgm:param type="vertAlign" val="mid"/>
+          <dgm:param type="horzAlign" val="ctr"/>
+        </dgm:alg>
+      </dgm:if>
+      <dgm:else name="Name2">
+        <dgm:alg type="snake">
+          <dgm:param type="grDir" val="tR"/>
+          <dgm:param type="flowDir" val="row"/>
+          <dgm:param type="contDir" val="sameDir"/>
+          <dgm:param type="off" val="ctr"/>
+          <dgm:param type="vertAlign" val="mid"/>
+          <dgm:param type="horzAlign" val="ctr"/>
+        </dgm:alg>
+      </dgm:else>
+    </dgm:choose>
+    <dgm:shape xmlns:r="http://schemas.openxmlformats.org/officeDocument/2006/relationships" r:blip="">
+      <dgm:adjLst/>
+    </dgm:shape>
+    <dgm:presOf/>
+    <dgm:choose name="Name3">
+      <dgm:if name="Name4" axis="ch" ptType="node" func="cnt" op="lte" val="2">
+        <dgm:constrLst>
+          <dgm:constr type="h" for="ch" forName="compNode" refType="h" fact="0.4"/>
+          <dgm:constr type="w" for="ch" forName="compNode" val="100"/>
+          <dgm:constr type="w" for="ch" forName="sibTrans" refType="w" refFor="ch" refForName="compNode" fact="0.175"/>
+          <dgm:constr type="sp" refType="w" refFor="ch" refForName="compNode" op="equ" fact="0.25"/>
+          <dgm:constr type="primFontSz" for="des" ptType="node" op="equ" val="44"/>
+          <dgm:constr type="h" for="des" forName="compNode" op="equ"/>
+          <dgm:constr type="h" for="des" forName="textRect" op="equ"/>
+        </dgm:constrLst>
+      </dgm:if>
+      <dgm:if name="Name5" axis="ch" ptType="node" func="cnt" op="lte" val="3">
+        <dgm:constrLst>
+          <dgm:constr type="h" for="ch" forName="compNode" refType="h" fact="0.4"/>
+          <dgm:constr type="w" for="ch" forName="compNode" val="100"/>
+          <dgm:constr type="w" for="ch" forName="sibTrans" refType="w" refFor="ch" refForName="compNode" fact="0.175"/>
+          <dgm:constr type="sp" refType="w" refFor="ch" refForName="compNode" op="equ" fact="0.25"/>
+          <dgm:constr type="primFontSz" for="des" ptType="node" op="equ" val="40"/>
+          <dgm:constr type="h" for="des" forName="compNode" op="equ"/>
+          <dgm:constr type="h" for="des" forName="textRect" op="equ"/>
+        </dgm:constrLst>
+      </dgm:if>
+      <dgm:if name="Name6" axis="ch" ptType="node" func="cnt" op="lte" val="4">
+        <dgm:constrLst>
+          <dgm:constr type="h" for="ch" forName="compNode" refType="h" fact="0.4"/>
+          <dgm:constr type="w" for="ch" forName="compNode" refType="w"/>
+          <dgm:constr type="w" for="ch" forName="sibTrans" refType="w" refFor="ch" refForName="compNode" fact="0.175"/>
+          <dgm:constr type="sp" refType="w" refFor="ch" refForName="compNode" op="equ" fact="0.25"/>
+          <dgm:constr type="primFontSz" for="des" ptType="node" op="equ" val="32"/>
+          <dgm:constr type="h" for="des" forName="compNode" op="equ"/>
+          <dgm:constr type="h" for="des" forName="textRect" op="equ"/>
+        </dgm:constrLst>
+      </dgm:if>
+      <dgm:else name="Name7">
+        <dgm:constrLst>
+          <dgm:constr type="h" for="ch" forName="compNode" refType="h" fact="0.4"/>
+          <dgm:constr type="w" for="ch" forName="compNode" refType="w"/>
+          <dgm:constr type="w" for="ch" forName="sibTrans" refType="w" refFor="ch" refForName="compNode" fact="0.175"/>
+          <dgm:constr type="sp" refType="w" refFor="ch" refForName="compNode" op="equ" fact="0.25"/>
+          <dgm:constr type="primFontSz" for="des" ptType="node" op="equ" val="24"/>
+          <dgm:constr type="h" for="des" forName="compNode" op="equ"/>
+          <dgm:constr type="h" for="des" forName="textRect" op="equ"/>
+        </dgm:constrLst>
+      </dgm:else>
+    </dgm:choose>
+    <dgm:ruleLst>
+      <dgm:rule type="w" for="ch" forName="compNode" val="50" fact="NaN" max="NaN"/>
+    </dgm:ruleLst>
+    <dgm:forEach name="Name8" axis="ch" ptType="node">
+      <dgm:layoutNode name="compNode">
+        <dgm:alg type="composite"/>
+        <dgm:shape xmlns:r="http://schemas.openxmlformats.org/officeDocument/2006/relationships" r:blip="">
+          <dgm:adjLst/>
+        </dgm:shape>
+        <dgm:presOf axis="self"/>
+        <dgm:constrLst>
+          <dgm:constr type="w" for="ch" forName="iconBgRect" refType="w" fact="0.61"/>
+          <dgm:constr type="h" for="ch" forName="iconBgRect" refType="w" refFor="ch" refForName="iconBgRect"/>
+          <dgm:constr type="t" for="ch" forName="iconBgRect"/>
+          <dgm:constr type="ctrX" for="ch" forName="iconBgRect" refType="w" fact="0.5"/>
+          <dgm:constr type="w" for="ch" forName="iconRect" refType="w" fact="0.35"/>
+          <dgm:constr type="h" for="ch" forName="iconRect" refType="w" refFor="ch" refForName="iconRect"/>
+          <dgm:constr type="ctrX" for="ch" forName="iconRect" refType="ctrX" refFor="ch" refForName="iconBgRect"/>
+          <dgm:constr type="ctrY" for="ch" forName="iconRect" refType="ctrY" refFor="ch" refForName="iconBgRect"/>
+          <dgm:constr type="h" for="ch" forName="spaceRect" refType="w" fact="0.19"/>
+          <dgm:constr type="w" for="ch" forName="spaceRect" refType="w"/>
+          <dgm:constr type="l" for="ch" forName="spaceRect"/>
+          <dgm:constr type="t" for="ch" forName="spaceRect" refType="b" refFor="ch" refForName="iconBgRect"/>
+          <dgm:constr type="h" for="ch" forName="textRect" val="20"/>
+          <dgm:constr type="w" for="ch" forName="textRect" refType="w"/>
+          <dgm:constr type="l" for="ch" forName="textRect"/>
+          <dgm:constr type="t" for="ch" forName="textRect" refType="b" refFor="ch" refForName="spaceRect"/>
+        </dgm:constrLst>
+        <dgm:ruleLst>
+          <dgm:rule type="h" val="INF" fact="NaN" max="NaN"/>
+        </dgm:ruleLst>
+        <dgm:layoutNode name="iconBgRect" styleLbl="bgShp">
+          <dgm:alg type="sp"/>
+          <dgm:shape xmlns:r="http://schemas.openxmlformats.org/officeDocument/2006/relationships" type="ellipse" r:blip="">
+            <dgm:adjLst/>
+          </dgm:shape>
+          <dgm:presOf/>
+          <dgm:constrLst/>
+          <dgm:ruleLst/>
+        </dgm:layoutNode>
+        <dgm:layoutNode name="iconRect" styleLbl="node1">
+          <dgm:alg type="sp"/>
+          <dgm:shape xmlns:r="http://schemas.openxmlformats.org/officeDocument/2006/relationships" type="rect" r:blip="" blipPhldr="1">
+            <dgm:adjLst/>
+          </dgm:shape>
+          <dgm:presOf/>
+          <dgm:constrLst/>
+          <dgm:ruleLst/>
+        </dgm:layoutNode>
+        <dgm:layoutNode name="spaceRect">
+          <dgm:alg type="sp"/>
+          <dgm:shape xmlns:r="http://schemas.openxmlformats.org/officeDocument/2006/relationships" r:blip="">
+            <dgm:adjLst/>
+          </dgm:shape>
+          <dgm:presOf/>
+          <dgm:constrLst/>
+          <dgm:ruleLst/>
+        </dgm:layoutNode>
+        <dgm:layoutNode name="textRect" styleLbl="revTx">
+          <dgm:varLst>
+            <dgm:chMax val="1"/>
+            <dgm:chPref val="1"/>
+          </dgm:varLst>
+          <dgm:alg type="tx">
+            <dgm:param type="txAnchorVert" val="t"/>
+          </dgm:alg>
+          <dgm:shape xmlns:r="http://schemas.openxmlformats.org/officeDocument/2006/relationships" type="rect" r:blip="">
+            <dgm:adjLst/>
+          </dgm:shape>
+          <dgm:presOf axis="self" ptType="node"/>
+          <dgm:constrLst>
+            <dgm:constr type="lMarg"/>
+            <dgm:constr type="rMarg"/>
+            <dgm:constr type="tMarg"/>
+            <dgm:constr type="bMarg"/>
+          </dgm:constrLst>
+          <dgm:ruleLst>
+            <dgm:rule type="primFontSz" val="11" fact="NaN" max="NaN"/>
+            <dgm:rule type="h" val="INF" fact="NaN" max="NaN"/>
+          </dgm:ruleLst>
+        </dgm:layoutNode>
+      </dgm:layoutNode>
+      <dgm:forEach name="Name9" axis="followSib" ptType="sibTrans" cnt="1">
+        <dgm:layoutNode name="sibTrans">
+          <dgm:alg type="sp"/>
+          <dgm:shape xmlns:r="http://schemas.openxmlformats.org/officeDocument/2006/relationships" r:blip="">
+            <dgm:adjLst/>
+          </dgm:shape>
+          <dgm:presOf axis="self"/>
+          <dgm:constrLst/>
+          <dgm:ruleLst/>
+        </dgm:layoutNode>
+      </dgm:forEach>
+    </dgm:forEach>
+  </dgm:layoutNode>
+  <dgm:extLst>
+    <a:ext uri="{68A01E43-0DF5-4B5B-8FA6-DAF915123BFB}">
+      <dgm1612:lstStyle xmlns:dgm1612="http://schemas.microsoft.com/office/drawing/2016/12/diagram">
+        <a:lvl1pPr>
+          <a:lnSpc>
+            <a:spcPct val="100000"/>
+          </a:lnSpc>
+          <a:defRPr cap="all"/>
+        </a:lvl1pPr>
+      </dgm1612:lstStyle>
+    </a:ext>
+  </dgm:extLst>
+</dgm:layoutDef>
+</file>
+
 <file path=ppt/diagrams/quickStyle1.xml><?xml version="1.0" encoding="utf-8"?>
+<dgm:styleDef xmlns:dgm="http://schemas.openxmlformats.org/drawingml/2006/diagram" xmlns:a="http://schemas.openxmlformats.org/drawingml/2006/main" uniqueId="urn:microsoft.com/office/officeart/2005/8/quickstyle/simple1">
+  <dgm:title val=""/>
+  <dgm:desc val=""/>
+  <dgm:catLst>
+    <dgm:cat type="simple" pri="10100"/>
+  </dgm:catLst>
+  <dgm:scene3d>
+    <a:camera prst="orthographicFront"/>
+    <a:lightRig rig="threePt" dir="t"/>
+  </dgm:scene3d>
+  <dgm:styleLbl name="node0">
+    <dgm:scene3d>
+      <a:camera prst="orthographicFront"/>
+      <a:lightRig rig="threePt" dir="t"/>
+    </dgm:scene3d>
+    <dgm:sp3d/>
+    <dgm:txPr/>
+    <dgm:style>
+      <a:lnRef idx="2">
+        <a:scrgbClr r="0" g="0" b="0"/>
+      </a:lnRef>
+      <a:fillRef idx="1">
+        <a:scrgbClr r="0" g="0" b="0"/>
+      </a:fillRef>
+      <a:effectRef idx="0">
+        <a:scrgbClr r="0" g="0" b="0"/>
+      </a:effectRef>
+      <a:fontRef idx="minor">
+        <a:schemeClr val="lt1"/>
+      </a:fontRef>
+    </dgm:style>
+  </dgm:styleLbl>
+  <dgm:styleLbl name="lnNode1">
+    <dgm:scene3d>
+      <a:camera prst="orthographicFront"/>
+      <a:lightRig rig="threePt" dir="t"/>
+    </dgm:scene3d>
+    <dgm:sp3d/>
+    <dgm:txPr/>
+    <dgm:style>
+      <a:lnRef idx="2">
+        <a:scrgbClr r="0" g="0" b="0"/>
+      </a:lnRef>
+      <a:fillRef idx="1">
+        <a:scrgbClr r="0" g="0" b="0"/>
+      </a:fillRef>
+      <a:effectRef idx="0">
+        <a:scrgbClr r="0" g="0" b="0"/>
+      </a:effectRef>
+      <a:fontRef idx="minor">
+        <a:schemeClr val="lt1"/>
+      </a:fontRef>
+    </dgm:style>
+  </dgm:styleLbl>
+  <dgm:styleLbl name="vennNode1">
+    <dgm:scene3d>
+      <a:camera prst="orthographicFront"/>
+      <a:lightRig rig="threePt" dir="t"/>
+    </dgm:scene3d>
+    <dgm:sp3d/>
+    <dgm:txPr/>
+    <dgm:style>
+      <a:lnRef idx="2">
+        <a:scrgbClr r="0" g="0" b="0"/>
+      </a:lnRef>
+      <a:fillRef idx="1">
+        <a:scrgbClr r="0" g="0" b="0"/>
+      </a:fillRef>
+      <a:effectRef idx="0">
+        <a:scrgbClr r="0" g="0" b="0"/>
+      </a:effectRef>
+      <a:fontRef idx="minor">
+        <a:schemeClr val="tx1"/>
+      </a:fontRef>
+    </dgm:style>
+  </dgm:styleLbl>
+  <dgm:styleLbl name="alignNode1">
+    <dgm:scene3d>
+      <a:camera prst="orthographicFront"/>
+      <a:lightRig rig="threePt" dir="t"/>
+    </dgm:scene3d>
+    <dgm:sp3d/>
+    <dgm:txPr/>
+    <dgm:style>
+      <a:lnRef idx="2">
+        <a:scrgbClr r="0" g="0" b="0"/>
+      </a:lnRef>
+      <a:fillRef idx="1">
+        <a:scrgbClr r="0" g="0" b="0"/>
+      </a:fillRef>
+      <a:effectRef idx="0">
+        <a:scrgbClr r="0" g="0" b="0"/>
+      </a:effectRef>
+      <a:fontRef idx="minor">
+        <a:schemeClr val="lt1"/>
+      </a:fontRef>
+    </dgm:style>
+  </dgm:styleLbl>
+  <dgm:styleLbl name="node1">
+    <dgm:scene3d>
+      <a:camera prst="orthographicFront"/>
+      <a:lightRig rig="threePt" dir="t"/>
+    </dgm:scene3d>
+    <dgm:sp3d/>
+    <dgm:txPr/>
+    <dgm:style>
+      <a:lnRef idx="2">
+        <a:scrgbClr r="0" g="0" b="0"/>
+      </a:lnRef>
+      <a:fillRef idx="1">
+        <a:scrgbClr r="0" g="0" b="0"/>
+      </a:fillRef>
+      <a:effectRef idx="0">
+        <a:scrgbClr r="0" g="0" b="0"/>
+      </a:effectRef>
+      <a:fontRef idx="minor">
+        <a:schemeClr val="lt1"/>
+      </a:fontRef>
+    </dgm:style>
+  </dgm:styleLbl>
+  <dgm:styleLbl name="node2">
+    <dgm:scene3d>
+      <a:camera prst="orthographicFront"/>
+      <a:lightRig rig="threePt" dir="t"/>
+    </dgm:scene3d>
+    <dgm:sp3d/>
+    <dgm:txPr/>
+    <dgm:style>
+      <a:lnRef idx="2">
+        <a:scrgbClr r="0" g="0" b="0"/>
+      </a:lnRef>
+      <a:fillRef idx="1">
+        <a:scrgbClr r="0" g="0" b="0"/>
+      </a:fillRef>
+      <a:effectRef idx="0">
+        <a:scrgbClr r="0" g="0" b="0"/>
+      </a:effectRef>
+      <a:fontRef idx="minor">
+        <a:schemeClr val="lt1"/>
+      </a:fontRef>
+    </dgm:style>
+  </dgm:styleLbl>
+  <dgm:styleLbl name="node3">
+    <dgm:scene3d>
+      <a:camera prst="orthographicFront"/>
+      <a:lightRig rig="threePt" dir="t"/>
+    </dgm:scene3d>
+    <dgm:sp3d/>
+    <dgm:txPr/>
+    <dgm:style>
+      <a:lnRef idx="2">
+        <a:scrgbClr r="0" g="0" b="0"/>
+      </a:lnRef>
+      <a:fillRef idx="1">
+        <a:scrgbClr r="0" g="0" b="0"/>
+      </a:fillRef>
+      <a:effectRef idx="0">
+        <a:scrgbClr r="0" g="0" b="0"/>
+      </a:effectRef>
+      <a:fontRef idx="minor">
+        <a:schemeClr val="lt1"/>
+      </a:fontRef>
+    </dgm:style>
+  </dgm:styleLbl>
+  <dgm:styleLbl name="node4">
+    <dgm:scene3d>
+      <a:camera prst="orthographicFront"/>
+      <a:lightRig rig="threePt" dir="t"/>
+    </dgm:scene3d>
+    <dgm:sp3d/>
+    <dgm:txPr/>
+    <dgm:style>
+      <a:lnRef idx="2">
+        <a:scrgbClr r="0" g="0" b="0"/>
+      </a:lnRef>
+      <a:fillRef idx="1">
+        <a:scrgbClr r="0" g="0" b="0"/>
+      </a:fillRef>
+      <a:effectRef idx="0">
+        <a:scrgbClr r="0" g="0" b="0"/>
+      </a:effectRef>
+      <a:fontRef idx="minor">
+        <a:schemeClr val="lt1"/>
+      </a:fontRef>
+    </dgm:style>
+  </dgm:styleLbl>
+  <dgm:styleLbl name="fgImgPlace1">
+    <dgm:scene3d>
+      <a:camera prst="orthographicFront"/>
+      <a:lightRig rig="threePt" dir="t"/>
+    </dgm:scene3d>
+    <dgm:sp3d/>
+    <dgm:txPr/>
+    <dgm:style>
+      <a:lnRef idx="2">
+        <a:scrgbClr r="0" g="0" b="0"/>
+      </a:lnRef>
+      <a:fillRef idx="1">
+        <a:scrgbClr r="0" g="0" b="0"/>
+      </a:fillRef>
+      <a:effectRef idx="0">
+        <a:scrgbClr r="0" g="0" b="0"/>
+      </a:effectRef>
+      <a:fontRef idx="minor"/>
+    </dgm:style>
+  </dgm:styleLbl>
+  <dgm:styleLbl name="alignImgPlace1">
+    <dgm:scene3d>
+      <a:camera prst="orthographicFront"/>
+      <a:lightRig rig="threePt" dir="t"/>
+    </dgm:scene3d>
+    <dgm:sp3d/>
+    <dgm:txPr/>
+    <dgm:style>
+      <a:lnRef idx="2">
+        <a:scrgbClr r="0" g="0" b="0"/>
+      </a:lnRef>
+      <a:fillRef idx="1">
+        <a:scrgbClr r="0" g="0" b="0"/>
+      </a:fillRef>
+      <a:effectRef idx="0">
+        <a:scrgbClr r="0" g="0" b="0"/>
+      </a:effectRef>
+      <a:fontRef idx="minor"/>
+    </dgm:style>
+  </dgm:styleLbl>
+  <dgm:styleLbl name="bgImgPlace1">
+    <dgm:scene3d>
+      <a:camera prst="orthographicFront"/>
+      <a:lightRig rig="threePt" dir="t"/>
+    </dgm:scene3d>
+    <dgm:sp3d/>
+    <dgm:txPr/>
+    <dgm:style>
+      <a:lnRef idx="2">
+        <a:scrgbClr r="0" g="0" b="0"/>
+      </a:lnRef>
+      <a:fillRef idx="1">
+        <a:scrgbClr r="0" g="0" b="0"/>
+      </a:fillRef>
+      <a:effectRef idx="0">
+        <a:scrgbClr r="0" g="0" b="0"/>
+      </a:effectRef>
+      <a:fontRef idx="minor"/>
+    </dgm:style>
+  </dgm:styleLbl>
+  <dgm:styleLbl name="sibTrans2D1">
+    <dgm:scene3d>
+      <a:camera prst="orthographicFront"/>
+      <a:lightRig rig="threePt" dir="t"/>
+    </dgm:scene3d>
+    <dgm:sp3d/>
+    <dgm:txPr/>
+    <dgm:style>
+      <a:lnRef idx="0">
+        <a:scrgbClr r="0" g="0" b="0"/>
+      </a:lnRef>
+      <a:fillRef idx="1">
+        <a:scrgbClr r="0" g="0" b="0"/>
+      </a:fillRef>
+      <a:effectRef idx="0">
+        <a:scrgbClr r="0" g="0" b="0"/>
+      </a:effectRef>
+      <a:fontRef idx="minor">
+        <a:schemeClr val="lt1"/>
+      </a:fontRef>
+    </dgm:style>
+  </dgm:styleLbl>
+  <dgm:styleLbl name="fgSibTrans2D1">
+    <dgm:scene3d>
+      <a:camera prst="orthographicFront"/>
+      <a:lightRig rig="threePt" dir="t"/>
+    </dgm:scene3d>
+    <dgm:sp3d/>
+    <dgm:txPr/>
+    <dgm:style>
+      <a:lnRef idx="0">
+        <a:scrgbClr r="0" g="0" b="0"/>
+      </a:lnRef>
+      <a:fillRef idx="1">
+        <a:scrgbClr r="0" g="0" b="0"/>
+      </a:fillRef>
+      <a:effectRef idx="0">
+        <a:scrgbClr r="0" g="0" b="0"/>
+      </a:effectRef>
+      <a:fontRef idx="minor">
+        <a:schemeClr val="lt1"/>
+      </a:fontRef>
+    </dgm:style>
+  </dgm:styleLbl>
+  <dgm:styleLbl name="bgSibTrans2D1">
+    <dgm:scene3d>
+      <a:camera prst="orthographicFront"/>
+      <a:lightRig rig="threePt" dir="t"/>
+    </dgm:scene3d>
+    <dgm:sp3d/>
+    <dgm:txPr/>
+    <dgm:style>
+      <a:lnRef idx="0">
+        <a:scrgbClr r="0" g="0" b="0"/>
+      </a:lnRef>
+      <a:fillRef idx="1">
+        <a:scrgbClr r="0" g="0" b="0"/>
+      </a:fillRef>
+      <a:effectRef idx="0">
+        <a:scrgbClr r="0" g="0" b="0"/>
+      </a:effectRef>
+      <a:fontRef idx="minor">
+        <a:schemeClr val="lt1"/>
+      </a:fontRef>
+    </dgm:style>
+  </dgm:styleLbl>
+  <dgm:styleLbl name="sibTrans1D1">
+    <dgm:scene3d>
+      <a:camera prst="orthographicFront"/>
+      <a:lightRig rig="threePt" dir="t"/>
+    </dgm:scene3d>
+    <dgm:sp3d/>
+    <dgm:txPr/>
+    <dgm:style>
+      <a:lnRef idx="1">
+        <a:scrgbClr r="0" g="0" b="0"/>
+      </a:lnRef>
+      <a:fillRef idx="0">
+        <a:scrgbClr r="0" g="0" b="0"/>
+      </a:fillRef>
+      <a:effectRef idx="0">
+        <a:scrgbClr r="0" g="0" b="0"/>
+      </a:effectRef>
+      <a:fontRef idx="minor"/>
+    </dgm:style>
+  </dgm:styleLbl>
+  <dgm:styleLbl name="callout">
+    <dgm:scene3d>
+      <a:camera prst="orthographicFront"/>
+      <a:lightRig rig="threePt" dir="t"/>
+    </dgm:scene3d>
+    <dgm:sp3d/>
+    <dgm:txPr/>
+    <dgm:style>
+      <a:lnRef idx="2">
+        <a:scrgbClr r="0" g="0" b="0"/>
+      </a:lnRef>
+      <a:fillRef idx="1">
+        <a:scrgbClr r="0" g="0" b="0"/>
+      </a:fillRef>
+      <a:effectRef idx="0">
+        <a:scrgbClr r="0" g="0" b="0"/>
+      </a:effectRef>
+      <a:fontRef idx="minor"/>
+    </dgm:style>
+  </dgm:styleLbl>
+  <dgm:styleLbl name="asst0">
+    <dgm:scene3d>
+      <a:camera prst="orthographicFront"/>
+      <a:lightRig rig="threePt" dir="t"/>
+    </dgm:scene3d>
+    <dgm:sp3d/>
+    <dgm:txPr/>
+    <dgm:style>
+      <a:lnRef idx="2">
+        <a:scrgbClr r="0" g="0" b="0"/>
+      </a:lnRef>
+      <a:fillRef idx="1">
+        <a:scrgbClr r="0" g="0" b="0"/>
+      </a:fillRef>
+      <a:effectRef idx="0">
+        <a:scrgbClr r="0" g="0" b="0"/>
+      </a:effectRef>
+      <a:fontRef idx="minor">
+        <a:schemeClr val="lt1"/>
+      </a:fontRef>
+    </dgm:style>
+  </dgm:styleLbl>
+  <dgm:styleLbl name="asst1">
+    <dgm:scene3d>
+      <a:camera prst="orthographicFront"/>
+      <a:lightRig rig="threePt" dir="t"/>
+    </dgm:scene3d>
+    <dgm:sp3d/>
+    <dgm:txPr/>
+    <dgm:style>
+      <a:lnRef idx="2">
+        <a:scrgbClr r="0" g="0" b="0"/>
+      </a:lnRef>
+      <a:fillRef idx="1">
+        <a:scrgbClr r="0" g="0" b="0"/>
+      </a:fillRef>
+      <a:effectRef idx="0">
+        <a:scrgbClr r="0" g="0" b="0"/>
+      </a:effectRef>
+      <a:fontRef idx="minor">
+        <a:schemeClr val="lt1"/>
+      </a:fontRef>
+    </dgm:style>
+  </dgm:styleLbl>
+  <dgm:styleLbl name="asst2">
+    <dgm:scene3d>
+      <a:camera prst="orthographicFront"/>
+      <a:lightRig rig="threePt" dir="t"/>
+    </dgm:scene3d>
+    <dgm:sp3d/>
+    <dgm:txPr/>
+    <dgm:style>
+      <a:lnRef idx="2">
+        <a:scrgbClr r="0" g="0" b="0"/>
+      </a:lnRef>
+      <a:fillRef idx="1">
+        <a:scrgbClr r="0" g="0" b="0"/>
+      </a:fillRef>
+      <a:effectRef idx="0">
+        <a:scrgbClr r="0" g="0" b="0"/>
+      </a:effectRef>
+      <a:fontRef idx="minor">
+        <a:schemeClr val="lt1"/>
+      </a:fontRef>
+    </dgm:style>
+  </dgm:styleLbl>
+  <dgm:styleLbl name="asst3">
+    <dgm:scene3d>
+      <a:camera prst="orthographicFront"/>
+      <a:lightRig rig="threePt" dir="t"/>
+    </dgm:scene3d>
+    <dgm:sp3d/>
+    <dgm:txPr/>
+    <dgm:style>
+      <a:lnRef idx="2">
+        <a:scrgbClr r="0" g="0" b="0"/>
+      </a:lnRef>
+      <a:fillRef idx="1">
+        <a:scrgbClr r="0" g="0" b="0"/>
+      </a:fillRef>
+      <a:effectRef idx="0">
+        <a:scrgbClr r="0" g="0" b="0"/>
+      </a:effectRef>
+      <a:fontRef idx="minor">
+        <a:schemeClr val="lt1"/>
+      </a:fontRef>
+    </dgm:style>
+  </dgm:styleLbl>
+  <dgm:styleLbl name="asst4">
+    <dgm:scene3d>
+      <a:camera prst="orthographicFront"/>
+      <a:lightRig rig="threePt" dir="t"/>
+    </dgm:scene3d>
+    <dgm:sp3d/>
+    <dgm:txPr/>
+    <dgm:style>
+      <a:lnRef idx="2">
+        <a:scrgbClr r="0" g="0" b="0"/>
+      </a:lnRef>
+      <a:fillRef idx="1">
+        <a:scrgbClr r="0" g="0" b="0"/>
+      </a:fillRef>
+      <a:effectRef idx="0">
+        <a:scrgbClr r="0" g="0" b="0"/>
+      </a:effectRef>
+      <a:fontRef idx="minor">
+        <a:schemeClr val="lt1"/>
+      </a:fontRef>
+    </dgm:style>
+  </dgm:styleLbl>
+  <dgm:styleLbl name="parChTrans2D1">
+    <dgm:scene3d>
+      <a:camera prst="orthographicFront"/>
+      <a:lightRig rig="threePt" dir="t"/>
+    </dgm:scene3d>
+    <dgm:sp3d/>
+    <dgm:txPr/>
+    <dgm:style>
+      <a:lnRef idx="2">
+        <a:scrgbClr r="0" g="0" b="0"/>
+      </a:lnRef>
+      <a:fillRef idx="1">
+        <a:scrgbClr r="0" g="0" b="0"/>
+      </a:fillRef>
+      <a:effectRef idx="0">
+        <a:scrgbClr r="0" g="0" b="0"/>
+      </a:effectRef>
+      <a:fontRef idx="minor">
+        <a:schemeClr val="lt1"/>
+      </a:fontRef>
+    </dgm:style>
+  </dgm:styleLbl>
+  <dgm:styleLbl name="parChTrans2D2">
+    <dgm:scene3d>
+      <a:camera prst="orthographicFront"/>
+      <a:lightRig rig="threePt" dir="t"/>
+    </dgm:scene3d>
+    <dgm:sp3d/>
+    <dgm:txPr/>
+    <dgm:style>
+      <a:lnRef idx="2">
+        <a:scrgbClr r="0" g="0" b="0"/>
+      </a:lnRef>
+      <a:fillRef idx="1">
+        <a:scrgbClr r="0" g="0" b="0"/>
+      </a:fillRef>
+      <a:effectRef idx="0">
+        <a:scrgbClr r="0" g="0" b="0"/>
+      </a:effectRef>
+      <a:fontRef idx="minor">
+        <a:schemeClr val="lt1"/>
+      </a:fontRef>
+    </dgm:style>
+  </dgm:styleLbl>
+  <dgm:styleLbl name="parChTrans2D3">
+    <dgm:scene3d>
+      <a:camera prst="orthographicFront"/>
+      <a:lightRig rig="threePt" dir="t"/>
+    </dgm:scene3d>
+    <dgm:sp3d/>
+    <dgm:txPr/>
+    <dgm:style>
+      <a:lnRef idx="2">
+        <a:scrgbClr r="0" g="0" b="0"/>
+      </a:lnRef>
+      <a:fillRef idx="1">
+        <a:scrgbClr r="0" g="0" b="0"/>
+      </a:fillRef>
+      <a:effectRef idx="0">
+        <a:scrgbClr r="0" g="0" b="0"/>
+      </a:effectRef>
+      <a:fontRef idx="minor">
+        <a:schemeClr val="lt1"/>
+      </a:fontRef>
+    </dgm:style>
+  </dgm:styleLbl>
+  <dgm:styleLbl name="parChTrans2D4">
+    <dgm:scene3d>
+      <a:camera prst="orthographicFront"/>
+      <a:lightRig rig="threePt" dir="t"/>
+    </dgm:scene3d>
+    <dgm:sp3d/>
+    <dgm:txPr/>
+    <dgm:style>
+      <a:lnRef idx="2">
+        <a:scrgbClr r="0" g="0" b="0"/>
+      </a:lnRef>
+      <a:fillRef idx="1">
+        <a:scrgbClr r="0" g="0" b="0"/>
+      </a:fillRef>
+      <a:effectRef idx="0">
+        <a:scrgbClr r="0" g="0" b="0"/>
+      </a:effectRef>
+      <a:fontRef idx="minor">
+        <a:schemeClr val="lt1"/>
+      </a:fontRef>
+    </dgm:style>
+  </dgm:styleLbl>
+  <dgm:styleLbl name="parChTrans1D1">
+    <dgm:scene3d>
+      <a:camera prst="orthographicFront"/>
+      <a:lightRig rig="threePt" dir="t"/>
+    </dgm:scene3d>
+    <dgm:sp3d/>
+    <dgm:txPr/>
+    <dgm:style>
+      <a:lnRef idx="2">
+        <a:scrgbClr r="0" g="0" b="0"/>
+      </a:lnRef>
+      <a:fillRef idx="0">
+        <a:scrgbClr r="0" g="0" b="0"/>
+      </a:fillRef>
+      <a:effectRef idx="0">
+        <a:scrgbClr r="0" g="0" b="0"/>
+      </a:effectRef>
+      <a:fontRef idx="minor"/>
+    </dgm:style>
+  </dgm:styleLbl>
+  <dgm:styleLbl name="parChTrans1D2">
+    <dgm:scene3d>
+      <a:camera prst="orthographicFront"/>
+      <a:lightRig rig="threePt" dir="t"/>
+    </dgm:scene3d>
+    <dgm:sp3d/>
+    <dgm:txPr/>
+    <dgm:style>
+      <a:lnRef idx="2">
+        <a:scrgbClr r="0" g="0" b="0"/>
+      </a:lnRef>
+      <a:fillRef idx="0">
+        <a:scrgbClr r="0" g="0" b="0"/>
+      </a:fillRef>
+      <a:effectRef idx="0">
+        <a:scrgbClr r="0" g="0" b="0"/>
+      </a:effectRef>
+      <a:fontRef idx="minor"/>
+    </dgm:style>
+  </dgm:styleLbl>
+  <dgm:styleLbl name="parChTrans1D3">
+    <dgm:scene3d>
+      <a:camera prst="orthographicFront"/>
+      <a:lightRig rig="threePt" dir="t"/>
+    </dgm:scene3d>
+    <dgm:sp3d/>
+    <dgm:txPr/>
+    <dgm:style>
+      <a:lnRef idx="2">
+        <a:scrgbClr r="0" g="0" b="0"/>
+      </a:lnRef>
+      <a:fillRef idx="0">
+        <a:scrgbClr r="0" g="0" b="0"/>
+      </a:fillRef>
+      <a:effectRef idx="0">
+        <a:scrgbClr r="0" g="0" b="0"/>
+      </a:effectRef>
+      <a:fontRef idx="minor"/>
+    </dgm:style>
+  </dgm:styleLbl>
+  <dgm:styleLbl name="parChTrans1D4">
+    <dgm:scene3d>
+      <a:camera prst="orthographicFront"/>
+      <a:lightRig rig="threePt" dir="t"/>
+    </dgm:scene3d>
+    <dgm:sp3d/>
+    <dgm:txPr/>
+    <dgm:style>
+      <a:lnRef idx="2">
+        <a:scrgbClr r="0" g="0" b="0"/>
+      </a:lnRef>
+      <a:fillRef idx="0">
+        <a:scrgbClr r="0" g="0" b="0"/>
+      </a:fillRef>
+      <a:effectRef idx="0">
+        <a:scrgbClr r="0" g="0" b="0"/>
+      </a:effectRef>
+      <a:fontRef idx="minor"/>
+    </dgm:style>
+  </dgm:styleLbl>
+  <dgm:styleLbl name="fgAcc1">
+    <dgm:scene3d>
+      <a:camera prst="orthographicFront"/>
+      <a:lightRig rig="threePt" dir="t"/>
+    </dgm:scene3d>
+    <dgm:sp3d/>
+    <dgm:txPr/>
+    <dgm:style>
+      <a:lnRef idx="2">
+        <a:scrgbClr r="0" g="0" b="0"/>
+      </a:lnRef>
+      <a:fillRef idx="1">
+        <a:scrgbClr r="0" g="0" b="0"/>
+      </a:fillRef>
+      <a:effectRef idx="0">
+        <a:scrgbClr r="0" g="0" b="0"/>
+      </a:effectRef>
+      <a:fontRef idx="minor"/>
+    </dgm:style>
+  </dgm:styleLbl>
+  <dgm:styleLbl name="conFgAcc1">
+    <dgm:scene3d>
+      <a:camera prst="orthographicFront"/>
+      <a:lightRig rig="threePt" dir="t"/>
+    </dgm:scene3d>
+    <dgm:sp3d/>
+    <dgm:txPr/>
+    <dgm:style>
+      <a:lnRef idx="2">
+        <a:scrgbClr r="0" g="0" b="0"/>
+      </a:lnRef>
+      <a:fillRef idx="1">
+        <a:scrgbClr r="0" g="0" b="0"/>
+      </a:fillRef>
+      <a:effectRef idx="0">
+        <a:scrgbClr r="0" g="0" b="0"/>
+      </a:effectRef>
+      <a:fontRef idx="minor"/>
+    </dgm:style>
+  </dgm:styleLbl>
+  <dgm:styleLbl name="alignAcc1">
+    <dgm:scene3d>
+      <a:camera prst="orthographicFront"/>
+      <a:lightRig rig="threePt" dir="t"/>
+    </dgm:scene3d>
+    <dgm:sp3d/>
+    <dgm:txPr/>
+    <dgm:style>
+      <a:lnRef idx="2">
+        <a:scrgbClr r="0" g="0" b="0"/>
+      </a:lnRef>
+      <a:fillRef idx="1">
+        <a:scrgbClr r="0" g="0" b="0"/>
+      </a:fillRef>
+      <a:effectRef idx="0">
+        <a:scrgbClr r="0" g="0" b="0"/>
+      </a:effectRef>
+      <a:fontRef idx="minor"/>
+    </dgm:style>
+  </dgm:styleLbl>
+  <dgm:styleLbl name="trAlignAcc1">
+    <dgm:scene3d>
+      <a:camera prst="orthographicFront"/>
+      <a:lightRig rig="threePt" dir="t"/>
+    </dgm:scene3d>
+    <dgm:sp3d/>
+    <dgm:txPr/>
+    <dgm:style>
+      <a:lnRef idx="1">
+        <a:scrgbClr r="0" g="0" b="0"/>
+      </a:lnRef>
+      <a:fillRef idx="1">
+        <a:scrgbClr r="0" g="0" b="0"/>
+      </a:fillRef>
+      <a:effectRef idx="0">
+        <a:scrgbClr r="0" g="0" b="0"/>
+      </a:effectRef>
+      <a:fontRef idx="minor"/>
+    </dgm:style>
+  </dgm:styleLbl>
+  <dgm:styleLbl name="bgAcc1">
+    <dgm:scene3d>
+      <a:camera prst="orthographicFront"/>
+      <a:lightRig rig="threePt" dir="t"/>
+    </dgm:scene3d>
+    <dgm:sp3d/>
+    <dgm:txPr/>
+    <dgm:style>
+      <a:lnRef idx="2">
+        <a:scrgbClr r="0" g="0" b="0"/>
+      </a:lnRef>
+      <a:fillRef idx="1">
+        <a:scrgbClr r="0" g="0" b="0"/>
+      </a:fillRef>
+      <a:effectRef idx="0">
+        <a:scrgbClr r="0" g="0" b="0"/>
+      </a:effectRef>
+      <a:fontRef idx="minor"/>
+    </dgm:style>
+  </dgm:styleLbl>
+  <dgm:styleLbl name="solidFgAcc1">
+    <dgm:scene3d>
+      <a:camera prst="orthographicFront"/>
+      <a:lightRig rig="threePt" dir="t"/>
+    </dgm:scene3d>
+    <dgm:sp3d/>
+    <dgm:txPr/>
+    <dgm:style>
+      <a:lnRef idx="2">
+        <a:scrgbClr r="0" g="0" b="0"/>
+      </a:lnRef>
+      <a:fillRef idx="1">
+        <a:scrgbClr r="0" g="0" b="0"/>
+      </a:fillRef>
+      <a:effectRef idx="0">
+        <a:scrgbClr r="0" g="0" b="0"/>
+      </a:effectRef>
+      <a:fontRef idx="minor"/>
+    </dgm:style>
+  </dgm:styleLbl>
+  <dgm:styleLbl name="solidAlignAcc1">
+    <dgm:scene3d>
+      <a:camera prst="orthographicFront"/>
+      <a:lightRig rig="threePt" dir="t"/>
+    </dgm:scene3d>
+    <dgm:sp3d/>
+    <dgm:txPr/>
+    <dgm:style>
+      <a:lnRef idx="2">
+        <a:scrgbClr r="0" g="0" b="0"/>
+      </a:lnRef>
+      <a:fillRef idx="1">
+        <a:scrgbClr r="0" g="0" b="0"/>
+      </a:fillRef>
+      <a:effectRef idx="0">
+        <a:scrgbClr r="0" g="0" b="0"/>
+      </a:effectRef>
+      <a:fontRef idx="minor"/>
+    </dgm:style>
+  </dgm:styleLbl>
+  <dgm:styleLbl name="solidBgAcc1">
+    <dgm:scene3d>
+      <a:camera prst="orthographicFront"/>
+      <a:lightRig rig="threePt" dir="t"/>
+    </dgm:scene3d>
+    <dgm:sp3d/>
+    <dgm:txPr/>
+    <dgm:style>
+      <a:lnRef idx="2">
+        <a:scrgbClr r="0" g="0" b="0"/>
+      </a:lnRef>
+      <a:fillRef idx="1">
+        <a:scrgbClr r="0" g="0" b="0"/>
+      </a:fillRef>
+      <a:effectRef idx="0">
+        <a:scrgbClr r="0" g="0" b="0"/>
+      </a:effectRef>
+      <a:fontRef idx="minor"/>
+    </dgm:style>
+  </dgm:styleLbl>
+  <dgm:styleLbl name="fgAccFollowNode1">
+    <dgm:scene3d>
+      <a:camera prst="orthographicFront"/>
+      <a:lightRig rig="threePt" dir="t"/>
+    </dgm:scene3d>
+    <dgm:sp3d/>
+    <dgm:txPr/>
+    <dgm:style>
+      <a:lnRef idx="2">
+        <a:scrgbClr r="0" g="0" b="0"/>
+      </a:lnRef>
+      <a:fillRef idx="1">
+        <a:scrgbClr r="0" g="0" b="0"/>
+      </a:fillRef>
+      <a:effectRef idx="0">
+        <a:scrgbClr r="0" g="0" b="0"/>
+      </a:effectRef>
+      <a:fontRef idx="minor"/>
+    </dgm:style>
+  </dgm:styleLbl>
+  <dgm:styleLbl name="alignAccFollowNode1">
+    <dgm:scene3d>
+      <a:camera prst="orthographicFront"/>
+      <a:lightRig rig="threePt" dir="t"/>
+    </dgm:scene3d>
+    <dgm:sp3d/>
+    <dgm:txPr/>
+    <dgm:style>
+      <a:lnRef idx="2">
+        <a:scrgbClr r="0" g="0" b="0"/>
+      </a:lnRef>
+      <a:fillRef idx="1">
+        <a:scrgbClr r="0" g="0" b="0"/>
+      </a:fillRef>
+      <a:effectRef idx="0">
+        <a:scrgbClr r="0" g="0" b="0"/>
+      </a:effectRef>
+      <a:fontRef idx="minor"/>
+    </dgm:style>
+  </dgm:styleLbl>
+  <dgm:styleLbl name="bgAccFollowNode1">
+    <dgm:scene3d>
+      <a:camera prst="orthographicFront"/>
+      <a:lightRig rig="threePt" dir="t"/>
+    </dgm:scene3d>
+    <dgm:sp3d/>
+    <dgm:txPr/>
+    <dgm:style>
+      <a:lnRef idx="2">
+        <a:scrgbClr r="0" g="0" b="0"/>
+      </a:lnRef>
+      <a:fillRef idx="1">
+        <a:scrgbClr r="0" g="0" b="0"/>
+      </a:fillRef>
+      <a:effectRef idx="0">
+        <a:scrgbClr r="0" g="0" b="0"/>
+      </a:effectRef>
+      <a:fontRef idx="minor"/>
+    </dgm:style>
+  </dgm:styleLbl>
+  <dgm:styleLbl name="fgAcc0">
+    <dgm:scene3d>
+      <a:camera prst="orthographicFront"/>
+      <a:lightRig rig="threePt" dir="t"/>
+    </dgm:scene3d>
+    <dgm:sp3d/>
+    <dgm:txPr/>
+    <dgm:style>
+      <a:lnRef idx="2">
+        <a:scrgbClr r="0" g="0" b="0"/>
+      </a:lnRef>
+      <a:fillRef idx="1">
+        <a:scrgbClr r="0" g="0" b="0"/>
+      </a:fillRef>
+      <a:effectRef idx="0">
+        <a:scrgbClr r="0" g="0" b="0"/>
+      </a:effectRef>
+      <a:fontRef idx="minor"/>
+    </dgm:style>
+  </dgm:styleLbl>
+  <dgm:styleLbl name="fgAcc2">
+    <dgm:scene3d>
+      <a:camera prst="orthographicFront"/>
+      <a:lightRig rig="threePt" dir="t"/>
+    </dgm:scene3d>
+    <dgm:sp3d/>
+    <dgm:txPr/>
+    <dgm:style>
+      <a:lnRef idx="2">
+        <a:scrgbClr r="0" g="0" b="0"/>
+      </a:lnRef>
+      <a:fillRef idx="1">
+        <a:scrgbClr r="0" g="0" b="0"/>
+      </a:fillRef>
+      <a:effectRef idx="0">
+        <a:scrgbClr r="0" g="0" b="0"/>
+      </a:effectRef>
+      <a:fontRef idx="minor"/>
+    </dgm:style>
+  </dgm:styleLbl>
+  <dgm:styleLbl name="fgAcc3">
+    <dgm:scene3d>
+      <a:camera prst="orthographicFront"/>
+      <a:lightRig rig="threePt" dir="t"/>
+    </dgm:scene3d>
+    <dgm:sp3d/>
+    <dgm:txPr/>
+    <dgm:style>
+      <a:lnRef idx="2">
+        <a:scrgbClr r="0" g="0" b="0"/>
+      </a:lnRef>
+      <a:fillRef idx="1">
+        <a:scrgbClr r="0" g="0" b="0"/>
+      </a:fillRef>
+      <a:effectRef idx="0">
+        <a:scrgbClr r="0" g="0" b="0"/>
+      </a:effectRef>
+      <a:fontRef idx="minor"/>
+    </dgm:style>
+  </dgm:styleLbl>
+  <dgm:styleLbl name="fgAcc4">
+    <dgm:scene3d>
+      <a:camera prst="orthographicFront"/>
+      <a:lightRig rig="threePt" dir="t"/>
+    </dgm:scene3d>
+    <dgm:sp3d/>
+    <dgm:txPr/>
+    <dgm:style>
+      <a:lnRef idx="2">
+        <a:scrgbClr r="0" g="0" b="0"/>
+      </a:lnRef>
+      <a:fillRef idx="1">
+        <a:scrgbClr r="0" g="0" b="0"/>
+      </a:fillRef>
+      <a:effectRef idx="0">
+        <a:scrgbClr r="0" g="0" b="0"/>
+      </a:effectRef>
+      <a:fontRef idx="minor"/>
+    </dgm:style>
+  </dgm:styleLbl>
+  <dgm:styleLbl name="bgShp">
+    <dgm:scene3d>
+      <a:camera prst="orthographicFront"/>
+      <a:lightRig rig="threePt" dir="t"/>
+    </dgm:scene3d>
+    <dgm:sp3d/>
+    <dgm:txPr/>
+    <dgm:style>
+      <a:lnRef idx="0">
+        <a:scrgbClr r="0" g="0" b="0"/>
+      </a:lnRef>
+      <a:fillRef idx="1">
+        <a:scrgbClr r="0" g="0" b="0"/>
+      </a:fillRef>
+      <a:effectRef idx="0">
+        <a:scrgbClr r="0" g="0" b="0"/>
+      </a:effectRef>
+      <a:fontRef idx="minor"/>
+    </dgm:style>
+  </dgm:styleLbl>
+  <dgm:styleLbl name="dkBgShp">
+    <dgm:scene3d>
+      <a:camera prst="orthographicFront"/>
+      <a:lightRig rig="threePt" dir="t"/>
+    </dgm:scene3d>
+    <dgm:sp3d/>
+    <dgm:txPr/>
+    <dgm:style>
+      <a:lnRef idx="0">
+        <a:scrgbClr r="0" g="0" b="0"/>
+      </a:lnRef>
+      <a:fillRef idx="1">
+        <a:scrgbClr r="0" g="0" b="0"/>
+      </a:fillRef>
+      <a:effectRef idx="0">
+        <a:scrgbClr r="0" g="0" b="0"/>
+      </a:effectRef>
+      <a:fontRef idx="minor"/>
+    </dgm:style>
+  </dgm:styleLbl>
+  <dgm:styleLbl name="trBgShp">
+    <dgm:scene3d>
+      <a:camera prst="orthographicFront"/>
+      <a:lightRig rig="threePt" dir="t"/>
+    </dgm:scene3d>
+    <dgm:sp3d/>
+    <dgm:txPr/>
+    <dgm:style>
+      <a:lnRef idx="0">
+        <a:scrgbClr r="0" g="0" b="0"/>
+      </a:lnRef>
+      <a:fillRef idx="1">
+        <a:scrgbClr r="0" g="0" b="0"/>
+      </a:fillRef>
+      <a:effectRef idx="0">
+        <a:scrgbClr r="0" g="0" b="0"/>
+      </a:effectRef>
+      <a:fontRef idx="minor"/>
+    </dgm:style>
+  </dgm:styleLbl>
+  <dgm:styleLbl name="fgShp">
+    <dgm:scene3d>
+      <a:camera prst="orthographicFront"/>
+      <a:lightRig rig="threePt" dir="t"/>
+    </dgm:scene3d>
+    <dgm:sp3d/>
+    <dgm:txPr/>
+    <dgm:style>
+      <a:lnRef idx="2">
+        <a:scrgbClr r="0" g="0" b="0"/>
+      </a:lnRef>
+      <a:fillRef idx="1">
+        <a:scrgbClr r="0" g="0" b="0"/>
+      </a:fillRef>
+      <a:effectRef idx="0">
+        <a:scrgbClr r="0" g="0" b="0"/>
+      </a:effectRef>
+      <a:fontRef idx="minor"/>
+    </dgm:style>
+  </dgm:styleLbl>
+  <dgm:styleLbl name="revTx">
+    <dgm:scene3d>
+      <a:camera prst="orthographicFront"/>
+      <a:lightRig rig="threePt" dir="t"/>
+    </dgm:scene3d>
+    <dgm:sp3d/>
+    <dgm:txPr/>
+    <dgm:style>
+      <a:lnRef idx="0">
+        <a:scrgbClr r="0" g="0" b="0"/>
+      </a:lnRef>
+      <a:fillRef idx="0">
+        <a:scrgbClr r="0" g="0" b="0"/>
+      </a:fillRef>
+      <a:effectRef idx="0">
+        <a:scrgbClr r="0" g="0" b="0"/>
+      </a:effectRef>
+      <a:fontRef idx="minor"/>
+    </dgm:style>
+  </dgm:styleLbl>
+</dgm:styleDef>
+</file>
+
+<file path=ppt/diagrams/quickStyle2.xml><?xml version="1.0" encoding="utf-8"?>
 <dgm:styleDef xmlns:dgm="http://schemas.openxmlformats.org/drawingml/2006/diagram" xmlns:a="http://schemas.openxmlformats.org/drawingml/2006/main" uniqueId="urn:microsoft.com/office/officeart/2005/8/quickstyle/simple1">
   <dgm:title val=""/>
   <dgm:desc val=""/>
@@ -3312,7 +6947,7 @@
             <a:fld id="{11A6662E-FAF4-44BC-88B5-85A7CBFB6D30}" type="datetime1">
               <a:rPr lang="en-US" smtClean="0"/>
               <a:pPr/>
-              <a:t>2/5/2023</a:t>
+              <a:t>2/6/2023</a:t>
             </a:fld>
             <a:endParaRPr lang="en-US" dirty="0"/>
           </a:p>
@@ -3654,7 +7289,7 @@
             <a:fld id="{57E0CF6C-748E-4B7A-BC8B-3011EF78ED13}" type="datetime1">
               <a:rPr lang="en-US" smtClean="0"/>
               <a:pPr/>
-              <a:t>2/5/2023</a:t>
+              <a:t>2/6/2023</a:t>
             </a:fld>
             <a:endParaRPr lang="en-US" dirty="0"/>
           </a:p>
@@ -3941,7 +7576,7 @@
             <a:fld id="{57E0CF6C-748E-4B7A-BC8B-3011EF78ED13}" type="datetime1">
               <a:rPr lang="en-US" smtClean="0"/>
               <a:pPr/>
-              <a:t>2/5/2023</a:t>
+              <a:t>2/6/2023</a:t>
             </a:fld>
             <a:endParaRPr lang="en-US" dirty="0"/>
           </a:p>
@@ -4518,7 +8153,7 @@
             <a:fld id="{57E0CF6C-748E-4B7A-BC8B-3011EF78ED13}" type="datetime1">
               <a:rPr lang="en-US" smtClean="0"/>
               <a:pPr/>
-              <a:t>2/5/2023</a:t>
+              <a:t>2/6/2023</a:t>
             </a:fld>
             <a:endParaRPr lang="en-US" dirty="0"/>
           </a:p>
@@ -4805,7 +8440,7 @@
             <a:fld id="{57E0CF6C-748E-4B7A-BC8B-3011EF78ED13}" type="datetime1">
               <a:rPr lang="en-US" smtClean="0"/>
               <a:pPr/>
-              <a:t>2/5/2023</a:t>
+              <a:t>2/6/2023</a:t>
             </a:fld>
             <a:endParaRPr lang="en-US" dirty="0"/>
           </a:p>
@@ -5376,7 +9011,7 @@
             <a:fld id="{57E0CF6C-748E-4B7A-BC8B-3011EF78ED13}" type="datetime1">
               <a:rPr lang="en-US" smtClean="0"/>
               <a:pPr/>
-              <a:t>2/5/2023</a:t>
+              <a:t>2/6/2023</a:t>
             </a:fld>
             <a:endParaRPr lang="en-US" dirty="0"/>
           </a:p>
@@ -5712,7 +9347,7 @@
             <a:fld id="{57E0CF6C-748E-4B7A-BC8B-3011EF78ED13}" type="datetime1">
               <a:rPr lang="en-US" smtClean="0"/>
               <a:pPr/>
-              <a:t>2/5/2023</a:t>
+              <a:t>2/6/2023</a:t>
             </a:fld>
             <a:endParaRPr lang="en-US" dirty="0"/>
           </a:p>
@@ -5897,7 +9532,7 @@
           <a:p>
             <a:fld id="{4C559632-1575-4E14-B53B-3DC3D5ED3947}" type="datetime1">
               <a:rPr lang="en-US" smtClean="0"/>
-              <a:t>2/5/2023</a:t>
+              <a:t>2/6/2023</a:t>
             </a:fld>
             <a:endParaRPr lang="en-US"/>
           </a:p>
@@ -6135,7 +9770,7 @@
           <a:p>
             <a:fld id="{CC4A6868-2568-4CC9-B302-F37117B01A6E}" type="datetime1">
               <a:rPr lang="en-US" smtClean="0"/>
-              <a:t>2/5/2023</a:t>
+              <a:t>2/6/2023</a:t>
             </a:fld>
             <a:endParaRPr lang="en-US"/>
           </a:p>
@@ -6335,7 +9970,7 @@
           <a:p>
             <a:fld id="{0055F08A-1E71-4B2B-BB49-E743F2903911}" type="datetime1">
               <a:rPr lang="en-US" smtClean="0"/>
-              <a:t>2/5/2023</a:t>
+              <a:t>2/6/2023</a:t>
             </a:fld>
             <a:endParaRPr lang="en-US" dirty="0"/>
           </a:p>
@@ -6611,7 +10246,7 @@
           <a:p>
             <a:fld id="{15417D9E-721A-44BB-8863-9873FE64DA75}" type="datetime1">
               <a:rPr lang="en-US" smtClean="0"/>
-              <a:t>2/5/2023</a:t>
+              <a:t>2/6/2023</a:t>
             </a:fld>
             <a:endParaRPr lang="en-US"/>
           </a:p>
@@ -6877,7 +10512,7 @@
           <a:p>
             <a:fld id="{5F31DA2F-80B8-49CF-99FB-5ABCA53A607A}" type="datetime1">
               <a:rPr lang="en-US" smtClean="0"/>
-              <a:t>2/5/2023</a:t>
+              <a:t>2/6/2023</a:t>
             </a:fld>
             <a:endParaRPr lang="en-US"/>
           </a:p>
@@ -7251,7 +10886,7 @@
           <a:p>
             <a:fld id="{28852172-E6C9-4B6C-929A-A9DE3837BBF1}" type="datetime1">
               <a:rPr lang="en-US" smtClean="0"/>
-              <a:t>2/5/2023</a:t>
+              <a:t>2/6/2023</a:t>
             </a:fld>
             <a:endParaRPr lang="en-US"/>
           </a:p>
@@ -7399,7 +11034,7 @@
           <a:p>
             <a:fld id="{3AB41CFF-90C9-47B3-9DA1-F2BF8D839F7E}" type="datetime1">
               <a:rPr lang="en-US" smtClean="0"/>
-              <a:t>2/5/2023</a:t>
+              <a:t>2/6/2023</a:t>
             </a:fld>
             <a:endParaRPr lang="en-US"/>
           </a:p>
@@ -7524,7 +11159,7 @@
           <a:p>
             <a:fld id="{F06048FA-06AB-4884-A69B-986B96E68A24}" type="datetime1">
               <a:rPr lang="en-US" smtClean="0"/>
-              <a:t>2/5/2023</a:t>
+              <a:t>2/6/2023</a:t>
             </a:fld>
             <a:endParaRPr lang="en-US"/>
           </a:p>
@@ -7809,7 +11444,7 @@
           <a:p>
             <a:fld id="{50DB7ABA-0172-4F9C-889D-567164F66BCD}" type="datetime1">
               <a:rPr lang="en-US" smtClean="0"/>
-              <a:t>2/5/2023</a:t>
+              <a:t>2/6/2023</a:t>
             </a:fld>
             <a:endParaRPr lang="en-US"/>
           </a:p>
@@ -8133,7 +11768,7 @@
           <a:p>
             <a:fld id="{78AC6A5B-8AE7-4A41-B5A7-9ADC6686DC18}" type="datetime1">
               <a:rPr lang="en-US" smtClean="0"/>
-              <a:t>2/5/2023</a:t>
+              <a:t>2/6/2023</a:t>
             </a:fld>
             <a:endParaRPr lang="en-US"/>
           </a:p>
@@ -8348,7 +11983,7 @@
             <a:fld id="{57E0CF6C-748E-4B7A-BC8B-3011EF78ED13}" type="datetime1">
               <a:rPr lang="en-US" smtClean="0"/>
               <a:pPr/>
-              <a:t>2/5/2023</a:t>
+              <a:t>2/6/2023</a:t>
             </a:fld>
             <a:endParaRPr lang="en-US" dirty="0"/>
           </a:p>
@@ -10629,7 +14264,7 @@
         <p:spPr>
           <a:xfrm>
             <a:off x="825909" y="808055"/>
-            <a:ext cx="3979205" cy="1453363"/>
+            <a:ext cx="9984966" cy="1453363"/>
           </a:xfrm>
         </p:spPr>
         <p:txBody>
@@ -10644,97 +14279,51 @@
               </a:lnSpc>
             </a:pPr>
             <a:r>
-              <a:rPr lang="en-CA" sz="3300"/>
-              <a:t>Specifics of OFF-Road pythonic api (Part 1)</a:t>
+              <a:rPr lang="en-CA" sz="3300" dirty="0"/>
+              <a:t>Specifics of </a:t>
+            </a:r>
+            <a:r>
+              <a:rPr lang="en-CA" sz="3300" dirty="0" err="1"/>
+              <a:t>OFF-Road</a:t>
+            </a:r>
+            <a:r>
+              <a:rPr lang="en-CA" sz="3300" dirty="0"/>
+              <a:t> pythonic </a:t>
+            </a:r>
+            <a:r>
+              <a:rPr lang="en-CA" sz="3300" dirty="0" err="1"/>
+              <a:t>api</a:t>
             </a:r>
             <a:endParaRPr lang="en-CA" sz="3300" dirty="0"/>
           </a:p>
         </p:txBody>
       </p:sp>
-      <p:sp>
-        <p:nvSpPr>
-          <p:cNvPr id="3" name="Content Placeholder 2">
+      <p:graphicFrame>
+        <p:nvGraphicFramePr>
+          <p:cNvPr id="5" name="Content Placeholder 2">
             <a:extLst>
               <a:ext uri="{FF2B5EF4-FFF2-40B4-BE49-F238E27FC236}">
-                <a16:creationId xmlns:a16="http://schemas.microsoft.com/office/drawing/2014/main" id="{6B5BEC07-B4AB-F504-2FC2-FD48354110AD}"/>
+                <a16:creationId xmlns:a16="http://schemas.microsoft.com/office/drawing/2014/main" id="{432C33E1-3BD6-E8FB-3C0E-B2FDBC134DA8}"/>
               </a:ext>
             </a:extLst>
           </p:cNvPr>
-          <p:cNvSpPr>
-            <a:spLocks noGrp="1"/>
-          </p:cNvSpPr>
+          <p:cNvGraphicFramePr>
+            <a:graphicFrameLocks noGrp="1"/>
+          </p:cNvGraphicFramePr>
           <p:nvPr>
             <p:ph idx="1"/>
           </p:nvPr>
-        </p:nvSpPr>
-        <p:spPr>
-          <a:xfrm>
-            <a:off x="802178" y="2261420"/>
-            <a:ext cx="10420004" cy="3637935"/>
-          </a:xfrm>
-        </p:spPr>
-        <p:txBody>
-          <a:bodyPr>
-            <a:normAutofit/>
-          </a:bodyPr>
-          <a:lstStyle/>
-          <a:p>
-            <a:r>
-              <a:rPr lang="en-CA" dirty="0"/>
-              <a:t>User data entered from GUI into a Django ORM database and then passed to the offroad.py API from the Rest API.</a:t>
-            </a:r>
-          </a:p>
-          <a:p>
-            <a:r>
-              <a:rPr lang="en-CA" dirty="0"/>
-              <a:t>Rest API interacts with the Django framework and user data passed to backend pythonic off_road.py API via middleware as shown above.</a:t>
-            </a:r>
-          </a:p>
-          <a:p>
-            <a:r>
-              <a:rPr lang="en-CA" dirty="0"/>
-              <a:t>Location data generates a PBF.OSM file</a:t>
-            </a:r>
-          </a:p>
-          <a:p>
-            <a:r>
-              <a:rPr lang="en-CA" dirty="0"/>
-              <a:t>This file is then processed via methods with the API to generate an offroad route using: </a:t>
-            </a:r>
-            <a:r>
-              <a:rPr lang="en-CA" dirty="0">
-                <a:hlinkClick r:id="rId3"/>
-              </a:rPr>
-              <a:t>https://denikozub.github.io/Offroad-routing-engine/#installation</a:t>
-            </a:r>
-            <a:r>
-              <a:rPr lang="en-CA" dirty="0"/>
-              <a:t> with examples shown here: </a:t>
-            </a:r>
-            <a:r>
-              <a:rPr lang="en-CA" dirty="0">
-                <a:hlinkClick r:id="rId4"/>
-              </a:rPr>
-              <a:t>https://github.com/Denikozub/Offroad-routing-engine/blob/main/docs/usage.ipynb</a:t>
-            </a:r>
-            <a:r>
-              <a:rPr lang="en-CA" dirty="0"/>
-              <a:t> </a:t>
-            </a:r>
-          </a:p>
-          <a:p>
-            <a:r>
-              <a:rPr lang="en-CA" dirty="0"/>
-              <a:t>This route can then be given back to the user via JSON once the pythonic </a:t>
-            </a:r>
-            <a:r>
-              <a:rPr lang="en-CA"/>
-              <a:t>API offloads </a:t>
-            </a:r>
-            <a:endParaRPr lang="en-CA" dirty="0"/>
-          </a:p>
-        </p:txBody>
-      </p:sp>
+        </p:nvGraphicFramePr>
+        <p:xfrm>
+          <a:off x="802178" y="2261420"/>
+          <a:ext cx="10420004" cy="3637935"/>
+        </p:xfrm>
+        <a:graphic>
+          <a:graphicData uri="http://schemas.openxmlformats.org/drawingml/2006/diagram">
+            <dgm:relIds xmlns:dgm="http://schemas.openxmlformats.org/drawingml/2006/diagram" xmlns:r="http://schemas.openxmlformats.org/officeDocument/2006/relationships" r:dm="rId3" r:lo="rId4" r:qs="rId5" r:cs="rId6"/>
+          </a:graphicData>
+        </a:graphic>
+      </p:graphicFrame>
     </p:spTree>
     <p:extLst>
       <p:ext uri="{BB962C8B-B14F-4D97-AF65-F5344CB8AC3E}">
@@ -10749,6 +14338,115 @@
 </file>
 
 <file path=ppt/slides/slide7.xml><?xml version="1.0" encoding="utf-8"?>
+<p:sld xmlns:a="http://schemas.openxmlformats.org/drawingml/2006/main" xmlns:r="http://schemas.openxmlformats.org/officeDocument/2006/relationships" xmlns:p="http://schemas.openxmlformats.org/presentationml/2006/main">
+  <p:cSld>
+    <p:spTree>
+      <p:nvGrpSpPr>
+        <p:cNvPr id="1" name=""/>
+        <p:cNvGrpSpPr/>
+        <p:nvPr/>
+      </p:nvGrpSpPr>
+      <p:grpSpPr>
+        <a:xfrm>
+          <a:off x="0" y="0"/>
+          <a:ext cx="0" cy="0"/>
+          <a:chOff x="0" y="0"/>
+          <a:chExt cx="0" cy="0"/>
+        </a:xfrm>
+      </p:grpSpPr>
+      <p:sp>
+        <p:nvSpPr>
+          <p:cNvPr id="2" name="Title 1">
+            <a:extLst>
+              <a:ext uri="{FF2B5EF4-FFF2-40B4-BE49-F238E27FC236}">
+                <a16:creationId xmlns:a16="http://schemas.microsoft.com/office/drawing/2014/main" id="{E89CB5DC-BDEB-73E9-C05F-F0DD10F0E0EE}"/>
+              </a:ext>
+            </a:extLst>
+          </p:cNvPr>
+          <p:cNvSpPr>
+            <a:spLocks noGrp="1"/>
+          </p:cNvSpPr>
+          <p:nvPr>
+            <p:ph type="title"/>
+          </p:nvPr>
+        </p:nvSpPr>
+        <p:spPr>
+          <a:xfrm>
+            <a:off x="685801" y="533400"/>
+            <a:ext cx="10820400" cy="1177092"/>
+          </a:xfrm>
+        </p:spPr>
+        <p:txBody>
+          <a:bodyPr anchor="b">
+            <a:normAutofit fontScale="90000"/>
+          </a:bodyPr>
+          <a:lstStyle/>
+          <a:p>
+            <a:pPr algn="ctr"/>
+            <a:r>
+              <a:rPr lang="en-CA" sz="4400" dirty="0"/>
+              <a:t>Specifics of Satellite Tracking pythonic </a:t>
+            </a:r>
+            <a:r>
+              <a:rPr lang="en-CA" sz="4400" dirty="0" err="1"/>
+              <a:t>api</a:t>
+            </a:r>
+            <a:endParaRPr lang="en-CA" sz="4400" dirty="0"/>
+          </a:p>
+        </p:txBody>
+      </p:sp>
+      <p:sp>
+        <p:nvSpPr>
+          <p:cNvPr id="39" name="Content Placeholder 2">
+            <a:extLst>
+              <a:ext uri="{FF2B5EF4-FFF2-40B4-BE49-F238E27FC236}">
+                <a16:creationId xmlns:a16="http://schemas.microsoft.com/office/drawing/2014/main" id="{E5DBC696-DFAD-05F9-2B98-9D7894A7500E}"/>
+              </a:ext>
+            </a:extLst>
+          </p:cNvPr>
+          <p:cNvSpPr>
+            <a:spLocks noGrp="1"/>
+          </p:cNvSpPr>
+          <p:nvPr>
+            <p:ph idx="1"/>
+          </p:nvPr>
+        </p:nvSpPr>
+        <p:spPr>
+          <a:xfrm>
+            <a:off x="685801" y="2243892"/>
+            <a:ext cx="10820400" cy="3547308"/>
+          </a:xfrm>
+        </p:spPr>
+        <p:txBody>
+          <a:bodyPr anchor="t">
+            <a:normAutofit/>
+          </a:bodyPr>
+          <a:lstStyle/>
+          <a:p>
+            <a:r>
+              <a:rPr lang="en-CA" sz="2000" dirty="0"/>
+              <a:t>Satellites tracking algorithm  </a:t>
+            </a:r>
+          </a:p>
+          <a:p>
+            <a:endParaRPr lang="en-CA" sz="1800" dirty="0"/>
+          </a:p>
+        </p:txBody>
+      </p:sp>
+    </p:spTree>
+    <p:extLst>
+      <p:ext uri="{BB962C8B-B14F-4D97-AF65-F5344CB8AC3E}">
+        <p14:creationId xmlns:p14="http://schemas.microsoft.com/office/powerpoint/2010/main" val="1211977865"/>
+      </p:ext>
+    </p:extLst>
+  </p:cSld>
+  <p:clrMapOvr>
+    <a:masterClrMapping/>
+  </p:clrMapOvr>
+</p:sld>
+</file>
+
+<file path=ppt/slides/slide8.xml><?xml version="1.0" encoding="utf-8"?>
 <p:sld xmlns:a="http://schemas.openxmlformats.org/drawingml/2006/main" xmlns:r="http://schemas.openxmlformats.org/officeDocument/2006/relationships" xmlns:p="http://schemas.openxmlformats.org/presentationml/2006/main">
   <p:cSld>
     <p:bg>
@@ -10970,7 +14668,7 @@
 </p:sld>
 </file>
 
-<file path=ppt/slides/slide8.xml><?xml version="1.0" encoding="utf-8"?>
+<file path=ppt/slides/slide9.xml><?xml version="1.0" encoding="utf-8"?>
 <p:sld xmlns:a="http://schemas.openxmlformats.org/drawingml/2006/main" xmlns:r="http://schemas.openxmlformats.org/officeDocument/2006/relationships" xmlns:p="http://schemas.openxmlformats.org/presentationml/2006/main">
   <p:cSld>
     <p:bg>
@@ -11448,15 +15146,6 @@
 </file>
 
 <file path=customXml/item2.xml><?xml version="1.0" encoding="utf-8"?>
-<?mso-contentType ?>
-<FormTemplates xmlns="http://schemas.microsoft.com/sharepoint/v3/contenttype/forms">
-  <Display>DocumentLibraryForm</Display>
-  <Edit>DocumentLibraryForm</Edit>
-  <New>DocumentLibraryForm</New>
-</FormTemplates>
-</file>
-
-<file path=customXml/item3.xml><?xml version="1.0" encoding="utf-8"?>
 <ct:contentTypeSchema xmlns:ct="http://schemas.microsoft.com/office/2006/metadata/contentType" xmlns:ma="http://schemas.microsoft.com/office/2006/metadata/properties/metaAttributes" ct:_="" ma:_="" ma:contentTypeName="Document" ma:contentTypeID="0x010100187CB99B633CF74CB96C6036C1453EF0" ma:contentTypeVersion="9" ma:contentTypeDescription="Create a new document." ma:contentTypeScope="" ma:versionID="a1344847cc888fb9ce812c031a45672a">
   <xsd:schema xmlns:xsd="http://www.w3.org/2001/XMLSchema" xmlns:xs="http://www.w3.org/2001/XMLSchema" xmlns:p="http://schemas.microsoft.com/office/2006/metadata/properties" xmlns:ns3="4e2827ee-077a-42b6-91dc-849015ede821" xmlns:ns4="02125c62-9850-4246-9069-7295b901ab02" targetNamespace="http://schemas.microsoft.com/office/2006/metadata/properties" ma:root="true" ma:fieldsID="1f20d3428db51a2f28508bf4fe05126f" ns3:_="" ns4:_="">
     <xsd:import namespace="4e2827ee-077a-42b6-91dc-849015ede821"/>
@@ -11653,6 +15342,15 @@
 </ct:contentTypeSchema>
 </file>
 
+<file path=customXml/item3.xml><?xml version="1.0" encoding="utf-8"?>
+<?mso-contentType ?>
+<FormTemplates xmlns="http://schemas.microsoft.com/sharepoint/v3/contenttype/forms">
+  <Display>DocumentLibraryForm</Display>
+  <Edit>DocumentLibraryForm</Edit>
+  <New>DocumentLibraryForm</New>
+</FormTemplates>
+</file>
+
 <file path=customXml/itemProps1.xml><?xml version="1.0" encoding="utf-8"?>
 <ds:datastoreItem xmlns:ds="http://schemas.openxmlformats.org/officeDocument/2006/customXml" ds:itemID="{DE6668BD-C18C-4FB4-828D-239394283F62}">
   <ds:schemaRefs>
@@ -11671,14 +15369,6 @@
 </file>
 
 <file path=customXml/itemProps2.xml><?xml version="1.0" encoding="utf-8"?>
-<ds:datastoreItem xmlns:ds="http://schemas.openxmlformats.org/officeDocument/2006/customXml" ds:itemID="{23860DF8-D058-43F6-9939-4216F975FE7A}">
-  <ds:schemaRefs>
-    <ds:schemaRef ds:uri="http://schemas.microsoft.com/sharepoint/v3/contenttype/forms"/>
-  </ds:schemaRefs>
-</ds:datastoreItem>
-</file>
-
-<file path=customXml/itemProps3.xml><?xml version="1.0" encoding="utf-8"?>
 <ds:datastoreItem xmlns:ds="http://schemas.openxmlformats.org/officeDocument/2006/customXml" ds:itemID="{6046329D-5DFA-4C98-BC52-9FDA49D66BC9}">
   <ds:schemaRefs>
     <ds:schemaRef ds:uri="http://schemas.microsoft.com/office/2006/metadata/contentType"/>
@@ -11695,4 +15385,12 @@
     <ds:schemaRef ds:uri="http://schemas.microsoft.com/internal/obd"/>
   </ds:schemaRefs>
 </ds:datastoreItem>
+</file>
+
+<file path=customXml/itemProps3.xml><?xml version="1.0" encoding="utf-8"?>
+<ds:datastoreItem xmlns:ds="http://schemas.openxmlformats.org/officeDocument/2006/customXml" ds:itemID="{23860DF8-D058-43F6-9939-4216F975FE7A}">
+  <ds:schemaRefs>
+    <ds:schemaRef ds:uri="http://schemas.microsoft.com/sharepoint/v3/contenttype/forms"/>
+  </ds:schemaRefs>
+</ds:datastoreItem>
 </file>
--- a/Workflow/GAIA knockoff Logic WorkFlow.pptx
+++ b/Workflow/GAIA knockoff Logic WorkFlow.pptx
@@ -1608,6 +1608,1846 @@
     <dgm:txLinClrLst/>
     <dgm:txFillClrLst meth="repeat">
       <a:schemeClr val="tx1"/>
+    </dgm:txFillClrLst>
+    <dgm:txEffectClrLst/>
+  </dgm:styleLbl>
+</dgm:colorsDef>
+</file>
+
+<file path=ppt/diagrams/colors3.xml><?xml version="1.0" encoding="utf-8"?>
+<dgm:colorsDef xmlns:dgm="http://schemas.openxmlformats.org/drawingml/2006/diagram" xmlns:a="http://schemas.openxmlformats.org/drawingml/2006/main" uniqueId="urn:microsoft.com/office/officeart/2005/8/colors/colorful1">
+  <dgm:title val=""/>
+  <dgm:desc val=""/>
+  <dgm:catLst>
+    <dgm:cat type="colorful" pri="10100"/>
+  </dgm:catLst>
+  <dgm:styleLbl name="node0">
+    <dgm:fillClrLst meth="repeat">
+      <a:schemeClr val="accent1"/>
+    </dgm:fillClrLst>
+    <dgm:linClrLst meth="repeat">
+      <a:schemeClr val="lt1"/>
+    </dgm:linClrLst>
+    <dgm:effectClrLst/>
+    <dgm:txLinClrLst/>
+    <dgm:txFillClrLst/>
+    <dgm:txEffectClrLst/>
+  </dgm:styleLbl>
+  <dgm:styleLbl name="node1">
+    <dgm:fillClrLst meth="repeat">
+      <a:schemeClr val="accent2"/>
+      <a:schemeClr val="accent3"/>
+      <a:schemeClr val="accent4"/>
+      <a:schemeClr val="accent5"/>
+      <a:schemeClr val="accent6"/>
+    </dgm:fillClrLst>
+    <dgm:linClrLst meth="repeat">
+      <a:schemeClr val="lt1"/>
+    </dgm:linClrLst>
+    <dgm:effectClrLst/>
+    <dgm:txLinClrLst/>
+    <dgm:txFillClrLst/>
+    <dgm:txEffectClrLst/>
+  </dgm:styleLbl>
+  <dgm:styleLbl name="alignNode1">
+    <dgm:fillClrLst meth="repeat">
+      <a:schemeClr val="accent2"/>
+      <a:schemeClr val="accent3"/>
+      <a:schemeClr val="accent4"/>
+      <a:schemeClr val="accent5"/>
+      <a:schemeClr val="accent6"/>
+    </dgm:fillClrLst>
+    <dgm:linClrLst meth="repeat">
+      <a:schemeClr val="accent2"/>
+      <a:schemeClr val="accent3"/>
+      <a:schemeClr val="accent4"/>
+      <a:schemeClr val="accent5"/>
+      <a:schemeClr val="accent6"/>
+    </dgm:linClrLst>
+    <dgm:effectClrLst/>
+    <dgm:txLinClrLst/>
+    <dgm:txFillClrLst/>
+    <dgm:txEffectClrLst/>
+  </dgm:styleLbl>
+  <dgm:styleLbl name="lnNode1">
+    <dgm:fillClrLst meth="repeat">
+      <a:schemeClr val="accent2"/>
+      <a:schemeClr val="accent3"/>
+      <a:schemeClr val="accent4"/>
+      <a:schemeClr val="accent5"/>
+      <a:schemeClr val="accent6"/>
+    </dgm:fillClrLst>
+    <dgm:linClrLst meth="repeat">
+      <a:schemeClr val="lt1"/>
+    </dgm:linClrLst>
+    <dgm:effectClrLst/>
+    <dgm:txLinClrLst/>
+    <dgm:txFillClrLst/>
+    <dgm:txEffectClrLst/>
+  </dgm:styleLbl>
+  <dgm:styleLbl name="vennNode1">
+    <dgm:fillClrLst meth="repeat">
+      <a:schemeClr val="accent2">
+        <a:alpha val="50000"/>
+      </a:schemeClr>
+      <a:schemeClr val="accent3">
+        <a:alpha val="50000"/>
+      </a:schemeClr>
+      <a:schemeClr val="accent4">
+        <a:alpha val="50000"/>
+      </a:schemeClr>
+      <a:schemeClr val="accent5">
+        <a:alpha val="50000"/>
+      </a:schemeClr>
+      <a:schemeClr val="accent6">
+        <a:alpha val="50000"/>
+      </a:schemeClr>
+    </dgm:fillClrLst>
+    <dgm:linClrLst meth="repeat">
+      <a:schemeClr val="lt1"/>
+    </dgm:linClrLst>
+    <dgm:effectClrLst/>
+    <dgm:txLinClrLst/>
+    <dgm:txFillClrLst/>
+    <dgm:txEffectClrLst/>
+  </dgm:styleLbl>
+  <dgm:styleLbl name="node2">
+    <dgm:fillClrLst>
+      <a:schemeClr val="accent2"/>
+    </dgm:fillClrLst>
+    <dgm:linClrLst meth="repeat">
+      <a:schemeClr val="lt1"/>
+    </dgm:linClrLst>
+    <dgm:effectClrLst/>
+    <dgm:txLinClrLst/>
+    <dgm:txFillClrLst/>
+    <dgm:txEffectClrLst/>
+  </dgm:styleLbl>
+  <dgm:styleLbl name="node3">
+    <dgm:fillClrLst>
+      <a:schemeClr val="accent3"/>
+    </dgm:fillClrLst>
+    <dgm:linClrLst meth="repeat">
+      <a:schemeClr val="lt1"/>
+    </dgm:linClrLst>
+    <dgm:effectClrLst/>
+    <dgm:txLinClrLst/>
+    <dgm:txFillClrLst/>
+    <dgm:txEffectClrLst/>
+  </dgm:styleLbl>
+  <dgm:styleLbl name="node4">
+    <dgm:fillClrLst>
+      <a:schemeClr val="accent4"/>
+    </dgm:fillClrLst>
+    <dgm:linClrLst meth="repeat">
+      <a:schemeClr val="lt1"/>
+    </dgm:linClrLst>
+    <dgm:effectClrLst/>
+    <dgm:txLinClrLst/>
+    <dgm:txFillClrLst/>
+    <dgm:txEffectClrLst/>
+  </dgm:styleLbl>
+  <dgm:styleLbl name="fgImgPlace1">
+    <dgm:fillClrLst meth="repeat">
+      <a:schemeClr val="accent2">
+        <a:tint val="50000"/>
+      </a:schemeClr>
+      <a:schemeClr val="accent3">
+        <a:tint val="50000"/>
+      </a:schemeClr>
+      <a:schemeClr val="accent4">
+        <a:tint val="50000"/>
+      </a:schemeClr>
+      <a:schemeClr val="accent5">
+        <a:tint val="50000"/>
+      </a:schemeClr>
+      <a:schemeClr val="accent6">
+        <a:tint val="50000"/>
+      </a:schemeClr>
+    </dgm:fillClrLst>
+    <dgm:linClrLst meth="repeat">
+      <a:schemeClr val="lt1"/>
+    </dgm:linClrLst>
+    <dgm:effectClrLst/>
+    <dgm:txLinClrLst/>
+    <dgm:txFillClrLst meth="repeat">
+      <a:schemeClr val="lt1"/>
+    </dgm:txFillClrLst>
+    <dgm:txEffectClrLst/>
+  </dgm:styleLbl>
+  <dgm:styleLbl name="alignImgPlace1">
+    <dgm:fillClrLst>
+      <a:schemeClr val="accent1">
+        <a:tint val="50000"/>
+      </a:schemeClr>
+      <a:schemeClr val="accent2">
+        <a:tint val="20000"/>
+      </a:schemeClr>
+    </dgm:fillClrLst>
+    <dgm:linClrLst meth="repeat">
+      <a:schemeClr val="lt1"/>
+    </dgm:linClrLst>
+    <dgm:effectClrLst/>
+    <dgm:txLinClrLst/>
+    <dgm:txFillClrLst meth="repeat">
+      <a:schemeClr val="lt1"/>
+    </dgm:txFillClrLst>
+    <dgm:txEffectClrLst/>
+  </dgm:styleLbl>
+  <dgm:styleLbl name="bgImgPlace1">
+    <dgm:fillClrLst>
+      <a:schemeClr val="accent1">
+        <a:tint val="50000"/>
+      </a:schemeClr>
+      <a:schemeClr val="accent2">
+        <a:tint val="20000"/>
+      </a:schemeClr>
+    </dgm:fillClrLst>
+    <dgm:linClrLst meth="repeat">
+      <a:schemeClr val="lt1"/>
+    </dgm:linClrLst>
+    <dgm:effectClrLst/>
+    <dgm:txLinClrLst/>
+    <dgm:txFillClrLst meth="repeat">
+      <a:schemeClr val="lt1"/>
+    </dgm:txFillClrLst>
+    <dgm:txEffectClrLst/>
+  </dgm:styleLbl>
+  <dgm:styleLbl name="sibTrans2D1">
+    <dgm:fillClrLst meth="repeat">
+      <a:schemeClr val="accent2"/>
+      <a:schemeClr val="accent3"/>
+      <a:schemeClr val="accent4"/>
+      <a:schemeClr val="accent5"/>
+      <a:schemeClr val="accent6"/>
+    </dgm:fillClrLst>
+    <dgm:linClrLst meth="cycle">
+      <a:schemeClr val="lt1"/>
+    </dgm:linClrLst>
+    <dgm:effectClrLst/>
+    <dgm:txLinClrLst/>
+    <dgm:txFillClrLst/>
+    <dgm:txEffectClrLst/>
+  </dgm:styleLbl>
+  <dgm:styleLbl name="fgSibTrans2D1">
+    <dgm:fillClrLst meth="repeat">
+      <a:schemeClr val="accent2"/>
+      <a:schemeClr val="accent3"/>
+      <a:schemeClr val="accent4"/>
+      <a:schemeClr val="accent5"/>
+      <a:schemeClr val="accent6"/>
+    </dgm:fillClrLst>
+    <dgm:linClrLst meth="cycle">
+      <a:schemeClr val="lt1"/>
+    </dgm:linClrLst>
+    <dgm:effectClrLst/>
+    <dgm:txLinClrLst/>
+    <dgm:txFillClrLst meth="repeat">
+      <a:schemeClr val="lt1"/>
+    </dgm:txFillClrLst>
+    <dgm:txEffectClrLst/>
+  </dgm:styleLbl>
+  <dgm:styleLbl name="bgSibTrans2D1">
+    <dgm:fillClrLst meth="repeat">
+      <a:schemeClr val="accent2"/>
+      <a:schemeClr val="accent3"/>
+      <a:schemeClr val="accent4"/>
+      <a:schemeClr val="accent5"/>
+      <a:schemeClr val="accent6"/>
+    </dgm:fillClrLst>
+    <dgm:linClrLst meth="cycle">
+      <a:schemeClr val="lt1"/>
+    </dgm:linClrLst>
+    <dgm:effectClrLst/>
+    <dgm:txLinClrLst/>
+    <dgm:txFillClrLst meth="repeat">
+      <a:schemeClr val="lt1"/>
+    </dgm:txFillClrLst>
+    <dgm:txEffectClrLst/>
+  </dgm:styleLbl>
+  <dgm:styleLbl name="sibTrans1D1">
+    <dgm:fillClrLst meth="repeat">
+      <a:schemeClr val="accent2"/>
+      <a:schemeClr val="accent3"/>
+      <a:schemeClr val="accent4"/>
+      <a:schemeClr val="accent5"/>
+      <a:schemeClr val="accent6"/>
+    </dgm:fillClrLst>
+    <dgm:linClrLst meth="repeat">
+      <a:schemeClr val="accent2"/>
+      <a:schemeClr val="accent3"/>
+      <a:schemeClr val="accent4"/>
+      <a:schemeClr val="accent5"/>
+      <a:schemeClr val="accent6"/>
+    </dgm:linClrLst>
+    <dgm:effectClrLst/>
+    <dgm:txLinClrLst/>
+    <dgm:txFillClrLst meth="repeat">
+      <a:schemeClr val="tx1"/>
+    </dgm:txFillClrLst>
+    <dgm:txEffectClrLst/>
+  </dgm:styleLbl>
+  <dgm:styleLbl name="callout">
+    <dgm:fillClrLst meth="repeat">
+      <a:schemeClr val="accent2"/>
+    </dgm:fillClrLst>
+    <dgm:linClrLst meth="repeat">
+      <a:schemeClr val="accent2">
+        <a:tint val="50000"/>
+      </a:schemeClr>
+    </dgm:linClrLst>
+    <dgm:effectClrLst/>
+    <dgm:txLinClrLst/>
+    <dgm:txFillClrLst meth="repeat">
+      <a:schemeClr val="tx1"/>
+    </dgm:txFillClrLst>
+    <dgm:txEffectClrLst/>
+  </dgm:styleLbl>
+  <dgm:styleLbl name="asst0">
+    <dgm:fillClrLst meth="repeat">
+      <a:schemeClr val="accent1"/>
+    </dgm:fillClrLst>
+    <dgm:linClrLst meth="repeat">
+      <a:schemeClr val="lt1"/>
+    </dgm:linClrLst>
+    <dgm:effectClrLst/>
+    <dgm:txLinClrLst/>
+    <dgm:txFillClrLst/>
+    <dgm:txEffectClrLst/>
+  </dgm:styleLbl>
+  <dgm:styleLbl name="asst1">
+    <dgm:fillClrLst meth="repeat">
+      <a:schemeClr val="accent2"/>
+    </dgm:fillClrLst>
+    <dgm:linClrLst meth="repeat">
+      <a:schemeClr val="lt1"/>
+    </dgm:linClrLst>
+    <dgm:effectClrLst/>
+    <dgm:txLinClrLst/>
+    <dgm:txFillClrLst/>
+    <dgm:txEffectClrLst/>
+  </dgm:styleLbl>
+  <dgm:styleLbl name="asst2">
+    <dgm:fillClrLst>
+      <a:schemeClr val="accent3"/>
+    </dgm:fillClrLst>
+    <dgm:linClrLst meth="repeat">
+      <a:schemeClr val="lt1"/>
+    </dgm:linClrLst>
+    <dgm:effectClrLst/>
+    <dgm:txLinClrLst/>
+    <dgm:txFillClrLst/>
+    <dgm:txEffectClrLst/>
+  </dgm:styleLbl>
+  <dgm:styleLbl name="asst3">
+    <dgm:fillClrLst>
+      <a:schemeClr val="accent4"/>
+    </dgm:fillClrLst>
+    <dgm:linClrLst meth="repeat">
+      <a:schemeClr val="lt1"/>
+    </dgm:linClrLst>
+    <dgm:effectClrLst/>
+    <dgm:txLinClrLst/>
+    <dgm:txFillClrLst/>
+    <dgm:txEffectClrLst/>
+  </dgm:styleLbl>
+  <dgm:styleLbl name="asst4">
+    <dgm:fillClrLst>
+      <a:schemeClr val="accent5"/>
+    </dgm:fillClrLst>
+    <dgm:linClrLst meth="repeat">
+      <a:schemeClr val="lt1"/>
+    </dgm:linClrLst>
+    <dgm:effectClrLst/>
+    <dgm:txLinClrLst/>
+    <dgm:txFillClrLst/>
+    <dgm:txEffectClrLst/>
+  </dgm:styleLbl>
+  <dgm:styleLbl name="parChTrans2D1">
+    <dgm:fillClrLst meth="repeat">
+      <a:schemeClr val="accent2"/>
+    </dgm:fillClrLst>
+    <dgm:linClrLst meth="repeat">
+      <a:schemeClr val="lt1"/>
+    </dgm:linClrLst>
+    <dgm:effectClrLst/>
+    <dgm:txLinClrLst/>
+    <dgm:txFillClrLst meth="repeat">
+      <a:schemeClr val="lt1"/>
+    </dgm:txFillClrLst>
+    <dgm:txEffectClrLst/>
+  </dgm:styleLbl>
+  <dgm:styleLbl name="parChTrans2D2">
+    <dgm:fillClrLst meth="repeat">
+      <a:schemeClr val="accent3"/>
+    </dgm:fillClrLst>
+    <dgm:linClrLst meth="repeat">
+      <a:schemeClr val="lt1"/>
+    </dgm:linClrLst>
+    <dgm:effectClrLst/>
+    <dgm:txLinClrLst/>
+    <dgm:txFillClrLst/>
+    <dgm:txEffectClrLst/>
+  </dgm:styleLbl>
+  <dgm:styleLbl name="parChTrans2D3">
+    <dgm:fillClrLst meth="repeat">
+      <a:schemeClr val="accent4"/>
+    </dgm:fillClrLst>
+    <dgm:linClrLst meth="repeat">
+      <a:schemeClr val="lt1"/>
+    </dgm:linClrLst>
+    <dgm:effectClrLst/>
+    <dgm:txLinClrLst/>
+    <dgm:txFillClrLst/>
+    <dgm:txEffectClrLst/>
+  </dgm:styleLbl>
+  <dgm:styleLbl name="parChTrans2D4">
+    <dgm:fillClrLst meth="repeat">
+      <a:schemeClr val="accent5"/>
+    </dgm:fillClrLst>
+    <dgm:linClrLst meth="repeat">
+      <a:schemeClr val="lt1"/>
+    </dgm:linClrLst>
+    <dgm:effectClrLst/>
+    <dgm:txLinClrLst/>
+    <dgm:txFillClrLst meth="repeat">
+      <a:schemeClr val="lt1"/>
+    </dgm:txFillClrLst>
+    <dgm:txEffectClrLst/>
+  </dgm:styleLbl>
+  <dgm:styleLbl name="parChTrans1D1">
+    <dgm:fillClrLst meth="repeat">
+      <a:schemeClr val="accent2"/>
+    </dgm:fillClrLst>
+    <dgm:linClrLst meth="repeat">
+      <a:schemeClr val="accent1"/>
+    </dgm:linClrLst>
+    <dgm:effectClrLst/>
+    <dgm:txLinClrLst/>
+    <dgm:txFillClrLst meth="repeat">
+      <a:schemeClr val="tx1"/>
+    </dgm:txFillClrLst>
+    <dgm:txEffectClrLst/>
+  </dgm:styleLbl>
+  <dgm:styleLbl name="parChTrans1D2">
+    <dgm:fillClrLst meth="repeat">
+      <a:schemeClr val="accent3">
+        <a:tint val="90000"/>
+      </a:schemeClr>
+    </dgm:fillClrLst>
+    <dgm:linClrLst meth="repeat">
+      <a:schemeClr val="accent2"/>
+    </dgm:linClrLst>
+    <dgm:effectClrLst/>
+    <dgm:txLinClrLst/>
+    <dgm:txFillClrLst meth="repeat">
+      <a:schemeClr val="tx1"/>
+    </dgm:txFillClrLst>
+    <dgm:txEffectClrLst/>
+  </dgm:styleLbl>
+  <dgm:styleLbl name="parChTrans1D3">
+    <dgm:fillClrLst meth="repeat">
+      <a:schemeClr val="accent4">
+        <a:tint val="70000"/>
+      </a:schemeClr>
+    </dgm:fillClrLst>
+    <dgm:linClrLst meth="repeat">
+      <a:schemeClr val="accent3"/>
+    </dgm:linClrLst>
+    <dgm:effectClrLst/>
+    <dgm:txLinClrLst/>
+    <dgm:txFillClrLst meth="repeat">
+      <a:schemeClr val="tx1"/>
+    </dgm:txFillClrLst>
+    <dgm:txEffectClrLst/>
+  </dgm:styleLbl>
+  <dgm:styleLbl name="parChTrans1D4">
+    <dgm:fillClrLst meth="repeat">
+      <a:schemeClr val="accent5">
+        <a:tint val="50000"/>
+      </a:schemeClr>
+    </dgm:fillClrLst>
+    <dgm:linClrLst meth="repeat">
+      <a:schemeClr val="accent4"/>
+    </dgm:linClrLst>
+    <dgm:effectClrLst/>
+    <dgm:txLinClrLst/>
+    <dgm:txFillClrLst meth="repeat">
+      <a:schemeClr val="tx1"/>
+    </dgm:txFillClrLst>
+    <dgm:txEffectClrLst/>
+  </dgm:styleLbl>
+  <dgm:styleLbl name="fgAcc1">
+    <dgm:fillClrLst meth="repeat">
+      <a:schemeClr val="lt1">
+        <a:alpha val="90000"/>
+      </a:schemeClr>
+    </dgm:fillClrLst>
+    <dgm:linClrLst meth="repeat">
+      <a:schemeClr val="accent2"/>
+      <a:schemeClr val="accent3"/>
+      <a:schemeClr val="accent4"/>
+      <a:schemeClr val="accent5"/>
+      <a:schemeClr val="accent6"/>
+    </dgm:linClrLst>
+    <dgm:effectClrLst/>
+    <dgm:txLinClrLst/>
+    <dgm:txFillClrLst meth="repeat">
+      <a:schemeClr val="dk1"/>
+    </dgm:txFillClrLst>
+    <dgm:txEffectClrLst/>
+  </dgm:styleLbl>
+  <dgm:styleLbl name="conFgAcc1">
+    <dgm:fillClrLst meth="repeat">
+      <a:schemeClr val="lt1">
+        <a:alpha val="90000"/>
+      </a:schemeClr>
+    </dgm:fillClrLst>
+    <dgm:linClrLst meth="repeat">
+      <a:schemeClr val="accent2"/>
+      <a:schemeClr val="accent3"/>
+      <a:schemeClr val="accent4"/>
+      <a:schemeClr val="accent5"/>
+      <a:schemeClr val="accent6"/>
+    </dgm:linClrLst>
+    <dgm:effectClrLst/>
+    <dgm:txLinClrLst/>
+    <dgm:txFillClrLst meth="repeat">
+      <a:schemeClr val="dk1"/>
+    </dgm:txFillClrLst>
+    <dgm:txEffectClrLst/>
+  </dgm:styleLbl>
+  <dgm:styleLbl name="alignAcc1">
+    <dgm:fillClrLst meth="repeat">
+      <a:schemeClr val="lt1">
+        <a:alpha val="90000"/>
+      </a:schemeClr>
+    </dgm:fillClrLst>
+    <dgm:linClrLst meth="repeat">
+      <a:schemeClr val="accent2"/>
+      <a:schemeClr val="accent3"/>
+      <a:schemeClr val="accent4"/>
+      <a:schemeClr val="accent5"/>
+      <a:schemeClr val="accent6"/>
+    </dgm:linClrLst>
+    <dgm:effectClrLst/>
+    <dgm:txLinClrLst/>
+    <dgm:txFillClrLst meth="repeat">
+      <a:schemeClr val="dk1"/>
+    </dgm:txFillClrLst>
+    <dgm:txEffectClrLst/>
+  </dgm:styleLbl>
+  <dgm:styleLbl name="trAlignAcc1">
+    <dgm:fillClrLst meth="repeat">
+      <a:schemeClr val="lt1">
+        <a:alpha val="40000"/>
+      </a:schemeClr>
+    </dgm:fillClrLst>
+    <dgm:linClrLst meth="repeat">
+      <a:schemeClr val="accent1"/>
+    </dgm:linClrLst>
+    <dgm:effectClrLst/>
+    <dgm:txLinClrLst/>
+    <dgm:txFillClrLst meth="repeat">
+      <a:schemeClr val="dk1"/>
+    </dgm:txFillClrLst>
+    <dgm:txEffectClrLst/>
+  </dgm:styleLbl>
+  <dgm:styleLbl name="bgAcc1">
+    <dgm:fillClrLst meth="repeat">
+      <a:schemeClr val="lt1">
+        <a:alpha val="90000"/>
+      </a:schemeClr>
+    </dgm:fillClrLst>
+    <dgm:linClrLst meth="repeat">
+      <a:schemeClr val="accent2"/>
+      <a:schemeClr val="accent3"/>
+      <a:schemeClr val="accent4"/>
+      <a:schemeClr val="accent5"/>
+      <a:schemeClr val="accent6"/>
+    </dgm:linClrLst>
+    <dgm:effectClrLst/>
+    <dgm:txLinClrLst/>
+    <dgm:txFillClrLst meth="repeat">
+      <a:schemeClr val="dk1"/>
+    </dgm:txFillClrLst>
+    <dgm:txEffectClrLst/>
+  </dgm:styleLbl>
+  <dgm:styleLbl name="solidFgAcc1">
+    <dgm:fillClrLst meth="repeat">
+      <a:schemeClr val="lt1"/>
+    </dgm:fillClrLst>
+    <dgm:linClrLst meth="repeat">
+      <a:schemeClr val="accent2"/>
+      <a:schemeClr val="accent3"/>
+      <a:schemeClr val="accent4"/>
+      <a:schemeClr val="accent5"/>
+      <a:schemeClr val="accent6"/>
+    </dgm:linClrLst>
+    <dgm:effectClrLst/>
+    <dgm:txLinClrLst/>
+    <dgm:txFillClrLst meth="repeat">
+      <a:schemeClr val="dk1"/>
+    </dgm:txFillClrLst>
+    <dgm:txEffectClrLst/>
+  </dgm:styleLbl>
+  <dgm:styleLbl name="solidAlignAcc1">
+    <dgm:fillClrLst meth="repeat">
+      <a:schemeClr val="lt1"/>
+    </dgm:fillClrLst>
+    <dgm:linClrLst meth="repeat">
+      <a:schemeClr val="accent2"/>
+      <a:schemeClr val="accent3"/>
+      <a:schemeClr val="accent4"/>
+      <a:schemeClr val="accent5"/>
+      <a:schemeClr val="accent6"/>
+    </dgm:linClrLst>
+    <dgm:effectClrLst/>
+    <dgm:txLinClrLst/>
+    <dgm:txFillClrLst meth="repeat">
+      <a:schemeClr val="dk1"/>
+    </dgm:txFillClrLst>
+    <dgm:txEffectClrLst/>
+  </dgm:styleLbl>
+  <dgm:styleLbl name="solidBgAcc1">
+    <dgm:fillClrLst meth="repeat">
+      <a:schemeClr val="lt1"/>
+    </dgm:fillClrLst>
+    <dgm:linClrLst meth="repeat">
+      <a:schemeClr val="accent2"/>
+      <a:schemeClr val="accent3"/>
+      <a:schemeClr val="accent4"/>
+      <a:schemeClr val="accent5"/>
+      <a:schemeClr val="accent6"/>
+    </dgm:linClrLst>
+    <dgm:effectClrLst/>
+    <dgm:txLinClrLst/>
+    <dgm:txFillClrLst meth="repeat">
+      <a:schemeClr val="dk1"/>
+    </dgm:txFillClrLst>
+    <dgm:txEffectClrLst/>
+  </dgm:styleLbl>
+  <dgm:styleLbl name="fgAccFollowNode1">
+    <dgm:fillClrLst meth="repeat">
+      <a:schemeClr val="accent2">
+        <a:tint val="40000"/>
+        <a:alpha val="90000"/>
+      </a:schemeClr>
+      <a:schemeClr val="accent3">
+        <a:tint val="40000"/>
+        <a:alpha val="90000"/>
+      </a:schemeClr>
+      <a:schemeClr val="accent4">
+        <a:tint val="40000"/>
+        <a:alpha val="90000"/>
+      </a:schemeClr>
+      <a:schemeClr val="accent5">
+        <a:tint val="40000"/>
+        <a:alpha val="90000"/>
+      </a:schemeClr>
+      <a:schemeClr val="accent6">
+        <a:tint val="40000"/>
+        <a:alpha val="90000"/>
+      </a:schemeClr>
+    </dgm:fillClrLst>
+    <dgm:linClrLst meth="repeat">
+      <a:schemeClr val="accent2">
+        <a:tint val="40000"/>
+        <a:alpha val="90000"/>
+      </a:schemeClr>
+      <a:schemeClr val="accent3">
+        <a:tint val="40000"/>
+        <a:alpha val="90000"/>
+      </a:schemeClr>
+      <a:schemeClr val="accent4">
+        <a:tint val="40000"/>
+        <a:alpha val="90000"/>
+      </a:schemeClr>
+      <a:schemeClr val="accent5">
+        <a:tint val="40000"/>
+        <a:alpha val="90000"/>
+      </a:schemeClr>
+      <a:schemeClr val="accent6">
+        <a:tint val="40000"/>
+        <a:alpha val="90000"/>
+      </a:schemeClr>
+    </dgm:linClrLst>
+    <dgm:effectClrLst/>
+    <dgm:txLinClrLst/>
+    <dgm:txFillClrLst meth="repeat">
+      <a:schemeClr val="dk1"/>
+    </dgm:txFillClrLst>
+    <dgm:txEffectClrLst/>
+  </dgm:styleLbl>
+  <dgm:styleLbl name="alignAccFollowNode1">
+    <dgm:fillClrLst meth="repeat">
+      <a:schemeClr val="accent2">
+        <a:tint val="40000"/>
+        <a:alpha val="90000"/>
+      </a:schemeClr>
+      <a:schemeClr val="accent3">
+        <a:tint val="40000"/>
+        <a:alpha val="90000"/>
+      </a:schemeClr>
+      <a:schemeClr val="accent4">
+        <a:tint val="40000"/>
+        <a:alpha val="90000"/>
+      </a:schemeClr>
+      <a:schemeClr val="accent5">
+        <a:tint val="40000"/>
+        <a:alpha val="90000"/>
+      </a:schemeClr>
+      <a:schemeClr val="accent6">
+        <a:tint val="40000"/>
+        <a:alpha val="90000"/>
+      </a:schemeClr>
+    </dgm:fillClrLst>
+    <dgm:linClrLst meth="repeat">
+      <a:schemeClr val="accent2">
+        <a:tint val="40000"/>
+        <a:alpha val="90000"/>
+      </a:schemeClr>
+      <a:schemeClr val="accent3">
+        <a:tint val="40000"/>
+        <a:alpha val="90000"/>
+      </a:schemeClr>
+      <a:schemeClr val="accent4">
+        <a:tint val="40000"/>
+        <a:alpha val="90000"/>
+      </a:schemeClr>
+      <a:schemeClr val="accent5">
+        <a:tint val="40000"/>
+        <a:alpha val="90000"/>
+      </a:schemeClr>
+      <a:schemeClr val="accent6">
+        <a:tint val="40000"/>
+        <a:alpha val="90000"/>
+      </a:schemeClr>
+    </dgm:linClrLst>
+    <dgm:effectClrLst/>
+    <dgm:txLinClrLst/>
+    <dgm:txFillClrLst meth="repeat">
+      <a:schemeClr val="dk1"/>
+    </dgm:txFillClrLst>
+    <dgm:txEffectClrLst/>
+  </dgm:styleLbl>
+  <dgm:styleLbl name="bgAccFollowNode1">
+    <dgm:fillClrLst meth="repeat">
+      <a:schemeClr val="accent2">
+        <a:tint val="40000"/>
+        <a:alpha val="90000"/>
+      </a:schemeClr>
+      <a:schemeClr val="accent3">
+        <a:tint val="40000"/>
+        <a:alpha val="90000"/>
+      </a:schemeClr>
+      <a:schemeClr val="accent4">
+        <a:tint val="40000"/>
+        <a:alpha val="90000"/>
+      </a:schemeClr>
+      <a:schemeClr val="accent5">
+        <a:tint val="40000"/>
+        <a:alpha val="90000"/>
+      </a:schemeClr>
+      <a:schemeClr val="accent6">
+        <a:tint val="40000"/>
+        <a:alpha val="90000"/>
+      </a:schemeClr>
+    </dgm:fillClrLst>
+    <dgm:linClrLst meth="repeat">
+      <a:schemeClr val="accent2">
+        <a:tint val="40000"/>
+        <a:alpha val="90000"/>
+      </a:schemeClr>
+      <a:schemeClr val="accent3">
+        <a:tint val="40000"/>
+        <a:alpha val="90000"/>
+      </a:schemeClr>
+      <a:schemeClr val="accent4">
+        <a:tint val="40000"/>
+        <a:alpha val="90000"/>
+      </a:schemeClr>
+      <a:schemeClr val="accent5">
+        <a:tint val="40000"/>
+        <a:alpha val="90000"/>
+      </a:schemeClr>
+      <a:schemeClr val="accent6">
+        <a:tint val="40000"/>
+        <a:alpha val="90000"/>
+      </a:schemeClr>
+    </dgm:linClrLst>
+    <dgm:effectClrLst/>
+    <dgm:txLinClrLst/>
+    <dgm:txFillClrLst meth="repeat">
+      <a:schemeClr val="dk1"/>
+    </dgm:txFillClrLst>
+    <dgm:txEffectClrLst/>
+  </dgm:styleLbl>
+  <dgm:styleLbl name="fgAcc0">
+    <dgm:fillClrLst meth="repeat">
+      <a:schemeClr val="lt1">
+        <a:alpha val="90000"/>
+      </a:schemeClr>
+    </dgm:fillClrLst>
+    <dgm:linClrLst>
+      <a:schemeClr val="accent1"/>
+    </dgm:linClrLst>
+    <dgm:effectClrLst/>
+    <dgm:txLinClrLst/>
+    <dgm:txFillClrLst meth="repeat">
+      <a:schemeClr val="dk1"/>
+    </dgm:txFillClrLst>
+    <dgm:txEffectClrLst/>
+  </dgm:styleLbl>
+  <dgm:styleLbl name="fgAcc2">
+    <dgm:fillClrLst meth="repeat">
+      <a:schemeClr val="lt1">
+        <a:alpha val="90000"/>
+      </a:schemeClr>
+    </dgm:fillClrLst>
+    <dgm:linClrLst>
+      <a:schemeClr val="accent2"/>
+    </dgm:linClrLst>
+    <dgm:effectClrLst/>
+    <dgm:txLinClrLst/>
+    <dgm:txFillClrLst meth="repeat">
+      <a:schemeClr val="dk1"/>
+    </dgm:txFillClrLst>
+    <dgm:txEffectClrLst/>
+  </dgm:styleLbl>
+  <dgm:styleLbl name="fgAcc3">
+    <dgm:fillClrLst meth="repeat">
+      <a:schemeClr val="lt1">
+        <a:alpha val="90000"/>
+      </a:schemeClr>
+    </dgm:fillClrLst>
+    <dgm:linClrLst>
+      <a:schemeClr val="accent3"/>
+    </dgm:linClrLst>
+    <dgm:effectClrLst/>
+    <dgm:txLinClrLst/>
+    <dgm:txFillClrLst meth="repeat">
+      <a:schemeClr val="dk1"/>
+    </dgm:txFillClrLst>
+    <dgm:txEffectClrLst/>
+  </dgm:styleLbl>
+  <dgm:styleLbl name="fgAcc4">
+    <dgm:fillClrLst meth="repeat">
+      <a:schemeClr val="lt1">
+        <a:alpha val="90000"/>
+      </a:schemeClr>
+    </dgm:fillClrLst>
+    <dgm:linClrLst>
+      <a:schemeClr val="accent4"/>
+    </dgm:linClrLst>
+    <dgm:effectClrLst/>
+    <dgm:txLinClrLst/>
+    <dgm:txFillClrLst meth="repeat">
+      <a:schemeClr val="dk1"/>
+    </dgm:txFillClrLst>
+    <dgm:txEffectClrLst/>
+  </dgm:styleLbl>
+  <dgm:styleLbl name="bgShp">
+    <dgm:fillClrLst meth="repeat">
+      <a:schemeClr val="accent2">
+        <a:tint val="40000"/>
+      </a:schemeClr>
+    </dgm:fillClrLst>
+    <dgm:linClrLst meth="repeat">
+      <a:schemeClr val="dk1"/>
+    </dgm:linClrLst>
+    <dgm:effectClrLst/>
+    <dgm:txLinClrLst/>
+    <dgm:txFillClrLst meth="repeat">
+      <a:schemeClr val="dk1"/>
+    </dgm:txFillClrLst>
+    <dgm:txEffectClrLst/>
+  </dgm:styleLbl>
+  <dgm:styleLbl name="dkBgShp">
+    <dgm:fillClrLst meth="repeat">
+      <a:schemeClr val="accent2">
+        <a:shade val="90000"/>
+      </a:schemeClr>
+    </dgm:fillClrLst>
+    <dgm:linClrLst meth="repeat">
+      <a:schemeClr val="dk1"/>
+    </dgm:linClrLst>
+    <dgm:effectClrLst/>
+    <dgm:txLinClrLst/>
+    <dgm:txFillClrLst meth="repeat">
+      <a:schemeClr val="lt1"/>
+    </dgm:txFillClrLst>
+    <dgm:txEffectClrLst/>
+  </dgm:styleLbl>
+  <dgm:styleLbl name="trBgShp">
+    <dgm:fillClrLst meth="repeat">
+      <a:schemeClr val="accent1">
+        <a:tint val="50000"/>
+        <a:alpha val="40000"/>
+      </a:schemeClr>
+    </dgm:fillClrLst>
+    <dgm:linClrLst meth="repeat">
+      <a:schemeClr val="accent2"/>
+    </dgm:linClrLst>
+    <dgm:effectClrLst/>
+    <dgm:txLinClrLst/>
+    <dgm:txFillClrLst meth="repeat">
+      <a:schemeClr val="lt1"/>
+    </dgm:txFillClrLst>
+    <dgm:txEffectClrLst/>
+  </dgm:styleLbl>
+  <dgm:styleLbl name="fgShp">
+    <dgm:fillClrLst meth="repeat">
+      <a:schemeClr val="accent2">
+        <a:tint val="40000"/>
+      </a:schemeClr>
+    </dgm:fillClrLst>
+    <dgm:linClrLst meth="repeat">
+      <a:schemeClr val="lt1"/>
+    </dgm:linClrLst>
+    <dgm:effectClrLst/>
+    <dgm:txLinClrLst/>
+    <dgm:txFillClrLst meth="repeat">
+      <a:schemeClr val="dk1"/>
+    </dgm:txFillClrLst>
+    <dgm:txEffectClrLst/>
+  </dgm:styleLbl>
+  <dgm:styleLbl name="revTx">
+    <dgm:fillClrLst meth="repeat">
+      <a:schemeClr val="lt1">
+        <a:alpha val="0"/>
+      </a:schemeClr>
+    </dgm:fillClrLst>
+    <dgm:linClrLst meth="repeat">
+      <a:schemeClr val="dk1">
+        <a:alpha val="0"/>
+      </a:schemeClr>
+    </dgm:linClrLst>
+    <dgm:effectClrLst/>
+    <dgm:txLinClrLst/>
+    <dgm:txFillClrLst meth="repeat">
+      <a:schemeClr val="tx1"/>
+    </dgm:txFillClrLst>
+    <dgm:txEffectClrLst/>
+  </dgm:styleLbl>
+</dgm:colorsDef>
+</file>
+
+<file path=ppt/diagrams/colors4.xml><?xml version="1.0" encoding="utf-8"?>
+<dgm:colorsDef xmlns:dgm="http://schemas.openxmlformats.org/drawingml/2006/diagram" xmlns:a="http://schemas.openxmlformats.org/drawingml/2006/main" uniqueId="urn:microsoft.com/office/officeart/2018/5/colors/Iconchunking_neutralicontext_colorful1">
+  <dgm:title val=""/>
+  <dgm:desc val=""/>
+  <dgm:catLst>
+    <dgm:cat type="colorful" pri="10100"/>
+  </dgm:catLst>
+  <dgm:styleLbl name="node0">
+    <dgm:fillClrLst meth="repeat">
+      <a:schemeClr val="accent1"/>
+    </dgm:fillClrLst>
+    <dgm:linClrLst meth="repeat">
+      <a:schemeClr val="lt1"/>
+    </dgm:linClrLst>
+    <dgm:effectClrLst/>
+    <dgm:txLinClrLst/>
+    <dgm:txFillClrLst/>
+    <dgm:txEffectClrLst/>
+  </dgm:styleLbl>
+  <dgm:styleLbl name="node1">
+    <dgm:fillClrLst meth="repeat">
+      <a:schemeClr val="bg1"/>
+    </dgm:fillClrLst>
+    <dgm:linClrLst meth="repeat">
+      <a:schemeClr val="lt1">
+        <a:alpha val="0"/>
+      </a:schemeClr>
+    </dgm:linClrLst>
+    <dgm:effectClrLst/>
+    <dgm:txLinClrLst/>
+    <dgm:txFillClrLst meth="repeat">
+      <a:schemeClr val="dk1"/>
+    </dgm:txFillClrLst>
+    <dgm:txEffectClrLst/>
+  </dgm:styleLbl>
+  <dgm:styleLbl name="alignNode1">
+    <dgm:fillClrLst meth="repeat">
+      <a:schemeClr val="accent2"/>
+      <a:schemeClr val="accent3"/>
+      <a:schemeClr val="accent4"/>
+      <a:schemeClr val="accent5"/>
+      <a:schemeClr val="accent6"/>
+    </dgm:fillClrLst>
+    <dgm:linClrLst meth="repeat">
+      <a:schemeClr val="accent2"/>
+      <a:schemeClr val="accent3"/>
+      <a:schemeClr val="accent4"/>
+      <a:schemeClr val="accent5"/>
+      <a:schemeClr val="accent6"/>
+    </dgm:linClrLst>
+    <dgm:effectClrLst/>
+    <dgm:txLinClrLst/>
+    <dgm:txFillClrLst/>
+    <dgm:txEffectClrLst/>
+  </dgm:styleLbl>
+  <dgm:styleLbl name="lnNode1">
+    <dgm:fillClrLst meth="repeat">
+      <a:schemeClr val="accent2"/>
+      <a:schemeClr val="accent3"/>
+      <a:schemeClr val="accent4"/>
+      <a:schemeClr val="accent5"/>
+      <a:schemeClr val="accent6"/>
+    </dgm:fillClrLst>
+    <dgm:linClrLst meth="repeat">
+      <a:schemeClr val="lt1"/>
+    </dgm:linClrLst>
+    <dgm:effectClrLst/>
+    <dgm:txLinClrLst/>
+    <dgm:txFillClrLst/>
+    <dgm:txEffectClrLst/>
+  </dgm:styleLbl>
+  <dgm:styleLbl name="vennNode1">
+    <dgm:fillClrLst meth="repeat">
+      <a:schemeClr val="accent2">
+        <a:alpha val="50000"/>
+      </a:schemeClr>
+      <a:schemeClr val="accent3">
+        <a:alpha val="50000"/>
+      </a:schemeClr>
+      <a:schemeClr val="accent4">
+        <a:alpha val="50000"/>
+      </a:schemeClr>
+      <a:schemeClr val="accent5">
+        <a:alpha val="50000"/>
+      </a:schemeClr>
+      <a:schemeClr val="accent6">
+        <a:alpha val="50000"/>
+      </a:schemeClr>
+    </dgm:fillClrLst>
+    <dgm:linClrLst meth="repeat">
+      <a:schemeClr val="lt1"/>
+    </dgm:linClrLst>
+    <dgm:effectClrLst/>
+    <dgm:txLinClrLst/>
+    <dgm:txFillClrLst/>
+    <dgm:txEffectClrLst/>
+  </dgm:styleLbl>
+  <dgm:styleLbl name="node2">
+    <dgm:fillClrLst>
+      <a:schemeClr val="accent2"/>
+    </dgm:fillClrLst>
+    <dgm:linClrLst meth="repeat">
+      <a:schemeClr val="lt1"/>
+    </dgm:linClrLst>
+    <dgm:effectClrLst/>
+    <dgm:txLinClrLst/>
+    <dgm:txFillClrLst/>
+    <dgm:txEffectClrLst/>
+  </dgm:styleLbl>
+  <dgm:styleLbl name="node3">
+    <dgm:fillClrLst>
+      <a:schemeClr val="accent3"/>
+    </dgm:fillClrLst>
+    <dgm:linClrLst meth="repeat">
+      <a:schemeClr val="lt1"/>
+    </dgm:linClrLst>
+    <dgm:effectClrLst/>
+    <dgm:txLinClrLst/>
+    <dgm:txFillClrLst/>
+    <dgm:txEffectClrLst/>
+  </dgm:styleLbl>
+  <dgm:styleLbl name="node4">
+    <dgm:fillClrLst>
+      <a:schemeClr val="accent4"/>
+    </dgm:fillClrLst>
+    <dgm:linClrLst meth="repeat">
+      <a:schemeClr val="lt1"/>
+    </dgm:linClrLst>
+    <dgm:effectClrLst/>
+    <dgm:txLinClrLst/>
+    <dgm:txFillClrLst/>
+    <dgm:txEffectClrLst/>
+  </dgm:styleLbl>
+  <dgm:styleLbl name="fgImgPlace1">
+    <dgm:fillClrLst meth="repeat">
+      <a:schemeClr val="accent2">
+        <a:tint val="50000"/>
+      </a:schemeClr>
+      <a:schemeClr val="accent3">
+        <a:tint val="50000"/>
+      </a:schemeClr>
+      <a:schemeClr val="accent4">
+        <a:tint val="50000"/>
+      </a:schemeClr>
+      <a:schemeClr val="accent5">
+        <a:tint val="50000"/>
+      </a:schemeClr>
+      <a:schemeClr val="accent6">
+        <a:tint val="50000"/>
+      </a:schemeClr>
+    </dgm:fillClrLst>
+    <dgm:linClrLst meth="repeat">
+      <a:schemeClr val="lt1"/>
+    </dgm:linClrLst>
+    <dgm:effectClrLst/>
+    <dgm:txLinClrLst/>
+    <dgm:txFillClrLst meth="repeat">
+      <a:schemeClr val="lt1"/>
+    </dgm:txFillClrLst>
+    <dgm:txEffectClrLst/>
+  </dgm:styleLbl>
+  <dgm:styleLbl name="alignImgPlace1">
+    <dgm:fillClrLst>
+      <a:schemeClr val="accent1">
+        <a:tint val="50000"/>
+      </a:schemeClr>
+      <a:schemeClr val="accent2">
+        <a:tint val="20000"/>
+      </a:schemeClr>
+    </dgm:fillClrLst>
+    <dgm:linClrLst meth="repeat">
+      <a:schemeClr val="lt1"/>
+    </dgm:linClrLst>
+    <dgm:effectClrLst/>
+    <dgm:txLinClrLst/>
+    <dgm:txFillClrLst meth="repeat">
+      <a:schemeClr val="lt1"/>
+    </dgm:txFillClrLst>
+    <dgm:txEffectClrLst/>
+  </dgm:styleLbl>
+  <dgm:styleLbl name="bgImgPlace1">
+    <dgm:fillClrLst>
+      <a:schemeClr val="accent1">
+        <a:tint val="50000"/>
+      </a:schemeClr>
+      <a:schemeClr val="accent2">
+        <a:tint val="20000"/>
+      </a:schemeClr>
+    </dgm:fillClrLst>
+    <dgm:linClrLst meth="repeat">
+      <a:schemeClr val="lt1"/>
+    </dgm:linClrLst>
+    <dgm:effectClrLst/>
+    <dgm:txLinClrLst/>
+    <dgm:txFillClrLst meth="repeat">
+      <a:schemeClr val="lt1"/>
+    </dgm:txFillClrLst>
+    <dgm:txEffectClrLst/>
+  </dgm:styleLbl>
+  <dgm:styleLbl name="sibTrans2D1">
+    <dgm:fillClrLst meth="repeat">
+      <a:schemeClr val="accent2"/>
+      <a:schemeClr val="accent3"/>
+      <a:schemeClr val="accent4"/>
+      <a:schemeClr val="accent5"/>
+      <a:schemeClr val="accent6"/>
+    </dgm:fillClrLst>
+    <dgm:linClrLst meth="cycle">
+      <a:schemeClr val="lt1"/>
+    </dgm:linClrLst>
+    <dgm:effectClrLst/>
+    <dgm:txLinClrLst/>
+    <dgm:txFillClrLst/>
+    <dgm:txEffectClrLst/>
+  </dgm:styleLbl>
+  <dgm:styleLbl name="fgSibTrans2D1">
+    <dgm:fillClrLst meth="repeat">
+      <a:schemeClr val="accent2"/>
+      <a:schemeClr val="accent3"/>
+      <a:schemeClr val="accent4"/>
+      <a:schemeClr val="accent5"/>
+      <a:schemeClr val="accent6"/>
+    </dgm:fillClrLst>
+    <dgm:linClrLst meth="cycle">
+      <a:schemeClr val="lt1"/>
+    </dgm:linClrLst>
+    <dgm:effectClrLst/>
+    <dgm:txLinClrLst/>
+    <dgm:txFillClrLst meth="repeat">
+      <a:schemeClr val="lt1"/>
+    </dgm:txFillClrLst>
+    <dgm:txEffectClrLst/>
+  </dgm:styleLbl>
+  <dgm:styleLbl name="bgSibTrans2D1">
+    <dgm:fillClrLst meth="repeat">
+      <a:schemeClr val="accent2"/>
+      <a:schemeClr val="accent3"/>
+      <a:schemeClr val="accent4"/>
+      <a:schemeClr val="accent5"/>
+      <a:schemeClr val="accent6"/>
+    </dgm:fillClrLst>
+    <dgm:linClrLst meth="cycle">
+      <a:schemeClr val="lt1"/>
+    </dgm:linClrLst>
+    <dgm:effectClrLst/>
+    <dgm:txLinClrLst/>
+    <dgm:txFillClrLst meth="repeat">
+      <a:schemeClr val="lt1"/>
+    </dgm:txFillClrLst>
+    <dgm:txEffectClrLst/>
+  </dgm:styleLbl>
+  <dgm:styleLbl name="sibTrans1D1">
+    <dgm:fillClrLst meth="repeat">
+      <a:schemeClr val="accent2"/>
+      <a:schemeClr val="accent3"/>
+      <a:schemeClr val="accent4"/>
+      <a:schemeClr val="accent5"/>
+      <a:schemeClr val="accent6"/>
+    </dgm:fillClrLst>
+    <dgm:linClrLst meth="repeat">
+      <a:schemeClr val="accent2"/>
+      <a:schemeClr val="accent3"/>
+      <a:schemeClr val="accent4"/>
+      <a:schemeClr val="accent5"/>
+      <a:schemeClr val="accent6"/>
+    </dgm:linClrLst>
+    <dgm:effectClrLst/>
+    <dgm:txLinClrLst/>
+    <dgm:txFillClrLst meth="repeat">
+      <a:schemeClr val="tx1"/>
+    </dgm:txFillClrLst>
+    <dgm:txEffectClrLst/>
+  </dgm:styleLbl>
+  <dgm:styleLbl name="callout">
+    <dgm:fillClrLst meth="repeat">
+      <a:schemeClr val="accent2"/>
+    </dgm:fillClrLst>
+    <dgm:linClrLst meth="repeat">
+      <a:schemeClr val="accent2">
+        <a:tint val="50000"/>
+      </a:schemeClr>
+    </dgm:linClrLst>
+    <dgm:effectClrLst/>
+    <dgm:txLinClrLst/>
+    <dgm:txFillClrLst meth="repeat">
+      <a:schemeClr val="tx1"/>
+    </dgm:txFillClrLst>
+    <dgm:txEffectClrLst/>
+  </dgm:styleLbl>
+  <dgm:styleLbl name="asst0">
+    <dgm:fillClrLst meth="repeat">
+      <a:schemeClr val="accent1"/>
+    </dgm:fillClrLst>
+    <dgm:linClrLst meth="repeat">
+      <a:schemeClr val="lt1"/>
+    </dgm:linClrLst>
+    <dgm:effectClrLst/>
+    <dgm:txLinClrLst/>
+    <dgm:txFillClrLst/>
+    <dgm:txEffectClrLst/>
+  </dgm:styleLbl>
+  <dgm:styleLbl name="asst1">
+    <dgm:fillClrLst meth="repeat">
+      <a:schemeClr val="accent2"/>
+    </dgm:fillClrLst>
+    <dgm:linClrLst meth="repeat">
+      <a:schemeClr val="lt1"/>
+    </dgm:linClrLst>
+    <dgm:effectClrLst/>
+    <dgm:txLinClrLst/>
+    <dgm:txFillClrLst/>
+    <dgm:txEffectClrLst/>
+  </dgm:styleLbl>
+  <dgm:styleLbl name="asst2">
+    <dgm:fillClrLst>
+      <a:schemeClr val="accent3"/>
+    </dgm:fillClrLst>
+    <dgm:linClrLst meth="repeat">
+      <a:schemeClr val="lt1"/>
+    </dgm:linClrLst>
+    <dgm:effectClrLst/>
+    <dgm:txLinClrLst/>
+    <dgm:txFillClrLst/>
+    <dgm:txEffectClrLst/>
+  </dgm:styleLbl>
+  <dgm:styleLbl name="asst3">
+    <dgm:fillClrLst>
+      <a:schemeClr val="accent4"/>
+    </dgm:fillClrLst>
+    <dgm:linClrLst meth="repeat">
+      <a:schemeClr val="lt1"/>
+    </dgm:linClrLst>
+    <dgm:effectClrLst/>
+    <dgm:txLinClrLst/>
+    <dgm:txFillClrLst/>
+    <dgm:txEffectClrLst/>
+  </dgm:styleLbl>
+  <dgm:styleLbl name="asst4">
+    <dgm:fillClrLst>
+      <a:schemeClr val="accent5"/>
+    </dgm:fillClrLst>
+    <dgm:linClrLst meth="repeat">
+      <a:schemeClr val="lt1"/>
+    </dgm:linClrLst>
+    <dgm:effectClrLst/>
+    <dgm:txLinClrLst/>
+    <dgm:txFillClrLst/>
+    <dgm:txEffectClrLst/>
+  </dgm:styleLbl>
+  <dgm:styleLbl name="parChTrans2D1">
+    <dgm:fillClrLst meth="repeat">
+      <a:schemeClr val="accent2"/>
+    </dgm:fillClrLst>
+    <dgm:linClrLst meth="repeat">
+      <a:schemeClr val="lt1"/>
+    </dgm:linClrLst>
+    <dgm:effectClrLst/>
+    <dgm:txLinClrLst/>
+    <dgm:txFillClrLst meth="repeat">
+      <a:schemeClr val="lt1"/>
+    </dgm:txFillClrLst>
+    <dgm:txEffectClrLst/>
+  </dgm:styleLbl>
+  <dgm:styleLbl name="parChTrans2D2">
+    <dgm:fillClrLst meth="repeat">
+      <a:schemeClr val="accent3"/>
+    </dgm:fillClrLst>
+    <dgm:linClrLst meth="repeat">
+      <a:schemeClr val="lt1"/>
+    </dgm:linClrLst>
+    <dgm:effectClrLst/>
+    <dgm:txLinClrLst/>
+    <dgm:txFillClrLst/>
+    <dgm:txEffectClrLst/>
+  </dgm:styleLbl>
+  <dgm:styleLbl name="parChTrans2D3">
+    <dgm:fillClrLst meth="repeat">
+      <a:schemeClr val="accent4"/>
+    </dgm:fillClrLst>
+    <dgm:linClrLst meth="repeat">
+      <a:schemeClr val="lt1"/>
+    </dgm:linClrLst>
+    <dgm:effectClrLst/>
+    <dgm:txLinClrLst/>
+    <dgm:txFillClrLst/>
+    <dgm:txEffectClrLst/>
+  </dgm:styleLbl>
+  <dgm:styleLbl name="parChTrans2D4">
+    <dgm:fillClrLst meth="repeat">
+      <a:schemeClr val="accent5"/>
+    </dgm:fillClrLst>
+    <dgm:linClrLst meth="repeat">
+      <a:schemeClr val="lt1"/>
+    </dgm:linClrLst>
+    <dgm:effectClrLst/>
+    <dgm:txLinClrLst/>
+    <dgm:txFillClrLst meth="repeat">
+      <a:schemeClr val="lt1"/>
+    </dgm:txFillClrLst>
+    <dgm:txEffectClrLst/>
+  </dgm:styleLbl>
+  <dgm:styleLbl name="parChTrans1D1">
+    <dgm:fillClrLst meth="repeat">
+      <a:schemeClr val="accent2"/>
+    </dgm:fillClrLst>
+    <dgm:linClrLst meth="repeat">
+      <a:schemeClr val="accent1"/>
+    </dgm:linClrLst>
+    <dgm:effectClrLst/>
+    <dgm:txLinClrLst/>
+    <dgm:txFillClrLst meth="repeat">
+      <a:schemeClr val="tx1"/>
+    </dgm:txFillClrLst>
+    <dgm:txEffectClrLst/>
+  </dgm:styleLbl>
+  <dgm:styleLbl name="parChTrans1D2">
+    <dgm:fillClrLst meth="repeat">
+      <a:schemeClr val="accent3">
+        <a:tint val="90000"/>
+      </a:schemeClr>
+    </dgm:fillClrLst>
+    <dgm:linClrLst meth="repeat">
+      <a:schemeClr val="accent2"/>
+    </dgm:linClrLst>
+    <dgm:effectClrLst/>
+    <dgm:txLinClrLst/>
+    <dgm:txFillClrLst meth="repeat">
+      <a:schemeClr val="tx1"/>
+    </dgm:txFillClrLst>
+    <dgm:txEffectClrLst/>
+  </dgm:styleLbl>
+  <dgm:styleLbl name="parChTrans1D3">
+    <dgm:fillClrLst meth="repeat">
+      <a:schemeClr val="accent4">
+        <a:tint val="70000"/>
+      </a:schemeClr>
+    </dgm:fillClrLst>
+    <dgm:linClrLst meth="repeat">
+      <a:schemeClr val="accent3"/>
+    </dgm:linClrLst>
+    <dgm:effectClrLst/>
+    <dgm:txLinClrLst/>
+    <dgm:txFillClrLst meth="repeat">
+      <a:schemeClr val="tx1"/>
+    </dgm:txFillClrLst>
+    <dgm:txEffectClrLst/>
+  </dgm:styleLbl>
+  <dgm:styleLbl name="parChTrans1D4">
+    <dgm:fillClrLst meth="repeat">
+      <a:schemeClr val="accent5">
+        <a:tint val="50000"/>
+      </a:schemeClr>
+    </dgm:fillClrLst>
+    <dgm:linClrLst meth="repeat">
+      <a:schemeClr val="accent4"/>
+    </dgm:linClrLst>
+    <dgm:effectClrLst/>
+    <dgm:txLinClrLst/>
+    <dgm:txFillClrLst meth="repeat">
+      <a:schemeClr val="tx1"/>
+    </dgm:txFillClrLst>
+    <dgm:txEffectClrLst/>
+  </dgm:styleLbl>
+  <dgm:styleLbl name="fgAcc1">
+    <dgm:fillClrLst meth="repeat">
+      <a:schemeClr val="lt1">
+        <a:alpha val="90000"/>
+      </a:schemeClr>
+    </dgm:fillClrLst>
+    <dgm:linClrLst meth="repeat">
+      <a:schemeClr val="accent2"/>
+      <a:schemeClr val="accent3"/>
+      <a:schemeClr val="accent4"/>
+      <a:schemeClr val="accent5"/>
+      <a:schemeClr val="accent6"/>
+    </dgm:linClrLst>
+    <dgm:effectClrLst/>
+    <dgm:txLinClrLst/>
+    <dgm:txFillClrLst meth="repeat">
+      <a:schemeClr val="dk1"/>
+    </dgm:txFillClrLst>
+    <dgm:txEffectClrLst/>
+  </dgm:styleLbl>
+  <dgm:styleLbl name="conFgAcc1">
+    <dgm:fillClrLst meth="repeat">
+      <a:schemeClr val="lt1">
+        <a:alpha val="90000"/>
+      </a:schemeClr>
+    </dgm:fillClrLst>
+    <dgm:linClrLst meth="repeat">
+      <a:schemeClr val="accent2"/>
+      <a:schemeClr val="accent3"/>
+      <a:schemeClr val="accent4"/>
+      <a:schemeClr val="accent5"/>
+      <a:schemeClr val="accent6"/>
+    </dgm:linClrLst>
+    <dgm:effectClrLst/>
+    <dgm:txLinClrLst/>
+    <dgm:txFillClrLst meth="repeat">
+      <a:schemeClr val="dk1"/>
+    </dgm:txFillClrLst>
+    <dgm:txEffectClrLst/>
+  </dgm:styleLbl>
+  <dgm:styleLbl name="alignAcc1">
+    <dgm:fillClrLst meth="repeat">
+      <a:schemeClr val="lt1">
+        <a:alpha val="90000"/>
+      </a:schemeClr>
+    </dgm:fillClrLst>
+    <dgm:linClrLst meth="repeat">
+      <a:schemeClr val="accent2"/>
+      <a:schemeClr val="accent3"/>
+      <a:schemeClr val="accent4"/>
+      <a:schemeClr val="accent5"/>
+      <a:schemeClr val="accent6"/>
+    </dgm:linClrLst>
+    <dgm:effectClrLst/>
+    <dgm:txLinClrLst/>
+    <dgm:txFillClrLst meth="repeat">
+      <a:schemeClr val="dk1"/>
+    </dgm:txFillClrLst>
+    <dgm:txEffectClrLst/>
+  </dgm:styleLbl>
+  <dgm:styleLbl name="trAlignAcc1">
+    <dgm:fillClrLst meth="repeat">
+      <a:schemeClr val="lt1">
+        <a:alpha val="40000"/>
+      </a:schemeClr>
+    </dgm:fillClrLst>
+    <dgm:linClrLst meth="repeat">
+      <a:schemeClr val="accent1"/>
+    </dgm:linClrLst>
+    <dgm:effectClrLst/>
+    <dgm:txLinClrLst/>
+    <dgm:txFillClrLst meth="repeat">
+      <a:schemeClr val="dk1"/>
+    </dgm:txFillClrLst>
+    <dgm:txEffectClrLst/>
+  </dgm:styleLbl>
+  <dgm:styleLbl name="bgAcc1">
+    <dgm:fillClrLst meth="repeat">
+      <a:schemeClr val="lt1">
+        <a:alpha val="90000"/>
+      </a:schemeClr>
+    </dgm:fillClrLst>
+    <dgm:linClrLst meth="repeat">
+      <a:schemeClr val="accent2"/>
+      <a:schemeClr val="accent3"/>
+      <a:schemeClr val="accent4"/>
+      <a:schemeClr val="accent5"/>
+      <a:schemeClr val="accent6"/>
+    </dgm:linClrLst>
+    <dgm:effectClrLst/>
+    <dgm:txLinClrLst/>
+    <dgm:txFillClrLst meth="repeat">
+      <a:schemeClr val="dk1"/>
+    </dgm:txFillClrLst>
+    <dgm:txEffectClrLst/>
+  </dgm:styleLbl>
+  <dgm:styleLbl name="solidFgAcc1">
+    <dgm:fillClrLst meth="repeat">
+      <a:schemeClr val="lt1"/>
+    </dgm:fillClrLst>
+    <dgm:linClrLst meth="repeat">
+      <a:schemeClr val="accent2"/>
+      <a:schemeClr val="accent3"/>
+      <a:schemeClr val="accent4"/>
+      <a:schemeClr val="accent5"/>
+      <a:schemeClr val="accent6"/>
+    </dgm:linClrLst>
+    <dgm:effectClrLst/>
+    <dgm:txLinClrLst/>
+    <dgm:txFillClrLst meth="repeat">
+      <a:schemeClr val="dk1"/>
+    </dgm:txFillClrLst>
+    <dgm:txEffectClrLst/>
+  </dgm:styleLbl>
+  <dgm:styleLbl name="solidAlignAcc1">
+    <dgm:fillClrLst meth="repeat">
+      <a:schemeClr val="lt1"/>
+    </dgm:fillClrLst>
+    <dgm:linClrLst meth="repeat">
+      <a:schemeClr val="accent2"/>
+      <a:schemeClr val="accent3"/>
+      <a:schemeClr val="accent4"/>
+      <a:schemeClr val="accent5"/>
+      <a:schemeClr val="accent6"/>
+    </dgm:linClrLst>
+    <dgm:effectClrLst/>
+    <dgm:txLinClrLst/>
+    <dgm:txFillClrLst meth="repeat">
+      <a:schemeClr val="dk1"/>
+    </dgm:txFillClrLst>
+    <dgm:txEffectClrLst/>
+  </dgm:styleLbl>
+  <dgm:styleLbl name="solidBgAcc1">
+    <dgm:fillClrLst meth="repeat">
+      <a:schemeClr val="lt1"/>
+    </dgm:fillClrLst>
+    <dgm:linClrLst meth="repeat">
+      <a:schemeClr val="accent2"/>
+      <a:schemeClr val="accent3"/>
+      <a:schemeClr val="accent4"/>
+      <a:schemeClr val="accent5"/>
+      <a:schemeClr val="accent6"/>
+    </dgm:linClrLst>
+    <dgm:effectClrLst/>
+    <dgm:txLinClrLst/>
+    <dgm:txFillClrLst meth="repeat">
+      <a:schemeClr val="dk1"/>
+    </dgm:txFillClrLst>
+    <dgm:txEffectClrLst/>
+  </dgm:styleLbl>
+  <dgm:styleLbl name="fgAccFollowNode1">
+    <dgm:fillClrLst meth="repeat">
+      <a:schemeClr val="accent2">
+        <a:tint val="40000"/>
+        <a:alpha val="90000"/>
+      </a:schemeClr>
+      <a:schemeClr val="accent3">
+        <a:tint val="40000"/>
+        <a:alpha val="90000"/>
+      </a:schemeClr>
+      <a:schemeClr val="accent4">
+        <a:tint val="40000"/>
+        <a:alpha val="90000"/>
+      </a:schemeClr>
+      <a:schemeClr val="accent5">
+        <a:tint val="40000"/>
+        <a:alpha val="90000"/>
+      </a:schemeClr>
+      <a:schemeClr val="accent6">
+        <a:tint val="40000"/>
+        <a:alpha val="90000"/>
+      </a:schemeClr>
+    </dgm:fillClrLst>
+    <dgm:linClrLst meth="repeat">
+      <a:schemeClr val="accent2">
+        <a:tint val="40000"/>
+        <a:alpha val="90000"/>
+      </a:schemeClr>
+      <a:schemeClr val="accent3">
+        <a:tint val="40000"/>
+        <a:alpha val="90000"/>
+      </a:schemeClr>
+      <a:schemeClr val="accent4">
+        <a:tint val="40000"/>
+        <a:alpha val="90000"/>
+      </a:schemeClr>
+      <a:schemeClr val="accent5">
+        <a:tint val="40000"/>
+        <a:alpha val="90000"/>
+      </a:schemeClr>
+      <a:schemeClr val="accent6">
+        <a:tint val="40000"/>
+        <a:alpha val="90000"/>
+      </a:schemeClr>
+    </dgm:linClrLst>
+    <dgm:effectClrLst/>
+    <dgm:txLinClrLst/>
+    <dgm:txFillClrLst meth="repeat">
+      <a:schemeClr val="dk1"/>
+    </dgm:txFillClrLst>
+    <dgm:txEffectClrLst/>
+  </dgm:styleLbl>
+  <dgm:styleLbl name="alignAccFollowNode1">
+    <dgm:fillClrLst meth="repeat">
+      <a:schemeClr val="accent2">
+        <a:tint val="40000"/>
+        <a:alpha val="90000"/>
+      </a:schemeClr>
+      <a:schemeClr val="accent3">
+        <a:tint val="40000"/>
+        <a:alpha val="90000"/>
+      </a:schemeClr>
+      <a:schemeClr val="accent4">
+        <a:tint val="40000"/>
+        <a:alpha val="90000"/>
+      </a:schemeClr>
+      <a:schemeClr val="accent5">
+        <a:tint val="40000"/>
+        <a:alpha val="90000"/>
+      </a:schemeClr>
+      <a:schemeClr val="accent6">
+        <a:tint val="40000"/>
+        <a:alpha val="90000"/>
+      </a:schemeClr>
+    </dgm:fillClrLst>
+    <dgm:linClrLst meth="repeat">
+      <a:schemeClr val="accent2">
+        <a:tint val="40000"/>
+        <a:alpha val="90000"/>
+      </a:schemeClr>
+      <a:schemeClr val="accent3">
+        <a:tint val="40000"/>
+        <a:alpha val="90000"/>
+      </a:schemeClr>
+      <a:schemeClr val="accent4">
+        <a:tint val="40000"/>
+        <a:alpha val="90000"/>
+      </a:schemeClr>
+      <a:schemeClr val="accent5">
+        <a:tint val="40000"/>
+        <a:alpha val="90000"/>
+      </a:schemeClr>
+      <a:schemeClr val="accent6">
+        <a:tint val="40000"/>
+        <a:alpha val="90000"/>
+      </a:schemeClr>
+    </dgm:linClrLst>
+    <dgm:effectClrLst/>
+    <dgm:txLinClrLst/>
+    <dgm:txFillClrLst meth="repeat">
+      <a:schemeClr val="dk1"/>
+    </dgm:txFillClrLst>
+    <dgm:txEffectClrLst/>
+  </dgm:styleLbl>
+  <dgm:styleLbl name="bgAccFollowNode1">
+    <dgm:fillClrLst meth="repeat">
+      <a:schemeClr val="accent2">
+        <a:tint val="40000"/>
+        <a:alpha val="90000"/>
+      </a:schemeClr>
+      <a:schemeClr val="accent3">
+        <a:tint val="40000"/>
+        <a:alpha val="90000"/>
+      </a:schemeClr>
+      <a:schemeClr val="accent4">
+        <a:tint val="40000"/>
+        <a:alpha val="90000"/>
+      </a:schemeClr>
+      <a:schemeClr val="accent5">
+        <a:tint val="40000"/>
+        <a:alpha val="90000"/>
+      </a:schemeClr>
+      <a:schemeClr val="accent6">
+        <a:tint val="40000"/>
+        <a:alpha val="90000"/>
+      </a:schemeClr>
+    </dgm:fillClrLst>
+    <dgm:linClrLst meth="repeat">
+      <a:schemeClr val="accent2">
+        <a:tint val="40000"/>
+        <a:alpha val="90000"/>
+      </a:schemeClr>
+      <a:schemeClr val="accent3">
+        <a:tint val="40000"/>
+        <a:alpha val="90000"/>
+      </a:schemeClr>
+      <a:schemeClr val="accent4">
+        <a:tint val="40000"/>
+        <a:alpha val="90000"/>
+      </a:schemeClr>
+      <a:schemeClr val="accent5">
+        <a:tint val="40000"/>
+        <a:alpha val="90000"/>
+      </a:schemeClr>
+      <a:schemeClr val="accent6">
+        <a:tint val="40000"/>
+        <a:alpha val="90000"/>
+      </a:schemeClr>
+    </dgm:linClrLst>
+    <dgm:effectClrLst/>
+    <dgm:txLinClrLst/>
+    <dgm:txFillClrLst meth="repeat">
+      <a:schemeClr val="dk1"/>
+    </dgm:txFillClrLst>
+    <dgm:txEffectClrLst/>
+  </dgm:styleLbl>
+  <dgm:styleLbl name="fgAcc0">
+    <dgm:fillClrLst meth="repeat">
+      <a:schemeClr val="lt1">
+        <a:alpha val="90000"/>
+      </a:schemeClr>
+    </dgm:fillClrLst>
+    <dgm:linClrLst>
+      <a:schemeClr val="accent1"/>
+    </dgm:linClrLst>
+    <dgm:effectClrLst/>
+    <dgm:txLinClrLst/>
+    <dgm:txFillClrLst meth="repeat">
+      <a:schemeClr val="dk1"/>
+    </dgm:txFillClrLst>
+    <dgm:txEffectClrLst/>
+  </dgm:styleLbl>
+  <dgm:styleLbl name="fgAcc2">
+    <dgm:fillClrLst meth="repeat">
+      <a:schemeClr val="lt1">
+        <a:alpha val="90000"/>
+      </a:schemeClr>
+    </dgm:fillClrLst>
+    <dgm:linClrLst>
+      <a:schemeClr val="accent2"/>
+    </dgm:linClrLst>
+    <dgm:effectClrLst/>
+    <dgm:txLinClrLst/>
+    <dgm:txFillClrLst meth="repeat">
+      <a:schemeClr val="dk1"/>
+    </dgm:txFillClrLst>
+    <dgm:txEffectClrLst/>
+  </dgm:styleLbl>
+  <dgm:styleLbl name="fgAcc3">
+    <dgm:fillClrLst meth="repeat">
+      <a:schemeClr val="lt1">
+        <a:alpha val="90000"/>
+      </a:schemeClr>
+    </dgm:fillClrLst>
+    <dgm:linClrLst>
+      <a:schemeClr val="accent3"/>
+    </dgm:linClrLst>
+    <dgm:effectClrLst/>
+    <dgm:txLinClrLst/>
+    <dgm:txFillClrLst meth="repeat">
+      <a:schemeClr val="dk1"/>
+    </dgm:txFillClrLst>
+    <dgm:txEffectClrLst/>
+  </dgm:styleLbl>
+  <dgm:styleLbl name="fgAcc4">
+    <dgm:fillClrLst meth="repeat">
+      <a:schemeClr val="lt1">
+        <a:alpha val="90000"/>
+      </a:schemeClr>
+    </dgm:fillClrLst>
+    <dgm:linClrLst>
+      <a:schemeClr val="accent4"/>
+    </dgm:linClrLst>
+    <dgm:effectClrLst/>
+    <dgm:txLinClrLst/>
+    <dgm:txFillClrLst meth="repeat">
+      <a:schemeClr val="dk1"/>
+    </dgm:txFillClrLst>
+    <dgm:txEffectClrLst/>
+  </dgm:styleLbl>
+  <dgm:styleLbl name="bgShp">
+    <dgm:fillClrLst meth="repeat">
+      <a:schemeClr val="accent2"/>
+      <a:schemeClr val="accent3"/>
+      <a:schemeClr val="accent4"/>
+      <a:schemeClr val="accent5"/>
+      <a:schemeClr val="accent6"/>
+    </dgm:fillClrLst>
+    <dgm:linClrLst meth="repeat">
+      <a:schemeClr val="lt1">
+        <a:alpha val="0"/>
+      </a:schemeClr>
+    </dgm:linClrLst>
+    <dgm:effectClrLst/>
+    <dgm:txLinClrLst/>
+    <dgm:txFillClrLst/>
+    <dgm:txEffectClrLst/>
+  </dgm:styleLbl>
+  <dgm:styleLbl name="dkBgShp">
+    <dgm:fillClrLst meth="repeat">
+      <a:schemeClr val="accent2">
+        <a:shade val="90000"/>
+      </a:schemeClr>
+    </dgm:fillClrLst>
+    <dgm:linClrLst meth="repeat">
+      <a:schemeClr val="dk1"/>
+    </dgm:linClrLst>
+    <dgm:effectClrLst/>
+    <dgm:txLinClrLst/>
+    <dgm:txFillClrLst meth="repeat">
+      <a:schemeClr val="lt1"/>
+    </dgm:txFillClrLst>
+    <dgm:txEffectClrLst/>
+  </dgm:styleLbl>
+  <dgm:styleLbl name="trBgShp">
+    <dgm:fillClrLst meth="repeat">
+      <a:schemeClr val="accent1">
+        <a:tint val="50000"/>
+        <a:alpha val="40000"/>
+      </a:schemeClr>
+    </dgm:fillClrLst>
+    <dgm:linClrLst meth="repeat">
+      <a:schemeClr val="accent2"/>
+    </dgm:linClrLst>
+    <dgm:effectClrLst/>
+    <dgm:txLinClrLst/>
+    <dgm:txFillClrLst meth="repeat">
+      <a:schemeClr val="lt1"/>
+    </dgm:txFillClrLst>
+    <dgm:txEffectClrLst/>
+  </dgm:styleLbl>
+  <dgm:styleLbl name="fgShp">
+    <dgm:fillClrLst meth="repeat">
+      <a:schemeClr val="accent2">
+        <a:tint val="40000"/>
+      </a:schemeClr>
+    </dgm:fillClrLst>
+    <dgm:linClrLst meth="repeat">
+      <a:schemeClr val="lt1"/>
+    </dgm:linClrLst>
+    <dgm:effectClrLst/>
+    <dgm:txLinClrLst/>
+    <dgm:txFillClrLst meth="repeat">
+      <a:schemeClr val="dk1"/>
+    </dgm:txFillClrLst>
+    <dgm:txEffectClrLst/>
+  </dgm:styleLbl>
+  <dgm:styleLbl name="revTx">
+    <dgm:fillClrLst meth="repeat">
+      <a:schemeClr val="lt1">
+        <a:alpha val="0"/>
+      </a:schemeClr>
+    </dgm:fillClrLst>
+    <dgm:linClrLst meth="repeat">
+      <a:schemeClr val="dk1">
+        <a:alpha val="0"/>
+      </a:schemeClr>
+    </dgm:linClrLst>
+    <dgm:effectClrLst/>
+    <dgm:txLinClrLst/>
+    <dgm:txFillClrLst meth="repeat">
+      <a:schemeClr val="bg1"/>
     </dgm:txFillClrLst>
     <dgm:txEffectClrLst/>
   </dgm:styleLbl>
@@ -2589,6 +4429,878 @@
   <dgm:extLst>
     <a:ext uri="http://schemas.microsoft.com/office/drawing/2008/diagram">
       <dsp:dataModelExt xmlns:dsp="http://schemas.microsoft.com/office/drawing/2008/diagram" relId="rId7" minVer="http://schemas.openxmlformats.org/drawingml/2006/diagram"/>
+    </a:ext>
+  </dgm:extLst>
+</dgm:dataModel>
+</file>
+
+<file path=ppt/diagrams/data3.xml><?xml version="1.0" encoding="utf-8"?>
+<dgm:dataModel xmlns:dgm="http://schemas.openxmlformats.org/drawingml/2006/diagram" xmlns:a="http://schemas.openxmlformats.org/drawingml/2006/main">
+  <dgm:ptLst>
+    <dgm:pt modelId="{C1E52FCE-226A-4BB8-9DA6-6A54A244A514}" type="doc">
+      <dgm:prSet loTypeId="urn:microsoft.com/office/officeart/2005/8/layout/default" loCatId="list" qsTypeId="urn:microsoft.com/office/officeart/2005/8/quickstyle/simple1" qsCatId="simple" csTypeId="urn:microsoft.com/office/officeart/2005/8/colors/colorful1" csCatId="colorful"/>
+      <dgm:spPr/>
+      <dgm:t>
+        <a:bodyPr/>
+        <a:lstStyle/>
+        <a:p>
+          <a:endParaRPr lang="en-US"/>
+        </a:p>
+      </dgm:t>
+    </dgm:pt>
+    <dgm:pt modelId="{A85BE4CC-1F43-47DF-94C5-068E29D10687}">
+      <dgm:prSet/>
+      <dgm:spPr/>
+      <dgm:t>
+        <a:bodyPr/>
+        <a:lstStyle/>
+        <a:p>
+          <a:r>
+            <a:rPr lang="en-US"/>
+            <a:t>User enters location information to the front end GUI which passes to the Rest API</a:t>
+          </a:r>
+        </a:p>
+      </dgm:t>
+    </dgm:pt>
+    <dgm:pt modelId="{6813DCD6-B958-417B-A3B2-FDBC41FA14E6}" type="parTrans" cxnId="{3711BC48-6101-4E4A-AC3E-7BD719261C5F}">
+      <dgm:prSet/>
+      <dgm:spPr/>
+      <dgm:t>
+        <a:bodyPr/>
+        <a:lstStyle/>
+        <a:p>
+          <a:endParaRPr lang="en-US"/>
+        </a:p>
+      </dgm:t>
+    </dgm:pt>
+    <dgm:pt modelId="{F4A5600F-D72F-425A-8FA1-A82DA0599A47}" type="sibTrans" cxnId="{3711BC48-6101-4E4A-AC3E-7BD719261C5F}">
+      <dgm:prSet/>
+      <dgm:spPr/>
+      <dgm:t>
+        <a:bodyPr/>
+        <a:lstStyle/>
+        <a:p>
+          <a:endParaRPr lang="en-US"/>
+        </a:p>
+      </dgm:t>
+    </dgm:pt>
+    <dgm:pt modelId="{7C67DDA4-CA5C-4783-9F4F-34FD70C2456F}">
+      <dgm:prSet/>
+      <dgm:spPr/>
+      <dgm:t>
+        <a:bodyPr/>
+        <a:lstStyle/>
+        <a:p>
+          <a:r>
+            <a:rPr lang="en-US"/>
+            <a:t>Backend database engine coded in Satellite_tracker.py receives data --&gt;</a:t>
+          </a:r>
+        </a:p>
+      </dgm:t>
+    </dgm:pt>
+    <dgm:pt modelId="{1FA7D7C3-C76C-4C34-BD04-5FC5AFA8372C}" type="parTrans" cxnId="{C6D82B9B-1BC0-400B-B913-7D2836395C8B}">
+      <dgm:prSet/>
+      <dgm:spPr/>
+      <dgm:t>
+        <a:bodyPr/>
+        <a:lstStyle/>
+        <a:p>
+          <a:endParaRPr lang="en-US"/>
+        </a:p>
+      </dgm:t>
+    </dgm:pt>
+    <dgm:pt modelId="{23122C71-8229-4ADF-B243-3AD9E95396A1}" type="sibTrans" cxnId="{C6D82B9B-1BC0-400B-B913-7D2836395C8B}">
+      <dgm:prSet/>
+      <dgm:spPr/>
+      <dgm:t>
+        <a:bodyPr/>
+        <a:lstStyle/>
+        <a:p>
+          <a:endParaRPr lang="en-US"/>
+        </a:p>
+      </dgm:t>
+    </dgm:pt>
+    <dgm:pt modelId="{F5620A10-EE47-46E4-B6A6-8D9C412197A8}">
+      <dgm:prSet/>
+      <dgm:spPr/>
+      <dgm:t>
+        <a:bodyPr/>
+        <a:lstStyle/>
+        <a:p>
+          <a:r>
+            <a:rPr lang="en-US"/>
+            <a:t>Via Django ORM and  enters information as object variables into backend API </a:t>
+          </a:r>
+        </a:p>
+      </dgm:t>
+    </dgm:pt>
+    <dgm:pt modelId="{BA190A30-AF18-494D-9461-2C32D0DB889F}" type="parTrans" cxnId="{7DE7EA89-6B68-489F-84F2-DF17DDD1EF9F}">
+      <dgm:prSet/>
+      <dgm:spPr/>
+      <dgm:t>
+        <a:bodyPr/>
+        <a:lstStyle/>
+        <a:p>
+          <a:endParaRPr lang="en-US"/>
+        </a:p>
+      </dgm:t>
+    </dgm:pt>
+    <dgm:pt modelId="{AD999902-0916-41A8-BAE1-D7B80EC47000}" type="sibTrans" cxnId="{7DE7EA89-6B68-489F-84F2-DF17DDD1EF9F}">
+      <dgm:prSet/>
+      <dgm:spPr/>
+      <dgm:t>
+        <a:bodyPr/>
+        <a:lstStyle/>
+        <a:p>
+          <a:endParaRPr lang="en-US"/>
+        </a:p>
+      </dgm:t>
+    </dgm:pt>
+    <dgm:pt modelId="{274D1798-1A0E-4DE1-A56B-7BB760417C3D}">
+      <dgm:prSet/>
+      <dgm:spPr/>
+      <dgm:t>
+        <a:bodyPr/>
+        <a:lstStyle/>
+        <a:p>
+          <a:r>
+            <a:rPr lang="en-US"/>
+            <a:t>Backend API will generate satellite tracking information which checks locations of satellites at time via TLE information</a:t>
+          </a:r>
+        </a:p>
+      </dgm:t>
+    </dgm:pt>
+    <dgm:pt modelId="{419C0087-5536-4CA7-9362-027CA1373380}" type="parTrans" cxnId="{E20EC64C-5DF6-493B-8857-564DE6F63835}">
+      <dgm:prSet/>
+      <dgm:spPr/>
+      <dgm:t>
+        <a:bodyPr/>
+        <a:lstStyle/>
+        <a:p>
+          <a:endParaRPr lang="en-US"/>
+        </a:p>
+      </dgm:t>
+    </dgm:pt>
+    <dgm:pt modelId="{08B32186-9817-452B-BE5B-BF4DEB05F889}" type="sibTrans" cxnId="{E20EC64C-5DF6-493B-8857-564DE6F63835}">
+      <dgm:prSet/>
+      <dgm:spPr/>
+      <dgm:t>
+        <a:bodyPr/>
+        <a:lstStyle/>
+        <a:p>
+          <a:endParaRPr lang="en-US"/>
+        </a:p>
+      </dgm:t>
+    </dgm:pt>
+    <dgm:pt modelId="{33D6F1AB-F9CB-48AB-B34D-A0B34F22D0A2}">
+      <dgm:prSet/>
+      <dgm:spPr/>
+      <dgm:t>
+        <a:bodyPr/>
+        <a:lstStyle/>
+        <a:p>
+          <a:r>
+            <a:rPr lang="en-US"/>
+            <a:t>Generates FOV of each satellite at each time</a:t>
+          </a:r>
+        </a:p>
+      </dgm:t>
+    </dgm:pt>
+    <dgm:pt modelId="{4E98BFF8-D515-402E-B04B-5BC67E67A93C}" type="parTrans" cxnId="{24AE856C-F81C-4CB9-BAEF-7E6C2A746A8C}">
+      <dgm:prSet/>
+      <dgm:spPr/>
+      <dgm:t>
+        <a:bodyPr/>
+        <a:lstStyle/>
+        <a:p>
+          <a:endParaRPr lang="en-US"/>
+        </a:p>
+      </dgm:t>
+    </dgm:pt>
+    <dgm:pt modelId="{47B4E7F4-AC46-495B-A3AE-AA877816D3AC}" type="sibTrans" cxnId="{24AE856C-F81C-4CB9-BAEF-7E6C2A746A8C}">
+      <dgm:prSet/>
+      <dgm:spPr/>
+      <dgm:t>
+        <a:bodyPr/>
+        <a:lstStyle/>
+        <a:p>
+          <a:endParaRPr lang="en-US"/>
+        </a:p>
+      </dgm:t>
+    </dgm:pt>
+    <dgm:pt modelId="{9D4CF599-DCE7-4B57-B551-F6B70840B88D}">
+      <dgm:prSet/>
+      <dgm:spPr/>
+      <dgm:t>
+        <a:bodyPr/>
+        <a:lstStyle/>
+        <a:p>
+          <a:r>
+            <a:rPr lang="en-US"/>
+            <a:t>Programs boundaries matching FOV boundaries within latitude and longitude run a matching algorithm to see if the location is within any of the FOV boundaries, if more than 3 return trackable, else non-trackable location during that time.</a:t>
+          </a:r>
+        </a:p>
+      </dgm:t>
+    </dgm:pt>
+    <dgm:pt modelId="{4995BE64-D304-44BB-A33B-8AC4D8CE17F4}" type="parTrans" cxnId="{8F76851C-C064-47A4-9635-CFF9BCC63E78}">
+      <dgm:prSet/>
+      <dgm:spPr/>
+      <dgm:t>
+        <a:bodyPr/>
+        <a:lstStyle/>
+        <a:p>
+          <a:endParaRPr lang="en-US"/>
+        </a:p>
+      </dgm:t>
+    </dgm:pt>
+    <dgm:pt modelId="{B5EA10C7-F16D-4910-89C8-CD4545405959}" type="sibTrans" cxnId="{8F76851C-C064-47A4-9635-CFF9BCC63E78}">
+      <dgm:prSet/>
+      <dgm:spPr/>
+      <dgm:t>
+        <a:bodyPr/>
+        <a:lstStyle/>
+        <a:p>
+          <a:endParaRPr lang="en-US"/>
+        </a:p>
+      </dgm:t>
+    </dgm:pt>
+    <dgm:pt modelId="{90C25304-3181-4F15-8266-589756142CC8}">
+      <dgm:prSet/>
+      <dgm:spPr/>
+      <dgm:t>
+        <a:bodyPr/>
+        <a:lstStyle/>
+        <a:p>
+          <a:r>
+            <a:rPr lang="en-US"/>
+            <a:t>Output handed back to Django framework via middleware to be served as JSON output</a:t>
+          </a:r>
+        </a:p>
+      </dgm:t>
+    </dgm:pt>
+    <dgm:pt modelId="{04C30FBA-5B90-4394-BDA3-5E02A5EF05F6}" type="parTrans" cxnId="{BC81828D-3B13-4AA2-AE87-29CBB92A7918}">
+      <dgm:prSet/>
+      <dgm:spPr/>
+      <dgm:t>
+        <a:bodyPr/>
+        <a:lstStyle/>
+        <a:p>
+          <a:endParaRPr lang="en-US"/>
+        </a:p>
+      </dgm:t>
+    </dgm:pt>
+    <dgm:pt modelId="{C6E5D661-D03F-4CDF-9285-BF9BCA70C413}" type="sibTrans" cxnId="{BC81828D-3B13-4AA2-AE87-29CBB92A7918}">
+      <dgm:prSet/>
+      <dgm:spPr/>
+      <dgm:t>
+        <a:bodyPr/>
+        <a:lstStyle/>
+        <a:p>
+          <a:endParaRPr lang="en-US"/>
+        </a:p>
+      </dgm:t>
+    </dgm:pt>
+    <dgm:pt modelId="{97001345-FBC6-426B-B838-4FB4E167B1D0}">
+      <dgm:prSet/>
+      <dgm:spPr/>
+      <dgm:t>
+        <a:bodyPr/>
+        <a:lstStyle/>
+        <a:p>
+          <a:r>
+            <a:rPr lang="en-US"/>
+            <a:t>JSON output forwarded to the Rest API via Django framework, which is then served by the GUI to the user.</a:t>
+          </a:r>
+        </a:p>
+      </dgm:t>
+    </dgm:pt>
+    <dgm:pt modelId="{996123C3-7128-47CD-A90F-51C416CE36C3}" type="parTrans" cxnId="{7137AA49-11D5-4895-AC91-3E446FC9A649}">
+      <dgm:prSet/>
+      <dgm:spPr/>
+      <dgm:t>
+        <a:bodyPr/>
+        <a:lstStyle/>
+        <a:p>
+          <a:endParaRPr lang="en-US"/>
+        </a:p>
+      </dgm:t>
+    </dgm:pt>
+    <dgm:pt modelId="{56B32886-BF53-4233-875A-C933E0B73ABA}" type="sibTrans" cxnId="{7137AA49-11D5-4895-AC91-3E446FC9A649}">
+      <dgm:prSet/>
+      <dgm:spPr/>
+      <dgm:t>
+        <a:bodyPr/>
+        <a:lstStyle/>
+        <a:p>
+          <a:endParaRPr lang="en-US"/>
+        </a:p>
+      </dgm:t>
+    </dgm:pt>
+    <dgm:pt modelId="{15C88F07-4B7F-4D2F-A358-A161EC6E8986}" type="pres">
+      <dgm:prSet presAssocID="{C1E52FCE-226A-4BB8-9DA6-6A54A244A514}" presName="diagram" presStyleCnt="0">
+        <dgm:presLayoutVars>
+          <dgm:dir/>
+          <dgm:resizeHandles val="exact"/>
+        </dgm:presLayoutVars>
+      </dgm:prSet>
+      <dgm:spPr/>
+    </dgm:pt>
+    <dgm:pt modelId="{2BAFBA1D-8209-4F35-87D0-8A81742A3B62}" type="pres">
+      <dgm:prSet presAssocID="{A85BE4CC-1F43-47DF-94C5-068E29D10687}" presName="node" presStyleLbl="node1" presStyleIdx="0" presStyleCnt="8">
+        <dgm:presLayoutVars>
+          <dgm:bulletEnabled val="1"/>
+        </dgm:presLayoutVars>
+      </dgm:prSet>
+      <dgm:spPr/>
+    </dgm:pt>
+    <dgm:pt modelId="{D5554D40-C192-4FBA-8F2B-7012F6C6ABFF}" type="pres">
+      <dgm:prSet presAssocID="{F4A5600F-D72F-425A-8FA1-A82DA0599A47}" presName="sibTrans" presStyleCnt="0"/>
+      <dgm:spPr/>
+    </dgm:pt>
+    <dgm:pt modelId="{FDCDD095-313A-4D79-A973-5C3AD2278303}" type="pres">
+      <dgm:prSet presAssocID="{7C67DDA4-CA5C-4783-9F4F-34FD70C2456F}" presName="node" presStyleLbl="node1" presStyleIdx="1" presStyleCnt="8">
+        <dgm:presLayoutVars>
+          <dgm:bulletEnabled val="1"/>
+        </dgm:presLayoutVars>
+      </dgm:prSet>
+      <dgm:spPr/>
+    </dgm:pt>
+    <dgm:pt modelId="{3AD24B7C-3398-438E-9E77-A624C40D3FCC}" type="pres">
+      <dgm:prSet presAssocID="{23122C71-8229-4ADF-B243-3AD9E95396A1}" presName="sibTrans" presStyleCnt="0"/>
+      <dgm:spPr/>
+    </dgm:pt>
+    <dgm:pt modelId="{0BA07D74-91F4-4B9F-A5CA-262E2817460D}" type="pres">
+      <dgm:prSet presAssocID="{F5620A10-EE47-46E4-B6A6-8D9C412197A8}" presName="node" presStyleLbl="node1" presStyleIdx="2" presStyleCnt="8">
+        <dgm:presLayoutVars>
+          <dgm:bulletEnabled val="1"/>
+        </dgm:presLayoutVars>
+      </dgm:prSet>
+      <dgm:spPr/>
+    </dgm:pt>
+    <dgm:pt modelId="{040B46AD-EE68-4CF4-AA7A-C925335A40C5}" type="pres">
+      <dgm:prSet presAssocID="{AD999902-0916-41A8-BAE1-D7B80EC47000}" presName="sibTrans" presStyleCnt="0"/>
+      <dgm:spPr/>
+    </dgm:pt>
+    <dgm:pt modelId="{1A7BB4AA-D6EB-428C-86AE-96F5BB9E511A}" type="pres">
+      <dgm:prSet presAssocID="{274D1798-1A0E-4DE1-A56B-7BB760417C3D}" presName="node" presStyleLbl="node1" presStyleIdx="3" presStyleCnt="8">
+        <dgm:presLayoutVars>
+          <dgm:bulletEnabled val="1"/>
+        </dgm:presLayoutVars>
+      </dgm:prSet>
+      <dgm:spPr/>
+    </dgm:pt>
+    <dgm:pt modelId="{2BA619E6-1866-4D0F-BA97-F9C2CD654647}" type="pres">
+      <dgm:prSet presAssocID="{08B32186-9817-452B-BE5B-BF4DEB05F889}" presName="sibTrans" presStyleCnt="0"/>
+      <dgm:spPr/>
+    </dgm:pt>
+    <dgm:pt modelId="{CB2A39AB-FD71-4AD0-9BA1-928C28C4CA0D}" type="pres">
+      <dgm:prSet presAssocID="{33D6F1AB-F9CB-48AB-B34D-A0B34F22D0A2}" presName="node" presStyleLbl="node1" presStyleIdx="4" presStyleCnt="8">
+        <dgm:presLayoutVars>
+          <dgm:bulletEnabled val="1"/>
+        </dgm:presLayoutVars>
+      </dgm:prSet>
+      <dgm:spPr/>
+    </dgm:pt>
+    <dgm:pt modelId="{7B6D37CA-B393-4211-AAF5-0F37131A86C4}" type="pres">
+      <dgm:prSet presAssocID="{47B4E7F4-AC46-495B-A3AE-AA877816D3AC}" presName="sibTrans" presStyleCnt="0"/>
+      <dgm:spPr/>
+    </dgm:pt>
+    <dgm:pt modelId="{3C93CACD-A4F2-4D17-8D5D-CA0C366F9D85}" type="pres">
+      <dgm:prSet presAssocID="{9D4CF599-DCE7-4B57-B551-F6B70840B88D}" presName="node" presStyleLbl="node1" presStyleIdx="5" presStyleCnt="8">
+        <dgm:presLayoutVars>
+          <dgm:bulletEnabled val="1"/>
+        </dgm:presLayoutVars>
+      </dgm:prSet>
+      <dgm:spPr/>
+    </dgm:pt>
+    <dgm:pt modelId="{008CB1B5-D7DF-459E-89D3-0C2FA62F60EF}" type="pres">
+      <dgm:prSet presAssocID="{B5EA10C7-F16D-4910-89C8-CD4545405959}" presName="sibTrans" presStyleCnt="0"/>
+      <dgm:spPr/>
+    </dgm:pt>
+    <dgm:pt modelId="{9BE482CB-6DF2-4BD6-AE28-C023317D7E78}" type="pres">
+      <dgm:prSet presAssocID="{90C25304-3181-4F15-8266-589756142CC8}" presName="node" presStyleLbl="node1" presStyleIdx="6" presStyleCnt="8">
+        <dgm:presLayoutVars>
+          <dgm:bulletEnabled val="1"/>
+        </dgm:presLayoutVars>
+      </dgm:prSet>
+      <dgm:spPr/>
+    </dgm:pt>
+    <dgm:pt modelId="{329096B5-1478-47FA-A4BC-686809AC8175}" type="pres">
+      <dgm:prSet presAssocID="{C6E5D661-D03F-4CDF-9285-BF9BCA70C413}" presName="sibTrans" presStyleCnt="0"/>
+      <dgm:spPr/>
+    </dgm:pt>
+    <dgm:pt modelId="{8C160EBC-43EF-4833-ADAB-BF905C8C0794}" type="pres">
+      <dgm:prSet presAssocID="{97001345-FBC6-426B-B838-4FB4E167B1D0}" presName="node" presStyleLbl="node1" presStyleIdx="7" presStyleCnt="8">
+        <dgm:presLayoutVars>
+          <dgm:bulletEnabled val="1"/>
+        </dgm:presLayoutVars>
+      </dgm:prSet>
+      <dgm:spPr/>
+    </dgm:pt>
+  </dgm:ptLst>
+  <dgm:cxnLst>
+    <dgm:cxn modelId="{0B272919-E0B6-4B71-AB8C-7084A501F75C}" type="presOf" srcId="{F5620A10-EE47-46E4-B6A6-8D9C412197A8}" destId="{0BA07D74-91F4-4B9F-A5CA-262E2817460D}" srcOrd="0" destOrd="0" presId="urn:microsoft.com/office/officeart/2005/8/layout/default"/>
+    <dgm:cxn modelId="{8F76851C-C064-47A4-9635-CFF9BCC63E78}" srcId="{C1E52FCE-226A-4BB8-9DA6-6A54A244A514}" destId="{9D4CF599-DCE7-4B57-B551-F6B70840B88D}" srcOrd="5" destOrd="0" parTransId="{4995BE64-D304-44BB-A33B-8AC4D8CE17F4}" sibTransId="{B5EA10C7-F16D-4910-89C8-CD4545405959}"/>
+    <dgm:cxn modelId="{C1463520-C68D-4F94-A576-48240477F6AF}" type="presOf" srcId="{A85BE4CC-1F43-47DF-94C5-068E29D10687}" destId="{2BAFBA1D-8209-4F35-87D0-8A81742A3B62}" srcOrd="0" destOrd="0" presId="urn:microsoft.com/office/officeart/2005/8/layout/default"/>
+    <dgm:cxn modelId="{867F3C28-E0BA-45CF-8179-34056805C96D}" type="presOf" srcId="{274D1798-1A0E-4DE1-A56B-7BB760417C3D}" destId="{1A7BB4AA-D6EB-428C-86AE-96F5BB9E511A}" srcOrd="0" destOrd="0" presId="urn:microsoft.com/office/officeart/2005/8/layout/default"/>
+    <dgm:cxn modelId="{3711BC48-6101-4E4A-AC3E-7BD719261C5F}" srcId="{C1E52FCE-226A-4BB8-9DA6-6A54A244A514}" destId="{A85BE4CC-1F43-47DF-94C5-068E29D10687}" srcOrd="0" destOrd="0" parTransId="{6813DCD6-B958-417B-A3B2-FDBC41FA14E6}" sibTransId="{F4A5600F-D72F-425A-8FA1-A82DA0599A47}"/>
+    <dgm:cxn modelId="{7137AA49-11D5-4895-AC91-3E446FC9A649}" srcId="{C1E52FCE-226A-4BB8-9DA6-6A54A244A514}" destId="{97001345-FBC6-426B-B838-4FB4E167B1D0}" srcOrd="7" destOrd="0" parTransId="{996123C3-7128-47CD-A90F-51C416CE36C3}" sibTransId="{56B32886-BF53-4233-875A-C933E0B73ABA}"/>
+    <dgm:cxn modelId="{24AE856C-F81C-4CB9-BAEF-7E6C2A746A8C}" srcId="{C1E52FCE-226A-4BB8-9DA6-6A54A244A514}" destId="{33D6F1AB-F9CB-48AB-B34D-A0B34F22D0A2}" srcOrd="4" destOrd="0" parTransId="{4E98BFF8-D515-402E-B04B-5BC67E67A93C}" sibTransId="{47B4E7F4-AC46-495B-A3AE-AA877816D3AC}"/>
+    <dgm:cxn modelId="{E20EC64C-5DF6-493B-8857-564DE6F63835}" srcId="{C1E52FCE-226A-4BB8-9DA6-6A54A244A514}" destId="{274D1798-1A0E-4DE1-A56B-7BB760417C3D}" srcOrd="3" destOrd="0" parTransId="{419C0087-5536-4CA7-9362-027CA1373380}" sibTransId="{08B32186-9817-452B-BE5B-BF4DEB05F889}"/>
+    <dgm:cxn modelId="{7DE7EA89-6B68-489F-84F2-DF17DDD1EF9F}" srcId="{C1E52FCE-226A-4BB8-9DA6-6A54A244A514}" destId="{F5620A10-EE47-46E4-B6A6-8D9C412197A8}" srcOrd="2" destOrd="0" parTransId="{BA190A30-AF18-494D-9461-2C32D0DB889F}" sibTransId="{AD999902-0916-41A8-BAE1-D7B80EC47000}"/>
+    <dgm:cxn modelId="{BC81828D-3B13-4AA2-AE87-29CBB92A7918}" srcId="{C1E52FCE-226A-4BB8-9DA6-6A54A244A514}" destId="{90C25304-3181-4F15-8266-589756142CC8}" srcOrd="6" destOrd="0" parTransId="{04C30FBA-5B90-4394-BDA3-5E02A5EF05F6}" sibTransId="{C6E5D661-D03F-4CDF-9285-BF9BCA70C413}"/>
+    <dgm:cxn modelId="{BB8F8C99-61A1-4D1F-9FFD-7E71A9C05119}" type="presOf" srcId="{7C67DDA4-CA5C-4783-9F4F-34FD70C2456F}" destId="{FDCDD095-313A-4D79-A973-5C3AD2278303}" srcOrd="0" destOrd="0" presId="urn:microsoft.com/office/officeart/2005/8/layout/default"/>
+    <dgm:cxn modelId="{C6D82B9B-1BC0-400B-B913-7D2836395C8B}" srcId="{C1E52FCE-226A-4BB8-9DA6-6A54A244A514}" destId="{7C67DDA4-CA5C-4783-9F4F-34FD70C2456F}" srcOrd="1" destOrd="0" parTransId="{1FA7D7C3-C76C-4C34-BD04-5FC5AFA8372C}" sibTransId="{23122C71-8229-4ADF-B243-3AD9E95396A1}"/>
+    <dgm:cxn modelId="{35CDC5B9-35C7-4BA5-8AAB-00BD299E05B1}" type="presOf" srcId="{97001345-FBC6-426B-B838-4FB4E167B1D0}" destId="{8C160EBC-43EF-4833-ADAB-BF905C8C0794}" srcOrd="0" destOrd="0" presId="urn:microsoft.com/office/officeart/2005/8/layout/default"/>
+    <dgm:cxn modelId="{AADC18CA-91CC-4072-A18F-FADC9FD5D09E}" type="presOf" srcId="{C1E52FCE-226A-4BB8-9DA6-6A54A244A514}" destId="{15C88F07-4B7F-4D2F-A358-A161EC6E8986}" srcOrd="0" destOrd="0" presId="urn:microsoft.com/office/officeart/2005/8/layout/default"/>
+    <dgm:cxn modelId="{6996C2CB-D778-466B-844E-DA0F8F444D1A}" type="presOf" srcId="{90C25304-3181-4F15-8266-589756142CC8}" destId="{9BE482CB-6DF2-4BD6-AE28-C023317D7E78}" srcOrd="0" destOrd="0" presId="urn:microsoft.com/office/officeart/2005/8/layout/default"/>
+    <dgm:cxn modelId="{CB5C70DD-DF32-4B50-A502-C0C4053EFE57}" type="presOf" srcId="{9D4CF599-DCE7-4B57-B551-F6B70840B88D}" destId="{3C93CACD-A4F2-4D17-8D5D-CA0C366F9D85}" srcOrd="0" destOrd="0" presId="urn:microsoft.com/office/officeart/2005/8/layout/default"/>
+    <dgm:cxn modelId="{A12D98FF-3990-47F4-813F-933A63C45AA9}" type="presOf" srcId="{33D6F1AB-F9CB-48AB-B34D-A0B34F22D0A2}" destId="{CB2A39AB-FD71-4AD0-9BA1-928C28C4CA0D}" srcOrd="0" destOrd="0" presId="urn:microsoft.com/office/officeart/2005/8/layout/default"/>
+    <dgm:cxn modelId="{2A9F26DA-E51C-4C18-95B8-CEC56803AA0F}" type="presParOf" srcId="{15C88F07-4B7F-4D2F-A358-A161EC6E8986}" destId="{2BAFBA1D-8209-4F35-87D0-8A81742A3B62}" srcOrd="0" destOrd="0" presId="urn:microsoft.com/office/officeart/2005/8/layout/default"/>
+    <dgm:cxn modelId="{59E62CD6-C6DC-4C91-9DC8-4D3B3E9F44B0}" type="presParOf" srcId="{15C88F07-4B7F-4D2F-A358-A161EC6E8986}" destId="{D5554D40-C192-4FBA-8F2B-7012F6C6ABFF}" srcOrd="1" destOrd="0" presId="urn:microsoft.com/office/officeart/2005/8/layout/default"/>
+    <dgm:cxn modelId="{9E071FAA-45B8-4306-87A3-617EAD86A013}" type="presParOf" srcId="{15C88F07-4B7F-4D2F-A358-A161EC6E8986}" destId="{FDCDD095-313A-4D79-A973-5C3AD2278303}" srcOrd="2" destOrd="0" presId="urn:microsoft.com/office/officeart/2005/8/layout/default"/>
+    <dgm:cxn modelId="{A8D2E495-ADFA-41B9-AF96-903B4E3DE7AB}" type="presParOf" srcId="{15C88F07-4B7F-4D2F-A358-A161EC6E8986}" destId="{3AD24B7C-3398-438E-9E77-A624C40D3FCC}" srcOrd="3" destOrd="0" presId="urn:microsoft.com/office/officeart/2005/8/layout/default"/>
+    <dgm:cxn modelId="{D86CB852-6ECF-4CE4-905C-4E028F264DFD}" type="presParOf" srcId="{15C88F07-4B7F-4D2F-A358-A161EC6E8986}" destId="{0BA07D74-91F4-4B9F-A5CA-262E2817460D}" srcOrd="4" destOrd="0" presId="urn:microsoft.com/office/officeart/2005/8/layout/default"/>
+    <dgm:cxn modelId="{9E5DAF31-40B8-450A-86D2-177E990618B6}" type="presParOf" srcId="{15C88F07-4B7F-4D2F-A358-A161EC6E8986}" destId="{040B46AD-EE68-4CF4-AA7A-C925335A40C5}" srcOrd="5" destOrd="0" presId="urn:microsoft.com/office/officeart/2005/8/layout/default"/>
+    <dgm:cxn modelId="{D0C3EF59-5C98-44E2-A3EA-319842FBEE13}" type="presParOf" srcId="{15C88F07-4B7F-4D2F-A358-A161EC6E8986}" destId="{1A7BB4AA-D6EB-428C-86AE-96F5BB9E511A}" srcOrd="6" destOrd="0" presId="urn:microsoft.com/office/officeart/2005/8/layout/default"/>
+    <dgm:cxn modelId="{9096687E-69C5-4196-99A9-3F4E3AFFF997}" type="presParOf" srcId="{15C88F07-4B7F-4D2F-A358-A161EC6E8986}" destId="{2BA619E6-1866-4D0F-BA97-F9C2CD654647}" srcOrd="7" destOrd="0" presId="urn:microsoft.com/office/officeart/2005/8/layout/default"/>
+    <dgm:cxn modelId="{2019E83C-8A9D-4977-A392-E574FB2E2134}" type="presParOf" srcId="{15C88F07-4B7F-4D2F-A358-A161EC6E8986}" destId="{CB2A39AB-FD71-4AD0-9BA1-928C28C4CA0D}" srcOrd="8" destOrd="0" presId="urn:microsoft.com/office/officeart/2005/8/layout/default"/>
+    <dgm:cxn modelId="{AD244086-B2B7-4DAF-A3E5-0195CEE9B951}" type="presParOf" srcId="{15C88F07-4B7F-4D2F-A358-A161EC6E8986}" destId="{7B6D37CA-B393-4211-AAF5-0F37131A86C4}" srcOrd="9" destOrd="0" presId="urn:microsoft.com/office/officeart/2005/8/layout/default"/>
+    <dgm:cxn modelId="{0D7D6AAC-909F-4A3A-9DA4-7A9B72DCED6C}" type="presParOf" srcId="{15C88F07-4B7F-4D2F-A358-A161EC6E8986}" destId="{3C93CACD-A4F2-4D17-8D5D-CA0C366F9D85}" srcOrd="10" destOrd="0" presId="urn:microsoft.com/office/officeart/2005/8/layout/default"/>
+    <dgm:cxn modelId="{3C7A918F-3A76-4398-A4AE-37D70F439741}" type="presParOf" srcId="{15C88F07-4B7F-4D2F-A358-A161EC6E8986}" destId="{008CB1B5-D7DF-459E-89D3-0C2FA62F60EF}" srcOrd="11" destOrd="0" presId="urn:microsoft.com/office/officeart/2005/8/layout/default"/>
+    <dgm:cxn modelId="{489A5031-7F1D-4B25-8B81-ACC7267C79DD}" type="presParOf" srcId="{15C88F07-4B7F-4D2F-A358-A161EC6E8986}" destId="{9BE482CB-6DF2-4BD6-AE28-C023317D7E78}" srcOrd="12" destOrd="0" presId="urn:microsoft.com/office/officeart/2005/8/layout/default"/>
+    <dgm:cxn modelId="{A6031AFF-2CB4-4C43-BD97-596E5EB72E67}" type="presParOf" srcId="{15C88F07-4B7F-4D2F-A358-A161EC6E8986}" destId="{329096B5-1478-47FA-A4BC-686809AC8175}" srcOrd="13" destOrd="0" presId="urn:microsoft.com/office/officeart/2005/8/layout/default"/>
+    <dgm:cxn modelId="{80126202-DFAD-4761-8D30-5598456AF5EA}" type="presParOf" srcId="{15C88F07-4B7F-4D2F-A358-A161EC6E8986}" destId="{8C160EBC-43EF-4833-ADAB-BF905C8C0794}" srcOrd="14" destOrd="0" presId="urn:microsoft.com/office/officeart/2005/8/layout/default"/>
+  </dgm:cxnLst>
+  <dgm:bg/>
+  <dgm:whole/>
+  <dgm:extLst>
+    <a:ext uri="http://schemas.microsoft.com/office/drawing/2008/diagram">
+      <dsp:dataModelExt xmlns:dsp="http://schemas.microsoft.com/office/drawing/2008/diagram" relId="rId7" minVer="http://schemas.openxmlformats.org/drawingml/2006/diagram"/>
+    </a:ext>
+  </dgm:extLst>
+</dgm:dataModel>
+</file>
+
+<file path=ppt/diagrams/data4.xml><?xml version="1.0" encoding="utf-8"?>
+<dgm:dataModel xmlns:dgm="http://schemas.openxmlformats.org/drawingml/2006/diagram" xmlns:a="http://schemas.openxmlformats.org/drawingml/2006/main">
+  <dgm:ptLst>
+    <dgm:pt modelId="{F06B459D-7751-4EFC-B09C-66D48CCC16CE}" type="doc">
+      <dgm:prSet loTypeId="urn:microsoft.com/office/officeart/2018/2/layout/IconVerticalSolidList" loCatId="icon" qsTypeId="urn:microsoft.com/office/officeart/2005/8/quickstyle/simple1" qsCatId="simple" csTypeId="urn:microsoft.com/office/officeart/2018/5/colors/Iconchunking_neutralicontext_colorful1" csCatId="colorful" phldr="1"/>
+      <dgm:spPr/>
+      <dgm:t>
+        <a:bodyPr/>
+        <a:lstStyle/>
+        <a:p>
+          <a:endParaRPr lang="en-US"/>
+        </a:p>
+      </dgm:t>
+    </dgm:pt>
+    <dgm:pt modelId="{11A192D1-9539-4DC9-A8F5-6FBBBD61AC79}">
+      <dgm:prSet/>
+      <dgm:spPr/>
+      <dgm:t>
+        <a:bodyPr/>
+        <a:lstStyle/>
+        <a:p>
+          <a:r>
+            <a:rPr lang="en-CA"/>
+            <a:t>Architecture is divided into:</a:t>
+          </a:r>
+          <a:endParaRPr lang="en-US"/>
+        </a:p>
+      </dgm:t>
+    </dgm:pt>
+    <dgm:pt modelId="{B0184B6E-2063-4E9B-A6B8-E28663D9F5CD}" type="parTrans" cxnId="{EFB8DCC9-F92A-4073-801E-B1268EFFC7EC}">
+      <dgm:prSet/>
+      <dgm:spPr/>
+      <dgm:t>
+        <a:bodyPr/>
+        <a:lstStyle/>
+        <a:p>
+          <a:endParaRPr lang="en-US"/>
+        </a:p>
+      </dgm:t>
+    </dgm:pt>
+    <dgm:pt modelId="{200FB849-2904-46CE-86BA-1F587E7E8B71}" type="sibTrans" cxnId="{EFB8DCC9-F92A-4073-801E-B1268EFFC7EC}">
+      <dgm:prSet/>
+      <dgm:spPr/>
+      <dgm:t>
+        <a:bodyPr/>
+        <a:lstStyle/>
+        <a:p>
+          <a:endParaRPr lang="en-US"/>
+        </a:p>
+      </dgm:t>
+    </dgm:pt>
+    <dgm:pt modelId="{98A964E3-C05B-4466-9E7E-CF19F749613A}">
+      <dgm:prSet/>
+      <dgm:spPr/>
+      <dgm:t>
+        <a:bodyPr/>
+        <a:lstStyle/>
+        <a:p>
+          <a:r>
+            <a:rPr lang="en-CA"/>
+            <a:t>Back-end application</a:t>
+          </a:r>
+          <a:endParaRPr lang="en-US"/>
+        </a:p>
+      </dgm:t>
+    </dgm:pt>
+    <dgm:pt modelId="{2033FF8F-E9FD-4818-B6B0-A8638588B4C8}" type="parTrans" cxnId="{9B9A1A0F-87CE-45F3-9069-3C322B0798CA}">
+      <dgm:prSet/>
+      <dgm:spPr/>
+      <dgm:t>
+        <a:bodyPr/>
+        <a:lstStyle/>
+        <a:p>
+          <a:endParaRPr lang="en-US"/>
+        </a:p>
+      </dgm:t>
+    </dgm:pt>
+    <dgm:pt modelId="{BA710E06-DAAC-49CD-9160-EEBB7BC97D97}" type="sibTrans" cxnId="{9B9A1A0F-87CE-45F3-9069-3C322B0798CA}">
+      <dgm:prSet/>
+      <dgm:spPr/>
+      <dgm:t>
+        <a:bodyPr/>
+        <a:lstStyle/>
+        <a:p>
+          <a:endParaRPr lang="en-US"/>
+        </a:p>
+      </dgm:t>
+    </dgm:pt>
+    <dgm:pt modelId="{B18EC635-7440-40D1-94DB-343BE5714D5E}">
+      <dgm:prSet/>
+      <dgm:spPr/>
+      <dgm:t>
+        <a:bodyPr/>
+        <a:lstStyle/>
+        <a:p>
+          <a:r>
+            <a:rPr lang="en-CA"/>
+            <a:t>Front-End Urls</a:t>
+          </a:r>
+          <a:endParaRPr lang="en-US"/>
+        </a:p>
+      </dgm:t>
+    </dgm:pt>
+    <dgm:pt modelId="{E9288679-F838-4DB4-90DF-4BB712871326}" type="parTrans" cxnId="{B07700E3-7625-441E-9EA4-0617C4528904}">
+      <dgm:prSet/>
+      <dgm:spPr/>
+      <dgm:t>
+        <a:bodyPr/>
+        <a:lstStyle/>
+        <a:p>
+          <a:endParaRPr lang="en-US"/>
+        </a:p>
+      </dgm:t>
+    </dgm:pt>
+    <dgm:pt modelId="{8AB580F6-916D-4448-B670-8EF441266278}" type="sibTrans" cxnId="{B07700E3-7625-441E-9EA4-0617C4528904}">
+      <dgm:prSet/>
+      <dgm:spPr/>
+      <dgm:t>
+        <a:bodyPr/>
+        <a:lstStyle/>
+        <a:p>
+          <a:endParaRPr lang="en-US"/>
+        </a:p>
+      </dgm:t>
+    </dgm:pt>
+    <dgm:pt modelId="{5B4116FF-E99F-4FA0-8388-AB15CB2D0C8F}">
+      <dgm:prSet/>
+      <dgm:spPr/>
+      <dgm:t>
+        <a:bodyPr/>
+        <a:lstStyle/>
+        <a:p>
+          <a:r>
+            <a:rPr lang="en-CA"/>
+            <a:t>Framework in the middle meshing it together as an interface between the Rest API and Backend Pythonic API’s.</a:t>
+          </a:r>
+          <a:endParaRPr lang="en-US"/>
+        </a:p>
+      </dgm:t>
+    </dgm:pt>
+    <dgm:pt modelId="{C0DCA9B2-F95F-4D3C-B159-F78D3657B6CE}" type="parTrans" cxnId="{B0E1E638-AAD8-48E7-B83C-F522196A2ABC}">
+      <dgm:prSet/>
+      <dgm:spPr/>
+      <dgm:t>
+        <a:bodyPr/>
+        <a:lstStyle/>
+        <a:p>
+          <a:endParaRPr lang="en-US"/>
+        </a:p>
+      </dgm:t>
+    </dgm:pt>
+    <dgm:pt modelId="{F9669B7C-89C5-42BE-83C0-FFE295CDB708}" type="sibTrans" cxnId="{B0E1E638-AAD8-48E7-B83C-F522196A2ABC}">
+      <dgm:prSet/>
+      <dgm:spPr/>
+      <dgm:t>
+        <a:bodyPr/>
+        <a:lstStyle/>
+        <a:p>
+          <a:endParaRPr lang="en-US"/>
+        </a:p>
+      </dgm:t>
+    </dgm:pt>
+    <dgm:pt modelId="{4B8F806D-B91A-4D43-9AD8-14A8C508624A}" type="pres">
+      <dgm:prSet presAssocID="{F06B459D-7751-4EFC-B09C-66D48CCC16CE}" presName="root" presStyleCnt="0">
+        <dgm:presLayoutVars>
+          <dgm:dir/>
+          <dgm:resizeHandles val="exact"/>
+        </dgm:presLayoutVars>
+      </dgm:prSet>
+      <dgm:spPr/>
+    </dgm:pt>
+    <dgm:pt modelId="{78202EA8-7249-4E96-A2D8-4C31E74B803B}" type="pres">
+      <dgm:prSet presAssocID="{11A192D1-9539-4DC9-A8F5-6FBBBD61AC79}" presName="compNode" presStyleCnt="0"/>
+      <dgm:spPr/>
+    </dgm:pt>
+    <dgm:pt modelId="{C4B603D8-C73B-429F-B02D-EC2353B01120}" type="pres">
+      <dgm:prSet presAssocID="{11A192D1-9539-4DC9-A8F5-6FBBBD61AC79}" presName="bgRect" presStyleLbl="bgShp" presStyleIdx="0" presStyleCnt="4"/>
+      <dgm:spPr/>
+    </dgm:pt>
+    <dgm:pt modelId="{E1CEECB7-E18F-4E47-B843-3EDCF9DA8EFA}" type="pres">
+      <dgm:prSet presAssocID="{11A192D1-9539-4DC9-A8F5-6FBBBD61AC79}" presName="iconRect" presStyleLbl="node1" presStyleIdx="0" presStyleCnt="4"/>
+      <dgm:spPr>
+        <a:blipFill>
+          <a:blip xmlns:r="http://schemas.openxmlformats.org/officeDocument/2006/relationships" r:embed="rId1">
+            <a:extLst>
+              <a:ext uri="{28A0092B-C50C-407E-A947-70E740481C1C}">
+                <a14:useLocalDpi xmlns:a14="http://schemas.microsoft.com/office/drawing/2010/main" val="0"/>
+              </a:ext>
+              <a:ext uri="{96DAC541-7B7A-43D3-8B79-37D633B846F1}">
+                <asvg:svgBlip xmlns:asvg="http://schemas.microsoft.com/office/drawing/2016/SVG/main" r:embed="rId2"/>
+              </a:ext>
+            </a:extLst>
+          </a:blip>
+          <a:stretch>
+            <a:fillRect/>
+          </a:stretch>
+        </a:blipFill>
+        <a:ln>
+          <a:noFill/>
+        </a:ln>
+      </dgm:spPr>
+      <dgm:extLst>
+        <a:ext uri="{E40237B7-FDA0-4F09-8148-C483321AD2D9}">
+          <dgm14:cNvPr xmlns:dgm14="http://schemas.microsoft.com/office/drawing/2010/diagram" id="0" name="" descr="Hierarchy"/>
+        </a:ext>
+      </dgm:extLst>
+    </dgm:pt>
+    <dgm:pt modelId="{BD1606A0-A5FF-401C-9218-4D434205ACA2}" type="pres">
+      <dgm:prSet presAssocID="{11A192D1-9539-4DC9-A8F5-6FBBBD61AC79}" presName="spaceRect" presStyleCnt="0"/>
+      <dgm:spPr/>
+    </dgm:pt>
+    <dgm:pt modelId="{9AAC84D2-EA28-4E5E-B6F7-5CD5FC1C07AA}" type="pres">
+      <dgm:prSet presAssocID="{11A192D1-9539-4DC9-A8F5-6FBBBD61AC79}" presName="parTx" presStyleLbl="revTx" presStyleIdx="0" presStyleCnt="4">
+        <dgm:presLayoutVars>
+          <dgm:chMax val="0"/>
+          <dgm:chPref val="0"/>
+        </dgm:presLayoutVars>
+      </dgm:prSet>
+      <dgm:spPr/>
+    </dgm:pt>
+    <dgm:pt modelId="{B548C056-7ACC-49C6-8FEE-AC961B632412}" type="pres">
+      <dgm:prSet presAssocID="{200FB849-2904-46CE-86BA-1F587E7E8B71}" presName="sibTrans" presStyleCnt="0"/>
+      <dgm:spPr/>
+    </dgm:pt>
+    <dgm:pt modelId="{6E4FF809-1F19-4CD6-BE55-7EEA3D314E3D}" type="pres">
+      <dgm:prSet presAssocID="{98A964E3-C05B-4466-9E7E-CF19F749613A}" presName="compNode" presStyleCnt="0"/>
+      <dgm:spPr/>
+    </dgm:pt>
+    <dgm:pt modelId="{05639154-7CB5-43A2-A7C8-06226668E76A}" type="pres">
+      <dgm:prSet presAssocID="{98A964E3-C05B-4466-9E7E-CF19F749613A}" presName="bgRect" presStyleLbl="bgShp" presStyleIdx="1" presStyleCnt="4"/>
+      <dgm:spPr/>
+    </dgm:pt>
+    <dgm:pt modelId="{4182A56D-2695-4C08-A335-8C11373C9E29}" type="pres">
+      <dgm:prSet presAssocID="{98A964E3-C05B-4466-9E7E-CF19F749613A}" presName="iconRect" presStyleLbl="node1" presStyleIdx="1" presStyleCnt="4"/>
+      <dgm:spPr>
+        <a:blipFill>
+          <a:blip xmlns:r="http://schemas.openxmlformats.org/officeDocument/2006/relationships" r:embed="rId3">
+            <a:extLst>
+              <a:ext uri="{28A0092B-C50C-407E-A947-70E740481C1C}">
+                <a14:useLocalDpi xmlns:a14="http://schemas.microsoft.com/office/drawing/2010/main" val="0"/>
+              </a:ext>
+              <a:ext uri="{96DAC541-7B7A-43D3-8B79-37D633B846F1}">
+                <asvg:svgBlip xmlns:asvg="http://schemas.microsoft.com/office/drawing/2016/SVG/main" r:embed="rId4"/>
+              </a:ext>
+            </a:extLst>
+          </a:blip>
+          <a:stretch>
+            <a:fillRect/>
+          </a:stretch>
+        </a:blipFill>
+        <a:ln>
+          <a:noFill/>
+        </a:ln>
+      </dgm:spPr>
+      <dgm:extLst>
+        <a:ext uri="{E40237B7-FDA0-4F09-8148-C483321AD2D9}">
+          <dgm14:cNvPr xmlns:dgm14="http://schemas.microsoft.com/office/drawing/2010/diagram" id="0" name="" descr="Beginning"/>
+        </a:ext>
+      </dgm:extLst>
+    </dgm:pt>
+    <dgm:pt modelId="{931A6136-AFA0-47A8-907B-A58A64929D9F}" type="pres">
+      <dgm:prSet presAssocID="{98A964E3-C05B-4466-9E7E-CF19F749613A}" presName="spaceRect" presStyleCnt="0"/>
+      <dgm:spPr/>
+    </dgm:pt>
+    <dgm:pt modelId="{CA2C44B0-5E70-4B10-8624-B0036BEF5138}" type="pres">
+      <dgm:prSet presAssocID="{98A964E3-C05B-4466-9E7E-CF19F749613A}" presName="parTx" presStyleLbl="revTx" presStyleIdx="1" presStyleCnt="4">
+        <dgm:presLayoutVars>
+          <dgm:chMax val="0"/>
+          <dgm:chPref val="0"/>
+        </dgm:presLayoutVars>
+      </dgm:prSet>
+      <dgm:spPr/>
+    </dgm:pt>
+    <dgm:pt modelId="{D1D2F24D-8454-40C3-8ECA-4DF155A41E2C}" type="pres">
+      <dgm:prSet presAssocID="{BA710E06-DAAC-49CD-9160-EEBB7BC97D97}" presName="sibTrans" presStyleCnt="0"/>
+      <dgm:spPr/>
+    </dgm:pt>
+    <dgm:pt modelId="{93250F3D-B75A-4C4F-8659-687D721EDC1C}" type="pres">
+      <dgm:prSet presAssocID="{B18EC635-7440-40D1-94DB-343BE5714D5E}" presName="compNode" presStyleCnt="0"/>
+      <dgm:spPr/>
+    </dgm:pt>
+    <dgm:pt modelId="{06E4AFD1-81F0-4C7B-AA79-C6ECDF0378D2}" type="pres">
+      <dgm:prSet presAssocID="{B18EC635-7440-40D1-94DB-343BE5714D5E}" presName="bgRect" presStyleLbl="bgShp" presStyleIdx="2" presStyleCnt="4"/>
+      <dgm:spPr/>
+    </dgm:pt>
+    <dgm:pt modelId="{777EE6CF-3E43-4B00-95D2-0B113550C5A3}" type="pres">
+      <dgm:prSet presAssocID="{B18EC635-7440-40D1-94DB-343BE5714D5E}" presName="iconRect" presStyleLbl="node1" presStyleIdx="2" presStyleCnt="4"/>
+      <dgm:spPr>
+        <a:blipFill>
+          <a:blip xmlns:r="http://schemas.openxmlformats.org/officeDocument/2006/relationships" r:embed="rId5">
+            <a:extLst>
+              <a:ext uri="{28A0092B-C50C-407E-A947-70E740481C1C}">
+                <a14:useLocalDpi xmlns:a14="http://schemas.microsoft.com/office/drawing/2010/main" val="0"/>
+              </a:ext>
+              <a:ext uri="{96DAC541-7B7A-43D3-8B79-37D633B846F1}">
+                <asvg:svgBlip xmlns:asvg="http://schemas.microsoft.com/office/drawing/2016/SVG/main" r:embed="rId6"/>
+              </a:ext>
+            </a:extLst>
+          </a:blip>
+          <a:stretch>
+            <a:fillRect/>
+          </a:stretch>
+        </a:blipFill>
+        <a:ln>
+          <a:noFill/>
+        </a:ln>
+      </dgm:spPr>
+      <dgm:extLst>
+        <a:ext uri="{E40237B7-FDA0-4F09-8148-C483321AD2D9}">
+          <dgm14:cNvPr xmlns:dgm14="http://schemas.microsoft.com/office/drawing/2010/diagram" id="0" name="" descr="Checkmark"/>
+        </a:ext>
+      </dgm:extLst>
+    </dgm:pt>
+    <dgm:pt modelId="{F4B37016-7260-4C57-BC00-CCF8F474F17C}" type="pres">
+      <dgm:prSet presAssocID="{B18EC635-7440-40D1-94DB-343BE5714D5E}" presName="spaceRect" presStyleCnt="0"/>
+      <dgm:spPr/>
+    </dgm:pt>
+    <dgm:pt modelId="{0C3B2918-4B7A-45E8-A219-BCE0C68ED6B4}" type="pres">
+      <dgm:prSet presAssocID="{B18EC635-7440-40D1-94DB-343BE5714D5E}" presName="parTx" presStyleLbl="revTx" presStyleIdx="2" presStyleCnt="4">
+        <dgm:presLayoutVars>
+          <dgm:chMax val="0"/>
+          <dgm:chPref val="0"/>
+        </dgm:presLayoutVars>
+      </dgm:prSet>
+      <dgm:spPr/>
+    </dgm:pt>
+    <dgm:pt modelId="{4C6ACEB9-520A-4070-B8AC-B700A2BA0AFB}" type="pres">
+      <dgm:prSet presAssocID="{8AB580F6-916D-4448-B670-8EF441266278}" presName="sibTrans" presStyleCnt="0"/>
+      <dgm:spPr/>
+    </dgm:pt>
+    <dgm:pt modelId="{5DE462E3-26BF-43C5-A5EF-A37707755C38}" type="pres">
+      <dgm:prSet presAssocID="{5B4116FF-E99F-4FA0-8388-AB15CB2D0C8F}" presName="compNode" presStyleCnt="0"/>
+      <dgm:spPr/>
+    </dgm:pt>
+    <dgm:pt modelId="{56DCE80B-B9C6-4E35-BB85-C2E83156854F}" type="pres">
+      <dgm:prSet presAssocID="{5B4116FF-E99F-4FA0-8388-AB15CB2D0C8F}" presName="bgRect" presStyleLbl="bgShp" presStyleIdx="3" presStyleCnt="4"/>
+      <dgm:spPr/>
+    </dgm:pt>
+    <dgm:pt modelId="{11B819D7-FDF0-4411-8713-B440AEF7BD77}" type="pres">
+      <dgm:prSet presAssocID="{5B4116FF-E99F-4FA0-8388-AB15CB2D0C8F}" presName="iconRect" presStyleLbl="node1" presStyleIdx="3" presStyleCnt="4"/>
+      <dgm:spPr>
+        <a:blipFill>
+          <a:blip xmlns:r="http://schemas.openxmlformats.org/officeDocument/2006/relationships" r:embed="rId7">
+            <a:extLst>
+              <a:ext uri="{28A0092B-C50C-407E-A947-70E740481C1C}">
+                <a14:useLocalDpi xmlns:a14="http://schemas.microsoft.com/office/drawing/2010/main" val="0"/>
+              </a:ext>
+              <a:ext uri="{96DAC541-7B7A-43D3-8B79-37D633B846F1}">
+                <asvg:svgBlip xmlns:asvg="http://schemas.microsoft.com/office/drawing/2016/SVG/main" r:embed="rId8"/>
+              </a:ext>
+            </a:extLst>
+          </a:blip>
+          <a:stretch>
+            <a:fillRect/>
+          </a:stretch>
+        </a:blipFill>
+        <a:ln>
+          <a:noFill/>
+        </a:ln>
+      </dgm:spPr>
+      <dgm:extLst>
+        <a:ext uri="{E40237B7-FDA0-4F09-8148-C483321AD2D9}">
+          <dgm14:cNvPr xmlns:dgm14="http://schemas.microsoft.com/office/drawing/2010/diagram" id="0" name="" descr="Flowchart"/>
+        </a:ext>
+      </dgm:extLst>
+    </dgm:pt>
+    <dgm:pt modelId="{50B677AD-3717-48A5-9C64-4DC4C78327CF}" type="pres">
+      <dgm:prSet presAssocID="{5B4116FF-E99F-4FA0-8388-AB15CB2D0C8F}" presName="spaceRect" presStyleCnt="0"/>
+      <dgm:spPr/>
+    </dgm:pt>
+    <dgm:pt modelId="{1475BA80-0A17-45D4-97CB-7CE20A9AFB4D}" type="pres">
+      <dgm:prSet presAssocID="{5B4116FF-E99F-4FA0-8388-AB15CB2D0C8F}" presName="parTx" presStyleLbl="revTx" presStyleIdx="3" presStyleCnt="4">
+        <dgm:presLayoutVars>
+          <dgm:chMax val="0"/>
+          <dgm:chPref val="0"/>
+        </dgm:presLayoutVars>
+      </dgm:prSet>
+      <dgm:spPr/>
+    </dgm:pt>
+  </dgm:ptLst>
+  <dgm:cxnLst>
+    <dgm:cxn modelId="{9B9A1A0F-87CE-45F3-9069-3C322B0798CA}" srcId="{F06B459D-7751-4EFC-B09C-66D48CCC16CE}" destId="{98A964E3-C05B-4466-9E7E-CF19F749613A}" srcOrd="1" destOrd="0" parTransId="{2033FF8F-E9FD-4818-B6B0-A8638588B4C8}" sibTransId="{BA710E06-DAAC-49CD-9160-EEBB7BC97D97}"/>
+    <dgm:cxn modelId="{9821E115-3C8A-4DC4-9039-46660B014280}" type="presOf" srcId="{11A192D1-9539-4DC9-A8F5-6FBBBD61AC79}" destId="{9AAC84D2-EA28-4E5E-B6F7-5CD5FC1C07AA}" srcOrd="0" destOrd="0" presId="urn:microsoft.com/office/officeart/2018/2/layout/IconVerticalSolidList"/>
+    <dgm:cxn modelId="{B6FF532B-EE77-4781-864C-C608EA95DD6B}" type="presOf" srcId="{B18EC635-7440-40D1-94DB-343BE5714D5E}" destId="{0C3B2918-4B7A-45E8-A219-BCE0C68ED6B4}" srcOrd="0" destOrd="0" presId="urn:microsoft.com/office/officeart/2018/2/layout/IconVerticalSolidList"/>
+    <dgm:cxn modelId="{B0E1E638-AAD8-48E7-B83C-F522196A2ABC}" srcId="{F06B459D-7751-4EFC-B09C-66D48CCC16CE}" destId="{5B4116FF-E99F-4FA0-8388-AB15CB2D0C8F}" srcOrd="3" destOrd="0" parTransId="{C0DCA9B2-F95F-4D3C-B159-F78D3657B6CE}" sibTransId="{F9669B7C-89C5-42BE-83C0-FFE295CDB708}"/>
+    <dgm:cxn modelId="{1737666F-2598-4604-8922-A563702B38FE}" type="presOf" srcId="{5B4116FF-E99F-4FA0-8388-AB15CB2D0C8F}" destId="{1475BA80-0A17-45D4-97CB-7CE20A9AFB4D}" srcOrd="0" destOrd="0" presId="urn:microsoft.com/office/officeart/2018/2/layout/IconVerticalSolidList"/>
+    <dgm:cxn modelId="{E4540D5A-F12B-494C-9C6B-0DE6426C63F0}" type="presOf" srcId="{98A964E3-C05B-4466-9E7E-CF19F749613A}" destId="{CA2C44B0-5E70-4B10-8624-B0036BEF5138}" srcOrd="0" destOrd="0" presId="urn:microsoft.com/office/officeart/2018/2/layout/IconVerticalSolidList"/>
+    <dgm:cxn modelId="{EFB8DCC9-F92A-4073-801E-B1268EFFC7EC}" srcId="{F06B459D-7751-4EFC-B09C-66D48CCC16CE}" destId="{11A192D1-9539-4DC9-A8F5-6FBBBD61AC79}" srcOrd="0" destOrd="0" parTransId="{B0184B6E-2063-4E9B-A6B8-E28663D9F5CD}" sibTransId="{200FB849-2904-46CE-86BA-1F587E7E8B71}"/>
+    <dgm:cxn modelId="{CED658CE-ECAE-4FEC-88E0-EB47B3224542}" type="presOf" srcId="{F06B459D-7751-4EFC-B09C-66D48CCC16CE}" destId="{4B8F806D-B91A-4D43-9AD8-14A8C508624A}" srcOrd="0" destOrd="0" presId="urn:microsoft.com/office/officeart/2018/2/layout/IconVerticalSolidList"/>
+    <dgm:cxn modelId="{B07700E3-7625-441E-9EA4-0617C4528904}" srcId="{F06B459D-7751-4EFC-B09C-66D48CCC16CE}" destId="{B18EC635-7440-40D1-94DB-343BE5714D5E}" srcOrd="2" destOrd="0" parTransId="{E9288679-F838-4DB4-90DF-4BB712871326}" sibTransId="{8AB580F6-916D-4448-B670-8EF441266278}"/>
+    <dgm:cxn modelId="{A0CCD002-1DEA-4E5F-8C2E-436E70D31A4F}" type="presParOf" srcId="{4B8F806D-B91A-4D43-9AD8-14A8C508624A}" destId="{78202EA8-7249-4E96-A2D8-4C31E74B803B}" srcOrd="0" destOrd="0" presId="urn:microsoft.com/office/officeart/2018/2/layout/IconVerticalSolidList"/>
+    <dgm:cxn modelId="{AF69B825-9682-41AC-80A4-26346974777A}" type="presParOf" srcId="{78202EA8-7249-4E96-A2D8-4C31E74B803B}" destId="{C4B603D8-C73B-429F-B02D-EC2353B01120}" srcOrd="0" destOrd="0" presId="urn:microsoft.com/office/officeart/2018/2/layout/IconVerticalSolidList"/>
+    <dgm:cxn modelId="{484AFAED-C11E-4CBF-BBF7-EA6B468E6B7F}" type="presParOf" srcId="{78202EA8-7249-4E96-A2D8-4C31E74B803B}" destId="{E1CEECB7-E18F-4E47-B843-3EDCF9DA8EFA}" srcOrd="1" destOrd="0" presId="urn:microsoft.com/office/officeart/2018/2/layout/IconVerticalSolidList"/>
+    <dgm:cxn modelId="{7E6FC238-232E-4A2E-9B02-7B9EC6D562F1}" type="presParOf" srcId="{78202EA8-7249-4E96-A2D8-4C31E74B803B}" destId="{BD1606A0-A5FF-401C-9218-4D434205ACA2}" srcOrd="2" destOrd="0" presId="urn:microsoft.com/office/officeart/2018/2/layout/IconVerticalSolidList"/>
+    <dgm:cxn modelId="{964BF325-8426-4761-B8AD-C292B0B7CD0D}" type="presParOf" srcId="{78202EA8-7249-4E96-A2D8-4C31E74B803B}" destId="{9AAC84D2-EA28-4E5E-B6F7-5CD5FC1C07AA}" srcOrd="3" destOrd="0" presId="urn:microsoft.com/office/officeart/2018/2/layout/IconVerticalSolidList"/>
+    <dgm:cxn modelId="{728E9F22-F9D8-4FCA-94FF-79568F02204A}" type="presParOf" srcId="{4B8F806D-B91A-4D43-9AD8-14A8C508624A}" destId="{B548C056-7ACC-49C6-8FEE-AC961B632412}" srcOrd="1" destOrd="0" presId="urn:microsoft.com/office/officeart/2018/2/layout/IconVerticalSolidList"/>
+    <dgm:cxn modelId="{D9220E79-08A8-46F3-8C75-09B2EA3B707A}" type="presParOf" srcId="{4B8F806D-B91A-4D43-9AD8-14A8C508624A}" destId="{6E4FF809-1F19-4CD6-BE55-7EEA3D314E3D}" srcOrd="2" destOrd="0" presId="urn:microsoft.com/office/officeart/2018/2/layout/IconVerticalSolidList"/>
+    <dgm:cxn modelId="{DB5CEDFD-61E7-4751-A9D8-D4AF5182D75D}" type="presParOf" srcId="{6E4FF809-1F19-4CD6-BE55-7EEA3D314E3D}" destId="{05639154-7CB5-43A2-A7C8-06226668E76A}" srcOrd="0" destOrd="0" presId="urn:microsoft.com/office/officeart/2018/2/layout/IconVerticalSolidList"/>
+    <dgm:cxn modelId="{5E28A3FB-A232-4A3A-8683-9C2370A62431}" type="presParOf" srcId="{6E4FF809-1F19-4CD6-BE55-7EEA3D314E3D}" destId="{4182A56D-2695-4C08-A335-8C11373C9E29}" srcOrd="1" destOrd="0" presId="urn:microsoft.com/office/officeart/2018/2/layout/IconVerticalSolidList"/>
+    <dgm:cxn modelId="{937BADE9-BC1F-4F0B-897D-EF93FDFD6A94}" type="presParOf" srcId="{6E4FF809-1F19-4CD6-BE55-7EEA3D314E3D}" destId="{931A6136-AFA0-47A8-907B-A58A64929D9F}" srcOrd="2" destOrd="0" presId="urn:microsoft.com/office/officeart/2018/2/layout/IconVerticalSolidList"/>
+    <dgm:cxn modelId="{359E915B-85DF-404E-8104-717B70B29183}" type="presParOf" srcId="{6E4FF809-1F19-4CD6-BE55-7EEA3D314E3D}" destId="{CA2C44B0-5E70-4B10-8624-B0036BEF5138}" srcOrd="3" destOrd="0" presId="urn:microsoft.com/office/officeart/2018/2/layout/IconVerticalSolidList"/>
+    <dgm:cxn modelId="{70183800-5A2E-422C-9BD5-40B3C838F901}" type="presParOf" srcId="{4B8F806D-B91A-4D43-9AD8-14A8C508624A}" destId="{D1D2F24D-8454-40C3-8ECA-4DF155A41E2C}" srcOrd="3" destOrd="0" presId="urn:microsoft.com/office/officeart/2018/2/layout/IconVerticalSolidList"/>
+    <dgm:cxn modelId="{7E9B31B5-B2F3-4A75-8793-8995A076792C}" type="presParOf" srcId="{4B8F806D-B91A-4D43-9AD8-14A8C508624A}" destId="{93250F3D-B75A-4C4F-8659-687D721EDC1C}" srcOrd="4" destOrd="0" presId="urn:microsoft.com/office/officeart/2018/2/layout/IconVerticalSolidList"/>
+    <dgm:cxn modelId="{A93FD1EC-890C-40EA-9E45-D00E0C8C0C13}" type="presParOf" srcId="{93250F3D-B75A-4C4F-8659-687D721EDC1C}" destId="{06E4AFD1-81F0-4C7B-AA79-C6ECDF0378D2}" srcOrd="0" destOrd="0" presId="urn:microsoft.com/office/officeart/2018/2/layout/IconVerticalSolidList"/>
+    <dgm:cxn modelId="{F3A694A0-0843-404C-A020-3FD9AD0C21D8}" type="presParOf" srcId="{93250F3D-B75A-4C4F-8659-687D721EDC1C}" destId="{777EE6CF-3E43-4B00-95D2-0B113550C5A3}" srcOrd="1" destOrd="0" presId="urn:microsoft.com/office/officeart/2018/2/layout/IconVerticalSolidList"/>
+    <dgm:cxn modelId="{E861775E-C0E9-40E6-AC4E-61640CD5D0A2}" type="presParOf" srcId="{93250F3D-B75A-4C4F-8659-687D721EDC1C}" destId="{F4B37016-7260-4C57-BC00-CCF8F474F17C}" srcOrd="2" destOrd="0" presId="urn:microsoft.com/office/officeart/2018/2/layout/IconVerticalSolidList"/>
+    <dgm:cxn modelId="{AAA2FCA9-5A73-40C9-90E4-519E7DFA30CF}" type="presParOf" srcId="{93250F3D-B75A-4C4F-8659-687D721EDC1C}" destId="{0C3B2918-4B7A-45E8-A219-BCE0C68ED6B4}" srcOrd="3" destOrd="0" presId="urn:microsoft.com/office/officeart/2018/2/layout/IconVerticalSolidList"/>
+    <dgm:cxn modelId="{25DD098C-B4F2-4508-8B50-01C6712425D8}" type="presParOf" srcId="{4B8F806D-B91A-4D43-9AD8-14A8C508624A}" destId="{4C6ACEB9-520A-4070-B8AC-B700A2BA0AFB}" srcOrd="5" destOrd="0" presId="urn:microsoft.com/office/officeart/2018/2/layout/IconVerticalSolidList"/>
+    <dgm:cxn modelId="{105F6933-5689-469C-92AF-7C5DD1A9DC8B}" type="presParOf" srcId="{4B8F806D-B91A-4D43-9AD8-14A8C508624A}" destId="{5DE462E3-26BF-43C5-A5EF-A37707755C38}" srcOrd="6" destOrd="0" presId="urn:microsoft.com/office/officeart/2018/2/layout/IconVerticalSolidList"/>
+    <dgm:cxn modelId="{6F287647-FDEB-4ABF-A382-576D8A8B21EC}" type="presParOf" srcId="{5DE462E3-26BF-43C5-A5EF-A37707755C38}" destId="{56DCE80B-B9C6-4E35-BB85-C2E83156854F}" srcOrd="0" destOrd="0" presId="urn:microsoft.com/office/officeart/2018/2/layout/IconVerticalSolidList"/>
+    <dgm:cxn modelId="{9ABC2D3F-7FBE-443C-9EAA-B0D2F159280F}" type="presParOf" srcId="{5DE462E3-26BF-43C5-A5EF-A37707755C38}" destId="{11B819D7-FDF0-4411-8713-B440AEF7BD77}" srcOrd="1" destOrd="0" presId="urn:microsoft.com/office/officeart/2018/2/layout/IconVerticalSolidList"/>
+    <dgm:cxn modelId="{991E0C6B-C2A7-49B4-8F14-A89FF9D1A9C4}" type="presParOf" srcId="{5DE462E3-26BF-43C5-A5EF-A37707755C38}" destId="{50B677AD-3717-48A5-9C64-4DC4C78327CF}" srcOrd="2" destOrd="0" presId="urn:microsoft.com/office/officeart/2018/2/layout/IconVerticalSolidList"/>
+    <dgm:cxn modelId="{E9E112E0-6436-46E6-BF37-37B9ED080D08}" type="presParOf" srcId="{5DE462E3-26BF-43C5-A5EF-A37707755C38}" destId="{1475BA80-0A17-45D4-97CB-7CE20A9AFB4D}" srcOrd="3" destOrd="0" presId="urn:microsoft.com/office/officeart/2018/2/layout/IconVerticalSolidList"/>
+  </dgm:cxnLst>
+  <dgm:bg/>
+  <dgm:whole/>
+  <dgm:extLst>
+    <a:ext uri="http://schemas.microsoft.com/office/drawing/2008/diagram">
+      <dsp:dataModelExt xmlns:dsp="http://schemas.microsoft.com/office/drawing/2008/diagram" relId="rId8" minVer="http://schemas.openxmlformats.org/drawingml/2006/diagram"/>
     </a:ext>
   </dgm:extLst>
 </dgm:dataModel>
@@ -4263,6 +6975,1250 @@
 </dsp:drawing>
 </file>
 
+<file path=ppt/diagrams/drawing3.xml><?xml version="1.0" encoding="utf-8"?>
+<dsp:drawing xmlns:dgm="http://schemas.openxmlformats.org/drawingml/2006/diagram" xmlns:dsp="http://schemas.microsoft.com/office/drawing/2008/diagram" xmlns:a="http://schemas.openxmlformats.org/drawingml/2006/main">
+  <dsp:spTree>
+    <dsp:nvGrpSpPr>
+      <dsp:cNvPr id="0" name=""/>
+      <dsp:cNvGrpSpPr/>
+    </dsp:nvGrpSpPr>
+    <dsp:grpSpPr/>
+    <dsp:sp modelId="{2BAFBA1D-8209-4F35-87D0-8A81742A3B62}">
+      <dsp:nvSpPr>
+        <dsp:cNvPr id="0" name=""/>
+        <dsp:cNvSpPr/>
+      </dsp:nvSpPr>
+      <dsp:spPr>
+        <a:xfrm>
+          <a:off x="2968" y="161802"/>
+          <a:ext cx="2354764" cy="1412858"/>
+        </a:xfrm>
+        <a:prstGeom prst="rect">
+          <a:avLst/>
+        </a:prstGeom>
+        <a:solidFill>
+          <a:schemeClr val="accent2">
+            <a:hueOff val="0"/>
+            <a:satOff val="0"/>
+            <a:lumOff val="0"/>
+            <a:alphaOff val="0"/>
+          </a:schemeClr>
+        </a:solidFill>
+        <a:ln w="19050" cap="rnd" cmpd="sng" algn="ctr">
+          <a:solidFill>
+            <a:schemeClr val="lt1">
+              <a:hueOff val="0"/>
+              <a:satOff val="0"/>
+              <a:lumOff val="0"/>
+              <a:alphaOff val="0"/>
+            </a:schemeClr>
+          </a:solidFill>
+          <a:prstDash val="solid"/>
+        </a:ln>
+        <a:effectLst/>
+      </dsp:spPr>
+      <dsp:style>
+        <a:lnRef idx="2">
+          <a:scrgbClr r="0" g="0" b="0"/>
+        </a:lnRef>
+        <a:fillRef idx="1">
+          <a:scrgbClr r="0" g="0" b="0"/>
+        </a:fillRef>
+        <a:effectRef idx="0">
+          <a:scrgbClr r="0" g="0" b="0"/>
+        </a:effectRef>
+        <a:fontRef idx="minor">
+          <a:schemeClr val="lt1"/>
+        </a:fontRef>
+      </dsp:style>
+      <dsp:txBody>
+        <a:bodyPr spcFirstLastPara="0" vert="horz" wrap="square" lIns="45720" tIns="45720" rIns="45720" bIns="45720" numCol="1" spcCol="1270" anchor="ctr" anchorCtr="0">
+          <a:noAutofit/>
+        </a:bodyPr>
+        <a:lstStyle/>
+        <a:p>
+          <a:pPr marL="0" lvl="0" indent="0" algn="ctr" defTabSz="533400">
+            <a:lnSpc>
+              <a:spcPct val="90000"/>
+            </a:lnSpc>
+            <a:spcBef>
+              <a:spcPct val="0"/>
+            </a:spcBef>
+            <a:spcAft>
+              <a:spcPct val="35000"/>
+            </a:spcAft>
+            <a:buNone/>
+          </a:pPr>
+          <a:r>
+            <a:rPr lang="en-US" sz="1200" kern="1200"/>
+            <a:t>User enters location information to the front end GUI which passes to the Rest API</a:t>
+          </a:r>
+        </a:p>
+      </dsp:txBody>
+      <dsp:txXfrm>
+        <a:off x="2968" y="161802"/>
+        <a:ext cx="2354764" cy="1412858"/>
+      </dsp:txXfrm>
+    </dsp:sp>
+    <dsp:sp modelId="{FDCDD095-313A-4D79-A973-5C3AD2278303}">
+      <dsp:nvSpPr>
+        <dsp:cNvPr id="0" name=""/>
+        <dsp:cNvSpPr/>
+      </dsp:nvSpPr>
+      <dsp:spPr>
+        <a:xfrm>
+          <a:off x="2593209" y="161802"/>
+          <a:ext cx="2354764" cy="1412858"/>
+        </a:xfrm>
+        <a:prstGeom prst="rect">
+          <a:avLst/>
+        </a:prstGeom>
+        <a:solidFill>
+          <a:schemeClr val="accent3">
+            <a:hueOff val="0"/>
+            <a:satOff val="0"/>
+            <a:lumOff val="0"/>
+            <a:alphaOff val="0"/>
+          </a:schemeClr>
+        </a:solidFill>
+        <a:ln w="19050" cap="rnd" cmpd="sng" algn="ctr">
+          <a:solidFill>
+            <a:schemeClr val="lt1">
+              <a:hueOff val="0"/>
+              <a:satOff val="0"/>
+              <a:lumOff val="0"/>
+              <a:alphaOff val="0"/>
+            </a:schemeClr>
+          </a:solidFill>
+          <a:prstDash val="solid"/>
+        </a:ln>
+        <a:effectLst/>
+      </dsp:spPr>
+      <dsp:style>
+        <a:lnRef idx="2">
+          <a:scrgbClr r="0" g="0" b="0"/>
+        </a:lnRef>
+        <a:fillRef idx="1">
+          <a:scrgbClr r="0" g="0" b="0"/>
+        </a:fillRef>
+        <a:effectRef idx="0">
+          <a:scrgbClr r="0" g="0" b="0"/>
+        </a:effectRef>
+        <a:fontRef idx="minor">
+          <a:schemeClr val="lt1"/>
+        </a:fontRef>
+      </dsp:style>
+      <dsp:txBody>
+        <a:bodyPr spcFirstLastPara="0" vert="horz" wrap="square" lIns="45720" tIns="45720" rIns="45720" bIns="45720" numCol="1" spcCol="1270" anchor="ctr" anchorCtr="0">
+          <a:noAutofit/>
+        </a:bodyPr>
+        <a:lstStyle/>
+        <a:p>
+          <a:pPr marL="0" lvl="0" indent="0" algn="ctr" defTabSz="533400">
+            <a:lnSpc>
+              <a:spcPct val="90000"/>
+            </a:lnSpc>
+            <a:spcBef>
+              <a:spcPct val="0"/>
+            </a:spcBef>
+            <a:spcAft>
+              <a:spcPct val="35000"/>
+            </a:spcAft>
+            <a:buNone/>
+          </a:pPr>
+          <a:r>
+            <a:rPr lang="en-US" sz="1200" kern="1200"/>
+            <a:t>Backend database engine coded in Satellite_tracker.py receives data --&gt;</a:t>
+          </a:r>
+        </a:p>
+      </dsp:txBody>
+      <dsp:txXfrm>
+        <a:off x="2593209" y="161802"/>
+        <a:ext cx="2354764" cy="1412858"/>
+      </dsp:txXfrm>
+    </dsp:sp>
+    <dsp:sp modelId="{0BA07D74-91F4-4B9F-A5CA-262E2817460D}">
+      <dsp:nvSpPr>
+        <dsp:cNvPr id="0" name=""/>
+        <dsp:cNvSpPr/>
+      </dsp:nvSpPr>
+      <dsp:spPr>
+        <a:xfrm>
+          <a:off x="5183450" y="161802"/>
+          <a:ext cx="2354764" cy="1412858"/>
+        </a:xfrm>
+        <a:prstGeom prst="rect">
+          <a:avLst/>
+        </a:prstGeom>
+        <a:solidFill>
+          <a:schemeClr val="accent4">
+            <a:hueOff val="0"/>
+            <a:satOff val="0"/>
+            <a:lumOff val="0"/>
+            <a:alphaOff val="0"/>
+          </a:schemeClr>
+        </a:solidFill>
+        <a:ln w="19050" cap="rnd" cmpd="sng" algn="ctr">
+          <a:solidFill>
+            <a:schemeClr val="lt1">
+              <a:hueOff val="0"/>
+              <a:satOff val="0"/>
+              <a:lumOff val="0"/>
+              <a:alphaOff val="0"/>
+            </a:schemeClr>
+          </a:solidFill>
+          <a:prstDash val="solid"/>
+        </a:ln>
+        <a:effectLst/>
+      </dsp:spPr>
+      <dsp:style>
+        <a:lnRef idx="2">
+          <a:scrgbClr r="0" g="0" b="0"/>
+        </a:lnRef>
+        <a:fillRef idx="1">
+          <a:scrgbClr r="0" g="0" b="0"/>
+        </a:fillRef>
+        <a:effectRef idx="0">
+          <a:scrgbClr r="0" g="0" b="0"/>
+        </a:effectRef>
+        <a:fontRef idx="minor">
+          <a:schemeClr val="lt1"/>
+        </a:fontRef>
+      </dsp:style>
+      <dsp:txBody>
+        <a:bodyPr spcFirstLastPara="0" vert="horz" wrap="square" lIns="45720" tIns="45720" rIns="45720" bIns="45720" numCol="1" spcCol="1270" anchor="ctr" anchorCtr="0">
+          <a:noAutofit/>
+        </a:bodyPr>
+        <a:lstStyle/>
+        <a:p>
+          <a:pPr marL="0" lvl="0" indent="0" algn="ctr" defTabSz="533400">
+            <a:lnSpc>
+              <a:spcPct val="90000"/>
+            </a:lnSpc>
+            <a:spcBef>
+              <a:spcPct val="0"/>
+            </a:spcBef>
+            <a:spcAft>
+              <a:spcPct val="35000"/>
+            </a:spcAft>
+            <a:buNone/>
+          </a:pPr>
+          <a:r>
+            <a:rPr lang="en-US" sz="1200" kern="1200"/>
+            <a:t>Via Django ORM and  enters information as object variables into backend API </a:t>
+          </a:r>
+        </a:p>
+      </dsp:txBody>
+      <dsp:txXfrm>
+        <a:off x="5183450" y="161802"/>
+        <a:ext cx="2354764" cy="1412858"/>
+      </dsp:txXfrm>
+    </dsp:sp>
+    <dsp:sp modelId="{1A7BB4AA-D6EB-428C-86AE-96F5BB9E511A}">
+      <dsp:nvSpPr>
+        <dsp:cNvPr id="0" name=""/>
+        <dsp:cNvSpPr/>
+      </dsp:nvSpPr>
+      <dsp:spPr>
+        <a:xfrm>
+          <a:off x="7773692" y="161802"/>
+          <a:ext cx="2354764" cy="1412858"/>
+        </a:xfrm>
+        <a:prstGeom prst="rect">
+          <a:avLst/>
+        </a:prstGeom>
+        <a:solidFill>
+          <a:schemeClr val="accent5">
+            <a:hueOff val="0"/>
+            <a:satOff val="0"/>
+            <a:lumOff val="0"/>
+            <a:alphaOff val="0"/>
+          </a:schemeClr>
+        </a:solidFill>
+        <a:ln w="19050" cap="rnd" cmpd="sng" algn="ctr">
+          <a:solidFill>
+            <a:schemeClr val="lt1">
+              <a:hueOff val="0"/>
+              <a:satOff val="0"/>
+              <a:lumOff val="0"/>
+              <a:alphaOff val="0"/>
+            </a:schemeClr>
+          </a:solidFill>
+          <a:prstDash val="solid"/>
+        </a:ln>
+        <a:effectLst/>
+      </dsp:spPr>
+      <dsp:style>
+        <a:lnRef idx="2">
+          <a:scrgbClr r="0" g="0" b="0"/>
+        </a:lnRef>
+        <a:fillRef idx="1">
+          <a:scrgbClr r="0" g="0" b="0"/>
+        </a:fillRef>
+        <a:effectRef idx="0">
+          <a:scrgbClr r="0" g="0" b="0"/>
+        </a:effectRef>
+        <a:fontRef idx="minor">
+          <a:schemeClr val="lt1"/>
+        </a:fontRef>
+      </dsp:style>
+      <dsp:txBody>
+        <a:bodyPr spcFirstLastPara="0" vert="horz" wrap="square" lIns="45720" tIns="45720" rIns="45720" bIns="45720" numCol="1" spcCol="1270" anchor="ctr" anchorCtr="0">
+          <a:noAutofit/>
+        </a:bodyPr>
+        <a:lstStyle/>
+        <a:p>
+          <a:pPr marL="0" lvl="0" indent="0" algn="ctr" defTabSz="533400">
+            <a:lnSpc>
+              <a:spcPct val="90000"/>
+            </a:lnSpc>
+            <a:spcBef>
+              <a:spcPct val="0"/>
+            </a:spcBef>
+            <a:spcAft>
+              <a:spcPct val="35000"/>
+            </a:spcAft>
+            <a:buNone/>
+          </a:pPr>
+          <a:r>
+            <a:rPr lang="en-US" sz="1200" kern="1200"/>
+            <a:t>Backend API will generate satellite tracking information which checks locations of satellites at time via TLE information</a:t>
+          </a:r>
+        </a:p>
+      </dsp:txBody>
+      <dsp:txXfrm>
+        <a:off x="7773692" y="161802"/>
+        <a:ext cx="2354764" cy="1412858"/>
+      </dsp:txXfrm>
+    </dsp:sp>
+    <dsp:sp modelId="{CB2A39AB-FD71-4AD0-9BA1-928C28C4CA0D}">
+      <dsp:nvSpPr>
+        <dsp:cNvPr id="0" name=""/>
+        <dsp:cNvSpPr/>
+      </dsp:nvSpPr>
+      <dsp:spPr>
+        <a:xfrm>
+          <a:off x="2968" y="1810137"/>
+          <a:ext cx="2354764" cy="1412858"/>
+        </a:xfrm>
+        <a:prstGeom prst="rect">
+          <a:avLst/>
+        </a:prstGeom>
+        <a:solidFill>
+          <a:schemeClr val="accent6">
+            <a:hueOff val="0"/>
+            <a:satOff val="0"/>
+            <a:lumOff val="0"/>
+            <a:alphaOff val="0"/>
+          </a:schemeClr>
+        </a:solidFill>
+        <a:ln w="19050" cap="rnd" cmpd="sng" algn="ctr">
+          <a:solidFill>
+            <a:schemeClr val="lt1">
+              <a:hueOff val="0"/>
+              <a:satOff val="0"/>
+              <a:lumOff val="0"/>
+              <a:alphaOff val="0"/>
+            </a:schemeClr>
+          </a:solidFill>
+          <a:prstDash val="solid"/>
+        </a:ln>
+        <a:effectLst/>
+      </dsp:spPr>
+      <dsp:style>
+        <a:lnRef idx="2">
+          <a:scrgbClr r="0" g="0" b="0"/>
+        </a:lnRef>
+        <a:fillRef idx="1">
+          <a:scrgbClr r="0" g="0" b="0"/>
+        </a:fillRef>
+        <a:effectRef idx="0">
+          <a:scrgbClr r="0" g="0" b="0"/>
+        </a:effectRef>
+        <a:fontRef idx="minor">
+          <a:schemeClr val="lt1"/>
+        </a:fontRef>
+      </dsp:style>
+      <dsp:txBody>
+        <a:bodyPr spcFirstLastPara="0" vert="horz" wrap="square" lIns="45720" tIns="45720" rIns="45720" bIns="45720" numCol="1" spcCol="1270" anchor="ctr" anchorCtr="0">
+          <a:noAutofit/>
+        </a:bodyPr>
+        <a:lstStyle/>
+        <a:p>
+          <a:pPr marL="0" lvl="0" indent="0" algn="ctr" defTabSz="533400">
+            <a:lnSpc>
+              <a:spcPct val="90000"/>
+            </a:lnSpc>
+            <a:spcBef>
+              <a:spcPct val="0"/>
+            </a:spcBef>
+            <a:spcAft>
+              <a:spcPct val="35000"/>
+            </a:spcAft>
+            <a:buNone/>
+          </a:pPr>
+          <a:r>
+            <a:rPr lang="en-US" sz="1200" kern="1200"/>
+            <a:t>Generates FOV of each satellite at each time</a:t>
+          </a:r>
+        </a:p>
+      </dsp:txBody>
+      <dsp:txXfrm>
+        <a:off x="2968" y="1810137"/>
+        <a:ext cx="2354764" cy="1412858"/>
+      </dsp:txXfrm>
+    </dsp:sp>
+    <dsp:sp modelId="{3C93CACD-A4F2-4D17-8D5D-CA0C366F9D85}">
+      <dsp:nvSpPr>
+        <dsp:cNvPr id="0" name=""/>
+        <dsp:cNvSpPr/>
+      </dsp:nvSpPr>
+      <dsp:spPr>
+        <a:xfrm>
+          <a:off x="2593209" y="1810137"/>
+          <a:ext cx="2354764" cy="1412858"/>
+        </a:xfrm>
+        <a:prstGeom prst="rect">
+          <a:avLst/>
+        </a:prstGeom>
+        <a:solidFill>
+          <a:schemeClr val="accent2">
+            <a:hueOff val="0"/>
+            <a:satOff val="0"/>
+            <a:lumOff val="0"/>
+            <a:alphaOff val="0"/>
+          </a:schemeClr>
+        </a:solidFill>
+        <a:ln w="19050" cap="rnd" cmpd="sng" algn="ctr">
+          <a:solidFill>
+            <a:schemeClr val="lt1">
+              <a:hueOff val="0"/>
+              <a:satOff val="0"/>
+              <a:lumOff val="0"/>
+              <a:alphaOff val="0"/>
+            </a:schemeClr>
+          </a:solidFill>
+          <a:prstDash val="solid"/>
+        </a:ln>
+        <a:effectLst/>
+      </dsp:spPr>
+      <dsp:style>
+        <a:lnRef idx="2">
+          <a:scrgbClr r="0" g="0" b="0"/>
+        </a:lnRef>
+        <a:fillRef idx="1">
+          <a:scrgbClr r="0" g="0" b="0"/>
+        </a:fillRef>
+        <a:effectRef idx="0">
+          <a:scrgbClr r="0" g="0" b="0"/>
+        </a:effectRef>
+        <a:fontRef idx="minor">
+          <a:schemeClr val="lt1"/>
+        </a:fontRef>
+      </dsp:style>
+      <dsp:txBody>
+        <a:bodyPr spcFirstLastPara="0" vert="horz" wrap="square" lIns="45720" tIns="45720" rIns="45720" bIns="45720" numCol="1" spcCol="1270" anchor="ctr" anchorCtr="0">
+          <a:noAutofit/>
+        </a:bodyPr>
+        <a:lstStyle/>
+        <a:p>
+          <a:pPr marL="0" lvl="0" indent="0" algn="ctr" defTabSz="533400">
+            <a:lnSpc>
+              <a:spcPct val="90000"/>
+            </a:lnSpc>
+            <a:spcBef>
+              <a:spcPct val="0"/>
+            </a:spcBef>
+            <a:spcAft>
+              <a:spcPct val="35000"/>
+            </a:spcAft>
+            <a:buNone/>
+          </a:pPr>
+          <a:r>
+            <a:rPr lang="en-US" sz="1200" kern="1200"/>
+            <a:t>Programs boundaries matching FOV boundaries within latitude and longitude run a matching algorithm to see if the location is within any of the FOV boundaries, if more than 3 return trackable, else non-trackable location during that time.</a:t>
+          </a:r>
+        </a:p>
+      </dsp:txBody>
+      <dsp:txXfrm>
+        <a:off x="2593209" y="1810137"/>
+        <a:ext cx="2354764" cy="1412858"/>
+      </dsp:txXfrm>
+    </dsp:sp>
+    <dsp:sp modelId="{9BE482CB-6DF2-4BD6-AE28-C023317D7E78}">
+      <dsp:nvSpPr>
+        <dsp:cNvPr id="0" name=""/>
+        <dsp:cNvSpPr/>
+      </dsp:nvSpPr>
+      <dsp:spPr>
+        <a:xfrm>
+          <a:off x="5183450" y="1810137"/>
+          <a:ext cx="2354764" cy="1412858"/>
+        </a:xfrm>
+        <a:prstGeom prst="rect">
+          <a:avLst/>
+        </a:prstGeom>
+        <a:solidFill>
+          <a:schemeClr val="accent3">
+            <a:hueOff val="0"/>
+            <a:satOff val="0"/>
+            <a:lumOff val="0"/>
+            <a:alphaOff val="0"/>
+          </a:schemeClr>
+        </a:solidFill>
+        <a:ln w="19050" cap="rnd" cmpd="sng" algn="ctr">
+          <a:solidFill>
+            <a:schemeClr val="lt1">
+              <a:hueOff val="0"/>
+              <a:satOff val="0"/>
+              <a:lumOff val="0"/>
+              <a:alphaOff val="0"/>
+            </a:schemeClr>
+          </a:solidFill>
+          <a:prstDash val="solid"/>
+        </a:ln>
+        <a:effectLst/>
+      </dsp:spPr>
+      <dsp:style>
+        <a:lnRef idx="2">
+          <a:scrgbClr r="0" g="0" b="0"/>
+        </a:lnRef>
+        <a:fillRef idx="1">
+          <a:scrgbClr r="0" g="0" b="0"/>
+        </a:fillRef>
+        <a:effectRef idx="0">
+          <a:scrgbClr r="0" g="0" b="0"/>
+        </a:effectRef>
+        <a:fontRef idx="minor">
+          <a:schemeClr val="lt1"/>
+        </a:fontRef>
+      </dsp:style>
+      <dsp:txBody>
+        <a:bodyPr spcFirstLastPara="0" vert="horz" wrap="square" lIns="45720" tIns="45720" rIns="45720" bIns="45720" numCol="1" spcCol="1270" anchor="ctr" anchorCtr="0">
+          <a:noAutofit/>
+        </a:bodyPr>
+        <a:lstStyle/>
+        <a:p>
+          <a:pPr marL="0" lvl="0" indent="0" algn="ctr" defTabSz="533400">
+            <a:lnSpc>
+              <a:spcPct val="90000"/>
+            </a:lnSpc>
+            <a:spcBef>
+              <a:spcPct val="0"/>
+            </a:spcBef>
+            <a:spcAft>
+              <a:spcPct val="35000"/>
+            </a:spcAft>
+            <a:buNone/>
+          </a:pPr>
+          <a:r>
+            <a:rPr lang="en-US" sz="1200" kern="1200"/>
+            <a:t>Output handed back to Django framework via middleware to be served as JSON output</a:t>
+          </a:r>
+        </a:p>
+      </dsp:txBody>
+      <dsp:txXfrm>
+        <a:off x="5183450" y="1810137"/>
+        <a:ext cx="2354764" cy="1412858"/>
+      </dsp:txXfrm>
+    </dsp:sp>
+    <dsp:sp modelId="{8C160EBC-43EF-4833-ADAB-BF905C8C0794}">
+      <dsp:nvSpPr>
+        <dsp:cNvPr id="0" name=""/>
+        <dsp:cNvSpPr/>
+      </dsp:nvSpPr>
+      <dsp:spPr>
+        <a:xfrm>
+          <a:off x="7773692" y="1810137"/>
+          <a:ext cx="2354764" cy="1412858"/>
+        </a:xfrm>
+        <a:prstGeom prst="rect">
+          <a:avLst/>
+        </a:prstGeom>
+        <a:solidFill>
+          <a:schemeClr val="accent4">
+            <a:hueOff val="0"/>
+            <a:satOff val="0"/>
+            <a:lumOff val="0"/>
+            <a:alphaOff val="0"/>
+          </a:schemeClr>
+        </a:solidFill>
+        <a:ln w="19050" cap="rnd" cmpd="sng" algn="ctr">
+          <a:solidFill>
+            <a:schemeClr val="lt1">
+              <a:hueOff val="0"/>
+              <a:satOff val="0"/>
+              <a:lumOff val="0"/>
+              <a:alphaOff val="0"/>
+            </a:schemeClr>
+          </a:solidFill>
+          <a:prstDash val="solid"/>
+        </a:ln>
+        <a:effectLst/>
+      </dsp:spPr>
+      <dsp:style>
+        <a:lnRef idx="2">
+          <a:scrgbClr r="0" g="0" b="0"/>
+        </a:lnRef>
+        <a:fillRef idx="1">
+          <a:scrgbClr r="0" g="0" b="0"/>
+        </a:fillRef>
+        <a:effectRef idx="0">
+          <a:scrgbClr r="0" g="0" b="0"/>
+        </a:effectRef>
+        <a:fontRef idx="minor">
+          <a:schemeClr val="lt1"/>
+        </a:fontRef>
+      </dsp:style>
+      <dsp:txBody>
+        <a:bodyPr spcFirstLastPara="0" vert="horz" wrap="square" lIns="45720" tIns="45720" rIns="45720" bIns="45720" numCol="1" spcCol="1270" anchor="ctr" anchorCtr="0">
+          <a:noAutofit/>
+        </a:bodyPr>
+        <a:lstStyle/>
+        <a:p>
+          <a:pPr marL="0" lvl="0" indent="0" algn="ctr" defTabSz="533400">
+            <a:lnSpc>
+              <a:spcPct val="90000"/>
+            </a:lnSpc>
+            <a:spcBef>
+              <a:spcPct val="0"/>
+            </a:spcBef>
+            <a:spcAft>
+              <a:spcPct val="35000"/>
+            </a:spcAft>
+            <a:buNone/>
+          </a:pPr>
+          <a:r>
+            <a:rPr lang="en-US" sz="1200" kern="1200"/>
+            <a:t>JSON output forwarded to the Rest API via Django framework, which is then served by the GUI to the user.</a:t>
+          </a:r>
+        </a:p>
+      </dsp:txBody>
+      <dsp:txXfrm>
+        <a:off x="7773692" y="1810137"/>
+        <a:ext cx="2354764" cy="1412858"/>
+      </dsp:txXfrm>
+    </dsp:sp>
+  </dsp:spTree>
+</dsp:drawing>
+</file>
+
+<file path=ppt/diagrams/drawing4.xml><?xml version="1.0" encoding="utf-8"?>
+<dsp:drawing xmlns:dgm="http://schemas.openxmlformats.org/drawingml/2006/diagram" xmlns:dsp="http://schemas.microsoft.com/office/drawing/2008/diagram" xmlns:a="http://schemas.openxmlformats.org/drawingml/2006/main">
+  <dsp:spTree>
+    <dsp:nvGrpSpPr>
+      <dsp:cNvPr id="0" name=""/>
+      <dsp:cNvGrpSpPr/>
+    </dsp:nvGrpSpPr>
+    <dsp:grpSpPr/>
+    <dsp:sp modelId="{C4B603D8-C73B-429F-B02D-EC2353B01120}">
+      <dsp:nvSpPr>
+        <dsp:cNvPr id="0" name=""/>
+        <dsp:cNvSpPr/>
+      </dsp:nvSpPr>
+      <dsp:spPr>
+        <a:xfrm>
+          <a:off x="0" y="2040"/>
+          <a:ext cx="5886291" cy="1034343"/>
+        </a:xfrm>
+        <a:prstGeom prst="roundRect">
+          <a:avLst>
+            <a:gd name="adj" fmla="val 10000"/>
+          </a:avLst>
+        </a:prstGeom>
+        <a:solidFill>
+          <a:schemeClr val="accent2">
+            <a:hueOff val="0"/>
+            <a:satOff val="0"/>
+            <a:lumOff val="0"/>
+            <a:alphaOff val="0"/>
+          </a:schemeClr>
+        </a:solidFill>
+        <a:ln>
+          <a:noFill/>
+        </a:ln>
+        <a:effectLst/>
+      </dsp:spPr>
+      <dsp:style>
+        <a:lnRef idx="0">
+          <a:scrgbClr r="0" g="0" b="0"/>
+        </a:lnRef>
+        <a:fillRef idx="1">
+          <a:scrgbClr r="0" g="0" b="0"/>
+        </a:fillRef>
+        <a:effectRef idx="0">
+          <a:scrgbClr r="0" g="0" b="0"/>
+        </a:effectRef>
+        <a:fontRef idx="minor"/>
+      </dsp:style>
+    </dsp:sp>
+    <dsp:sp modelId="{E1CEECB7-E18F-4E47-B843-3EDCF9DA8EFA}">
+      <dsp:nvSpPr>
+        <dsp:cNvPr id="0" name=""/>
+        <dsp:cNvSpPr/>
+      </dsp:nvSpPr>
+      <dsp:spPr>
+        <a:xfrm>
+          <a:off x="312888" y="234768"/>
+          <a:ext cx="568888" cy="568888"/>
+        </a:xfrm>
+        <a:prstGeom prst="rect">
+          <a:avLst/>
+        </a:prstGeom>
+        <a:blipFill>
+          <a:blip xmlns:r="http://schemas.openxmlformats.org/officeDocument/2006/relationships" r:embed="rId1">
+            <a:extLst>
+              <a:ext uri="{28A0092B-C50C-407E-A947-70E740481C1C}">
+                <a14:useLocalDpi xmlns:a14="http://schemas.microsoft.com/office/drawing/2010/main" val="0"/>
+              </a:ext>
+              <a:ext uri="{96DAC541-7B7A-43D3-8B79-37D633B846F1}">
+                <asvg:svgBlip xmlns:asvg="http://schemas.microsoft.com/office/drawing/2016/SVG/main" r:embed="rId2"/>
+              </a:ext>
+            </a:extLst>
+          </a:blip>
+          <a:stretch>
+            <a:fillRect/>
+          </a:stretch>
+        </a:blipFill>
+        <a:ln w="19050" cap="rnd" cmpd="sng" algn="ctr">
+          <a:noFill/>
+          <a:prstDash val="solid"/>
+        </a:ln>
+        <a:effectLst/>
+      </dsp:spPr>
+      <dsp:style>
+        <a:lnRef idx="2">
+          <a:scrgbClr r="0" g="0" b="0"/>
+        </a:lnRef>
+        <a:fillRef idx="1">
+          <a:scrgbClr r="0" g="0" b="0"/>
+        </a:fillRef>
+        <a:effectRef idx="0">
+          <a:scrgbClr r="0" g="0" b="0"/>
+        </a:effectRef>
+        <a:fontRef idx="minor">
+          <a:schemeClr val="lt1"/>
+        </a:fontRef>
+      </dsp:style>
+    </dsp:sp>
+    <dsp:sp modelId="{9AAC84D2-EA28-4E5E-B6F7-5CD5FC1C07AA}">
+      <dsp:nvSpPr>
+        <dsp:cNvPr id="0" name=""/>
+        <dsp:cNvSpPr/>
+      </dsp:nvSpPr>
+      <dsp:spPr>
+        <a:xfrm>
+          <a:off x="1194666" y="2040"/>
+          <a:ext cx="4691624" cy="1034343"/>
+        </a:xfrm>
+        <a:prstGeom prst="rect">
+          <a:avLst/>
+        </a:prstGeom>
+        <a:noFill/>
+        <a:ln>
+          <a:noFill/>
+        </a:ln>
+        <a:effectLst/>
+      </dsp:spPr>
+      <dsp:style>
+        <a:lnRef idx="0">
+          <a:scrgbClr r="0" g="0" b="0"/>
+        </a:lnRef>
+        <a:fillRef idx="0">
+          <a:scrgbClr r="0" g="0" b="0"/>
+        </a:fillRef>
+        <a:effectRef idx="0">
+          <a:scrgbClr r="0" g="0" b="0"/>
+        </a:effectRef>
+        <a:fontRef idx="minor"/>
+      </dsp:style>
+      <dsp:txBody>
+        <a:bodyPr spcFirstLastPara="0" vert="horz" wrap="square" lIns="109468" tIns="109468" rIns="109468" bIns="109468" numCol="1" spcCol="1270" anchor="ctr" anchorCtr="0">
+          <a:noAutofit/>
+        </a:bodyPr>
+        <a:lstStyle/>
+        <a:p>
+          <a:pPr marL="0" lvl="0" indent="0" algn="l" defTabSz="844550">
+            <a:lnSpc>
+              <a:spcPct val="90000"/>
+            </a:lnSpc>
+            <a:spcBef>
+              <a:spcPct val="0"/>
+            </a:spcBef>
+            <a:spcAft>
+              <a:spcPct val="35000"/>
+            </a:spcAft>
+            <a:buNone/>
+          </a:pPr>
+          <a:r>
+            <a:rPr lang="en-CA" sz="1900" kern="1200"/>
+            <a:t>Architecture is divided into:</a:t>
+          </a:r>
+          <a:endParaRPr lang="en-US" sz="1900" kern="1200"/>
+        </a:p>
+      </dsp:txBody>
+      <dsp:txXfrm>
+        <a:off x="1194666" y="2040"/>
+        <a:ext cx="4691624" cy="1034343"/>
+      </dsp:txXfrm>
+    </dsp:sp>
+    <dsp:sp modelId="{05639154-7CB5-43A2-A7C8-06226668E76A}">
+      <dsp:nvSpPr>
+        <dsp:cNvPr id="0" name=""/>
+        <dsp:cNvSpPr/>
+      </dsp:nvSpPr>
+      <dsp:spPr>
+        <a:xfrm>
+          <a:off x="0" y="1294969"/>
+          <a:ext cx="5886291" cy="1034343"/>
+        </a:xfrm>
+        <a:prstGeom prst="roundRect">
+          <a:avLst>
+            <a:gd name="adj" fmla="val 10000"/>
+          </a:avLst>
+        </a:prstGeom>
+        <a:solidFill>
+          <a:schemeClr val="accent3">
+            <a:hueOff val="0"/>
+            <a:satOff val="0"/>
+            <a:lumOff val="0"/>
+            <a:alphaOff val="0"/>
+          </a:schemeClr>
+        </a:solidFill>
+        <a:ln>
+          <a:noFill/>
+        </a:ln>
+        <a:effectLst/>
+      </dsp:spPr>
+      <dsp:style>
+        <a:lnRef idx="0">
+          <a:scrgbClr r="0" g="0" b="0"/>
+        </a:lnRef>
+        <a:fillRef idx="1">
+          <a:scrgbClr r="0" g="0" b="0"/>
+        </a:fillRef>
+        <a:effectRef idx="0">
+          <a:scrgbClr r="0" g="0" b="0"/>
+        </a:effectRef>
+        <a:fontRef idx="minor"/>
+      </dsp:style>
+    </dsp:sp>
+    <dsp:sp modelId="{4182A56D-2695-4C08-A335-8C11373C9E29}">
+      <dsp:nvSpPr>
+        <dsp:cNvPr id="0" name=""/>
+        <dsp:cNvSpPr/>
+      </dsp:nvSpPr>
+      <dsp:spPr>
+        <a:xfrm>
+          <a:off x="312888" y="1527696"/>
+          <a:ext cx="568888" cy="568888"/>
+        </a:xfrm>
+        <a:prstGeom prst="rect">
+          <a:avLst/>
+        </a:prstGeom>
+        <a:blipFill>
+          <a:blip xmlns:r="http://schemas.openxmlformats.org/officeDocument/2006/relationships" r:embed="rId3">
+            <a:extLst>
+              <a:ext uri="{28A0092B-C50C-407E-A947-70E740481C1C}">
+                <a14:useLocalDpi xmlns:a14="http://schemas.microsoft.com/office/drawing/2010/main" val="0"/>
+              </a:ext>
+              <a:ext uri="{96DAC541-7B7A-43D3-8B79-37D633B846F1}">
+                <asvg:svgBlip xmlns:asvg="http://schemas.microsoft.com/office/drawing/2016/SVG/main" r:embed="rId4"/>
+              </a:ext>
+            </a:extLst>
+          </a:blip>
+          <a:stretch>
+            <a:fillRect/>
+          </a:stretch>
+        </a:blipFill>
+        <a:ln w="19050" cap="rnd" cmpd="sng" algn="ctr">
+          <a:noFill/>
+          <a:prstDash val="solid"/>
+        </a:ln>
+        <a:effectLst/>
+      </dsp:spPr>
+      <dsp:style>
+        <a:lnRef idx="2">
+          <a:scrgbClr r="0" g="0" b="0"/>
+        </a:lnRef>
+        <a:fillRef idx="1">
+          <a:scrgbClr r="0" g="0" b="0"/>
+        </a:fillRef>
+        <a:effectRef idx="0">
+          <a:scrgbClr r="0" g="0" b="0"/>
+        </a:effectRef>
+        <a:fontRef idx="minor">
+          <a:schemeClr val="lt1"/>
+        </a:fontRef>
+      </dsp:style>
+    </dsp:sp>
+    <dsp:sp modelId="{CA2C44B0-5E70-4B10-8624-B0036BEF5138}">
+      <dsp:nvSpPr>
+        <dsp:cNvPr id="0" name=""/>
+        <dsp:cNvSpPr/>
+      </dsp:nvSpPr>
+      <dsp:spPr>
+        <a:xfrm>
+          <a:off x="1194666" y="1294969"/>
+          <a:ext cx="4691624" cy="1034343"/>
+        </a:xfrm>
+        <a:prstGeom prst="rect">
+          <a:avLst/>
+        </a:prstGeom>
+        <a:noFill/>
+        <a:ln>
+          <a:noFill/>
+        </a:ln>
+        <a:effectLst/>
+      </dsp:spPr>
+      <dsp:style>
+        <a:lnRef idx="0">
+          <a:scrgbClr r="0" g="0" b="0"/>
+        </a:lnRef>
+        <a:fillRef idx="0">
+          <a:scrgbClr r="0" g="0" b="0"/>
+        </a:fillRef>
+        <a:effectRef idx="0">
+          <a:scrgbClr r="0" g="0" b="0"/>
+        </a:effectRef>
+        <a:fontRef idx="minor"/>
+      </dsp:style>
+      <dsp:txBody>
+        <a:bodyPr spcFirstLastPara="0" vert="horz" wrap="square" lIns="109468" tIns="109468" rIns="109468" bIns="109468" numCol="1" spcCol="1270" anchor="ctr" anchorCtr="0">
+          <a:noAutofit/>
+        </a:bodyPr>
+        <a:lstStyle/>
+        <a:p>
+          <a:pPr marL="0" lvl="0" indent="0" algn="l" defTabSz="844550">
+            <a:lnSpc>
+              <a:spcPct val="90000"/>
+            </a:lnSpc>
+            <a:spcBef>
+              <a:spcPct val="0"/>
+            </a:spcBef>
+            <a:spcAft>
+              <a:spcPct val="35000"/>
+            </a:spcAft>
+            <a:buNone/>
+          </a:pPr>
+          <a:r>
+            <a:rPr lang="en-CA" sz="1900" kern="1200"/>
+            <a:t>Back-end application</a:t>
+          </a:r>
+          <a:endParaRPr lang="en-US" sz="1900" kern="1200"/>
+        </a:p>
+      </dsp:txBody>
+      <dsp:txXfrm>
+        <a:off x="1194666" y="1294969"/>
+        <a:ext cx="4691624" cy="1034343"/>
+      </dsp:txXfrm>
+    </dsp:sp>
+    <dsp:sp modelId="{06E4AFD1-81F0-4C7B-AA79-C6ECDF0378D2}">
+      <dsp:nvSpPr>
+        <dsp:cNvPr id="0" name=""/>
+        <dsp:cNvSpPr/>
+      </dsp:nvSpPr>
+      <dsp:spPr>
+        <a:xfrm>
+          <a:off x="0" y="2587898"/>
+          <a:ext cx="5886291" cy="1034343"/>
+        </a:xfrm>
+        <a:prstGeom prst="roundRect">
+          <a:avLst>
+            <a:gd name="adj" fmla="val 10000"/>
+          </a:avLst>
+        </a:prstGeom>
+        <a:solidFill>
+          <a:schemeClr val="accent4">
+            <a:hueOff val="0"/>
+            <a:satOff val="0"/>
+            <a:lumOff val="0"/>
+            <a:alphaOff val="0"/>
+          </a:schemeClr>
+        </a:solidFill>
+        <a:ln>
+          <a:noFill/>
+        </a:ln>
+        <a:effectLst/>
+      </dsp:spPr>
+      <dsp:style>
+        <a:lnRef idx="0">
+          <a:scrgbClr r="0" g="0" b="0"/>
+        </a:lnRef>
+        <a:fillRef idx="1">
+          <a:scrgbClr r="0" g="0" b="0"/>
+        </a:fillRef>
+        <a:effectRef idx="0">
+          <a:scrgbClr r="0" g="0" b="0"/>
+        </a:effectRef>
+        <a:fontRef idx="minor"/>
+      </dsp:style>
+    </dsp:sp>
+    <dsp:sp modelId="{777EE6CF-3E43-4B00-95D2-0B113550C5A3}">
+      <dsp:nvSpPr>
+        <dsp:cNvPr id="0" name=""/>
+        <dsp:cNvSpPr/>
+      </dsp:nvSpPr>
+      <dsp:spPr>
+        <a:xfrm>
+          <a:off x="312888" y="2820625"/>
+          <a:ext cx="568888" cy="568888"/>
+        </a:xfrm>
+        <a:prstGeom prst="rect">
+          <a:avLst/>
+        </a:prstGeom>
+        <a:blipFill>
+          <a:blip xmlns:r="http://schemas.openxmlformats.org/officeDocument/2006/relationships" r:embed="rId5">
+            <a:extLst>
+              <a:ext uri="{28A0092B-C50C-407E-A947-70E740481C1C}">
+                <a14:useLocalDpi xmlns:a14="http://schemas.microsoft.com/office/drawing/2010/main" val="0"/>
+              </a:ext>
+              <a:ext uri="{96DAC541-7B7A-43D3-8B79-37D633B846F1}">
+                <asvg:svgBlip xmlns:asvg="http://schemas.microsoft.com/office/drawing/2016/SVG/main" r:embed="rId6"/>
+              </a:ext>
+            </a:extLst>
+          </a:blip>
+          <a:stretch>
+            <a:fillRect/>
+          </a:stretch>
+        </a:blipFill>
+        <a:ln w="19050" cap="rnd" cmpd="sng" algn="ctr">
+          <a:noFill/>
+          <a:prstDash val="solid"/>
+        </a:ln>
+        <a:effectLst/>
+      </dsp:spPr>
+      <dsp:style>
+        <a:lnRef idx="2">
+          <a:scrgbClr r="0" g="0" b="0"/>
+        </a:lnRef>
+        <a:fillRef idx="1">
+          <a:scrgbClr r="0" g="0" b="0"/>
+        </a:fillRef>
+        <a:effectRef idx="0">
+          <a:scrgbClr r="0" g="0" b="0"/>
+        </a:effectRef>
+        <a:fontRef idx="minor">
+          <a:schemeClr val="lt1"/>
+        </a:fontRef>
+      </dsp:style>
+    </dsp:sp>
+    <dsp:sp modelId="{0C3B2918-4B7A-45E8-A219-BCE0C68ED6B4}">
+      <dsp:nvSpPr>
+        <dsp:cNvPr id="0" name=""/>
+        <dsp:cNvSpPr/>
+      </dsp:nvSpPr>
+      <dsp:spPr>
+        <a:xfrm>
+          <a:off x="1194666" y="2587898"/>
+          <a:ext cx="4691624" cy="1034343"/>
+        </a:xfrm>
+        <a:prstGeom prst="rect">
+          <a:avLst/>
+        </a:prstGeom>
+        <a:noFill/>
+        <a:ln>
+          <a:noFill/>
+        </a:ln>
+        <a:effectLst/>
+      </dsp:spPr>
+      <dsp:style>
+        <a:lnRef idx="0">
+          <a:scrgbClr r="0" g="0" b="0"/>
+        </a:lnRef>
+        <a:fillRef idx="0">
+          <a:scrgbClr r="0" g="0" b="0"/>
+        </a:fillRef>
+        <a:effectRef idx="0">
+          <a:scrgbClr r="0" g="0" b="0"/>
+        </a:effectRef>
+        <a:fontRef idx="minor"/>
+      </dsp:style>
+      <dsp:txBody>
+        <a:bodyPr spcFirstLastPara="0" vert="horz" wrap="square" lIns="109468" tIns="109468" rIns="109468" bIns="109468" numCol="1" spcCol="1270" anchor="ctr" anchorCtr="0">
+          <a:noAutofit/>
+        </a:bodyPr>
+        <a:lstStyle/>
+        <a:p>
+          <a:pPr marL="0" lvl="0" indent="0" algn="l" defTabSz="844550">
+            <a:lnSpc>
+              <a:spcPct val="90000"/>
+            </a:lnSpc>
+            <a:spcBef>
+              <a:spcPct val="0"/>
+            </a:spcBef>
+            <a:spcAft>
+              <a:spcPct val="35000"/>
+            </a:spcAft>
+            <a:buNone/>
+          </a:pPr>
+          <a:r>
+            <a:rPr lang="en-CA" sz="1900" kern="1200"/>
+            <a:t>Front-End Urls</a:t>
+          </a:r>
+          <a:endParaRPr lang="en-US" sz="1900" kern="1200"/>
+        </a:p>
+      </dsp:txBody>
+      <dsp:txXfrm>
+        <a:off x="1194666" y="2587898"/>
+        <a:ext cx="4691624" cy="1034343"/>
+      </dsp:txXfrm>
+    </dsp:sp>
+    <dsp:sp modelId="{56DCE80B-B9C6-4E35-BB85-C2E83156854F}">
+      <dsp:nvSpPr>
+        <dsp:cNvPr id="0" name=""/>
+        <dsp:cNvSpPr/>
+      </dsp:nvSpPr>
+      <dsp:spPr>
+        <a:xfrm>
+          <a:off x="0" y="3880827"/>
+          <a:ext cx="5886291" cy="1034343"/>
+        </a:xfrm>
+        <a:prstGeom prst="roundRect">
+          <a:avLst>
+            <a:gd name="adj" fmla="val 10000"/>
+          </a:avLst>
+        </a:prstGeom>
+        <a:solidFill>
+          <a:schemeClr val="accent5">
+            <a:hueOff val="0"/>
+            <a:satOff val="0"/>
+            <a:lumOff val="0"/>
+            <a:alphaOff val="0"/>
+          </a:schemeClr>
+        </a:solidFill>
+        <a:ln>
+          <a:noFill/>
+        </a:ln>
+        <a:effectLst/>
+      </dsp:spPr>
+      <dsp:style>
+        <a:lnRef idx="0">
+          <a:scrgbClr r="0" g="0" b="0"/>
+        </a:lnRef>
+        <a:fillRef idx="1">
+          <a:scrgbClr r="0" g="0" b="0"/>
+        </a:fillRef>
+        <a:effectRef idx="0">
+          <a:scrgbClr r="0" g="0" b="0"/>
+        </a:effectRef>
+        <a:fontRef idx="minor"/>
+      </dsp:style>
+    </dsp:sp>
+    <dsp:sp modelId="{11B819D7-FDF0-4411-8713-B440AEF7BD77}">
+      <dsp:nvSpPr>
+        <dsp:cNvPr id="0" name=""/>
+        <dsp:cNvSpPr/>
+      </dsp:nvSpPr>
+      <dsp:spPr>
+        <a:xfrm>
+          <a:off x="312888" y="4113554"/>
+          <a:ext cx="568888" cy="568888"/>
+        </a:xfrm>
+        <a:prstGeom prst="rect">
+          <a:avLst/>
+        </a:prstGeom>
+        <a:blipFill>
+          <a:blip xmlns:r="http://schemas.openxmlformats.org/officeDocument/2006/relationships" r:embed="rId7">
+            <a:extLst>
+              <a:ext uri="{28A0092B-C50C-407E-A947-70E740481C1C}">
+                <a14:useLocalDpi xmlns:a14="http://schemas.microsoft.com/office/drawing/2010/main" val="0"/>
+              </a:ext>
+              <a:ext uri="{96DAC541-7B7A-43D3-8B79-37D633B846F1}">
+                <asvg:svgBlip xmlns:asvg="http://schemas.microsoft.com/office/drawing/2016/SVG/main" r:embed="rId8"/>
+              </a:ext>
+            </a:extLst>
+          </a:blip>
+          <a:stretch>
+            <a:fillRect/>
+          </a:stretch>
+        </a:blipFill>
+        <a:ln w="19050" cap="rnd" cmpd="sng" algn="ctr">
+          <a:noFill/>
+          <a:prstDash val="solid"/>
+        </a:ln>
+        <a:effectLst/>
+      </dsp:spPr>
+      <dsp:style>
+        <a:lnRef idx="2">
+          <a:scrgbClr r="0" g="0" b="0"/>
+        </a:lnRef>
+        <a:fillRef idx="1">
+          <a:scrgbClr r="0" g="0" b="0"/>
+        </a:fillRef>
+        <a:effectRef idx="0">
+          <a:scrgbClr r="0" g="0" b="0"/>
+        </a:effectRef>
+        <a:fontRef idx="minor">
+          <a:schemeClr val="lt1"/>
+        </a:fontRef>
+      </dsp:style>
+    </dsp:sp>
+    <dsp:sp modelId="{1475BA80-0A17-45D4-97CB-7CE20A9AFB4D}">
+      <dsp:nvSpPr>
+        <dsp:cNvPr id="0" name=""/>
+        <dsp:cNvSpPr/>
+      </dsp:nvSpPr>
+      <dsp:spPr>
+        <a:xfrm>
+          <a:off x="1194666" y="3880827"/>
+          <a:ext cx="4691624" cy="1034343"/>
+        </a:xfrm>
+        <a:prstGeom prst="rect">
+          <a:avLst/>
+        </a:prstGeom>
+        <a:noFill/>
+        <a:ln>
+          <a:noFill/>
+        </a:ln>
+        <a:effectLst/>
+      </dsp:spPr>
+      <dsp:style>
+        <a:lnRef idx="0">
+          <a:scrgbClr r="0" g="0" b="0"/>
+        </a:lnRef>
+        <a:fillRef idx="0">
+          <a:scrgbClr r="0" g="0" b="0"/>
+        </a:fillRef>
+        <a:effectRef idx="0">
+          <a:scrgbClr r="0" g="0" b="0"/>
+        </a:effectRef>
+        <a:fontRef idx="minor"/>
+      </dsp:style>
+      <dsp:txBody>
+        <a:bodyPr spcFirstLastPara="0" vert="horz" wrap="square" lIns="109468" tIns="109468" rIns="109468" bIns="109468" numCol="1" spcCol="1270" anchor="ctr" anchorCtr="0">
+          <a:noAutofit/>
+        </a:bodyPr>
+        <a:lstStyle/>
+        <a:p>
+          <a:pPr marL="0" lvl="0" indent="0" algn="l" defTabSz="844550">
+            <a:lnSpc>
+              <a:spcPct val="90000"/>
+            </a:lnSpc>
+            <a:spcBef>
+              <a:spcPct val="0"/>
+            </a:spcBef>
+            <a:spcAft>
+              <a:spcPct val="35000"/>
+            </a:spcAft>
+            <a:buNone/>
+          </a:pPr>
+          <a:r>
+            <a:rPr lang="en-CA" sz="1900" kern="1200"/>
+            <a:t>Framework in the middle meshing it together as an interface between the Rest API and Backend Pythonic API’s.</a:t>
+          </a:r>
+          <a:endParaRPr lang="en-US" sz="1900" kern="1200"/>
+        </a:p>
+      </dsp:txBody>
+      <dsp:txXfrm>
+        <a:off x="1194666" y="3880827"/>
+        <a:ext cx="4691624" cy="1034343"/>
+      </dsp:txXfrm>
+    </dsp:sp>
+  </dsp:spTree>
+</dsp:drawing>
+</file>
+
 <file path=ppt/diagrams/layout1.xml><?xml version="1.0" encoding="utf-8"?>
 <dgm:layoutDef xmlns:dgm="http://schemas.openxmlformats.org/drawingml/2006/diagram" xmlns:a="http://schemas.openxmlformats.org/drawingml/2006/main" uniqueId="urn:microsoft.com/office/officeart/2005/8/layout/process5">
   <dgm:title val=""/>
@@ -4649,6 +8605,447 @@
 </dgm:layoutDef>
 </file>
 
+<file path=ppt/diagrams/layout3.xml><?xml version="1.0" encoding="utf-8"?>
+<dgm:layoutDef xmlns:dgm="http://schemas.openxmlformats.org/drawingml/2006/diagram" xmlns:a="http://schemas.openxmlformats.org/drawingml/2006/main" uniqueId="urn:microsoft.com/office/officeart/2005/8/layout/default">
+  <dgm:title val=""/>
+  <dgm:desc val=""/>
+  <dgm:catLst>
+    <dgm:cat type="list" pri="400"/>
+  </dgm:catLst>
+  <dgm:sampData>
+    <dgm:dataModel>
+      <dgm:ptLst>
+        <dgm:pt modelId="0" type="doc"/>
+        <dgm:pt modelId="1">
+          <dgm:prSet phldr="1"/>
+        </dgm:pt>
+        <dgm:pt modelId="2">
+          <dgm:prSet phldr="1"/>
+        </dgm:pt>
+        <dgm:pt modelId="3">
+          <dgm:prSet phldr="1"/>
+        </dgm:pt>
+        <dgm:pt modelId="4">
+          <dgm:prSet phldr="1"/>
+        </dgm:pt>
+        <dgm:pt modelId="5">
+          <dgm:prSet phldr="1"/>
+        </dgm:pt>
+      </dgm:ptLst>
+      <dgm:cxnLst>
+        <dgm:cxn modelId="6" srcId="0" destId="1" srcOrd="0" destOrd="0"/>
+        <dgm:cxn modelId="7" srcId="0" destId="2" srcOrd="1" destOrd="0"/>
+        <dgm:cxn modelId="8" srcId="0" destId="3" srcOrd="2" destOrd="0"/>
+        <dgm:cxn modelId="9" srcId="0" destId="4" srcOrd="3" destOrd="0"/>
+        <dgm:cxn modelId="10" srcId="0" destId="5" srcOrd="4" destOrd="0"/>
+      </dgm:cxnLst>
+      <dgm:bg/>
+      <dgm:whole/>
+    </dgm:dataModel>
+  </dgm:sampData>
+  <dgm:styleData>
+    <dgm:dataModel>
+      <dgm:ptLst>
+        <dgm:pt modelId="0" type="doc"/>
+        <dgm:pt modelId="1"/>
+        <dgm:pt modelId="2"/>
+      </dgm:ptLst>
+      <dgm:cxnLst>
+        <dgm:cxn modelId="3" srcId="0" destId="1" srcOrd="0" destOrd="0"/>
+        <dgm:cxn modelId="4" srcId="0" destId="2" srcOrd="1" destOrd="0"/>
+      </dgm:cxnLst>
+      <dgm:bg/>
+      <dgm:whole/>
+    </dgm:dataModel>
+  </dgm:styleData>
+  <dgm:clrData>
+    <dgm:dataModel>
+      <dgm:ptLst>
+        <dgm:pt modelId="0" type="doc"/>
+        <dgm:pt modelId="1"/>
+        <dgm:pt modelId="2"/>
+        <dgm:pt modelId="3"/>
+        <dgm:pt modelId="4"/>
+        <dgm:pt modelId="5"/>
+        <dgm:pt modelId="6"/>
+      </dgm:ptLst>
+      <dgm:cxnLst>
+        <dgm:cxn modelId="7" srcId="0" destId="1" srcOrd="0" destOrd="0"/>
+        <dgm:cxn modelId="8" srcId="0" destId="2" srcOrd="1" destOrd="0"/>
+        <dgm:cxn modelId="9" srcId="0" destId="3" srcOrd="2" destOrd="0"/>
+        <dgm:cxn modelId="10" srcId="0" destId="4" srcOrd="3" destOrd="0"/>
+        <dgm:cxn modelId="11" srcId="0" destId="5" srcOrd="4" destOrd="0"/>
+        <dgm:cxn modelId="12" srcId="0" destId="6" srcOrd="5" destOrd="0"/>
+      </dgm:cxnLst>
+      <dgm:bg/>
+      <dgm:whole/>
+    </dgm:dataModel>
+  </dgm:clrData>
+  <dgm:layoutNode name="diagram">
+    <dgm:varLst>
+      <dgm:dir/>
+      <dgm:resizeHandles val="exact"/>
+    </dgm:varLst>
+    <dgm:choose name="Name0">
+      <dgm:if name="Name1" func="var" arg="dir" op="equ" val="norm">
+        <dgm:alg type="snake">
+          <dgm:param type="grDir" val="tL"/>
+          <dgm:param type="flowDir" val="row"/>
+          <dgm:param type="contDir" val="sameDir"/>
+          <dgm:param type="off" val="ctr"/>
+        </dgm:alg>
+      </dgm:if>
+      <dgm:else name="Name2">
+        <dgm:alg type="snake">
+          <dgm:param type="grDir" val="tR"/>
+          <dgm:param type="flowDir" val="row"/>
+          <dgm:param type="contDir" val="sameDir"/>
+          <dgm:param type="off" val="ctr"/>
+        </dgm:alg>
+      </dgm:else>
+    </dgm:choose>
+    <dgm:shape xmlns:r="http://schemas.openxmlformats.org/officeDocument/2006/relationships" r:blip="">
+      <dgm:adjLst/>
+    </dgm:shape>
+    <dgm:presOf/>
+    <dgm:constrLst>
+      <dgm:constr type="w" for="ch" forName="node" refType="w"/>
+      <dgm:constr type="h" for="ch" forName="node" refType="w" refFor="ch" refForName="node" fact="0.6"/>
+      <dgm:constr type="w" for="ch" forName="sibTrans" refType="w" refFor="ch" refForName="node" fact="0.1"/>
+      <dgm:constr type="sp" refType="w" refFor="ch" refForName="sibTrans"/>
+      <dgm:constr type="primFontSz" for="ch" forName="node" op="equ" val="65"/>
+    </dgm:constrLst>
+    <dgm:ruleLst/>
+    <dgm:forEach name="Name3" axis="ch" ptType="node">
+      <dgm:layoutNode name="node">
+        <dgm:varLst>
+          <dgm:bulletEnabled val="1"/>
+        </dgm:varLst>
+        <dgm:alg type="tx"/>
+        <dgm:shape xmlns:r="http://schemas.openxmlformats.org/officeDocument/2006/relationships" type="rect" r:blip="">
+          <dgm:adjLst/>
+        </dgm:shape>
+        <dgm:presOf axis="desOrSelf" ptType="node"/>
+        <dgm:constrLst>
+          <dgm:constr type="lMarg" refType="primFontSz" fact="0.3"/>
+          <dgm:constr type="rMarg" refType="primFontSz" fact="0.3"/>
+          <dgm:constr type="tMarg" refType="primFontSz" fact="0.3"/>
+          <dgm:constr type="bMarg" refType="primFontSz" fact="0.3"/>
+        </dgm:constrLst>
+        <dgm:ruleLst>
+          <dgm:rule type="primFontSz" val="5" fact="NaN" max="NaN"/>
+        </dgm:ruleLst>
+      </dgm:layoutNode>
+      <dgm:forEach name="Name4" axis="followSib" ptType="sibTrans" cnt="1">
+        <dgm:layoutNode name="sibTrans">
+          <dgm:alg type="sp"/>
+          <dgm:shape xmlns:r="http://schemas.openxmlformats.org/officeDocument/2006/relationships" r:blip="">
+            <dgm:adjLst/>
+          </dgm:shape>
+          <dgm:presOf/>
+          <dgm:constrLst/>
+          <dgm:ruleLst/>
+        </dgm:layoutNode>
+      </dgm:forEach>
+    </dgm:forEach>
+  </dgm:layoutNode>
+</dgm:layoutDef>
+</file>
+
+<file path=ppt/diagrams/layout4.xml><?xml version="1.0" encoding="utf-8"?>
+<dgm:layoutDef xmlns:dgm="http://schemas.openxmlformats.org/drawingml/2006/diagram" xmlns:a="http://schemas.openxmlformats.org/drawingml/2006/main" uniqueId="urn:microsoft.com/office/officeart/2018/2/layout/IconVerticalSolidList">
+  <dgm:title val="Icon Vertical Solid List"/>
+  <dgm:desc val="Use to show a series of visuals from top to bottom with Level 1 or Level 1 and Level 2 text grouped in a shape. Works best with icons or small pictures with lengthier descriptions."/>
+  <dgm:catLst>
+    <dgm:cat type="icon" pri="500"/>
+  </dgm:catLst>
+  <dgm:sampData useDef="1">
+    <dgm:dataModel>
+      <dgm:ptLst/>
+      <dgm:bg/>
+      <dgm:whole/>
+    </dgm:dataModel>
+  </dgm:sampData>
+  <dgm:styleData useDef="1">
+    <dgm:dataModel>
+      <dgm:ptLst/>
+      <dgm:bg/>
+      <dgm:whole/>
+    </dgm:dataModel>
+  </dgm:styleData>
+  <dgm:clrData useDef="1">
+    <dgm:dataModel>
+      <dgm:ptLst/>
+      <dgm:bg/>
+      <dgm:whole/>
+    </dgm:dataModel>
+  </dgm:clrData>
+  <dgm:layoutNode name="root">
+    <dgm:varLst>
+      <dgm:dir/>
+      <dgm:resizeHandles val="exact"/>
+    </dgm:varLst>
+    <dgm:choose name="Name0">
+      <dgm:if name="Name1" axis="self" func="var" arg="dir" op="equ" val="norm">
+        <dgm:alg type="lin">
+          <dgm:param type="linDir" val="fromT"/>
+          <dgm:param type="nodeHorzAlign" val="l"/>
+        </dgm:alg>
+      </dgm:if>
+      <dgm:else name="Name2">
+        <dgm:alg type="lin">
+          <dgm:param type="linDir" val="fromT"/>
+          <dgm:param type="nodeHorzAlign" val="r"/>
+        </dgm:alg>
+      </dgm:else>
+    </dgm:choose>
+    <dgm:shape xmlns:r="http://schemas.openxmlformats.org/officeDocument/2006/relationships" r:blip="">
+      <dgm:adjLst/>
+    </dgm:shape>
+    <dgm:presOf/>
+    <dgm:choose name="Name3">
+      <dgm:if name="Name4" axis="ch" ptType="node" func="cnt" op="lte" val="3">
+        <dgm:constrLst>
+          <dgm:constr type="h" for="ch" forName="compNode" refType="h" fact="0.3"/>
+          <dgm:constr type="w" for="ch" forName="compNode" refType="w"/>
+          <dgm:constr type="h" for="ch" forName="sibTrans" refType="h" refFor="ch" refForName="compNode" fact="0.25"/>
+          <dgm:constr type="primFontSz" for="des" forName="parTx" val="25"/>
+          <dgm:constr type="primFontSz" for="des" forName="desTx" refType="primFontSz" refFor="des" refForName="parTx" op="lte" fact="0.75"/>
+          <dgm:constr type="h" for="des" forName="compNode" op="equ"/>
+          <dgm:constr type="h" for="des" forName="bgRect" op="equ"/>
+          <dgm:constr type="h" for="des" forName="iconRect" op="equ"/>
+          <dgm:constr type="w" for="des" forName="iconRect" op="equ"/>
+          <dgm:constr type="h" for="des" forName="spaceRect" op="equ"/>
+          <dgm:constr type="h" for="des" forName="parTx" op="equ"/>
+          <dgm:constr type="h" for="des" forName="desTx" op="equ"/>
+        </dgm:constrLst>
+      </dgm:if>
+      <dgm:if name="Name5" axis="ch" ptType="node" func="cnt" op="lte" val="4">
+        <dgm:constrLst>
+          <dgm:constr type="h" for="ch" forName="compNode" refType="h" fact="0.3"/>
+          <dgm:constr type="w" for="ch" forName="compNode" refType="w"/>
+          <dgm:constr type="h" for="ch" forName="sibTrans" refType="h" refFor="ch" refForName="compNode" fact="0.25"/>
+          <dgm:constr type="primFontSz" for="des" forName="parTx" val="22"/>
+          <dgm:constr type="primFontSz" for="des" forName="desTx" refType="primFontSz" refFor="des" refForName="parTx" op="lte" fact="0.75"/>
+          <dgm:constr type="h" for="des" forName="compNode" op="equ"/>
+          <dgm:constr type="h" for="des" forName="bgRect" op="equ"/>
+          <dgm:constr type="h" for="des" forName="iconRect" op="equ"/>
+          <dgm:constr type="w" for="des" forName="iconRect" op="equ"/>
+          <dgm:constr type="h" for="des" forName="spaceRect" op="equ"/>
+          <dgm:constr type="h" for="des" forName="parTx" op="equ"/>
+          <dgm:constr type="h" for="des" forName="desTx" op="equ"/>
+        </dgm:constrLst>
+      </dgm:if>
+      <dgm:if name="Name6" axis="ch" ptType="node" func="cnt" op="lte" val="6">
+        <dgm:constrLst>
+          <dgm:constr type="h" for="ch" forName="compNode" refType="h" fact="0.3"/>
+          <dgm:constr type="w" for="ch" forName="compNode" refType="w"/>
+          <dgm:constr type="h" for="ch" forName="sibTrans" refType="h" refFor="ch" refForName="compNode" fact="0.25"/>
+          <dgm:constr type="primFontSz" for="des" forName="parTx" val="19"/>
+          <dgm:constr type="primFontSz" for="des" forName="desTx" refType="primFontSz" refFor="des" refForName="parTx" op="lte" fact="0.75"/>
+          <dgm:constr type="h" for="des" forName="compNode" op="equ"/>
+          <dgm:constr type="h" for="des" forName="bgRect" op="equ"/>
+          <dgm:constr type="h" for="des" forName="iconRect" op="equ"/>
+          <dgm:constr type="w" for="des" forName="iconRect" op="equ"/>
+          <dgm:constr type="h" for="des" forName="spaceRect" op="equ"/>
+          <dgm:constr type="h" for="des" forName="parTx" op="equ"/>
+          <dgm:constr type="h" for="des" forName="desTx" op="equ"/>
+        </dgm:constrLst>
+      </dgm:if>
+      <dgm:else name="Name7">
+        <dgm:constrLst>
+          <dgm:constr type="h" for="ch" forName="compNode" refType="h" fact="0.3"/>
+          <dgm:constr type="w" for="ch" forName="compNode" refType="w"/>
+          <dgm:constr type="h" for="ch" forName="sibTrans" refType="h" refFor="ch" refForName="compNode" fact="0.25"/>
+          <dgm:constr type="primFontSz" for="des" forName="parTx" val="16"/>
+          <dgm:constr type="primFontSz" for="des" forName="desTx" refType="primFontSz" refFor="des" refForName="parTx" op="lte" fact="0.75"/>
+          <dgm:constr type="h" for="des" forName="compNode" op="equ"/>
+          <dgm:constr type="h" for="des" forName="bgRect" op="equ"/>
+          <dgm:constr type="h" for="des" forName="iconRect" op="equ"/>
+          <dgm:constr type="w" for="des" forName="iconRect" op="equ"/>
+          <dgm:constr type="h" for="des" forName="spaceRect" op="equ"/>
+          <dgm:constr type="h" for="des" forName="parTx" op="equ"/>
+          <dgm:constr type="h" for="des" forName="desTx" op="equ"/>
+        </dgm:constrLst>
+      </dgm:else>
+    </dgm:choose>
+    <dgm:ruleLst>
+      <dgm:rule type="h" for="ch" forName="compNode" val="0" fact="NaN" max="NaN"/>
+    </dgm:ruleLst>
+    <dgm:forEach name="Name8" axis="ch" ptType="node">
+      <dgm:layoutNode name="compNode">
+        <dgm:alg type="composite"/>
+        <dgm:shape xmlns:r="http://schemas.openxmlformats.org/officeDocument/2006/relationships" r:blip="">
+          <dgm:adjLst/>
+        </dgm:shape>
+        <dgm:presOf axis="self"/>
+        <dgm:choose name="Name9">
+          <dgm:if name="Name10" axis="ch" ptType="node" func="cnt" op="gte" val="1">
+            <dgm:constrLst>
+              <dgm:constr type="w" for="ch" forName="bgRect" refType="w"/>
+              <dgm:constr type="h" for="ch" forName="bgRect" refType="h"/>
+              <dgm:constr type="l" for="ch" forName="bgRect"/>
+              <dgm:constr type="t" for="ch" forName="bgRect"/>
+              <dgm:constr type="h" for="ch" forName="iconRect" refType="h" fact="0.55"/>
+              <dgm:constr type="w" for="ch" forName="iconRect" refType="h" refFor="ch" refForName="iconRect"/>
+              <dgm:constr type="l" for="ch" forName="iconRect" refType="h" refFor="ch" refForName="iconRect" fact="0.55"/>
+              <dgm:constr type="ctrY" for="ch" forName="iconRect" refType="ctrY" refFor="ch" refForName="bgRect"/>
+              <dgm:constr type="w" for="ch" forName="spaceRect" refType="l" refFor="ch" refForName="iconRect"/>
+              <dgm:constr type="h" for="ch" forName="spaceRect" refType="h"/>
+              <dgm:constr type="l" for="ch" forName="spaceRect" refType="r" refFor="ch" refForName="iconRect"/>
+              <dgm:constr type="t" for="ch" forName="spaceRect"/>
+              <dgm:constr type="w" for="ch" forName="parTx" refType="w" fact="0.45"/>
+              <dgm:constr type="h" for="ch" forName="parTx" refType="h"/>
+              <dgm:constr type="l" for="ch" forName="parTx" refType="r" refFor="ch" refForName="spaceRect"/>
+              <dgm:constr type="t" for="ch" forName="parTx"/>
+              <dgm:constr type="h" for="ch" forName="desTx" refType="h"/>
+              <dgm:constr type="l" for="ch" forName="desTx" refType="r" refFor="ch" refForName="parTx"/>
+              <dgm:constr type="t" for="ch" forName="desTx"/>
+            </dgm:constrLst>
+          </dgm:if>
+          <dgm:else name="Name11">
+            <dgm:constrLst>
+              <dgm:constr type="w" for="ch" forName="bgRect" refType="w"/>
+              <dgm:constr type="h" for="ch" forName="bgRect" refType="h"/>
+              <dgm:constr type="l" for="ch" forName="bgRect"/>
+              <dgm:constr type="t" for="ch" forName="bgRect"/>
+              <dgm:constr type="h" for="ch" forName="iconRect" refType="h" fact="0.55"/>
+              <dgm:constr type="w" for="ch" forName="iconRect" refType="h" refFor="ch" refForName="iconRect"/>
+              <dgm:constr type="l" for="ch" forName="iconRect" refType="h" refFor="ch" refForName="iconRect" fact="0.55"/>
+              <dgm:constr type="ctrY" for="ch" forName="iconRect" refType="ctrY" refFor="ch" refForName="bgRect"/>
+              <dgm:constr type="w" for="ch" forName="spaceRect" refType="l" refFor="ch" refForName="iconRect"/>
+              <dgm:constr type="h" for="ch" forName="spaceRect" refType="h"/>
+              <dgm:constr type="l" for="ch" forName="spaceRect" refType="r" refFor="ch" refForName="iconRect"/>
+              <dgm:constr type="t" for="ch" forName="spaceRect"/>
+              <dgm:constr type="h" for="ch" forName="parTx" refType="h"/>
+              <dgm:constr type="l" for="ch" forName="parTx" refType="r" refFor="ch" refForName="spaceRect"/>
+              <dgm:constr type="t" for="ch" forName="parTx"/>
+            </dgm:constrLst>
+          </dgm:else>
+        </dgm:choose>
+        <dgm:ruleLst>
+          <dgm:rule type="h" val="INF" fact="NaN" max="NaN"/>
+        </dgm:ruleLst>
+        <dgm:layoutNode name="bgRect" styleLbl="bgShp">
+          <dgm:alg type="sp"/>
+          <dgm:shape xmlns:r="http://schemas.openxmlformats.org/officeDocument/2006/relationships" type="roundRect" r:blip="">
+            <dgm:adjLst>
+              <dgm:adj idx="1" val="0.1"/>
+            </dgm:adjLst>
+          </dgm:shape>
+          <dgm:presOf/>
+          <dgm:constrLst/>
+          <dgm:ruleLst/>
+        </dgm:layoutNode>
+        <dgm:layoutNode name="iconRect" styleLbl="node1">
+          <dgm:alg type="sp"/>
+          <dgm:shape xmlns:r="http://schemas.openxmlformats.org/officeDocument/2006/relationships" type="rect" r:blip="" blipPhldr="1">
+            <dgm:adjLst/>
+          </dgm:shape>
+          <dgm:presOf/>
+          <dgm:constrLst/>
+          <dgm:ruleLst/>
+        </dgm:layoutNode>
+        <dgm:layoutNode name="spaceRect">
+          <dgm:alg type="sp"/>
+          <dgm:shape xmlns:r="http://schemas.openxmlformats.org/officeDocument/2006/relationships" r:blip="">
+            <dgm:adjLst/>
+          </dgm:shape>
+          <dgm:presOf/>
+          <dgm:constrLst/>
+          <dgm:ruleLst/>
+        </dgm:layoutNode>
+        <dgm:layoutNode name="parTx" styleLbl="revTx">
+          <dgm:varLst>
+            <dgm:chMax val="0"/>
+            <dgm:chPref val="0"/>
+          </dgm:varLst>
+          <dgm:alg type="tx">
+            <dgm:param type="txAnchorVert" val="mid"/>
+            <dgm:param type="parTxLTRAlign" val="l"/>
+            <dgm:param type="shpTxLTRAlignCh" val="l"/>
+            <dgm:param type="parTxRTLAlign" val="r"/>
+            <dgm:param type="shpTxRTLAlignCh" val="r"/>
+          </dgm:alg>
+          <dgm:shape xmlns:r="http://schemas.openxmlformats.org/officeDocument/2006/relationships" type="rect" r:blip="">
+            <dgm:adjLst/>
+          </dgm:shape>
+          <dgm:presOf axis="self" ptType="node"/>
+          <dgm:constrLst>
+            <dgm:constr type="lMarg" refType="h" fact="0.3"/>
+            <dgm:constr type="rMarg" refType="h" fact="0.3"/>
+            <dgm:constr type="tMarg" refType="h" fact="0.3"/>
+            <dgm:constr type="bMarg" refType="h" fact="0.3"/>
+          </dgm:constrLst>
+          <dgm:ruleLst>
+            <dgm:rule type="primFontSz" val="14" fact="NaN" max="NaN"/>
+            <dgm:rule type="h" val="INF" fact="NaN" max="NaN"/>
+          </dgm:ruleLst>
+        </dgm:layoutNode>
+        <dgm:choose name="Name12">
+          <dgm:if name="Name13" axis="ch" ptType="node" func="cnt" op="gte" val="1">
+            <dgm:layoutNode name="desTx" styleLbl="revTx">
+              <dgm:varLst/>
+              <dgm:alg type="tx">
+                <dgm:param type="txAnchorVertCh" val="mid"/>
+                <dgm:param type="parTxLTRAlign" val="l"/>
+                <dgm:param type="shpTxLTRAlignCh" val="l"/>
+                <dgm:param type="parTxRTLAlign" val="r"/>
+                <dgm:param type="shpTxRTLAlignCh" val="r"/>
+                <dgm:param type="stBulletLvl" val="0"/>
+              </dgm:alg>
+              <dgm:shape xmlns:r="http://schemas.openxmlformats.org/officeDocument/2006/relationships" type="rect" r:blip="">
+                <dgm:adjLst/>
+              </dgm:shape>
+              <dgm:presOf axis="des" ptType="node"/>
+              <dgm:constrLst>
+                <dgm:constr type="primFontSz" val="18"/>
+                <dgm:constr type="secFontSz" refType="primFontSz"/>
+                <dgm:constr type="lMarg" refType="h" fact="0.3"/>
+                <dgm:constr type="rMarg" refType="h" fact="0.3"/>
+                <dgm:constr type="tMarg" refType="h" fact="0.3"/>
+                <dgm:constr type="bMarg" refType="h" fact="0.3"/>
+              </dgm:constrLst>
+              <dgm:ruleLst>
+                <dgm:rule type="primFontSz" val="11" fact="NaN" max="NaN"/>
+              </dgm:ruleLst>
+            </dgm:layoutNode>
+          </dgm:if>
+          <dgm:else name="Name14"/>
+        </dgm:choose>
+      </dgm:layoutNode>
+      <dgm:forEach name="Name15" axis="followSib" ptType="sibTrans" cnt="1">
+        <dgm:layoutNode name="sibTrans">
+          <dgm:alg type="sp"/>
+          <dgm:shape xmlns:r="http://schemas.openxmlformats.org/officeDocument/2006/relationships" r:blip="">
+            <dgm:adjLst/>
+          </dgm:shape>
+          <dgm:presOf axis="self"/>
+          <dgm:constrLst/>
+          <dgm:ruleLst/>
+        </dgm:layoutNode>
+      </dgm:forEach>
+    </dgm:forEach>
+  </dgm:layoutNode>
+  <dgm:extLst>
+    <a:ext uri="{68A01E43-0DF5-4B5B-8FA6-DAF915123BFB}">
+      <dgm1612:lstStyle xmlns:dgm1612="http://schemas.microsoft.com/office/drawing/2016/12/diagram">
+        <a:lvl1pPr>
+          <a:lnSpc>
+            <a:spcPct val="100000"/>
+          </a:lnSpc>
+        </a:lvl1pPr>
+        <a:lvl2pPr>
+          <a:lnSpc>
+            <a:spcPct val="100000"/>
+          </a:lnSpc>
+        </a:lvl2pPr>
+      </dgm1612:lstStyle>
+    </a:ext>
+  </dgm:extLst>
+</dgm:layoutDef>
+</file>
+
 <file path=ppt/diagrams/quickStyle1.xml><?xml version="1.0" encoding="utf-8"?>
 <dgm:styleDef xmlns:dgm="http://schemas.openxmlformats.org/drawingml/2006/diagram" xmlns:a="http://schemas.openxmlformats.org/drawingml/2006/main" uniqueId="urn:microsoft.com/office/officeart/2005/8/quickstyle/simple1">
   <dgm:title val=""/>
@@ -5684,6 +10081,2074 @@
 </file>
 
 <file path=ppt/diagrams/quickStyle2.xml><?xml version="1.0" encoding="utf-8"?>
+<dgm:styleDef xmlns:dgm="http://schemas.openxmlformats.org/drawingml/2006/diagram" xmlns:a="http://schemas.openxmlformats.org/drawingml/2006/main" uniqueId="urn:microsoft.com/office/officeart/2005/8/quickstyle/simple1">
+  <dgm:title val=""/>
+  <dgm:desc val=""/>
+  <dgm:catLst>
+    <dgm:cat type="simple" pri="10100"/>
+  </dgm:catLst>
+  <dgm:scene3d>
+    <a:camera prst="orthographicFront"/>
+    <a:lightRig rig="threePt" dir="t"/>
+  </dgm:scene3d>
+  <dgm:styleLbl name="node0">
+    <dgm:scene3d>
+      <a:camera prst="orthographicFront"/>
+      <a:lightRig rig="threePt" dir="t"/>
+    </dgm:scene3d>
+    <dgm:sp3d/>
+    <dgm:txPr/>
+    <dgm:style>
+      <a:lnRef idx="2">
+        <a:scrgbClr r="0" g="0" b="0"/>
+      </a:lnRef>
+      <a:fillRef idx="1">
+        <a:scrgbClr r="0" g="0" b="0"/>
+      </a:fillRef>
+      <a:effectRef idx="0">
+        <a:scrgbClr r="0" g="0" b="0"/>
+      </a:effectRef>
+      <a:fontRef idx="minor">
+        <a:schemeClr val="lt1"/>
+      </a:fontRef>
+    </dgm:style>
+  </dgm:styleLbl>
+  <dgm:styleLbl name="lnNode1">
+    <dgm:scene3d>
+      <a:camera prst="orthographicFront"/>
+      <a:lightRig rig="threePt" dir="t"/>
+    </dgm:scene3d>
+    <dgm:sp3d/>
+    <dgm:txPr/>
+    <dgm:style>
+      <a:lnRef idx="2">
+        <a:scrgbClr r="0" g="0" b="0"/>
+      </a:lnRef>
+      <a:fillRef idx="1">
+        <a:scrgbClr r="0" g="0" b="0"/>
+      </a:fillRef>
+      <a:effectRef idx="0">
+        <a:scrgbClr r="0" g="0" b="0"/>
+      </a:effectRef>
+      <a:fontRef idx="minor">
+        <a:schemeClr val="lt1"/>
+      </a:fontRef>
+    </dgm:style>
+  </dgm:styleLbl>
+  <dgm:styleLbl name="vennNode1">
+    <dgm:scene3d>
+      <a:camera prst="orthographicFront"/>
+      <a:lightRig rig="threePt" dir="t"/>
+    </dgm:scene3d>
+    <dgm:sp3d/>
+    <dgm:txPr/>
+    <dgm:style>
+      <a:lnRef idx="2">
+        <a:scrgbClr r="0" g="0" b="0"/>
+      </a:lnRef>
+      <a:fillRef idx="1">
+        <a:scrgbClr r="0" g="0" b="0"/>
+      </a:fillRef>
+      <a:effectRef idx="0">
+        <a:scrgbClr r="0" g="0" b="0"/>
+      </a:effectRef>
+      <a:fontRef idx="minor">
+        <a:schemeClr val="tx1"/>
+      </a:fontRef>
+    </dgm:style>
+  </dgm:styleLbl>
+  <dgm:styleLbl name="alignNode1">
+    <dgm:scene3d>
+      <a:camera prst="orthographicFront"/>
+      <a:lightRig rig="threePt" dir="t"/>
+    </dgm:scene3d>
+    <dgm:sp3d/>
+    <dgm:txPr/>
+    <dgm:style>
+      <a:lnRef idx="2">
+        <a:scrgbClr r="0" g="0" b="0"/>
+      </a:lnRef>
+      <a:fillRef idx="1">
+        <a:scrgbClr r="0" g="0" b="0"/>
+      </a:fillRef>
+      <a:effectRef idx="0">
+        <a:scrgbClr r="0" g="0" b="0"/>
+      </a:effectRef>
+      <a:fontRef idx="minor">
+        <a:schemeClr val="lt1"/>
+      </a:fontRef>
+    </dgm:style>
+  </dgm:styleLbl>
+  <dgm:styleLbl name="node1">
+    <dgm:scene3d>
+      <a:camera prst="orthographicFront"/>
+      <a:lightRig rig="threePt" dir="t"/>
+    </dgm:scene3d>
+    <dgm:sp3d/>
+    <dgm:txPr/>
+    <dgm:style>
+      <a:lnRef idx="2">
+        <a:scrgbClr r="0" g="0" b="0"/>
+      </a:lnRef>
+      <a:fillRef idx="1">
+        <a:scrgbClr r="0" g="0" b="0"/>
+      </a:fillRef>
+      <a:effectRef idx="0">
+        <a:scrgbClr r="0" g="0" b="0"/>
+      </a:effectRef>
+      <a:fontRef idx="minor">
+        <a:schemeClr val="lt1"/>
+      </a:fontRef>
+    </dgm:style>
+  </dgm:styleLbl>
+  <dgm:styleLbl name="node2">
+    <dgm:scene3d>
+      <a:camera prst="orthographicFront"/>
+      <a:lightRig rig="threePt" dir="t"/>
+    </dgm:scene3d>
+    <dgm:sp3d/>
+    <dgm:txPr/>
+    <dgm:style>
+      <a:lnRef idx="2">
+        <a:scrgbClr r="0" g="0" b="0"/>
+      </a:lnRef>
+      <a:fillRef idx="1">
+        <a:scrgbClr r="0" g="0" b="0"/>
+      </a:fillRef>
+      <a:effectRef idx="0">
+        <a:scrgbClr r="0" g="0" b="0"/>
+      </a:effectRef>
+      <a:fontRef idx="minor">
+        <a:schemeClr val="lt1"/>
+      </a:fontRef>
+    </dgm:style>
+  </dgm:styleLbl>
+  <dgm:styleLbl name="node3">
+    <dgm:scene3d>
+      <a:camera prst="orthographicFront"/>
+      <a:lightRig rig="threePt" dir="t"/>
+    </dgm:scene3d>
+    <dgm:sp3d/>
+    <dgm:txPr/>
+    <dgm:style>
+      <a:lnRef idx="2">
+        <a:scrgbClr r="0" g="0" b="0"/>
+      </a:lnRef>
+      <a:fillRef idx="1">
+        <a:scrgbClr r="0" g="0" b="0"/>
+      </a:fillRef>
+      <a:effectRef idx="0">
+        <a:scrgbClr r="0" g="0" b="0"/>
+      </a:effectRef>
+      <a:fontRef idx="minor">
+        <a:schemeClr val="lt1"/>
+      </a:fontRef>
+    </dgm:style>
+  </dgm:styleLbl>
+  <dgm:styleLbl name="node4">
+    <dgm:scene3d>
+      <a:camera prst="orthographicFront"/>
+      <a:lightRig rig="threePt" dir="t"/>
+    </dgm:scene3d>
+    <dgm:sp3d/>
+    <dgm:txPr/>
+    <dgm:style>
+      <a:lnRef idx="2">
+        <a:scrgbClr r="0" g="0" b="0"/>
+      </a:lnRef>
+      <a:fillRef idx="1">
+        <a:scrgbClr r="0" g="0" b="0"/>
+      </a:fillRef>
+      <a:effectRef idx="0">
+        <a:scrgbClr r="0" g="0" b="0"/>
+      </a:effectRef>
+      <a:fontRef idx="minor">
+        <a:schemeClr val="lt1"/>
+      </a:fontRef>
+    </dgm:style>
+  </dgm:styleLbl>
+  <dgm:styleLbl name="fgImgPlace1">
+    <dgm:scene3d>
+      <a:camera prst="orthographicFront"/>
+      <a:lightRig rig="threePt" dir="t"/>
+    </dgm:scene3d>
+    <dgm:sp3d/>
+    <dgm:txPr/>
+    <dgm:style>
+      <a:lnRef idx="2">
+        <a:scrgbClr r="0" g="0" b="0"/>
+      </a:lnRef>
+      <a:fillRef idx="1">
+        <a:scrgbClr r="0" g="0" b="0"/>
+      </a:fillRef>
+      <a:effectRef idx="0">
+        <a:scrgbClr r="0" g="0" b="0"/>
+      </a:effectRef>
+      <a:fontRef idx="minor"/>
+    </dgm:style>
+  </dgm:styleLbl>
+  <dgm:styleLbl name="alignImgPlace1">
+    <dgm:scene3d>
+      <a:camera prst="orthographicFront"/>
+      <a:lightRig rig="threePt" dir="t"/>
+    </dgm:scene3d>
+    <dgm:sp3d/>
+    <dgm:txPr/>
+    <dgm:style>
+      <a:lnRef idx="2">
+        <a:scrgbClr r="0" g="0" b="0"/>
+      </a:lnRef>
+      <a:fillRef idx="1">
+        <a:scrgbClr r="0" g="0" b="0"/>
+      </a:fillRef>
+      <a:effectRef idx="0">
+        <a:scrgbClr r="0" g="0" b="0"/>
+      </a:effectRef>
+      <a:fontRef idx="minor"/>
+    </dgm:style>
+  </dgm:styleLbl>
+  <dgm:styleLbl name="bgImgPlace1">
+    <dgm:scene3d>
+      <a:camera prst="orthographicFront"/>
+      <a:lightRig rig="threePt" dir="t"/>
+    </dgm:scene3d>
+    <dgm:sp3d/>
+    <dgm:txPr/>
+    <dgm:style>
+      <a:lnRef idx="2">
+        <a:scrgbClr r="0" g="0" b="0"/>
+      </a:lnRef>
+      <a:fillRef idx="1">
+        <a:scrgbClr r="0" g="0" b="0"/>
+      </a:fillRef>
+      <a:effectRef idx="0">
+        <a:scrgbClr r="0" g="0" b="0"/>
+      </a:effectRef>
+      <a:fontRef idx="minor"/>
+    </dgm:style>
+  </dgm:styleLbl>
+  <dgm:styleLbl name="sibTrans2D1">
+    <dgm:scene3d>
+      <a:camera prst="orthographicFront"/>
+      <a:lightRig rig="threePt" dir="t"/>
+    </dgm:scene3d>
+    <dgm:sp3d/>
+    <dgm:txPr/>
+    <dgm:style>
+      <a:lnRef idx="0">
+        <a:scrgbClr r="0" g="0" b="0"/>
+      </a:lnRef>
+      <a:fillRef idx="1">
+        <a:scrgbClr r="0" g="0" b="0"/>
+      </a:fillRef>
+      <a:effectRef idx="0">
+        <a:scrgbClr r="0" g="0" b="0"/>
+      </a:effectRef>
+      <a:fontRef idx="minor">
+        <a:schemeClr val="lt1"/>
+      </a:fontRef>
+    </dgm:style>
+  </dgm:styleLbl>
+  <dgm:styleLbl name="fgSibTrans2D1">
+    <dgm:scene3d>
+      <a:camera prst="orthographicFront"/>
+      <a:lightRig rig="threePt" dir="t"/>
+    </dgm:scene3d>
+    <dgm:sp3d/>
+    <dgm:txPr/>
+    <dgm:style>
+      <a:lnRef idx="0">
+        <a:scrgbClr r="0" g="0" b="0"/>
+      </a:lnRef>
+      <a:fillRef idx="1">
+        <a:scrgbClr r="0" g="0" b="0"/>
+      </a:fillRef>
+      <a:effectRef idx="0">
+        <a:scrgbClr r="0" g="0" b="0"/>
+      </a:effectRef>
+      <a:fontRef idx="minor">
+        <a:schemeClr val="lt1"/>
+      </a:fontRef>
+    </dgm:style>
+  </dgm:styleLbl>
+  <dgm:styleLbl name="bgSibTrans2D1">
+    <dgm:scene3d>
+      <a:camera prst="orthographicFront"/>
+      <a:lightRig rig="threePt" dir="t"/>
+    </dgm:scene3d>
+    <dgm:sp3d/>
+    <dgm:txPr/>
+    <dgm:style>
+      <a:lnRef idx="0">
+        <a:scrgbClr r="0" g="0" b="0"/>
+      </a:lnRef>
+      <a:fillRef idx="1">
+        <a:scrgbClr r="0" g="0" b="0"/>
+      </a:fillRef>
+      <a:effectRef idx="0">
+        <a:scrgbClr r="0" g="0" b="0"/>
+      </a:effectRef>
+      <a:fontRef idx="minor">
+        <a:schemeClr val="lt1"/>
+      </a:fontRef>
+    </dgm:style>
+  </dgm:styleLbl>
+  <dgm:styleLbl name="sibTrans1D1">
+    <dgm:scene3d>
+      <a:camera prst="orthographicFront"/>
+      <a:lightRig rig="threePt" dir="t"/>
+    </dgm:scene3d>
+    <dgm:sp3d/>
+    <dgm:txPr/>
+    <dgm:style>
+      <a:lnRef idx="1">
+        <a:scrgbClr r="0" g="0" b="0"/>
+      </a:lnRef>
+      <a:fillRef idx="0">
+        <a:scrgbClr r="0" g="0" b="0"/>
+      </a:fillRef>
+      <a:effectRef idx="0">
+        <a:scrgbClr r="0" g="0" b="0"/>
+      </a:effectRef>
+      <a:fontRef idx="minor"/>
+    </dgm:style>
+  </dgm:styleLbl>
+  <dgm:styleLbl name="callout">
+    <dgm:scene3d>
+      <a:camera prst="orthographicFront"/>
+      <a:lightRig rig="threePt" dir="t"/>
+    </dgm:scene3d>
+    <dgm:sp3d/>
+    <dgm:txPr/>
+    <dgm:style>
+      <a:lnRef idx="2">
+        <a:scrgbClr r="0" g="0" b="0"/>
+      </a:lnRef>
+      <a:fillRef idx="1">
+        <a:scrgbClr r="0" g="0" b="0"/>
+      </a:fillRef>
+      <a:effectRef idx="0">
+        <a:scrgbClr r="0" g="0" b="0"/>
+      </a:effectRef>
+      <a:fontRef idx="minor"/>
+    </dgm:style>
+  </dgm:styleLbl>
+  <dgm:styleLbl name="asst0">
+    <dgm:scene3d>
+      <a:camera prst="orthographicFront"/>
+      <a:lightRig rig="threePt" dir="t"/>
+    </dgm:scene3d>
+    <dgm:sp3d/>
+    <dgm:txPr/>
+    <dgm:style>
+      <a:lnRef idx="2">
+        <a:scrgbClr r="0" g="0" b="0"/>
+      </a:lnRef>
+      <a:fillRef idx="1">
+        <a:scrgbClr r="0" g="0" b="0"/>
+      </a:fillRef>
+      <a:effectRef idx="0">
+        <a:scrgbClr r="0" g="0" b="0"/>
+      </a:effectRef>
+      <a:fontRef idx="minor">
+        <a:schemeClr val="lt1"/>
+      </a:fontRef>
+    </dgm:style>
+  </dgm:styleLbl>
+  <dgm:styleLbl name="asst1">
+    <dgm:scene3d>
+      <a:camera prst="orthographicFront"/>
+      <a:lightRig rig="threePt" dir="t"/>
+    </dgm:scene3d>
+    <dgm:sp3d/>
+    <dgm:txPr/>
+    <dgm:style>
+      <a:lnRef idx="2">
+        <a:scrgbClr r="0" g="0" b="0"/>
+      </a:lnRef>
+      <a:fillRef idx="1">
+        <a:scrgbClr r="0" g="0" b="0"/>
+      </a:fillRef>
+      <a:effectRef idx="0">
+        <a:scrgbClr r="0" g="0" b="0"/>
+      </a:effectRef>
+      <a:fontRef idx="minor">
+        <a:schemeClr val="lt1"/>
+      </a:fontRef>
+    </dgm:style>
+  </dgm:styleLbl>
+  <dgm:styleLbl name="asst2">
+    <dgm:scene3d>
+      <a:camera prst="orthographicFront"/>
+      <a:lightRig rig="threePt" dir="t"/>
+    </dgm:scene3d>
+    <dgm:sp3d/>
+    <dgm:txPr/>
+    <dgm:style>
+      <a:lnRef idx="2">
+        <a:scrgbClr r="0" g="0" b="0"/>
+      </a:lnRef>
+      <a:fillRef idx="1">
+        <a:scrgbClr r="0" g="0" b="0"/>
+      </a:fillRef>
+      <a:effectRef idx="0">
+        <a:scrgbClr r="0" g="0" b="0"/>
+      </a:effectRef>
+      <a:fontRef idx="minor">
+        <a:schemeClr val="lt1"/>
+      </a:fontRef>
+    </dgm:style>
+  </dgm:styleLbl>
+  <dgm:styleLbl name="asst3">
+    <dgm:scene3d>
+      <a:camera prst="orthographicFront"/>
+      <a:lightRig rig="threePt" dir="t"/>
+    </dgm:scene3d>
+    <dgm:sp3d/>
+    <dgm:txPr/>
+    <dgm:style>
+      <a:lnRef idx="2">
+        <a:scrgbClr r="0" g="0" b="0"/>
+      </a:lnRef>
+      <a:fillRef idx="1">
+        <a:scrgbClr r="0" g="0" b="0"/>
+      </a:fillRef>
+      <a:effectRef idx="0">
+        <a:scrgbClr r="0" g="0" b="0"/>
+      </a:effectRef>
+      <a:fontRef idx="minor">
+        <a:schemeClr val="lt1"/>
+      </a:fontRef>
+    </dgm:style>
+  </dgm:styleLbl>
+  <dgm:styleLbl name="asst4">
+    <dgm:scene3d>
+      <a:camera prst="orthographicFront"/>
+      <a:lightRig rig="threePt" dir="t"/>
+    </dgm:scene3d>
+    <dgm:sp3d/>
+    <dgm:txPr/>
+    <dgm:style>
+      <a:lnRef idx="2">
+        <a:scrgbClr r="0" g="0" b="0"/>
+      </a:lnRef>
+      <a:fillRef idx="1">
+        <a:scrgbClr r="0" g="0" b="0"/>
+      </a:fillRef>
+      <a:effectRef idx="0">
+        <a:scrgbClr r="0" g="0" b="0"/>
+      </a:effectRef>
+      <a:fontRef idx="minor">
+        <a:schemeClr val="lt1"/>
+      </a:fontRef>
+    </dgm:style>
+  </dgm:styleLbl>
+  <dgm:styleLbl name="parChTrans2D1">
+    <dgm:scene3d>
+      <a:camera prst="orthographicFront"/>
+      <a:lightRig rig="threePt" dir="t"/>
+    </dgm:scene3d>
+    <dgm:sp3d/>
+    <dgm:txPr/>
+    <dgm:style>
+      <a:lnRef idx="2">
+        <a:scrgbClr r="0" g="0" b="0"/>
+      </a:lnRef>
+      <a:fillRef idx="1">
+        <a:scrgbClr r="0" g="0" b="0"/>
+      </a:fillRef>
+      <a:effectRef idx="0">
+        <a:scrgbClr r="0" g="0" b="0"/>
+      </a:effectRef>
+      <a:fontRef idx="minor">
+        <a:schemeClr val="lt1"/>
+      </a:fontRef>
+    </dgm:style>
+  </dgm:styleLbl>
+  <dgm:styleLbl name="parChTrans2D2">
+    <dgm:scene3d>
+      <a:camera prst="orthographicFront"/>
+      <a:lightRig rig="threePt" dir="t"/>
+    </dgm:scene3d>
+    <dgm:sp3d/>
+    <dgm:txPr/>
+    <dgm:style>
+      <a:lnRef idx="2">
+        <a:scrgbClr r="0" g="0" b="0"/>
+      </a:lnRef>
+      <a:fillRef idx="1">
+        <a:scrgbClr r="0" g="0" b="0"/>
+      </a:fillRef>
+      <a:effectRef idx="0">
+        <a:scrgbClr r="0" g="0" b="0"/>
+      </a:effectRef>
+      <a:fontRef idx="minor">
+        <a:schemeClr val="lt1"/>
+      </a:fontRef>
+    </dgm:style>
+  </dgm:styleLbl>
+  <dgm:styleLbl name="parChTrans2D3">
+    <dgm:scene3d>
+      <a:camera prst="orthographicFront"/>
+      <a:lightRig rig="threePt" dir="t"/>
+    </dgm:scene3d>
+    <dgm:sp3d/>
+    <dgm:txPr/>
+    <dgm:style>
+      <a:lnRef idx="2">
+        <a:scrgbClr r="0" g="0" b="0"/>
+      </a:lnRef>
+      <a:fillRef idx="1">
+        <a:scrgbClr r="0" g="0" b="0"/>
+      </a:fillRef>
+      <a:effectRef idx="0">
+        <a:scrgbClr r="0" g="0" b="0"/>
+      </a:effectRef>
+      <a:fontRef idx="minor">
+        <a:schemeClr val="lt1"/>
+      </a:fontRef>
+    </dgm:style>
+  </dgm:styleLbl>
+  <dgm:styleLbl name="parChTrans2D4">
+    <dgm:scene3d>
+      <a:camera prst="orthographicFront"/>
+      <a:lightRig rig="threePt" dir="t"/>
+    </dgm:scene3d>
+    <dgm:sp3d/>
+    <dgm:txPr/>
+    <dgm:style>
+      <a:lnRef idx="2">
+        <a:scrgbClr r="0" g="0" b="0"/>
+      </a:lnRef>
+      <a:fillRef idx="1">
+        <a:scrgbClr r="0" g="0" b="0"/>
+      </a:fillRef>
+      <a:effectRef idx="0">
+        <a:scrgbClr r="0" g="0" b="0"/>
+      </a:effectRef>
+      <a:fontRef idx="minor">
+        <a:schemeClr val="lt1"/>
+      </a:fontRef>
+    </dgm:style>
+  </dgm:styleLbl>
+  <dgm:styleLbl name="parChTrans1D1">
+    <dgm:scene3d>
+      <a:camera prst="orthographicFront"/>
+      <a:lightRig rig="threePt" dir="t"/>
+    </dgm:scene3d>
+    <dgm:sp3d/>
+    <dgm:txPr/>
+    <dgm:style>
+      <a:lnRef idx="2">
+        <a:scrgbClr r="0" g="0" b="0"/>
+      </a:lnRef>
+      <a:fillRef idx="0">
+        <a:scrgbClr r="0" g="0" b="0"/>
+      </a:fillRef>
+      <a:effectRef idx="0">
+        <a:scrgbClr r="0" g="0" b="0"/>
+      </a:effectRef>
+      <a:fontRef idx="minor"/>
+    </dgm:style>
+  </dgm:styleLbl>
+  <dgm:styleLbl name="parChTrans1D2">
+    <dgm:scene3d>
+      <a:camera prst="orthographicFront"/>
+      <a:lightRig rig="threePt" dir="t"/>
+    </dgm:scene3d>
+    <dgm:sp3d/>
+    <dgm:txPr/>
+    <dgm:style>
+      <a:lnRef idx="2">
+        <a:scrgbClr r="0" g="0" b="0"/>
+      </a:lnRef>
+      <a:fillRef idx="0">
+        <a:scrgbClr r="0" g="0" b="0"/>
+      </a:fillRef>
+      <a:effectRef idx="0">
+        <a:scrgbClr r="0" g="0" b="0"/>
+      </a:effectRef>
+      <a:fontRef idx="minor"/>
+    </dgm:style>
+  </dgm:styleLbl>
+  <dgm:styleLbl name="parChTrans1D3">
+    <dgm:scene3d>
+      <a:camera prst="orthographicFront"/>
+      <a:lightRig rig="threePt" dir="t"/>
+    </dgm:scene3d>
+    <dgm:sp3d/>
+    <dgm:txPr/>
+    <dgm:style>
+      <a:lnRef idx="2">
+        <a:scrgbClr r="0" g="0" b="0"/>
+      </a:lnRef>
+      <a:fillRef idx="0">
+        <a:scrgbClr r="0" g="0" b="0"/>
+      </a:fillRef>
+      <a:effectRef idx="0">
+        <a:scrgbClr r="0" g="0" b="0"/>
+      </a:effectRef>
+      <a:fontRef idx="minor"/>
+    </dgm:style>
+  </dgm:styleLbl>
+  <dgm:styleLbl name="parChTrans1D4">
+    <dgm:scene3d>
+      <a:camera prst="orthographicFront"/>
+      <a:lightRig rig="threePt" dir="t"/>
+    </dgm:scene3d>
+    <dgm:sp3d/>
+    <dgm:txPr/>
+    <dgm:style>
+      <a:lnRef idx="2">
+        <a:scrgbClr r="0" g="0" b="0"/>
+      </a:lnRef>
+      <a:fillRef idx="0">
+        <a:scrgbClr r="0" g="0" b="0"/>
+      </a:fillRef>
+      <a:effectRef idx="0">
+        <a:scrgbClr r="0" g="0" b="0"/>
+      </a:effectRef>
+      <a:fontRef idx="minor"/>
+    </dgm:style>
+  </dgm:styleLbl>
+  <dgm:styleLbl name="fgAcc1">
+    <dgm:scene3d>
+      <a:camera prst="orthographicFront"/>
+      <a:lightRig rig="threePt" dir="t"/>
+    </dgm:scene3d>
+    <dgm:sp3d/>
+    <dgm:txPr/>
+    <dgm:style>
+      <a:lnRef idx="2">
+        <a:scrgbClr r="0" g="0" b="0"/>
+      </a:lnRef>
+      <a:fillRef idx="1">
+        <a:scrgbClr r="0" g="0" b="0"/>
+      </a:fillRef>
+      <a:effectRef idx="0">
+        <a:scrgbClr r="0" g="0" b="0"/>
+      </a:effectRef>
+      <a:fontRef idx="minor"/>
+    </dgm:style>
+  </dgm:styleLbl>
+  <dgm:styleLbl name="conFgAcc1">
+    <dgm:scene3d>
+      <a:camera prst="orthographicFront"/>
+      <a:lightRig rig="threePt" dir="t"/>
+    </dgm:scene3d>
+    <dgm:sp3d/>
+    <dgm:txPr/>
+    <dgm:style>
+      <a:lnRef idx="2">
+        <a:scrgbClr r="0" g="0" b="0"/>
+      </a:lnRef>
+      <a:fillRef idx="1">
+        <a:scrgbClr r="0" g="0" b="0"/>
+      </a:fillRef>
+      <a:effectRef idx="0">
+        <a:scrgbClr r="0" g="0" b="0"/>
+      </a:effectRef>
+      <a:fontRef idx="minor"/>
+    </dgm:style>
+  </dgm:styleLbl>
+  <dgm:styleLbl name="alignAcc1">
+    <dgm:scene3d>
+      <a:camera prst="orthographicFront"/>
+      <a:lightRig rig="threePt" dir="t"/>
+    </dgm:scene3d>
+    <dgm:sp3d/>
+    <dgm:txPr/>
+    <dgm:style>
+      <a:lnRef idx="2">
+        <a:scrgbClr r="0" g="0" b="0"/>
+      </a:lnRef>
+      <a:fillRef idx="1">
+        <a:scrgbClr r="0" g="0" b="0"/>
+      </a:fillRef>
+      <a:effectRef idx="0">
+        <a:scrgbClr r="0" g="0" b="0"/>
+      </a:effectRef>
+      <a:fontRef idx="minor"/>
+    </dgm:style>
+  </dgm:styleLbl>
+  <dgm:styleLbl name="trAlignAcc1">
+    <dgm:scene3d>
+      <a:camera prst="orthographicFront"/>
+      <a:lightRig rig="threePt" dir="t"/>
+    </dgm:scene3d>
+    <dgm:sp3d/>
+    <dgm:txPr/>
+    <dgm:style>
+      <a:lnRef idx="1">
+        <a:scrgbClr r="0" g="0" b="0"/>
+      </a:lnRef>
+      <a:fillRef idx="1">
+        <a:scrgbClr r="0" g="0" b="0"/>
+      </a:fillRef>
+      <a:effectRef idx="0">
+        <a:scrgbClr r="0" g="0" b="0"/>
+      </a:effectRef>
+      <a:fontRef idx="minor"/>
+    </dgm:style>
+  </dgm:styleLbl>
+  <dgm:styleLbl name="bgAcc1">
+    <dgm:scene3d>
+      <a:camera prst="orthographicFront"/>
+      <a:lightRig rig="threePt" dir="t"/>
+    </dgm:scene3d>
+    <dgm:sp3d/>
+    <dgm:txPr/>
+    <dgm:style>
+      <a:lnRef idx="2">
+        <a:scrgbClr r="0" g="0" b="0"/>
+      </a:lnRef>
+      <a:fillRef idx="1">
+        <a:scrgbClr r="0" g="0" b="0"/>
+      </a:fillRef>
+      <a:effectRef idx="0">
+        <a:scrgbClr r="0" g="0" b="0"/>
+      </a:effectRef>
+      <a:fontRef idx="minor"/>
+    </dgm:style>
+  </dgm:styleLbl>
+  <dgm:styleLbl name="solidFgAcc1">
+    <dgm:scene3d>
+      <a:camera prst="orthographicFront"/>
+      <a:lightRig rig="threePt" dir="t"/>
+    </dgm:scene3d>
+    <dgm:sp3d/>
+    <dgm:txPr/>
+    <dgm:style>
+      <a:lnRef idx="2">
+        <a:scrgbClr r="0" g="0" b="0"/>
+      </a:lnRef>
+      <a:fillRef idx="1">
+        <a:scrgbClr r="0" g="0" b="0"/>
+      </a:fillRef>
+      <a:effectRef idx="0">
+        <a:scrgbClr r="0" g="0" b="0"/>
+      </a:effectRef>
+      <a:fontRef idx="minor"/>
+    </dgm:style>
+  </dgm:styleLbl>
+  <dgm:styleLbl name="solidAlignAcc1">
+    <dgm:scene3d>
+      <a:camera prst="orthographicFront"/>
+      <a:lightRig rig="threePt" dir="t"/>
+    </dgm:scene3d>
+    <dgm:sp3d/>
+    <dgm:txPr/>
+    <dgm:style>
+      <a:lnRef idx="2">
+        <a:scrgbClr r="0" g="0" b="0"/>
+      </a:lnRef>
+      <a:fillRef idx="1">
+        <a:scrgbClr r="0" g="0" b="0"/>
+      </a:fillRef>
+      <a:effectRef idx="0">
+        <a:scrgbClr r="0" g="0" b="0"/>
+      </a:effectRef>
+      <a:fontRef idx="minor"/>
+    </dgm:style>
+  </dgm:styleLbl>
+  <dgm:styleLbl name="solidBgAcc1">
+    <dgm:scene3d>
+      <a:camera prst="orthographicFront"/>
+      <a:lightRig rig="threePt" dir="t"/>
+    </dgm:scene3d>
+    <dgm:sp3d/>
+    <dgm:txPr/>
+    <dgm:style>
+      <a:lnRef idx="2">
+        <a:scrgbClr r="0" g="0" b="0"/>
+      </a:lnRef>
+      <a:fillRef idx="1">
+        <a:scrgbClr r="0" g="0" b="0"/>
+      </a:fillRef>
+      <a:effectRef idx="0">
+        <a:scrgbClr r="0" g="0" b="0"/>
+      </a:effectRef>
+      <a:fontRef idx="minor"/>
+    </dgm:style>
+  </dgm:styleLbl>
+  <dgm:styleLbl name="fgAccFollowNode1">
+    <dgm:scene3d>
+      <a:camera prst="orthographicFront"/>
+      <a:lightRig rig="threePt" dir="t"/>
+    </dgm:scene3d>
+    <dgm:sp3d/>
+    <dgm:txPr/>
+    <dgm:style>
+      <a:lnRef idx="2">
+        <a:scrgbClr r="0" g="0" b="0"/>
+      </a:lnRef>
+      <a:fillRef idx="1">
+        <a:scrgbClr r="0" g="0" b="0"/>
+      </a:fillRef>
+      <a:effectRef idx="0">
+        <a:scrgbClr r="0" g="0" b="0"/>
+      </a:effectRef>
+      <a:fontRef idx="minor"/>
+    </dgm:style>
+  </dgm:styleLbl>
+  <dgm:styleLbl name="alignAccFollowNode1">
+    <dgm:scene3d>
+      <a:camera prst="orthographicFront"/>
+      <a:lightRig rig="threePt" dir="t"/>
+    </dgm:scene3d>
+    <dgm:sp3d/>
+    <dgm:txPr/>
+    <dgm:style>
+      <a:lnRef idx="2">
+        <a:scrgbClr r="0" g="0" b="0"/>
+      </a:lnRef>
+      <a:fillRef idx="1">
+        <a:scrgbClr r="0" g="0" b="0"/>
+      </a:fillRef>
+      <a:effectRef idx="0">
+        <a:scrgbClr r="0" g="0" b="0"/>
+      </a:effectRef>
+      <a:fontRef idx="minor"/>
+    </dgm:style>
+  </dgm:styleLbl>
+  <dgm:styleLbl name="bgAccFollowNode1">
+    <dgm:scene3d>
+      <a:camera prst="orthographicFront"/>
+      <a:lightRig rig="threePt" dir="t"/>
+    </dgm:scene3d>
+    <dgm:sp3d/>
+    <dgm:txPr/>
+    <dgm:style>
+      <a:lnRef idx="2">
+        <a:scrgbClr r="0" g="0" b="0"/>
+      </a:lnRef>
+      <a:fillRef idx="1">
+        <a:scrgbClr r="0" g="0" b="0"/>
+      </a:fillRef>
+      <a:effectRef idx="0">
+        <a:scrgbClr r="0" g="0" b="0"/>
+      </a:effectRef>
+      <a:fontRef idx="minor"/>
+    </dgm:style>
+  </dgm:styleLbl>
+  <dgm:styleLbl name="fgAcc0">
+    <dgm:scene3d>
+      <a:camera prst="orthographicFront"/>
+      <a:lightRig rig="threePt" dir="t"/>
+    </dgm:scene3d>
+    <dgm:sp3d/>
+    <dgm:txPr/>
+    <dgm:style>
+      <a:lnRef idx="2">
+        <a:scrgbClr r="0" g="0" b="0"/>
+      </a:lnRef>
+      <a:fillRef idx="1">
+        <a:scrgbClr r="0" g="0" b="0"/>
+      </a:fillRef>
+      <a:effectRef idx="0">
+        <a:scrgbClr r="0" g="0" b="0"/>
+      </a:effectRef>
+      <a:fontRef idx="minor"/>
+    </dgm:style>
+  </dgm:styleLbl>
+  <dgm:styleLbl name="fgAcc2">
+    <dgm:scene3d>
+      <a:camera prst="orthographicFront"/>
+      <a:lightRig rig="threePt" dir="t"/>
+    </dgm:scene3d>
+    <dgm:sp3d/>
+    <dgm:txPr/>
+    <dgm:style>
+      <a:lnRef idx="2">
+        <a:scrgbClr r="0" g="0" b="0"/>
+      </a:lnRef>
+      <a:fillRef idx="1">
+        <a:scrgbClr r="0" g="0" b="0"/>
+      </a:fillRef>
+      <a:effectRef idx="0">
+        <a:scrgbClr r="0" g="0" b="0"/>
+      </a:effectRef>
+      <a:fontRef idx="minor"/>
+    </dgm:style>
+  </dgm:styleLbl>
+  <dgm:styleLbl name="fgAcc3">
+    <dgm:scene3d>
+      <a:camera prst="orthographicFront"/>
+      <a:lightRig rig="threePt" dir="t"/>
+    </dgm:scene3d>
+    <dgm:sp3d/>
+    <dgm:txPr/>
+    <dgm:style>
+      <a:lnRef idx="2">
+        <a:scrgbClr r="0" g="0" b="0"/>
+      </a:lnRef>
+      <a:fillRef idx="1">
+        <a:scrgbClr r="0" g="0" b="0"/>
+      </a:fillRef>
+      <a:effectRef idx="0">
+        <a:scrgbClr r="0" g="0" b="0"/>
+      </a:effectRef>
+      <a:fontRef idx="minor"/>
+    </dgm:style>
+  </dgm:styleLbl>
+  <dgm:styleLbl name="fgAcc4">
+    <dgm:scene3d>
+      <a:camera prst="orthographicFront"/>
+      <a:lightRig rig="threePt" dir="t"/>
+    </dgm:scene3d>
+    <dgm:sp3d/>
+    <dgm:txPr/>
+    <dgm:style>
+      <a:lnRef idx="2">
+        <a:scrgbClr r="0" g="0" b="0"/>
+      </a:lnRef>
+      <a:fillRef idx="1">
+        <a:scrgbClr r="0" g="0" b="0"/>
+      </a:fillRef>
+      <a:effectRef idx="0">
+        <a:scrgbClr r="0" g="0" b="0"/>
+      </a:effectRef>
+      <a:fontRef idx="minor"/>
+    </dgm:style>
+  </dgm:styleLbl>
+  <dgm:styleLbl name="bgShp">
+    <dgm:scene3d>
+      <a:camera prst="orthographicFront"/>
+      <a:lightRig rig="threePt" dir="t"/>
+    </dgm:scene3d>
+    <dgm:sp3d/>
+    <dgm:txPr/>
+    <dgm:style>
+      <a:lnRef idx="0">
+        <a:scrgbClr r="0" g="0" b="0"/>
+      </a:lnRef>
+      <a:fillRef idx="1">
+        <a:scrgbClr r="0" g="0" b="0"/>
+      </a:fillRef>
+      <a:effectRef idx="0">
+        <a:scrgbClr r="0" g="0" b="0"/>
+      </a:effectRef>
+      <a:fontRef idx="minor"/>
+    </dgm:style>
+  </dgm:styleLbl>
+  <dgm:styleLbl name="dkBgShp">
+    <dgm:scene3d>
+      <a:camera prst="orthographicFront"/>
+      <a:lightRig rig="threePt" dir="t"/>
+    </dgm:scene3d>
+    <dgm:sp3d/>
+    <dgm:txPr/>
+    <dgm:style>
+      <a:lnRef idx="0">
+        <a:scrgbClr r="0" g="0" b="0"/>
+      </a:lnRef>
+      <a:fillRef idx="1">
+        <a:scrgbClr r="0" g="0" b="0"/>
+      </a:fillRef>
+      <a:effectRef idx="0">
+        <a:scrgbClr r="0" g="0" b="0"/>
+      </a:effectRef>
+      <a:fontRef idx="minor"/>
+    </dgm:style>
+  </dgm:styleLbl>
+  <dgm:styleLbl name="trBgShp">
+    <dgm:scene3d>
+      <a:camera prst="orthographicFront"/>
+      <a:lightRig rig="threePt" dir="t"/>
+    </dgm:scene3d>
+    <dgm:sp3d/>
+    <dgm:txPr/>
+    <dgm:style>
+      <a:lnRef idx="0">
+        <a:scrgbClr r="0" g="0" b="0"/>
+      </a:lnRef>
+      <a:fillRef idx="1">
+        <a:scrgbClr r="0" g="0" b="0"/>
+      </a:fillRef>
+      <a:effectRef idx="0">
+        <a:scrgbClr r="0" g="0" b="0"/>
+      </a:effectRef>
+      <a:fontRef idx="minor"/>
+    </dgm:style>
+  </dgm:styleLbl>
+  <dgm:styleLbl name="fgShp">
+    <dgm:scene3d>
+      <a:camera prst="orthographicFront"/>
+      <a:lightRig rig="threePt" dir="t"/>
+    </dgm:scene3d>
+    <dgm:sp3d/>
+    <dgm:txPr/>
+    <dgm:style>
+      <a:lnRef idx="2">
+        <a:scrgbClr r="0" g="0" b="0"/>
+      </a:lnRef>
+      <a:fillRef idx="1">
+        <a:scrgbClr r="0" g="0" b="0"/>
+      </a:fillRef>
+      <a:effectRef idx="0">
+        <a:scrgbClr r="0" g="0" b="0"/>
+      </a:effectRef>
+      <a:fontRef idx="minor"/>
+    </dgm:style>
+  </dgm:styleLbl>
+  <dgm:styleLbl name="revTx">
+    <dgm:scene3d>
+      <a:camera prst="orthographicFront"/>
+      <a:lightRig rig="threePt" dir="t"/>
+    </dgm:scene3d>
+    <dgm:sp3d/>
+    <dgm:txPr/>
+    <dgm:style>
+      <a:lnRef idx="0">
+        <a:scrgbClr r="0" g="0" b="0"/>
+      </a:lnRef>
+      <a:fillRef idx="0">
+        <a:scrgbClr r="0" g="0" b="0"/>
+      </a:fillRef>
+      <a:effectRef idx="0">
+        <a:scrgbClr r="0" g="0" b="0"/>
+      </a:effectRef>
+      <a:fontRef idx="minor"/>
+    </dgm:style>
+  </dgm:styleLbl>
+</dgm:styleDef>
+</file>
+
+<file path=ppt/diagrams/quickStyle3.xml><?xml version="1.0" encoding="utf-8"?>
+<dgm:styleDef xmlns:dgm="http://schemas.openxmlformats.org/drawingml/2006/diagram" xmlns:a="http://schemas.openxmlformats.org/drawingml/2006/main" uniqueId="urn:microsoft.com/office/officeart/2005/8/quickstyle/simple1">
+  <dgm:title val=""/>
+  <dgm:desc val=""/>
+  <dgm:catLst>
+    <dgm:cat type="simple" pri="10100"/>
+  </dgm:catLst>
+  <dgm:scene3d>
+    <a:camera prst="orthographicFront"/>
+    <a:lightRig rig="threePt" dir="t"/>
+  </dgm:scene3d>
+  <dgm:styleLbl name="node0">
+    <dgm:scene3d>
+      <a:camera prst="orthographicFront"/>
+      <a:lightRig rig="threePt" dir="t"/>
+    </dgm:scene3d>
+    <dgm:sp3d/>
+    <dgm:txPr/>
+    <dgm:style>
+      <a:lnRef idx="2">
+        <a:scrgbClr r="0" g="0" b="0"/>
+      </a:lnRef>
+      <a:fillRef idx="1">
+        <a:scrgbClr r="0" g="0" b="0"/>
+      </a:fillRef>
+      <a:effectRef idx="0">
+        <a:scrgbClr r="0" g="0" b="0"/>
+      </a:effectRef>
+      <a:fontRef idx="minor">
+        <a:schemeClr val="lt1"/>
+      </a:fontRef>
+    </dgm:style>
+  </dgm:styleLbl>
+  <dgm:styleLbl name="lnNode1">
+    <dgm:scene3d>
+      <a:camera prst="orthographicFront"/>
+      <a:lightRig rig="threePt" dir="t"/>
+    </dgm:scene3d>
+    <dgm:sp3d/>
+    <dgm:txPr/>
+    <dgm:style>
+      <a:lnRef idx="2">
+        <a:scrgbClr r="0" g="0" b="0"/>
+      </a:lnRef>
+      <a:fillRef idx="1">
+        <a:scrgbClr r="0" g="0" b="0"/>
+      </a:fillRef>
+      <a:effectRef idx="0">
+        <a:scrgbClr r="0" g="0" b="0"/>
+      </a:effectRef>
+      <a:fontRef idx="minor">
+        <a:schemeClr val="lt1"/>
+      </a:fontRef>
+    </dgm:style>
+  </dgm:styleLbl>
+  <dgm:styleLbl name="vennNode1">
+    <dgm:scene3d>
+      <a:camera prst="orthographicFront"/>
+      <a:lightRig rig="threePt" dir="t"/>
+    </dgm:scene3d>
+    <dgm:sp3d/>
+    <dgm:txPr/>
+    <dgm:style>
+      <a:lnRef idx="2">
+        <a:scrgbClr r="0" g="0" b="0"/>
+      </a:lnRef>
+      <a:fillRef idx="1">
+        <a:scrgbClr r="0" g="0" b="0"/>
+      </a:fillRef>
+      <a:effectRef idx="0">
+        <a:scrgbClr r="0" g="0" b="0"/>
+      </a:effectRef>
+      <a:fontRef idx="minor">
+        <a:schemeClr val="tx1"/>
+      </a:fontRef>
+    </dgm:style>
+  </dgm:styleLbl>
+  <dgm:styleLbl name="alignNode1">
+    <dgm:scene3d>
+      <a:camera prst="orthographicFront"/>
+      <a:lightRig rig="threePt" dir="t"/>
+    </dgm:scene3d>
+    <dgm:sp3d/>
+    <dgm:txPr/>
+    <dgm:style>
+      <a:lnRef idx="2">
+        <a:scrgbClr r="0" g="0" b="0"/>
+      </a:lnRef>
+      <a:fillRef idx="1">
+        <a:scrgbClr r="0" g="0" b="0"/>
+      </a:fillRef>
+      <a:effectRef idx="0">
+        <a:scrgbClr r="0" g="0" b="0"/>
+      </a:effectRef>
+      <a:fontRef idx="minor">
+        <a:schemeClr val="lt1"/>
+      </a:fontRef>
+    </dgm:style>
+  </dgm:styleLbl>
+  <dgm:styleLbl name="node1">
+    <dgm:scene3d>
+      <a:camera prst="orthographicFront"/>
+      <a:lightRig rig="threePt" dir="t"/>
+    </dgm:scene3d>
+    <dgm:sp3d/>
+    <dgm:txPr/>
+    <dgm:style>
+      <a:lnRef idx="2">
+        <a:scrgbClr r="0" g="0" b="0"/>
+      </a:lnRef>
+      <a:fillRef idx="1">
+        <a:scrgbClr r="0" g="0" b="0"/>
+      </a:fillRef>
+      <a:effectRef idx="0">
+        <a:scrgbClr r="0" g="0" b="0"/>
+      </a:effectRef>
+      <a:fontRef idx="minor">
+        <a:schemeClr val="lt1"/>
+      </a:fontRef>
+    </dgm:style>
+  </dgm:styleLbl>
+  <dgm:styleLbl name="node2">
+    <dgm:scene3d>
+      <a:camera prst="orthographicFront"/>
+      <a:lightRig rig="threePt" dir="t"/>
+    </dgm:scene3d>
+    <dgm:sp3d/>
+    <dgm:txPr/>
+    <dgm:style>
+      <a:lnRef idx="2">
+        <a:scrgbClr r="0" g="0" b="0"/>
+      </a:lnRef>
+      <a:fillRef idx="1">
+        <a:scrgbClr r="0" g="0" b="0"/>
+      </a:fillRef>
+      <a:effectRef idx="0">
+        <a:scrgbClr r="0" g="0" b="0"/>
+      </a:effectRef>
+      <a:fontRef idx="minor">
+        <a:schemeClr val="lt1"/>
+      </a:fontRef>
+    </dgm:style>
+  </dgm:styleLbl>
+  <dgm:styleLbl name="node3">
+    <dgm:scene3d>
+      <a:camera prst="orthographicFront"/>
+      <a:lightRig rig="threePt" dir="t"/>
+    </dgm:scene3d>
+    <dgm:sp3d/>
+    <dgm:txPr/>
+    <dgm:style>
+      <a:lnRef idx="2">
+        <a:scrgbClr r="0" g="0" b="0"/>
+      </a:lnRef>
+      <a:fillRef idx="1">
+        <a:scrgbClr r="0" g="0" b="0"/>
+      </a:fillRef>
+      <a:effectRef idx="0">
+        <a:scrgbClr r="0" g="0" b="0"/>
+      </a:effectRef>
+      <a:fontRef idx="minor">
+        <a:schemeClr val="lt1"/>
+      </a:fontRef>
+    </dgm:style>
+  </dgm:styleLbl>
+  <dgm:styleLbl name="node4">
+    <dgm:scene3d>
+      <a:camera prst="orthographicFront"/>
+      <a:lightRig rig="threePt" dir="t"/>
+    </dgm:scene3d>
+    <dgm:sp3d/>
+    <dgm:txPr/>
+    <dgm:style>
+      <a:lnRef idx="2">
+        <a:scrgbClr r="0" g="0" b="0"/>
+      </a:lnRef>
+      <a:fillRef idx="1">
+        <a:scrgbClr r="0" g="0" b="0"/>
+      </a:fillRef>
+      <a:effectRef idx="0">
+        <a:scrgbClr r="0" g="0" b="0"/>
+      </a:effectRef>
+      <a:fontRef idx="minor">
+        <a:schemeClr val="lt1"/>
+      </a:fontRef>
+    </dgm:style>
+  </dgm:styleLbl>
+  <dgm:styleLbl name="fgImgPlace1">
+    <dgm:scene3d>
+      <a:camera prst="orthographicFront"/>
+      <a:lightRig rig="threePt" dir="t"/>
+    </dgm:scene3d>
+    <dgm:sp3d/>
+    <dgm:txPr/>
+    <dgm:style>
+      <a:lnRef idx="2">
+        <a:scrgbClr r="0" g="0" b="0"/>
+      </a:lnRef>
+      <a:fillRef idx="1">
+        <a:scrgbClr r="0" g="0" b="0"/>
+      </a:fillRef>
+      <a:effectRef idx="0">
+        <a:scrgbClr r="0" g="0" b="0"/>
+      </a:effectRef>
+      <a:fontRef idx="minor"/>
+    </dgm:style>
+  </dgm:styleLbl>
+  <dgm:styleLbl name="alignImgPlace1">
+    <dgm:scene3d>
+      <a:camera prst="orthographicFront"/>
+      <a:lightRig rig="threePt" dir="t"/>
+    </dgm:scene3d>
+    <dgm:sp3d/>
+    <dgm:txPr/>
+    <dgm:style>
+      <a:lnRef idx="2">
+        <a:scrgbClr r="0" g="0" b="0"/>
+      </a:lnRef>
+      <a:fillRef idx="1">
+        <a:scrgbClr r="0" g="0" b="0"/>
+      </a:fillRef>
+      <a:effectRef idx="0">
+        <a:scrgbClr r="0" g="0" b="0"/>
+      </a:effectRef>
+      <a:fontRef idx="minor"/>
+    </dgm:style>
+  </dgm:styleLbl>
+  <dgm:styleLbl name="bgImgPlace1">
+    <dgm:scene3d>
+      <a:camera prst="orthographicFront"/>
+      <a:lightRig rig="threePt" dir="t"/>
+    </dgm:scene3d>
+    <dgm:sp3d/>
+    <dgm:txPr/>
+    <dgm:style>
+      <a:lnRef idx="2">
+        <a:scrgbClr r="0" g="0" b="0"/>
+      </a:lnRef>
+      <a:fillRef idx="1">
+        <a:scrgbClr r="0" g="0" b="0"/>
+      </a:fillRef>
+      <a:effectRef idx="0">
+        <a:scrgbClr r="0" g="0" b="0"/>
+      </a:effectRef>
+      <a:fontRef idx="minor"/>
+    </dgm:style>
+  </dgm:styleLbl>
+  <dgm:styleLbl name="sibTrans2D1">
+    <dgm:scene3d>
+      <a:camera prst="orthographicFront"/>
+      <a:lightRig rig="threePt" dir="t"/>
+    </dgm:scene3d>
+    <dgm:sp3d/>
+    <dgm:txPr/>
+    <dgm:style>
+      <a:lnRef idx="0">
+        <a:scrgbClr r="0" g="0" b="0"/>
+      </a:lnRef>
+      <a:fillRef idx="1">
+        <a:scrgbClr r="0" g="0" b="0"/>
+      </a:fillRef>
+      <a:effectRef idx="0">
+        <a:scrgbClr r="0" g="0" b="0"/>
+      </a:effectRef>
+      <a:fontRef idx="minor">
+        <a:schemeClr val="lt1"/>
+      </a:fontRef>
+    </dgm:style>
+  </dgm:styleLbl>
+  <dgm:styleLbl name="fgSibTrans2D1">
+    <dgm:scene3d>
+      <a:camera prst="orthographicFront"/>
+      <a:lightRig rig="threePt" dir="t"/>
+    </dgm:scene3d>
+    <dgm:sp3d/>
+    <dgm:txPr/>
+    <dgm:style>
+      <a:lnRef idx="0">
+        <a:scrgbClr r="0" g="0" b="0"/>
+      </a:lnRef>
+      <a:fillRef idx="1">
+        <a:scrgbClr r="0" g="0" b="0"/>
+      </a:fillRef>
+      <a:effectRef idx="0">
+        <a:scrgbClr r="0" g="0" b="0"/>
+      </a:effectRef>
+      <a:fontRef idx="minor">
+        <a:schemeClr val="lt1"/>
+      </a:fontRef>
+    </dgm:style>
+  </dgm:styleLbl>
+  <dgm:styleLbl name="bgSibTrans2D1">
+    <dgm:scene3d>
+      <a:camera prst="orthographicFront"/>
+      <a:lightRig rig="threePt" dir="t"/>
+    </dgm:scene3d>
+    <dgm:sp3d/>
+    <dgm:txPr/>
+    <dgm:style>
+      <a:lnRef idx="0">
+        <a:scrgbClr r="0" g="0" b="0"/>
+      </a:lnRef>
+      <a:fillRef idx="1">
+        <a:scrgbClr r="0" g="0" b="0"/>
+      </a:fillRef>
+      <a:effectRef idx="0">
+        <a:scrgbClr r="0" g="0" b="0"/>
+      </a:effectRef>
+      <a:fontRef idx="minor">
+        <a:schemeClr val="lt1"/>
+      </a:fontRef>
+    </dgm:style>
+  </dgm:styleLbl>
+  <dgm:styleLbl name="sibTrans1D1">
+    <dgm:scene3d>
+      <a:camera prst="orthographicFront"/>
+      <a:lightRig rig="threePt" dir="t"/>
+    </dgm:scene3d>
+    <dgm:sp3d/>
+    <dgm:txPr/>
+    <dgm:style>
+      <a:lnRef idx="1">
+        <a:scrgbClr r="0" g="0" b="0"/>
+      </a:lnRef>
+      <a:fillRef idx="0">
+        <a:scrgbClr r="0" g="0" b="0"/>
+      </a:fillRef>
+      <a:effectRef idx="0">
+        <a:scrgbClr r="0" g="0" b="0"/>
+      </a:effectRef>
+      <a:fontRef idx="minor"/>
+    </dgm:style>
+  </dgm:styleLbl>
+  <dgm:styleLbl name="callout">
+    <dgm:scene3d>
+      <a:camera prst="orthographicFront"/>
+      <a:lightRig rig="threePt" dir="t"/>
+    </dgm:scene3d>
+    <dgm:sp3d/>
+    <dgm:txPr/>
+    <dgm:style>
+      <a:lnRef idx="2">
+        <a:scrgbClr r="0" g="0" b="0"/>
+      </a:lnRef>
+      <a:fillRef idx="1">
+        <a:scrgbClr r="0" g="0" b="0"/>
+      </a:fillRef>
+      <a:effectRef idx="0">
+        <a:scrgbClr r="0" g="0" b="0"/>
+      </a:effectRef>
+      <a:fontRef idx="minor"/>
+    </dgm:style>
+  </dgm:styleLbl>
+  <dgm:styleLbl name="asst0">
+    <dgm:scene3d>
+      <a:camera prst="orthographicFront"/>
+      <a:lightRig rig="threePt" dir="t"/>
+    </dgm:scene3d>
+    <dgm:sp3d/>
+    <dgm:txPr/>
+    <dgm:style>
+      <a:lnRef idx="2">
+        <a:scrgbClr r="0" g="0" b="0"/>
+      </a:lnRef>
+      <a:fillRef idx="1">
+        <a:scrgbClr r="0" g="0" b="0"/>
+      </a:fillRef>
+      <a:effectRef idx="0">
+        <a:scrgbClr r="0" g="0" b="0"/>
+      </a:effectRef>
+      <a:fontRef idx="minor">
+        <a:schemeClr val="lt1"/>
+      </a:fontRef>
+    </dgm:style>
+  </dgm:styleLbl>
+  <dgm:styleLbl name="asst1">
+    <dgm:scene3d>
+      <a:camera prst="orthographicFront"/>
+      <a:lightRig rig="threePt" dir="t"/>
+    </dgm:scene3d>
+    <dgm:sp3d/>
+    <dgm:txPr/>
+    <dgm:style>
+      <a:lnRef idx="2">
+        <a:scrgbClr r="0" g="0" b="0"/>
+      </a:lnRef>
+      <a:fillRef idx="1">
+        <a:scrgbClr r="0" g="0" b="0"/>
+      </a:fillRef>
+      <a:effectRef idx="0">
+        <a:scrgbClr r="0" g="0" b="0"/>
+      </a:effectRef>
+      <a:fontRef idx="minor">
+        <a:schemeClr val="lt1"/>
+      </a:fontRef>
+    </dgm:style>
+  </dgm:styleLbl>
+  <dgm:styleLbl name="asst2">
+    <dgm:scene3d>
+      <a:camera prst="orthographicFront"/>
+      <a:lightRig rig="threePt" dir="t"/>
+    </dgm:scene3d>
+    <dgm:sp3d/>
+    <dgm:txPr/>
+    <dgm:style>
+      <a:lnRef idx="2">
+        <a:scrgbClr r="0" g="0" b="0"/>
+      </a:lnRef>
+      <a:fillRef idx="1">
+        <a:scrgbClr r="0" g="0" b="0"/>
+      </a:fillRef>
+      <a:effectRef idx="0">
+        <a:scrgbClr r="0" g="0" b="0"/>
+      </a:effectRef>
+      <a:fontRef idx="minor">
+        <a:schemeClr val="lt1"/>
+      </a:fontRef>
+    </dgm:style>
+  </dgm:styleLbl>
+  <dgm:styleLbl name="asst3">
+    <dgm:scene3d>
+      <a:camera prst="orthographicFront"/>
+      <a:lightRig rig="threePt" dir="t"/>
+    </dgm:scene3d>
+    <dgm:sp3d/>
+    <dgm:txPr/>
+    <dgm:style>
+      <a:lnRef idx="2">
+        <a:scrgbClr r="0" g="0" b="0"/>
+      </a:lnRef>
+      <a:fillRef idx="1">
+        <a:scrgbClr r="0" g="0" b="0"/>
+      </a:fillRef>
+      <a:effectRef idx="0">
+        <a:scrgbClr r="0" g="0" b="0"/>
+      </a:effectRef>
+      <a:fontRef idx="minor">
+        <a:schemeClr val="lt1"/>
+      </a:fontRef>
+    </dgm:style>
+  </dgm:styleLbl>
+  <dgm:styleLbl name="asst4">
+    <dgm:scene3d>
+      <a:camera prst="orthographicFront"/>
+      <a:lightRig rig="threePt" dir="t"/>
+    </dgm:scene3d>
+    <dgm:sp3d/>
+    <dgm:txPr/>
+    <dgm:style>
+      <a:lnRef idx="2">
+        <a:scrgbClr r="0" g="0" b="0"/>
+      </a:lnRef>
+      <a:fillRef idx="1">
+        <a:scrgbClr r="0" g="0" b="0"/>
+      </a:fillRef>
+      <a:effectRef idx="0">
+        <a:scrgbClr r="0" g="0" b="0"/>
+      </a:effectRef>
+      <a:fontRef idx="minor">
+        <a:schemeClr val="lt1"/>
+      </a:fontRef>
+    </dgm:style>
+  </dgm:styleLbl>
+  <dgm:styleLbl name="parChTrans2D1">
+    <dgm:scene3d>
+      <a:camera prst="orthographicFront"/>
+      <a:lightRig rig="threePt" dir="t"/>
+    </dgm:scene3d>
+    <dgm:sp3d/>
+    <dgm:txPr/>
+    <dgm:style>
+      <a:lnRef idx="2">
+        <a:scrgbClr r="0" g="0" b="0"/>
+      </a:lnRef>
+      <a:fillRef idx="1">
+        <a:scrgbClr r="0" g="0" b="0"/>
+      </a:fillRef>
+      <a:effectRef idx="0">
+        <a:scrgbClr r="0" g="0" b="0"/>
+      </a:effectRef>
+      <a:fontRef idx="minor">
+        <a:schemeClr val="lt1"/>
+      </a:fontRef>
+    </dgm:style>
+  </dgm:styleLbl>
+  <dgm:styleLbl name="parChTrans2D2">
+    <dgm:scene3d>
+      <a:camera prst="orthographicFront"/>
+      <a:lightRig rig="threePt" dir="t"/>
+    </dgm:scene3d>
+    <dgm:sp3d/>
+    <dgm:txPr/>
+    <dgm:style>
+      <a:lnRef idx="2">
+        <a:scrgbClr r="0" g="0" b="0"/>
+      </a:lnRef>
+      <a:fillRef idx="1">
+        <a:scrgbClr r="0" g="0" b="0"/>
+      </a:fillRef>
+      <a:effectRef idx="0">
+        <a:scrgbClr r="0" g="0" b="0"/>
+      </a:effectRef>
+      <a:fontRef idx="minor">
+        <a:schemeClr val="lt1"/>
+      </a:fontRef>
+    </dgm:style>
+  </dgm:styleLbl>
+  <dgm:styleLbl name="parChTrans2D3">
+    <dgm:scene3d>
+      <a:camera prst="orthographicFront"/>
+      <a:lightRig rig="threePt" dir="t"/>
+    </dgm:scene3d>
+    <dgm:sp3d/>
+    <dgm:txPr/>
+    <dgm:style>
+      <a:lnRef idx="2">
+        <a:scrgbClr r="0" g="0" b="0"/>
+      </a:lnRef>
+      <a:fillRef idx="1">
+        <a:scrgbClr r="0" g="0" b="0"/>
+      </a:fillRef>
+      <a:effectRef idx="0">
+        <a:scrgbClr r="0" g="0" b="0"/>
+      </a:effectRef>
+      <a:fontRef idx="minor">
+        <a:schemeClr val="lt1"/>
+      </a:fontRef>
+    </dgm:style>
+  </dgm:styleLbl>
+  <dgm:styleLbl name="parChTrans2D4">
+    <dgm:scene3d>
+      <a:camera prst="orthographicFront"/>
+      <a:lightRig rig="threePt" dir="t"/>
+    </dgm:scene3d>
+    <dgm:sp3d/>
+    <dgm:txPr/>
+    <dgm:style>
+      <a:lnRef idx="2">
+        <a:scrgbClr r="0" g="0" b="0"/>
+      </a:lnRef>
+      <a:fillRef idx="1">
+        <a:scrgbClr r="0" g="0" b="0"/>
+      </a:fillRef>
+      <a:effectRef idx="0">
+        <a:scrgbClr r="0" g="0" b="0"/>
+      </a:effectRef>
+      <a:fontRef idx="minor">
+        <a:schemeClr val="lt1"/>
+      </a:fontRef>
+    </dgm:style>
+  </dgm:styleLbl>
+  <dgm:styleLbl name="parChTrans1D1">
+    <dgm:scene3d>
+      <a:camera prst="orthographicFront"/>
+      <a:lightRig rig="threePt" dir="t"/>
+    </dgm:scene3d>
+    <dgm:sp3d/>
+    <dgm:txPr/>
+    <dgm:style>
+      <a:lnRef idx="2">
+        <a:scrgbClr r="0" g="0" b="0"/>
+      </a:lnRef>
+      <a:fillRef idx="0">
+        <a:scrgbClr r="0" g="0" b="0"/>
+      </a:fillRef>
+      <a:effectRef idx="0">
+        <a:scrgbClr r="0" g="0" b="0"/>
+      </a:effectRef>
+      <a:fontRef idx="minor"/>
+    </dgm:style>
+  </dgm:styleLbl>
+  <dgm:styleLbl name="parChTrans1D2">
+    <dgm:scene3d>
+      <a:camera prst="orthographicFront"/>
+      <a:lightRig rig="threePt" dir="t"/>
+    </dgm:scene3d>
+    <dgm:sp3d/>
+    <dgm:txPr/>
+    <dgm:style>
+      <a:lnRef idx="2">
+        <a:scrgbClr r="0" g="0" b="0"/>
+      </a:lnRef>
+      <a:fillRef idx="0">
+        <a:scrgbClr r="0" g="0" b="0"/>
+      </a:fillRef>
+      <a:effectRef idx="0">
+        <a:scrgbClr r="0" g="0" b="0"/>
+      </a:effectRef>
+      <a:fontRef idx="minor"/>
+    </dgm:style>
+  </dgm:styleLbl>
+  <dgm:styleLbl name="parChTrans1D3">
+    <dgm:scene3d>
+      <a:camera prst="orthographicFront"/>
+      <a:lightRig rig="threePt" dir="t"/>
+    </dgm:scene3d>
+    <dgm:sp3d/>
+    <dgm:txPr/>
+    <dgm:style>
+      <a:lnRef idx="2">
+        <a:scrgbClr r="0" g="0" b="0"/>
+      </a:lnRef>
+      <a:fillRef idx="0">
+        <a:scrgbClr r="0" g="0" b="0"/>
+      </a:fillRef>
+      <a:effectRef idx="0">
+        <a:scrgbClr r="0" g="0" b="0"/>
+      </a:effectRef>
+      <a:fontRef idx="minor"/>
+    </dgm:style>
+  </dgm:styleLbl>
+  <dgm:styleLbl name="parChTrans1D4">
+    <dgm:scene3d>
+      <a:camera prst="orthographicFront"/>
+      <a:lightRig rig="threePt" dir="t"/>
+    </dgm:scene3d>
+    <dgm:sp3d/>
+    <dgm:txPr/>
+    <dgm:style>
+      <a:lnRef idx="2">
+        <a:scrgbClr r="0" g="0" b="0"/>
+      </a:lnRef>
+      <a:fillRef idx="0">
+        <a:scrgbClr r="0" g="0" b="0"/>
+      </a:fillRef>
+      <a:effectRef idx="0">
+        <a:scrgbClr r="0" g="0" b="0"/>
+      </a:effectRef>
+      <a:fontRef idx="minor"/>
+    </dgm:style>
+  </dgm:styleLbl>
+  <dgm:styleLbl name="fgAcc1">
+    <dgm:scene3d>
+      <a:camera prst="orthographicFront"/>
+      <a:lightRig rig="threePt" dir="t"/>
+    </dgm:scene3d>
+    <dgm:sp3d/>
+    <dgm:txPr/>
+    <dgm:style>
+      <a:lnRef idx="2">
+        <a:scrgbClr r="0" g="0" b="0"/>
+      </a:lnRef>
+      <a:fillRef idx="1">
+        <a:scrgbClr r="0" g="0" b="0"/>
+      </a:fillRef>
+      <a:effectRef idx="0">
+        <a:scrgbClr r="0" g="0" b="0"/>
+      </a:effectRef>
+      <a:fontRef idx="minor"/>
+    </dgm:style>
+  </dgm:styleLbl>
+  <dgm:styleLbl name="conFgAcc1">
+    <dgm:scene3d>
+      <a:camera prst="orthographicFront"/>
+      <a:lightRig rig="threePt" dir="t"/>
+    </dgm:scene3d>
+    <dgm:sp3d/>
+    <dgm:txPr/>
+    <dgm:style>
+      <a:lnRef idx="2">
+        <a:scrgbClr r="0" g="0" b="0"/>
+      </a:lnRef>
+      <a:fillRef idx="1">
+        <a:scrgbClr r="0" g="0" b="0"/>
+      </a:fillRef>
+      <a:effectRef idx="0">
+        <a:scrgbClr r="0" g="0" b="0"/>
+      </a:effectRef>
+      <a:fontRef idx="minor"/>
+    </dgm:style>
+  </dgm:styleLbl>
+  <dgm:styleLbl name="alignAcc1">
+    <dgm:scene3d>
+      <a:camera prst="orthographicFront"/>
+      <a:lightRig rig="threePt" dir="t"/>
+    </dgm:scene3d>
+    <dgm:sp3d/>
+    <dgm:txPr/>
+    <dgm:style>
+      <a:lnRef idx="2">
+        <a:scrgbClr r="0" g="0" b="0"/>
+      </a:lnRef>
+      <a:fillRef idx="1">
+        <a:scrgbClr r="0" g="0" b="0"/>
+      </a:fillRef>
+      <a:effectRef idx="0">
+        <a:scrgbClr r="0" g="0" b="0"/>
+      </a:effectRef>
+      <a:fontRef idx="minor"/>
+    </dgm:style>
+  </dgm:styleLbl>
+  <dgm:styleLbl name="trAlignAcc1">
+    <dgm:scene3d>
+      <a:camera prst="orthographicFront"/>
+      <a:lightRig rig="threePt" dir="t"/>
+    </dgm:scene3d>
+    <dgm:sp3d/>
+    <dgm:txPr/>
+    <dgm:style>
+      <a:lnRef idx="1">
+        <a:scrgbClr r="0" g="0" b="0"/>
+      </a:lnRef>
+      <a:fillRef idx="1">
+        <a:scrgbClr r="0" g="0" b="0"/>
+      </a:fillRef>
+      <a:effectRef idx="0">
+        <a:scrgbClr r="0" g="0" b="0"/>
+      </a:effectRef>
+      <a:fontRef idx="minor"/>
+    </dgm:style>
+  </dgm:styleLbl>
+  <dgm:styleLbl name="bgAcc1">
+    <dgm:scene3d>
+      <a:camera prst="orthographicFront"/>
+      <a:lightRig rig="threePt" dir="t"/>
+    </dgm:scene3d>
+    <dgm:sp3d/>
+    <dgm:txPr/>
+    <dgm:style>
+      <a:lnRef idx="2">
+        <a:scrgbClr r="0" g="0" b="0"/>
+      </a:lnRef>
+      <a:fillRef idx="1">
+        <a:scrgbClr r="0" g="0" b="0"/>
+      </a:fillRef>
+      <a:effectRef idx="0">
+        <a:scrgbClr r="0" g="0" b="0"/>
+      </a:effectRef>
+      <a:fontRef idx="minor"/>
+    </dgm:style>
+  </dgm:styleLbl>
+  <dgm:styleLbl name="solidFgAcc1">
+    <dgm:scene3d>
+      <a:camera prst="orthographicFront"/>
+      <a:lightRig rig="threePt" dir="t"/>
+    </dgm:scene3d>
+    <dgm:sp3d/>
+    <dgm:txPr/>
+    <dgm:style>
+      <a:lnRef idx="2">
+        <a:scrgbClr r="0" g="0" b="0"/>
+      </a:lnRef>
+      <a:fillRef idx="1">
+        <a:scrgbClr r="0" g="0" b="0"/>
+      </a:fillRef>
+      <a:effectRef idx="0">
+        <a:scrgbClr r="0" g="0" b="0"/>
+      </a:effectRef>
+      <a:fontRef idx="minor"/>
+    </dgm:style>
+  </dgm:styleLbl>
+  <dgm:styleLbl name="solidAlignAcc1">
+    <dgm:scene3d>
+      <a:camera prst="orthographicFront"/>
+      <a:lightRig rig="threePt" dir="t"/>
+    </dgm:scene3d>
+    <dgm:sp3d/>
+    <dgm:txPr/>
+    <dgm:style>
+      <a:lnRef idx="2">
+        <a:scrgbClr r="0" g="0" b="0"/>
+      </a:lnRef>
+      <a:fillRef idx="1">
+        <a:scrgbClr r="0" g="0" b="0"/>
+      </a:fillRef>
+      <a:effectRef idx="0">
+        <a:scrgbClr r="0" g="0" b="0"/>
+      </a:effectRef>
+      <a:fontRef idx="minor"/>
+    </dgm:style>
+  </dgm:styleLbl>
+  <dgm:styleLbl name="solidBgAcc1">
+    <dgm:scene3d>
+      <a:camera prst="orthographicFront"/>
+      <a:lightRig rig="threePt" dir="t"/>
+    </dgm:scene3d>
+    <dgm:sp3d/>
+    <dgm:txPr/>
+    <dgm:style>
+      <a:lnRef idx="2">
+        <a:scrgbClr r="0" g="0" b="0"/>
+      </a:lnRef>
+      <a:fillRef idx="1">
+        <a:scrgbClr r="0" g="0" b="0"/>
+      </a:fillRef>
+      <a:effectRef idx="0">
+        <a:scrgbClr r="0" g="0" b="0"/>
+      </a:effectRef>
+      <a:fontRef idx="minor"/>
+    </dgm:style>
+  </dgm:styleLbl>
+  <dgm:styleLbl name="fgAccFollowNode1">
+    <dgm:scene3d>
+      <a:camera prst="orthographicFront"/>
+      <a:lightRig rig="threePt" dir="t"/>
+    </dgm:scene3d>
+    <dgm:sp3d/>
+    <dgm:txPr/>
+    <dgm:style>
+      <a:lnRef idx="2">
+        <a:scrgbClr r="0" g="0" b="0"/>
+      </a:lnRef>
+      <a:fillRef idx="1">
+        <a:scrgbClr r="0" g="0" b="0"/>
+      </a:fillRef>
+      <a:effectRef idx="0">
+        <a:scrgbClr r="0" g="0" b="0"/>
+      </a:effectRef>
+      <a:fontRef idx="minor"/>
+    </dgm:style>
+  </dgm:styleLbl>
+  <dgm:styleLbl name="alignAccFollowNode1">
+    <dgm:scene3d>
+      <a:camera prst="orthographicFront"/>
+      <a:lightRig rig="threePt" dir="t"/>
+    </dgm:scene3d>
+    <dgm:sp3d/>
+    <dgm:txPr/>
+    <dgm:style>
+      <a:lnRef idx="2">
+        <a:scrgbClr r="0" g="0" b="0"/>
+      </a:lnRef>
+      <a:fillRef idx="1">
+        <a:scrgbClr r="0" g="0" b="0"/>
+      </a:fillRef>
+      <a:effectRef idx="0">
+        <a:scrgbClr r="0" g="0" b="0"/>
+      </a:effectRef>
+      <a:fontRef idx="minor"/>
+    </dgm:style>
+  </dgm:styleLbl>
+  <dgm:styleLbl name="bgAccFollowNode1">
+    <dgm:scene3d>
+      <a:camera prst="orthographicFront"/>
+      <a:lightRig rig="threePt" dir="t"/>
+    </dgm:scene3d>
+    <dgm:sp3d/>
+    <dgm:txPr/>
+    <dgm:style>
+      <a:lnRef idx="2">
+        <a:scrgbClr r="0" g="0" b="0"/>
+      </a:lnRef>
+      <a:fillRef idx="1">
+        <a:scrgbClr r="0" g="0" b="0"/>
+      </a:fillRef>
+      <a:effectRef idx="0">
+        <a:scrgbClr r="0" g="0" b="0"/>
+      </a:effectRef>
+      <a:fontRef idx="minor"/>
+    </dgm:style>
+  </dgm:styleLbl>
+  <dgm:styleLbl name="fgAcc0">
+    <dgm:scene3d>
+      <a:camera prst="orthographicFront"/>
+      <a:lightRig rig="threePt" dir="t"/>
+    </dgm:scene3d>
+    <dgm:sp3d/>
+    <dgm:txPr/>
+    <dgm:style>
+      <a:lnRef idx="2">
+        <a:scrgbClr r="0" g="0" b="0"/>
+      </a:lnRef>
+      <a:fillRef idx="1">
+        <a:scrgbClr r="0" g="0" b="0"/>
+      </a:fillRef>
+      <a:effectRef idx="0">
+        <a:scrgbClr r="0" g="0" b="0"/>
+      </a:effectRef>
+      <a:fontRef idx="minor"/>
+    </dgm:style>
+  </dgm:styleLbl>
+  <dgm:styleLbl name="fgAcc2">
+    <dgm:scene3d>
+      <a:camera prst="orthographicFront"/>
+      <a:lightRig rig="threePt" dir="t"/>
+    </dgm:scene3d>
+    <dgm:sp3d/>
+    <dgm:txPr/>
+    <dgm:style>
+      <a:lnRef idx="2">
+        <a:scrgbClr r="0" g="0" b="0"/>
+      </a:lnRef>
+      <a:fillRef idx="1">
+        <a:scrgbClr r="0" g="0" b="0"/>
+      </a:fillRef>
+      <a:effectRef idx="0">
+        <a:scrgbClr r="0" g="0" b="0"/>
+      </a:effectRef>
+      <a:fontRef idx="minor"/>
+    </dgm:style>
+  </dgm:styleLbl>
+  <dgm:styleLbl name="fgAcc3">
+    <dgm:scene3d>
+      <a:camera prst="orthographicFront"/>
+      <a:lightRig rig="threePt" dir="t"/>
+    </dgm:scene3d>
+    <dgm:sp3d/>
+    <dgm:txPr/>
+    <dgm:style>
+      <a:lnRef idx="2">
+        <a:scrgbClr r="0" g="0" b="0"/>
+      </a:lnRef>
+      <a:fillRef idx="1">
+        <a:scrgbClr r="0" g="0" b="0"/>
+      </a:fillRef>
+      <a:effectRef idx="0">
+        <a:scrgbClr r="0" g="0" b="0"/>
+      </a:effectRef>
+      <a:fontRef idx="minor"/>
+    </dgm:style>
+  </dgm:styleLbl>
+  <dgm:styleLbl name="fgAcc4">
+    <dgm:scene3d>
+      <a:camera prst="orthographicFront"/>
+      <a:lightRig rig="threePt" dir="t"/>
+    </dgm:scene3d>
+    <dgm:sp3d/>
+    <dgm:txPr/>
+    <dgm:style>
+      <a:lnRef idx="2">
+        <a:scrgbClr r="0" g="0" b="0"/>
+      </a:lnRef>
+      <a:fillRef idx="1">
+        <a:scrgbClr r="0" g="0" b="0"/>
+      </a:fillRef>
+      <a:effectRef idx="0">
+        <a:scrgbClr r="0" g="0" b="0"/>
+      </a:effectRef>
+      <a:fontRef idx="minor"/>
+    </dgm:style>
+  </dgm:styleLbl>
+  <dgm:styleLbl name="bgShp">
+    <dgm:scene3d>
+      <a:camera prst="orthographicFront"/>
+      <a:lightRig rig="threePt" dir="t"/>
+    </dgm:scene3d>
+    <dgm:sp3d/>
+    <dgm:txPr/>
+    <dgm:style>
+      <a:lnRef idx="0">
+        <a:scrgbClr r="0" g="0" b="0"/>
+      </a:lnRef>
+      <a:fillRef idx="1">
+        <a:scrgbClr r="0" g="0" b="0"/>
+      </a:fillRef>
+      <a:effectRef idx="0">
+        <a:scrgbClr r="0" g="0" b="0"/>
+      </a:effectRef>
+      <a:fontRef idx="minor"/>
+    </dgm:style>
+  </dgm:styleLbl>
+  <dgm:styleLbl name="dkBgShp">
+    <dgm:scene3d>
+      <a:camera prst="orthographicFront"/>
+      <a:lightRig rig="threePt" dir="t"/>
+    </dgm:scene3d>
+    <dgm:sp3d/>
+    <dgm:txPr/>
+    <dgm:style>
+      <a:lnRef idx="0">
+        <a:scrgbClr r="0" g="0" b="0"/>
+      </a:lnRef>
+      <a:fillRef idx="1">
+        <a:scrgbClr r="0" g="0" b="0"/>
+      </a:fillRef>
+      <a:effectRef idx="0">
+        <a:scrgbClr r="0" g="0" b="0"/>
+      </a:effectRef>
+      <a:fontRef idx="minor"/>
+    </dgm:style>
+  </dgm:styleLbl>
+  <dgm:styleLbl name="trBgShp">
+    <dgm:scene3d>
+      <a:camera prst="orthographicFront"/>
+      <a:lightRig rig="threePt" dir="t"/>
+    </dgm:scene3d>
+    <dgm:sp3d/>
+    <dgm:txPr/>
+    <dgm:style>
+      <a:lnRef idx="0">
+        <a:scrgbClr r="0" g="0" b="0"/>
+      </a:lnRef>
+      <a:fillRef idx="1">
+        <a:scrgbClr r="0" g="0" b="0"/>
+      </a:fillRef>
+      <a:effectRef idx="0">
+        <a:scrgbClr r="0" g="0" b="0"/>
+      </a:effectRef>
+      <a:fontRef idx="minor"/>
+    </dgm:style>
+  </dgm:styleLbl>
+  <dgm:styleLbl name="fgShp">
+    <dgm:scene3d>
+      <a:camera prst="orthographicFront"/>
+      <a:lightRig rig="threePt" dir="t"/>
+    </dgm:scene3d>
+    <dgm:sp3d/>
+    <dgm:txPr/>
+    <dgm:style>
+      <a:lnRef idx="2">
+        <a:scrgbClr r="0" g="0" b="0"/>
+      </a:lnRef>
+      <a:fillRef idx="1">
+        <a:scrgbClr r="0" g="0" b="0"/>
+      </a:fillRef>
+      <a:effectRef idx="0">
+        <a:scrgbClr r="0" g="0" b="0"/>
+      </a:effectRef>
+      <a:fontRef idx="minor"/>
+    </dgm:style>
+  </dgm:styleLbl>
+  <dgm:styleLbl name="revTx">
+    <dgm:scene3d>
+      <a:camera prst="orthographicFront"/>
+      <a:lightRig rig="threePt" dir="t"/>
+    </dgm:scene3d>
+    <dgm:sp3d/>
+    <dgm:txPr/>
+    <dgm:style>
+      <a:lnRef idx="0">
+        <a:scrgbClr r="0" g="0" b="0"/>
+      </a:lnRef>
+      <a:fillRef idx="0">
+        <a:scrgbClr r="0" g="0" b="0"/>
+      </a:fillRef>
+      <a:effectRef idx="0">
+        <a:scrgbClr r="0" g="0" b="0"/>
+      </a:effectRef>
+      <a:fontRef idx="minor"/>
+    </dgm:style>
+  </dgm:styleLbl>
+</dgm:styleDef>
+</file>
+
+<file path=ppt/diagrams/quickStyle4.xml><?xml version="1.0" encoding="utf-8"?>
 <dgm:styleDef xmlns:dgm="http://schemas.openxmlformats.org/drawingml/2006/diagram" xmlns:a="http://schemas.openxmlformats.org/drawingml/2006/main" uniqueId="urn:microsoft.com/office/officeart/2005/8/quickstyle/simple1">
   <dgm:title val=""/>
   <dgm:desc val=""/>
@@ -14340,6 +20805,15 @@
 <file path=ppt/slides/slide7.xml><?xml version="1.0" encoding="utf-8"?>
 <p:sld xmlns:a="http://schemas.openxmlformats.org/drawingml/2006/main" xmlns:r="http://schemas.openxmlformats.org/officeDocument/2006/relationships" xmlns:p="http://schemas.openxmlformats.org/presentationml/2006/main">
   <p:cSld>
+    <p:bg>
+      <p:bgPr>
+        <a:blipFill>
+          <a:blip r:embed="rId2"/>
+          <a:stretch/>
+        </a:blipFill>
+        <a:effectLst/>
+      </p:bgPr>
+    </p:bg>
     <p:spTree>
       <p:nvGrpSpPr>
         <p:cNvPr id="1" name=""/>
@@ -14372,67 +20846,54 @@
         </p:nvSpPr>
         <p:spPr>
           <a:xfrm>
-            <a:off x="685801" y="533400"/>
-            <a:ext cx="10820400" cy="1177092"/>
+            <a:off x="685801" y="609600"/>
+            <a:ext cx="10131425" cy="1456267"/>
           </a:xfrm>
         </p:spPr>
         <p:txBody>
-          <a:bodyPr anchor="b">
-            <a:normAutofit fontScale="90000"/>
-          </a:bodyPr>
-          <a:lstStyle/>
-          <a:p>
-            <a:pPr algn="ctr"/>
-            <a:r>
-              <a:rPr lang="en-CA" sz="4400" dirty="0"/>
-              <a:t>Specifics of Satellite Tracking pythonic </a:t>
-            </a:r>
-            <a:r>
-              <a:rPr lang="en-CA" sz="4400" dirty="0" err="1"/>
-              <a:t>api</a:t>
-            </a:r>
-            <a:endParaRPr lang="en-CA" sz="4400" dirty="0"/>
-          </a:p>
-        </p:txBody>
-      </p:sp>
-      <p:sp>
-        <p:nvSpPr>
-          <p:cNvPr id="39" name="Content Placeholder 2">
-            <a:extLst>
-              <a:ext uri="{FF2B5EF4-FFF2-40B4-BE49-F238E27FC236}">
-                <a16:creationId xmlns:a16="http://schemas.microsoft.com/office/drawing/2014/main" id="{E5DBC696-DFAD-05F9-2B98-9D7894A7500E}"/>
-              </a:ext>
-            </a:extLst>
-          </p:cNvPr>
-          <p:cNvSpPr>
-            <a:spLocks noGrp="1"/>
-          </p:cNvSpPr>
-          <p:nvPr>
-            <p:ph idx="1"/>
-          </p:nvPr>
-        </p:nvSpPr>
-        <p:spPr>
-          <a:xfrm>
-            <a:off x="685801" y="2243892"/>
-            <a:ext cx="10820400" cy="3547308"/>
-          </a:xfrm>
-        </p:spPr>
-        <p:txBody>
-          <a:bodyPr anchor="t">
+          <a:bodyPr>
             <a:normAutofit/>
           </a:bodyPr>
           <a:lstStyle/>
           <a:p>
             <a:r>
-              <a:rPr lang="en-CA" sz="2000" dirty="0"/>
-              <a:t>Satellites tracking algorithm  </a:t>
+              <a:rPr lang="en-CA"/>
+              <a:t>Specifics of Satellite Tracking pythonic api</a:t>
             </a:r>
-          </a:p>
-          <a:p>
-            <a:endParaRPr lang="en-CA" sz="1800" dirty="0"/>
           </a:p>
         </p:txBody>
       </p:sp>
+      <p:graphicFrame>
+        <p:nvGraphicFramePr>
+          <p:cNvPr id="50" name="Content Placeholder 2">
+            <a:extLst>
+              <a:ext uri="{FF2B5EF4-FFF2-40B4-BE49-F238E27FC236}">
+                <a16:creationId xmlns:a16="http://schemas.microsoft.com/office/drawing/2014/main" id="{A1651969-E030-5EA3-7E0F-6E2E686181FE}"/>
+              </a:ext>
+            </a:extLst>
+          </p:cNvPr>
+          <p:cNvGraphicFramePr>
+            <a:graphicFrameLocks noGrp="1"/>
+          </p:cNvGraphicFramePr>
+          <p:nvPr>
+            <p:ph idx="1"/>
+            <p:extLst>
+              <p:ext uri="{D42A27DB-BD31-4B8C-83A1-F6EECF244321}">
+                <p14:modId xmlns:p14="http://schemas.microsoft.com/office/powerpoint/2010/main" val="4117666620"/>
+              </p:ext>
+            </p:extLst>
+          </p:nvPr>
+        </p:nvGraphicFramePr>
+        <p:xfrm>
+          <a:off x="685800" y="2406400"/>
+          <a:ext cx="10131425" cy="3384799"/>
+        </p:xfrm>
+        <a:graphic>
+          <a:graphicData uri="http://schemas.openxmlformats.org/drawingml/2006/diagram">
+            <dgm:relIds xmlns:dgm="http://schemas.openxmlformats.org/drawingml/2006/diagram" xmlns:r="http://schemas.openxmlformats.org/officeDocument/2006/relationships" r:dm="rId3" r:lo="rId4" r:qs="rId5" r:cs="rId6"/>
+          </a:graphicData>
+        </a:graphic>
+      </p:graphicFrame>
     </p:spTree>
     <p:extLst>
       <p:ext uri="{BB962C8B-B14F-4D97-AF65-F5344CB8AC3E}">
@@ -14451,10 +20912,9 @@
   <p:cSld>
     <p:bg>
       <p:bgPr>
-        <a:blipFill>
-          <a:blip r:embed="rId2"/>
-          <a:stretch/>
-        </a:blipFill>
+        <a:solidFill>
+          <a:schemeClr val="bg1"/>
+        </a:solidFill>
         <a:effectLst/>
       </p:bgPr>
     </p:bg>
@@ -14472,12 +20932,12 @@
           <a:chExt cx="0" cy="0"/>
         </a:xfrm>
       </p:grpSpPr>
-      <p:sp useBgFill="1">
+      <p:sp>
         <p:nvSpPr>
-          <p:cNvPr id="66" name="Rectangle 65">
+          <p:cNvPr id="74" name="Rectangle 73">
             <a:extLst>
               <a:ext uri="{FF2B5EF4-FFF2-40B4-BE49-F238E27FC236}">
-                <a16:creationId xmlns:a16="http://schemas.microsoft.com/office/drawing/2014/main" id="{C1709A45-C6F3-4CEE-AA0F-887FAC5CAE7D}"/>
+                <a16:creationId xmlns:a16="http://schemas.microsoft.com/office/drawing/2014/main" id="{6A166780-9337-4437-95D3-5EA9D55AAAC5}"/>
               </a:ext>
               <a:ext uri="{C183D7F6-B498-43B3-948B-1728B52AA6E4}">
                 <adec:decorative xmlns:adec="http://schemas.microsoft.com/office/drawing/2017/decorative" val="1"/>
@@ -14513,8 +20973,8 @@
               <a:shade val="50000"/>
             </a:schemeClr>
           </a:lnRef>
-          <a:fillRef idx="1">
-            <a:schemeClr val="accent1"/>
+          <a:fillRef idx="1003">
+            <a:schemeClr val="dk2"/>
           </a:fillRef>
           <a:effectRef idx="0">
             <a:schemeClr val="accent1"/>
@@ -14534,172 +20994,10 @@
       </p:sp>
       <p:sp>
         <p:nvSpPr>
-          <p:cNvPr id="2" name="Title 1">
+          <p:cNvPr id="76" name="Rectangle 75">
             <a:extLst>
               <a:ext uri="{FF2B5EF4-FFF2-40B4-BE49-F238E27FC236}">
-                <a16:creationId xmlns:a16="http://schemas.microsoft.com/office/drawing/2014/main" id="{E89CB5DC-BDEB-73E9-C05F-F0DD10F0E0EE}"/>
-              </a:ext>
-            </a:extLst>
-          </p:cNvPr>
-          <p:cNvSpPr>
-            <a:spLocks noGrp="1"/>
-          </p:cNvSpPr>
-          <p:nvPr>
-            <p:ph type="title"/>
-          </p:nvPr>
-        </p:nvSpPr>
-        <p:spPr>
-          <a:xfrm>
-            <a:off x="685801" y="533400"/>
-            <a:ext cx="10820400" cy="1177092"/>
-          </a:xfrm>
-        </p:spPr>
-        <p:txBody>
-          <a:bodyPr anchor="b">
-            <a:normAutofit/>
-          </a:bodyPr>
-          <a:lstStyle/>
-          <a:p>
-            <a:pPr algn="ctr"/>
-            <a:r>
-              <a:rPr lang="en-CA" sz="4400" dirty="0"/>
-              <a:t>Architecture</a:t>
-            </a:r>
-          </a:p>
-        </p:txBody>
-      </p:sp>
-      <p:cxnSp>
-        <p:nvCxnSpPr>
-          <p:cNvPr id="68" name="Straight Connector 67">
-            <a:extLst>
-              <a:ext uri="{FF2B5EF4-FFF2-40B4-BE49-F238E27FC236}">
-                <a16:creationId xmlns:a16="http://schemas.microsoft.com/office/drawing/2014/main" id="{26E963D7-0A73-484A-B8A2-DDBFEA123C2F}"/>
-              </a:ext>
-              <a:ext uri="{C183D7F6-B498-43B3-948B-1728B52AA6E4}">
-                <adec:decorative xmlns:adec="http://schemas.microsoft.com/office/drawing/2017/decorative" val="1"/>
-              </a:ext>
-            </a:extLst>
-          </p:cNvPr>
-          <p:cNvCxnSpPr>
-            <a:cxnSpLocks noGrp="1" noRot="1" noChangeAspect="1" noMove="1" noResize="1" noEditPoints="1" noAdjustHandles="1" noChangeArrowheads="1" noChangeShapeType="1"/>
-          </p:cNvCxnSpPr>
-          <p:nvPr>
-            <p:extLst>
-              <p:ext uri="{386F3935-93C4-4BCD-93E2-E3B085C9AB24}">
-                <p16:designElem xmlns:p16="http://schemas.microsoft.com/office/powerpoint/2015/main" val="1"/>
-              </p:ext>
-            </p:extLst>
-          </p:nvPr>
-        </p:nvCxnSpPr>
-        <p:spPr>
-          <a:xfrm>
-            <a:off x="5845629" y="1850077"/>
-            <a:ext cx="500743" cy="0"/>
-          </a:xfrm>
-          <a:prstGeom prst="line">
-            <a:avLst/>
-          </a:prstGeom>
-          <a:ln w="19050"/>
-        </p:spPr>
-        <p:style>
-          <a:lnRef idx="1">
-            <a:schemeClr val="accent1"/>
-          </a:lnRef>
-          <a:fillRef idx="0">
-            <a:schemeClr val="accent1"/>
-          </a:fillRef>
-          <a:effectRef idx="0">
-            <a:schemeClr val="accent1"/>
-          </a:effectRef>
-          <a:fontRef idx="minor">
-            <a:schemeClr val="tx1"/>
-          </a:fontRef>
-        </p:style>
-      </p:cxnSp>
-      <p:sp>
-        <p:nvSpPr>
-          <p:cNvPr id="39" name="Content Placeholder 2">
-            <a:extLst>
-              <a:ext uri="{FF2B5EF4-FFF2-40B4-BE49-F238E27FC236}">
-                <a16:creationId xmlns:a16="http://schemas.microsoft.com/office/drawing/2014/main" id="{E5DBC696-DFAD-05F9-2B98-9D7894A7500E}"/>
-              </a:ext>
-            </a:extLst>
-          </p:cNvPr>
-          <p:cNvSpPr>
-            <a:spLocks noGrp="1"/>
-          </p:cNvSpPr>
-          <p:nvPr>
-            <p:ph idx="1"/>
-          </p:nvPr>
-        </p:nvSpPr>
-        <p:spPr>
-          <a:xfrm>
-            <a:off x="685801" y="2243892"/>
-            <a:ext cx="10820400" cy="3547308"/>
-          </a:xfrm>
-        </p:spPr>
-        <p:txBody>
-          <a:bodyPr anchor="t">
-            <a:normAutofit/>
-          </a:bodyPr>
-          <a:lstStyle/>
-          <a:p>
-            <a:endParaRPr lang="en-CA" sz="2000" dirty="0"/>
-          </a:p>
-          <a:p>
-            <a:r>
-              <a:rPr lang="en-CA" sz="2000" dirty="0" err="1"/>
-              <a:t>sd</a:t>
-            </a:r>
-            <a:endParaRPr lang="en-CA" sz="2000" dirty="0"/>
-          </a:p>
-        </p:txBody>
-      </p:sp>
-    </p:spTree>
-    <p:extLst>
-      <p:ext uri="{BB962C8B-B14F-4D97-AF65-F5344CB8AC3E}">
-        <p14:creationId xmlns:p14="http://schemas.microsoft.com/office/powerpoint/2010/main" val="1789464836"/>
-      </p:ext>
-    </p:extLst>
-  </p:cSld>
-  <p:clrMapOvr>
-    <a:masterClrMapping/>
-  </p:clrMapOvr>
-</p:sld>
-</file>
-
-<file path=ppt/slides/slide9.xml><?xml version="1.0" encoding="utf-8"?>
-<p:sld xmlns:a="http://schemas.openxmlformats.org/drawingml/2006/main" xmlns:r="http://schemas.openxmlformats.org/officeDocument/2006/relationships" xmlns:p="http://schemas.openxmlformats.org/presentationml/2006/main">
-  <p:cSld>
-    <p:bg>
-      <p:bgPr>
-        <a:blipFill>
-          <a:blip r:embed="rId2"/>
-          <a:stretch/>
-        </a:blipFill>
-        <a:effectLst/>
-      </p:bgPr>
-    </p:bg>
-    <p:spTree>
-      <p:nvGrpSpPr>
-        <p:cNvPr id="1" name=""/>
-        <p:cNvGrpSpPr/>
-        <p:nvPr/>
-      </p:nvGrpSpPr>
-      <p:grpSpPr>
-        <a:xfrm>
-          <a:off x="0" y="0"/>
-          <a:ext cx="0" cy="0"/>
-          <a:chOff x="0" y="0"/>
-          <a:chExt cx="0" cy="0"/>
-        </a:xfrm>
-      </p:grpSpPr>
-      <p:sp useBgFill="1">
-        <p:nvSpPr>
-          <p:cNvPr id="66" name="Rectangle 65">
-            <a:extLst>
-              <a:ext uri="{FF2B5EF4-FFF2-40B4-BE49-F238E27FC236}">
-                <a16:creationId xmlns:a16="http://schemas.microsoft.com/office/drawing/2014/main" id="{C1709A45-C6F3-4CEE-AA0F-887FAC5CAE7D}"/>
+                <a16:creationId xmlns:a16="http://schemas.microsoft.com/office/drawing/2014/main" id="{EB3D0F40-BF1F-4120-945D-90C5AAD6E35A}"/>
               </a:ext>
               <a:ext uri="{C183D7F6-B498-43B3-948B-1728B52AA6E4}">
                 <adec:decorative xmlns:adec="http://schemas.microsoft.com/office/drawing/2017/decorative" val="1"/>
@@ -14719,8 +21017,156 @@
         </p:nvSpPr>
         <p:spPr>
           <a:xfrm>
+            <a:off x="-3175" y="0"/>
+            <a:ext cx="4654296" cy="6856214"/>
+          </a:xfrm>
+          <a:prstGeom prst="rect">
+            <a:avLst/>
+          </a:prstGeom>
+          <a:blipFill dpi="0" rotWithShape="1">
+            <a:blip r:embed="rId2"/>
+            <a:srcRect/>
+            <a:tile tx="0" ty="0" sx="100000" sy="100000" flip="none" algn="tl"/>
+          </a:blipFill>
+          <a:ln>
+            <a:noFill/>
+          </a:ln>
+        </p:spPr>
+        <p:style>
+          <a:lnRef idx="2">
+            <a:schemeClr val="accent1">
+              <a:shade val="50000"/>
+            </a:schemeClr>
+          </a:lnRef>
+          <a:fillRef idx="1003">
+            <a:schemeClr val="lt2"/>
+          </a:fillRef>
+          <a:effectRef idx="0">
+            <a:schemeClr val="accent1"/>
+          </a:effectRef>
+          <a:fontRef idx="minor">
+            <a:schemeClr val="lt1"/>
+          </a:fontRef>
+        </p:style>
+        <p:txBody>
+          <a:bodyPr rtlCol="0" anchor="ctr"/>
+          <a:lstStyle/>
+          <a:p>
+            <a:pPr algn="ctr"/>
+            <a:endParaRPr lang="en-US"/>
+          </a:p>
+        </p:txBody>
+      </p:sp>
+      <p:pic>
+        <p:nvPicPr>
+          <p:cNvPr id="78" name="Picture 77">
+            <a:extLst>
+              <a:ext uri="{FF2B5EF4-FFF2-40B4-BE49-F238E27FC236}">
+                <a16:creationId xmlns:a16="http://schemas.microsoft.com/office/drawing/2014/main" id="{15640A69-3748-450C-8DDB-B2051AC04BC7}"/>
+              </a:ext>
+              <a:ext uri="{C183D7F6-B498-43B3-948B-1728B52AA6E4}">
+                <adec:decorative xmlns:adec="http://schemas.microsoft.com/office/drawing/2017/decorative" val="1"/>
+              </a:ext>
+            </a:extLst>
+          </p:cNvPr>
+          <p:cNvPicPr>
+            <a:picLocks noGrp="1" noRot="1" noChangeAspect="1" noMove="1" noResize="1" noEditPoints="1" noAdjustHandles="1" noChangeArrowheads="1" noChangeShapeType="1" noCrop="1"/>
+          </p:cNvPicPr>
+          <p:nvPr>
+            <p:extLst>
+              <p:ext uri="{386F3935-93C4-4BCD-93E2-E3B085C9AB24}">
+                <p16:designElem xmlns:p16="http://schemas.microsoft.com/office/powerpoint/2015/main" val="1"/>
+              </p:ext>
+            </p:extLst>
+          </p:nvPr>
+        </p:nvPicPr>
+        <p:blipFill rotWithShape="1">
+          <a:blip r:embed="rId3">
+            <a:extLst>
+              <a:ext uri="{28A0092B-C50C-407E-A947-70E740481C1C}">
+                <a14:useLocalDpi xmlns:a14="http://schemas.microsoft.com/office/drawing/2010/main" val="0"/>
+              </a:ext>
+            </a:extLst>
+          </a:blip>
+          <a:srcRect r="61893"/>
+          <a:stretch/>
+        </p:blipFill>
+        <p:spPr>
+          <a:xfrm>
             <a:off x="0" y="0"/>
-            <a:ext cx="12192000" cy="6858000"/>
+            <a:ext cx="4644770" cy="6856214"/>
+          </a:xfrm>
+          <a:prstGeom prst="rect">
+            <a:avLst/>
+          </a:prstGeom>
+        </p:spPr>
+      </p:pic>
+      <p:sp>
+        <p:nvSpPr>
+          <p:cNvPr id="2" name="Title 1">
+            <a:extLst>
+              <a:ext uri="{FF2B5EF4-FFF2-40B4-BE49-F238E27FC236}">
+                <a16:creationId xmlns:a16="http://schemas.microsoft.com/office/drawing/2014/main" id="{E89CB5DC-BDEB-73E9-C05F-F0DD10F0E0EE}"/>
+              </a:ext>
+            </a:extLst>
+          </p:cNvPr>
+          <p:cNvSpPr>
+            <a:spLocks noGrp="1"/>
+          </p:cNvSpPr>
+          <p:nvPr>
+            <p:ph type="title"/>
+          </p:nvPr>
+        </p:nvSpPr>
+        <p:spPr>
+          <a:xfrm>
+            <a:off x="685801" y="643466"/>
+            <a:ext cx="3351530" cy="4995333"/>
+          </a:xfrm>
+        </p:spPr>
+        <p:txBody>
+          <a:bodyPr>
+            <a:normAutofit/>
+          </a:bodyPr>
+          <a:lstStyle/>
+          <a:p>
+            <a:r>
+              <a:rPr lang="en-CA">
+                <a:solidFill>
+                  <a:srgbClr val="FFFFFF"/>
+                </a:solidFill>
+              </a:rPr>
+              <a:t>Architecture</a:t>
+            </a:r>
+          </a:p>
+        </p:txBody>
+      </p:sp>
+      <p:sp useBgFill="1">
+        <p:nvSpPr>
+          <p:cNvPr id="80" name="Rectangle 79">
+            <a:extLst>
+              <a:ext uri="{FF2B5EF4-FFF2-40B4-BE49-F238E27FC236}">
+                <a16:creationId xmlns:a16="http://schemas.microsoft.com/office/drawing/2014/main" id="{66F4F323-644B-4A47-97E9-BFB73840F402}"/>
+              </a:ext>
+              <a:ext uri="{C183D7F6-B498-43B3-948B-1728B52AA6E4}">
+                <adec:decorative xmlns:adec="http://schemas.microsoft.com/office/drawing/2017/decorative" val="1"/>
+              </a:ext>
+            </a:extLst>
+          </p:cNvPr>
+          <p:cNvSpPr>
+            <a:spLocks noGrp="1" noRot="1" noChangeAspect="1" noMove="1" noResize="1" noEditPoints="1" noAdjustHandles="1" noChangeArrowheads="1" noChangeShapeType="1" noTextEdit="1"/>
+          </p:cNvSpPr>
+          <p:nvPr>
+            <p:extLst>
+              <p:ext uri="{386F3935-93C4-4BCD-93E2-E3B085C9AB24}">
+                <p16:designElem xmlns:p16="http://schemas.microsoft.com/office/powerpoint/2015/main" val="1"/>
+              </p:ext>
+            </p:extLst>
+          </p:nvPr>
+        </p:nvSpPr>
+        <p:spPr>
+          <a:xfrm>
+            <a:off x="4651120" y="-2"/>
+            <a:ext cx="7537705" cy="6856216"/>
           </a:xfrm>
           <a:prstGeom prst="rect">
             <a:avLst/>
@@ -14754,6 +21200,76 @@
           </a:p>
         </p:txBody>
       </p:sp>
+      <p:graphicFrame>
+        <p:nvGraphicFramePr>
+          <p:cNvPr id="72" name="Content Placeholder 2">
+            <a:extLst>
+              <a:ext uri="{FF2B5EF4-FFF2-40B4-BE49-F238E27FC236}">
+                <a16:creationId xmlns:a16="http://schemas.microsoft.com/office/drawing/2014/main" id="{D8066594-0C4D-7CAD-7EE1-ECE0E965C621}"/>
+              </a:ext>
+            </a:extLst>
+          </p:cNvPr>
+          <p:cNvGraphicFramePr>
+            <a:graphicFrameLocks noGrp="1"/>
+          </p:cNvGraphicFramePr>
+          <p:nvPr>
+            <p:ph idx="1"/>
+            <p:extLst>
+              <p:ext uri="{D42A27DB-BD31-4B8C-83A1-F6EECF244321}">
+                <p14:modId xmlns:p14="http://schemas.microsoft.com/office/powerpoint/2010/main" val="3961402681"/>
+              </p:ext>
+            </p:extLst>
+          </p:nvPr>
+        </p:nvGraphicFramePr>
+        <p:xfrm>
+          <a:off x="5467509" y="804671"/>
+          <a:ext cx="5886291" cy="4917211"/>
+        </p:xfrm>
+        <a:graphic>
+          <a:graphicData uri="http://schemas.openxmlformats.org/drawingml/2006/diagram">
+            <dgm:relIds xmlns:dgm="http://schemas.openxmlformats.org/drawingml/2006/diagram" xmlns:r="http://schemas.openxmlformats.org/officeDocument/2006/relationships" r:dm="rId4" r:lo="rId5" r:qs="rId6" r:cs="rId7"/>
+          </a:graphicData>
+        </a:graphic>
+      </p:graphicFrame>
+    </p:spTree>
+    <p:extLst>
+      <p:ext uri="{BB962C8B-B14F-4D97-AF65-F5344CB8AC3E}">
+        <p14:creationId xmlns:p14="http://schemas.microsoft.com/office/powerpoint/2010/main" val="1789464836"/>
+      </p:ext>
+    </p:extLst>
+  </p:cSld>
+  <p:clrMapOvr>
+    <a:overrideClrMapping bg1="lt1" tx1="dk1" bg2="lt2" tx2="dk2" accent1="accent1" accent2="accent2" accent3="accent3" accent4="accent4" accent5="accent5" accent6="accent6" hlink="hlink" folHlink="folHlink"/>
+  </p:clrMapOvr>
+</p:sld>
+</file>
+
+<file path=ppt/slides/slide9.xml><?xml version="1.0" encoding="utf-8"?>
+<p:sld xmlns:a="http://schemas.openxmlformats.org/drawingml/2006/main" xmlns:r="http://schemas.openxmlformats.org/officeDocument/2006/relationships" xmlns:p="http://schemas.openxmlformats.org/presentationml/2006/main">
+  <p:cSld>
+    <p:bg>
+      <p:bgPr>
+        <a:blipFill>
+          <a:blip r:embed="rId2"/>
+          <a:stretch/>
+        </a:blipFill>
+        <a:effectLst/>
+      </p:bgPr>
+    </p:bg>
+    <p:spTree>
+      <p:nvGrpSpPr>
+        <p:cNvPr id="1" name=""/>
+        <p:cNvGrpSpPr/>
+        <p:nvPr/>
+      </p:nvGrpSpPr>
+      <p:grpSpPr>
+        <a:xfrm>
+          <a:off x="0" y="0"/>
+          <a:ext cx="0" cy="0"/>
+          <a:chOff x="0" y="0"/>
+          <a:chExt cx="0" cy="0"/>
+        </a:xfrm>
+      </p:grpSpPr>
       <p:sp>
         <p:nvSpPr>
           <p:cNvPr id="2" name="Title 1">
@@ -14772,72 +21288,52 @@
         </p:nvSpPr>
         <p:spPr>
           <a:xfrm>
-            <a:off x="685801" y="533400"/>
-            <a:ext cx="10820400" cy="1177092"/>
+            <a:off x="4955458" y="639097"/>
+            <a:ext cx="6593075" cy="1612490"/>
           </a:xfrm>
         </p:spPr>
         <p:txBody>
-          <a:bodyPr anchor="b">
+          <a:bodyPr>
             <a:normAutofit/>
           </a:bodyPr>
           <a:lstStyle/>
           <a:p>
-            <a:pPr algn="ctr"/>
             <a:r>
-              <a:rPr lang="en-CA" sz="4400" dirty="0"/>
+              <a:rPr lang="en-CA" dirty="0"/>
               <a:t>maintenance and cloud if deployed</a:t>
             </a:r>
           </a:p>
         </p:txBody>
       </p:sp>
-      <p:cxnSp>
-        <p:nvCxnSpPr>
-          <p:cNvPr id="68" name="Straight Connector 67">
+      <p:pic>
+        <p:nvPicPr>
+          <p:cNvPr id="70" name="Picture 69" descr="Sphere of mesh and nodes">
             <a:extLst>
               <a:ext uri="{FF2B5EF4-FFF2-40B4-BE49-F238E27FC236}">
-                <a16:creationId xmlns:a16="http://schemas.microsoft.com/office/drawing/2014/main" id="{26E963D7-0A73-484A-B8A2-DDBFEA123C2F}"/>
-              </a:ext>
-              <a:ext uri="{C183D7F6-B498-43B3-948B-1728B52AA6E4}">
-                <adec:decorative xmlns:adec="http://schemas.microsoft.com/office/drawing/2017/decorative" val="1"/>
+                <a16:creationId xmlns:a16="http://schemas.microsoft.com/office/drawing/2014/main" id="{FD81BDC7-F7E9-92BD-1777-0AF60EFBAA18}"/>
               </a:ext>
             </a:extLst>
           </p:cNvPr>
-          <p:cNvCxnSpPr>
-            <a:cxnSpLocks noGrp="1" noRot="1" noChangeAspect="1" noMove="1" noResize="1" noEditPoints="1" noAdjustHandles="1" noChangeArrowheads="1" noChangeShapeType="1"/>
-          </p:cNvCxnSpPr>
-          <p:nvPr>
-            <p:extLst>
-              <p:ext uri="{386F3935-93C4-4BCD-93E2-E3B085C9AB24}">
-                <p16:designElem xmlns:p16="http://schemas.microsoft.com/office/powerpoint/2015/main" val="1"/>
-              </p:ext>
-            </p:extLst>
-          </p:nvPr>
-        </p:nvCxnSpPr>
+          <p:cNvPicPr>
+            <a:picLocks noChangeAspect="1"/>
+          </p:cNvPicPr>
+          <p:nvPr/>
+        </p:nvPicPr>
+        <p:blipFill rotWithShape="1">
+          <a:blip r:embed="rId3"/>
+          <a:srcRect l="40144" r="9156"/>
+          <a:stretch/>
+        </p:blipFill>
         <p:spPr>
           <a:xfrm>
-            <a:off x="5845629" y="1850077"/>
-            <a:ext cx="500743" cy="0"/>
+            <a:off x="20" y="975"/>
+            <a:ext cx="4635988" cy="6858000"/>
           </a:xfrm>
-          <a:prstGeom prst="line">
+          <a:prstGeom prst="rect">
             <a:avLst/>
           </a:prstGeom>
-          <a:ln w="19050"/>
         </p:spPr>
-        <p:style>
-          <a:lnRef idx="1">
-            <a:schemeClr val="accent1"/>
-          </a:lnRef>
-          <a:fillRef idx="0">
-            <a:schemeClr val="accent1"/>
-          </a:fillRef>
-          <a:effectRef idx="0">
-            <a:schemeClr val="accent1"/>
-          </a:effectRef>
-          <a:fontRef idx="minor">
-            <a:schemeClr val="tx1"/>
-          </a:fontRef>
-        </p:style>
-      </p:cxnSp>
+      </p:pic>
       <p:sp>
         <p:nvSpPr>
           <p:cNvPr id="39" name="Content Placeholder 2">
@@ -14856,24 +21352,31 @@
         </p:nvSpPr>
         <p:spPr>
           <a:xfrm>
-            <a:off x="685801" y="2243892"/>
-            <a:ext cx="10820400" cy="3547308"/>
+            <a:off x="4955458" y="2251587"/>
+            <a:ext cx="6593075" cy="3972232"/>
           </a:xfrm>
         </p:spPr>
         <p:txBody>
-          <a:bodyPr anchor="t">
+          <a:bodyPr>
             <a:normAutofit/>
           </a:bodyPr>
           <a:lstStyle/>
           <a:p>
-            <a:endParaRPr lang="en-CA" sz="2000" dirty="0"/>
+            <a:endParaRPr lang="en-CA" dirty="0"/>
           </a:p>
           <a:p>
             <a:r>
-              <a:rPr lang="en-CA" sz="2000" dirty="0" err="1"/>
-              <a:t>sd</a:t>
+              <a:rPr lang="en-CA" dirty="0"/>
+              <a:t>Once Application is fully developed it can be deployed using Apache framework to any cloud server (python has been coded in an non-specific OS </a:t>
             </a:r>
-            <a:endParaRPr lang="en-CA" sz="2000" dirty="0"/>
+            <a:r>
+              <a:rPr lang="en-CA" dirty="0" err="1"/>
+              <a:t>unix</a:t>
+            </a:r>
+            <a:r>
+              <a:rPr lang="en-CA" dirty="0"/>
+              <a:t> format to ensure cross compatibility</a:t>
+            </a:r>
           </a:p>
         </p:txBody>
       </p:sp>
@@ -15140,12 +21643,21 @@
 </file>
 
 <file path=customXml/item1.xml><?xml version="1.0" encoding="utf-8"?>
+<?mso-contentType ?>
+<FormTemplates xmlns="http://schemas.microsoft.com/sharepoint/v3/contenttype/forms">
+  <Display>DocumentLibraryForm</Display>
+  <Edit>DocumentLibraryForm</Edit>
+  <New>DocumentLibraryForm</New>
+</FormTemplates>
+</file>
+
+<file path=customXml/item2.xml><?xml version="1.0" encoding="utf-8"?>
 <p:properties xmlns:p="http://schemas.microsoft.com/office/2006/metadata/properties" xmlns:xsi="http://www.w3.org/2001/XMLSchema-instance" xmlns:pc="http://schemas.microsoft.com/office/infopath/2007/PartnerControls">
   <documentManagement/>
 </p:properties>
 </file>
 
-<file path=customXml/item2.xml><?xml version="1.0" encoding="utf-8"?>
+<file path=customXml/item3.xml><?xml version="1.0" encoding="utf-8"?>
 <ct:contentTypeSchema xmlns:ct="http://schemas.microsoft.com/office/2006/metadata/contentType" xmlns:ma="http://schemas.microsoft.com/office/2006/metadata/properties/metaAttributes" ct:_="" ma:_="" ma:contentTypeName="Document" ma:contentTypeID="0x010100187CB99B633CF74CB96C6036C1453EF0" ma:contentTypeVersion="9" ma:contentTypeDescription="Create a new document." ma:contentTypeScope="" ma:versionID="a1344847cc888fb9ce812c031a45672a">
   <xsd:schema xmlns:xsd="http://www.w3.org/2001/XMLSchema" xmlns:xs="http://www.w3.org/2001/XMLSchema" xmlns:p="http://schemas.microsoft.com/office/2006/metadata/properties" xmlns:ns3="4e2827ee-077a-42b6-91dc-849015ede821" xmlns:ns4="02125c62-9850-4246-9069-7295b901ab02" targetNamespace="http://schemas.microsoft.com/office/2006/metadata/properties" ma:root="true" ma:fieldsID="1f20d3428db51a2f28508bf4fe05126f" ns3:_="" ns4:_="">
     <xsd:import namespace="4e2827ee-077a-42b6-91dc-849015ede821"/>
@@ -15342,16 +21854,15 @@
 </ct:contentTypeSchema>
 </file>
 
-<file path=customXml/item3.xml><?xml version="1.0" encoding="utf-8"?>
-<?mso-contentType ?>
-<FormTemplates xmlns="http://schemas.microsoft.com/sharepoint/v3/contenttype/forms">
-  <Display>DocumentLibraryForm</Display>
-  <Edit>DocumentLibraryForm</Edit>
-  <New>DocumentLibraryForm</New>
-</FormTemplates>
+<file path=customXml/itemProps1.xml><?xml version="1.0" encoding="utf-8"?>
+<ds:datastoreItem xmlns:ds="http://schemas.openxmlformats.org/officeDocument/2006/customXml" ds:itemID="{23860DF8-D058-43F6-9939-4216F975FE7A}">
+  <ds:schemaRefs>
+    <ds:schemaRef ds:uri="http://schemas.microsoft.com/sharepoint/v3/contenttype/forms"/>
+  </ds:schemaRefs>
+</ds:datastoreItem>
 </file>
 
-<file path=customXml/itemProps1.xml><?xml version="1.0" encoding="utf-8"?>
+<file path=customXml/itemProps2.xml><?xml version="1.0" encoding="utf-8"?>
 <ds:datastoreItem xmlns:ds="http://schemas.openxmlformats.org/officeDocument/2006/customXml" ds:itemID="{DE6668BD-C18C-4FB4-828D-239394283F62}">
   <ds:schemaRefs>
     <ds:schemaRef ds:uri="http://www.w3.org/XML/1998/namespace"/>
@@ -15368,7 +21879,7 @@
 </ds:datastoreItem>
 </file>
 
-<file path=customXml/itemProps2.xml><?xml version="1.0" encoding="utf-8"?>
+<file path=customXml/itemProps3.xml><?xml version="1.0" encoding="utf-8"?>
 <ds:datastoreItem xmlns:ds="http://schemas.openxmlformats.org/officeDocument/2006/customXml" ds:itemID="{6046329D-5DFA-4C98-BC52-9FDA49D66BC9}">
   <ds:schemaRefs>
     <ds:schemaRef ds:uri="http://schemas.microsoft.com/office/2006/metadata/contentType"/>
@@ -15385,12 +21896,4 @@
     <ds:schemaRef ds:uri="http://schemas.microsoft.com/internal/obd"/>
   </ds:schemaRefs>
 </ds:datastoreItem>
-</file>
-
-<file path=customXml/itemProps3.xml><?xml version="1.0" encoding="utf-8"?>
-<ds:datastoreItem xmlns:ds="http://schemas.openxmlformats.org/officeDocument/2006/customXml" ds:itemID="{23860DF8-D058-43F6-9939-4216F975FE7A}">
-  <ds:schemaRefs>
-    <ds:schemaRef ds:uri="http://schemas.microsoft.com/sharepoint/v3/contenttype/forms"/>
-  </ds:schemaRefs>
-</ds:datastoreItem>
 </file>